--- a/Dissertacia/MyWork/DocWork/Дружинин_НТС_Май_ЦНИИ_РТК.pptx
+++ b/Dissertacia/MyWork/DocWork/Дружинин_НТС_Май_ЦНИИ_РТК.pptx
@@ -5,7 +5,7 @@
     <p:sldMasterId id="2147483648" r:id="rId1"/>
   </p:sldMasterIdLst>
   <p:notesMasterIdLst>
-    <p:notesMasterId r:id="rId18"/>
+    <p:notesMasterId r:id="rId16"/>
   </p:notesMasterIdLst>
   <p:sldIdLst>
     <p:sldId id="256" r:id="rId2"/>
@@ -18,12 +18,10 @@
     <p:sldId id="305" r:id="rId9"/>
     <p:sldId id="306" r:id="rId10"/>
     <p:sldId id="307" r:id="rId11"/>
-    <p:sldId id="299" r:id="rId12"/>
-    <p:sldId id="295" r:id="rId13"/>
-    <p:sldId id="296" r:id="rId14"/>
-    <p:sldId id="297" r:id="rId15"/>
-    <p:sldId id="298" r:id="rId16"/>
-    <p:sldId id="292" r:id="rId17"/>
+    <p:sldId id="309" r:id="rId12"/>
+    <p:sldId id="308" r:id="rId13"/>
+    <p:sldId id="310" r:id="rId14"/>
+    <p:sldId id="292" r:id="rId15"/>
   </p:sldIdLst>
   <p:sldSz cx="9144000" cy="5143500" type="screen16x9"/>
   <p:notesSz cx="6735763" cy="9866313"/>
@@ -161,6 +159,2021 @@
 </p:presentation>
 </file>
 
+<file path=ppt/charts/chart1.xml><?xml version="1.0" encoding="utf-8"?>
+<c:chartSpace xmlns:c="http://schemas.openxmlformats.org/drawingml/2006/chart" xmlns:a="http://schemas.openxmlformats.org/drawingml/2006/main" xmlns:r="http://schemas.openxmlformats.org/officeDocument/2006/relationships">
+  <c:date1904 val="0"/>
+  <c:lang val="ru-RU"/>
+  <c:roundedCorners val="0"/>
+  <mc:AlternateContent xmlns:mc="http://schemas.openxmlformats.org/markup-compatibility/2006">
+    <mc:Choice xmlns:c14="http://schemas.microsoft.com/office/drawing/2007/8/2/chart" Requires="c14">
+      <c14:style val="102"/>
+    </mc:Choice>
+    <mc:Fallback>
+      <c:style val="2"/>
+    </mc:Fallback>
+  </mc:AlternateContent>
+  <c:chart>
+    <c:title>
+      <c:tx>
+        <c:rich>
+          <a:bodyPr rot="0" spcFirstLastPara="1" vertOverflow="ellipsis" vert="horz" wrap="square" anchor="ctr" anchorCtr="1"/>
+          <a:lstStyle/>
+          <a:p>
+            <a:pPr>
+              <a:defRPr sz="1800" b="0" i="0" u="none" strike="noStrike" kern="1200" spc="0" baseline="0">
+                <a:solidFill>
+                  <a:schemeClr val="tx1">
+                    <a:lumMod val="65000"/>
+                    <a:lumOff val="35000"/>
+                  </a:schemeClr>
+                </a:solidFill>
+                <a:latin typeface="+mn-lt"/>
+                <a:ea typeface="+mn-ea"/>
+                <a:cs typeface="+mn-cs"/>
+              </a:defRPr>
+            </a:pPr>
+            <a:r>
+              <a:rPr lang="ru-RU" sz="1800" dirty="0" smtClean="0"/>
+              <a:t>Отклонение </a:t>
+            </a:r>
+            <a:r>
+              <a:rPr lang="ru-RU" sz="1800" dirty="0"/>
+              <a:t>иглы в зависимости </a:t>
+            </a:r>
+            <a:r>
+              <a:rPr lang="ru-RU" sz="1800" dirty="0" smtClean="0"/>
+              <a:t>от скорости при различной </a:t>
+            </a:r>
+            <a:r>
+              <a:rPr lang="ru-RU" sz="1800" dirty="0"/>
+              <a:t>плотности материала</a:t>
+            </a:r>
+          </a:p>
+        </c:rich>
+      </c:tx>
+      <c:layout>
+        <c:manualLayout>
+          <c:xMode val="edge"/>
+          <c:yMode val="edge"/>
+          <c:x val="0.13049199243562309"/>
+          <c:y val="0"/>
+        </c:manualLayout>
+      </c:layout>
+      <c:overlay val="0"/>
+      <c:spPr>
+        <a:noFill/>
+        <a:ln>
+          <a:noFill/>
+        </a:ln>
+        <a:effectLst/>
+      </c:spPr>
+    </c:title>
+    <c:autoTitleDeleted val="0"/>
+    <c:plotArea>
+      <c:layout/>
+      <c:scatterChart>
+        <c:scatterStyle val="smoothMarker"/>
+        <c:varyColors val="0"/>
+        <c:ser>
+          <c:idx val="0"/>
+          <c:order val="0"/>
+          <c:tx>
+            <c:v>1500 кг/м3</c:v>
+          </c:tx>
+          <c:spPr>
+            <a:ln w="19050" cap="rnd">
+              <a:solidFill>
+                <a:schemeClr val="accent1"/>
+              </a:solidFill>
+              <a:round/>
+            </a:ln>
+            <a:effectLst/>
+          </c:spPr>
+          <c:marker>
+            <c:symbol val="circle"/>
+            <c:size val="5"/>
+            <c:spPr>
+              <a:solidFill>
+                <a:schemeClr val="accent1"/>
+              </a:solidFill>
+              <a:ln w="9525">
+                <a:solidFill>
+                  <a:schemeClr val="accent1"/>
+                </a:solidFill>
+              </a:ln>
+              <a:effectLst/>
+            </c:spPr>
+          </c:marker>
+          <c:xVal>
+            <c:numRef>
+              <c:f>Лист1!$C$64:$C$73</c:f>
+              <c:numCache>
+                <c:formatCode>General</c:formatCode>
+                <c:ptCount val="10"/>
+                <c:pt idx="0">
+                  <c:v>3</c:v>
+                </c:pt>
+                <c:pt idx="1">
+                  <c:v>6</c:v>
+                </c:pt>
+                <c:pt idx="2">
+                  <c:v>9</c:v>
+                </c:pt>
+                <c:pt idx="3">
+                  <c:v>12</c:v>
+                </c:pt>
+                <c:pt idx="4">
+                  <c:v>15</c:v>
+                </c:pt>
+                <c:pt idx="5">
+                  <c:v>18</c:v>
+                </c:pt>
+                <c:pt idx="6">
+                  <c:v>21</c:v>
+                </c:pt>
+                <c:pt idx="7">
+                  <c:v>24</c:v>
+                </c:pt>
+                <c:pt idx="8">
+                  <c:v>27</c:v>
+                </c:pt>
+                <c:pt idx="9">
+                  <c:v>30</c:v>
+                </c:pt>
+              </c:numCache>
+            </c:numRef>
+          </c:xVal>
+          <c:yVal>
+            <c:numRef>
+              <c:f>Лист1!$D$64:$D$73</c:f>
+              <c:numCache>
+                <c:formatCode>0.000</c:formatCode>
+                <c:ptCount val="10"/>
+                <c:pt idx="0">
+                  <c:v>3.6592785075420499E-2</c:v>
+                </c:pt>
+                <c:pt idx="1">
+                  <c:v>0.146371140301682</c:v>
+                </c:pt>
+                <c:pt idx="2">
+                  <c:v>0.32933506567877613</c:v>
+                </c:pt>
+                <c:pt idx="3">
+                  <c:v>0.58548456120672754</c:v>
+                </c:pt>
+                <c:pt idx="4">
+                  <c:v>0.91481962688549723</c:v>
+                </c:pt>
+                <c:pt idx="5">
+                  <c:v>1.3173402627151098</c:v>
+                </c:pt>
+                <c:pt idx="6">
+                  <c:v>1.79304646869567</c:v>
+                </c:pt>
+                <c:pt idx="7">
+                  <c:v>2.341938244826911</c:v>
+                </c:pt>
+                <c:pt idx="8">
+                  <c:v>2.9640155911088693</c:v>
+                </c:pt>
+                <c:pt idx="9">
+                  <c:v>3.6592785075419898</c:v>
+                </c:pt>
+              </c:numCache>
+            </c:numRef>
+          </c:yVal>
+          <c:smooth val="1"/>
+          <c:extLst xmlns:c16r2="http://schemas.microsoft.com/office/drawing/2015/06/chart">
+            <c:ext xmlns:c16="http://schemas.microsoft.com/office/drawing/2014/chart" uri="{C3380CC4-5D6E-409C-BE32-E72D297353CC}">
+              <c16:uniqueId val="{00000000-BE25-4459-ACD3-6EA86BD5A999}"/>
+            </c:ext>
+          </c:extLst>
+        </c:ser>
+        <c:ser>
+          <c:idx val="1"/>
+          <c:order val="1"/>
+          <c:tx>
+            <c:v>1100 кг/м3</c:v>
+          </c:tx>
+          <c:spPr>
+            <a:ln w="19050" cap="rnd">
+              <a:solidFill>
+                <a:schemeClr val="accent2"/>
+              </a:solidFill>
+              <a:round/>
+            </a:ln>
+            <a:effectLst/>
+          </c:spPr>
+          <c:marker>
+            <c:symbol val="circle"/>
+            <c:size val="5"/>
+            <c:spPr>
+              <a:solidFill>
+                <a:schemeClr val="accent2"/>
+              </a:solidFill>
+              <a:ln w="9525">
+                <a:solidFill>
+                  <a:schemeClr val="accent2"/>
+                </a:solidFill>
+              </a:ln>
+              <a:effectLst/>
+            </c:spPr>
+          </c:marker>
+          <c:xVal>
+            <c:numRef>
+              <c:f>Лист1!$C$64:$C$73</c:f>
+              <c:numCache>
+                <c:formatCode>General</c:formatCode>
+                <c:ptCount val="10"/>
+                <c:pt idx="0">
+                  <c:v>3</c:v>
+                </c:pt>
+                <c:pt idx="1">
+                  <c:v>6</c:v>
+                </c:pt>
+                <c:pt idx="2">
+                  <c:v>9</c:v>
+                </c:pt>
+                <c:pt idx="3">
+                  <c:v>12</c:v>
+                </c:pt>
+                <c:pt idx="4">
+                  <c:v>15</c:v>
+                </c:pt>
+                <c:pt idx="5">
+                  <c:v>18</c:v>
+                </c:pt>
+                <c:pt idx="6">
+                  <c:v>21</c:v>
+                </c:pt>
+                <c:pt idx="7">
+                  <c:v>24</c:v>
+                </c:pt>
+                <c:pt idx="8">
+                  <c:v>27</c:v>
+                </c:pt>
+                <c:pt idx="9">
+                  <c:v>30</c:v>
+                </c:pt>
+              </c:numCache>
+            </c:numRef>
+          </c:xVal>
+          <c:yVal>
+            <c:numRef>
+              <c:f>Лист1!$F$64:$F$73</c:f>
+              <c:numCache>
+                <c:formatCode>0.000</c:formatCode>
+                <c:ptCount val="10"/>
+                <c:pt idx="0">
+                  <c:v>2.6834709055307708E-2</c:v>
+                </c:pt>
+                <c:pt idx="1">
+                  <c:v>0.10733883622123103</c:v>
+                </c:pt>
+                <c:pt idx="2">
+                  <c:v>0.24151238149775911</c:v>
+                </c:pt>
+                <c:pt idx="3">
+                  <c:v>0.42935534488492411</c:v>
+                </c:pt>
+                <c:pt idx="4">
+                  <c:v>0.67086772638273295</c:v>
+                </c:pt>
+                <c:pt idx="5">
+                  <c:v>0.966049525991035</c:v>
+                </c:pt>
+                <c:pt idx="6">
+                  <c:v>1.3149007437100699</c:v>
+                </c:pt>
+                <c:pt idx="7">
+                  <c:v>1.7174213795396891</c:v>
+                </c:pt>
+                <c:pt idx="8">
+                  <c:v>2.1736114334798686</c:v>
+                </c:pt>
+                <c:pt idx="9">
+                  <c:v>2.6834709055309309</c:v>
+                </c:pt>
+              </c:numCache>
+            </c:numRef>
+          </c:yVal>
+          <c:smooth val="1"/>
+          <c:extLst xmlns:c16r2="http://schemas.microsoft.com/office/drawing/2015/06/chart">
+            <c:ext xmlns:c16="http://schemas.microsoft.com/office/drawing/2014/chart" uri="{C3380CC4-5D6E-409C-BE32-E72D297353CC}">
+              <c16:uniqueId val="{00000001-BE25-4459-ACD3-6EA86BD5A999}"/>
+            </c:ext>
+          </c:extLst>
+        </c:ser>
+        <c:ser>
+          <c:idx val="2"/>
+          <c:order val="2"/>
+          <c:tx>
+            <c:v>900 кг/м3</c:v>
+          </c:tx>
+          <c:spPr>
+            <a:ln w="19050" cap="rnd">
+              <a:solidFill>
+                <a:schemeClr val="accent3"/>
+              </a:solidFill>
+              <a:round/>
+            </a:ln>
+            <a:effectLst/>
+          </c:spPr>
+          <c:marker>
+            <c:symbol val="circle"/>
+            <c:size val="5"/>
+            <c:spPr>
+              <a:solidFill>
+                <a:schemeClr val="accent3"/>
+              </a:solidFill>
+              <a:ln w="9525">
+                <a:solidFill>
+                  <a:schemeClr val="accent3"/>
+                </a:solidFill>
+              </a:ln>
+              <a:effectLst/>
+            </c:spPr>
+          </c:marker>
+          <c:xVal>
+            <c:numRef>
+              <c:f>Лист1!$C$64:$C$73</c:f>
+              <c:numCache>
+                <c:formatCode>General</c:formatCode>
+                <c:ptCount val="10"/>
+                <c:pt idx="0">
+                  <c:v>3</c:v>
+                </c:pt>
+                <c:pt idx="1">
+                  <c:v>6</c:v>
+                </c:pt>
+                <c:pt idx="2">
+                  <c:v>9</c:v>
+                </c:pt>
+                <c:pt idx="3">
+                  <c:v>12</c:v>
+                </c:pt>
+                <c:pt idx="4">
+                  <c:v>15</c:v>
+                </c:pt>
+                <c:pt idx="5">
+                  <c:v>18</c:v>
+                </c:pt>
+                <c:pt idx="6">
+                  <c:v>21</c:v>
+                </c:pt>
+                <c:pt idx="7">
+                  <c:v>24</c:v>
+                </c:pt>
+                <c:pt idx="8">
+                  <c:v>27</c:v>
+                </c:pt>
+                <c:pt idx="9">
+                  <c:v>30</c:v>
+                </c:pt>
+              </c:numCache>
+            </c:numRef>
+          </c:xVal>
+          <c:yVal>
+            <c:numRef>
+              <c:f>Лист1!$H$64:$H$73</c:f>
+              <c:numCache>
+                <c:formatCode>0.000</c:formatCode>
+                <c:ptCount val="10"/>
+                <c:pt idx="0">
+                  <c:v>2.1955671045252197E-2</c:v>
+                </c:pt>
+                <c:pt idx="1">
+                  <c:v>8.7822684181008998E-2</c:v>
+                </c:pt>
+                <c:pt idx="2">
+                  <c:v>0.19760103940725701</c:v>
+                </c:pt>
+                <c:pt idx="3">
+                  <c:v>0.35129073672403599</c:v>
+                </c:pt>
+                <c:pt idx="4">
+                  <c:v>0.54889177613131923</c:v>
+                </c:pt>
+                <c:pt idx="5">
+                  <c:v>0.79040415762902905</c:v>
+                </c:pt>
+                <c:pt idx="6">
+                  <c:v>1.0758278812173998</c:v>
+                </c:pt>
+                <c:pt idx="7">
+                  <c:v>1.40516294689614</c:v>
+                </c:pt>
+                <c:pt idx="8">
+                  <c:v>1.77840935466551</c:v>
+                </c:pt>
+                <c:pt idx="9">
+                  <c:v>2.1955671045252791</c:v>
+                </c:pt>
+              </c:numCache>
+            </c:numRef>
+          </c:yVal>
+          <c:smooth val="1"/>
+          <c:extLst xmlns:c16r2="http://schemas.microsoft.com/office/drawing/2015/06/chart">
+            <c:ext xmlns:c16="http://schemas.microsoft.com/office/drawing/2014/chart" uri="{C3380CC4-5D6E-409C-BE32-E72D297353CC}">
+              <c16:uniqueId val="{00000002-BE25-4459-ACD3-6EA86BD5A999}"/>
+            </c:ext>
+          </c:extLst>
+        </c:ser>
+        <c:dLbls>
+          <c:showLegendKey val="0"/>
+          <c:showVal val="0"/>
+          <c:showCatName val="0"/>
+          <c:showSerName val="0"/>
+          <c:showPercent val="0"/>
+          <c:showBubbleSize val="0"/>
+        </c:dLbls>
+        <c:axId val="302432784"/>
+        <c:axId val="302433176"/>
+      </c:scatterChart>
+      <c:valAx>
+        <c:axId val="302432784"/>
+        <c:scaling>
+          <c:orientation val="minMax"/>
+        </c:scaling>
+        <c:delete val="0"/>
+        <c:axPos val="b"/>
+        <c:majorGridlines>
+          <c:spPr>
+            <a:ln w="9525" cap="flat" cmpd="sng" algn="ctr">
+              <a:solidFill>
+                <a:schemeClr val="tx1">
+                  <a:lumMod val="15000"/>
+                  <a:lumOff val="85000"/>
+                </a:schemeClr>
+              </a:solidFill>
+              <a:round/>
+            </a:ln>
+            <a:effectLst/>
+          </c:spPr>
+        </c:majorGridlines>
+        <c:minorGridlines>
+          <c:spPr>
+            <a:ln w="9525" cap="flat" cmpd="sng" algn="ctr">
+              <a:solidFill>
+                <a:schemeClr val="tx1">
+                  <a:lumMod val="5000"/>
+                  <a:lumOff val="95000"/>
+                </a:schemeClr>
+              </a:solidFill>
+              <a:round/>
+            </a:ln>
+            <a:effectLst/>
+          </c:spPr>
+        </c:minorGridlines>
+        <c:title>
+          <c:tx>
+            <c:rich>
+              <a:bodyPr rot="0" spcFirstLastPara="1" vertOverflow="ellipsis" vert="horz" wrap="square" anchor="ctr" anchorCtr="1"/>
+              <a:lstStyle/>
+              <a:p>
+                <a:pPr>
+                  <a:defRPr sz="1200" b="0" i="0" u="none" strike="noStrike" kern="1200" baseline="0">
+                    <a:solidFill>
+                      <a:schemeClr val="tx1">
+                        <a:lumMod val="65000"/>
+                        <a:lumOff val="35000"/>
+                      </a:schemeClr>
+                    </a:solidFill>
+                    <a:latin typeface="+mn-lt"/>
+                    <a:ea typeface="+mn-ea"/>
+                    <a:cs typeface="+mn-cs"/>
+                  </a:defRPr>
+                </a:pPr>
+                <a:r>
+                  <a:rPr lang="ru-RU"/>
+                  <a:t>Скорость, мм/с</a:t>
+                </a:r>
+              </a:p>
+            </c:rich>
+          </c:tx>
+          <c:layout/>
+          <c:overlay val="0"/>
+          <c:spPr>
+            <a:noFill/>
+            <a:ln>
+              <a:noFill/>
+            </a:ln>
+            <a:effectLst/>
+          </c:spPr>
+        </c:title>
+        <c:numFmt formatCode="General" sourceLinked="1"/>
+        <c:majorTickMark val="none"/>
+        <c:minorTickMark val="none"/>
+        <c:tickLblPos val="nextTo"/>
+        <c:spPr>
+          <a:noFill/>
+          <a:ln w="9525" cap="flat" cmpd="sng" algn="ctr">
+            <a:solidFill>
+              <a:schemeClr val="tx1">
+                <a:lumMod val="25000"/>
+                <a:lumOff val="75000"/>
+              </a:schemeClr>
+            </a:solidFill>
+            <a:round/>
+          </a:ln>
+          <a:effectLst/>
+        </c:spPr>
+        <c:txPr>
+          <a:bodyPr rot="-60000000" spcFirstLastPara="1" vertOverflow="ellipsis" vert="horz" wrap="square" anchor="ctr" anchorCtr="1"/>
+          <a:lstStyle/>
+          <a:p>
+            <a:pPr>
+              <a:defRPr sz="1200" b="0" i="0" u="none" strike="noStrike" kern="1200" baseline="0">
+                <a:solidFill>
+                  <a:schemeClr val="tx1">
+                    <a:lumMod val="65000"/>
+                    <a:lumOff val="35000"/>
+                  </a:schemeClr>
+                </a:solidFill>
+                <a:latin typeface="+mn-lt"/>
+                <a:ea typeface="+mn-ea"/>
+                <a:cs typeface="+mn-cs"/>
+              </a:defRPr>
+            </a:pPr>
+            <a:endParaRPr lang="ru-RU"/>
+          </a:p>
+        </c:txPr>
+        <c:crossAx val="302433176"/>
+        <c:crosses val="autoZero"/>
+        <c:crossBetween val="midCat"/>
+      </c:valAx>
+      <c:valAx>
+        <c:axId val="302433176"/>
+        <c:scaling>
+          <c:orientation val="minMax"/>
+          <c:max val="4"/>
+        </c:scaling>
+        <c:delete val="0"/>
+        <c:axPos val="l"/>
+        <c:majorGridlines>
+          <c:spPr>
+            <a:ln w="9525" cap="flat" cmpd="sng" algn="ctr">
+              <a:solidFill>
+                <a:schemeClr val="tx1">
+                  <a:lumMod val="15000"/>
+                  <a:lumOff val="85000"/>
+                </a:schemeClr>
+              </a:solidFill>
+              <a:round/>
+            </a:ln>
+            <a:effectLst/>
+          </c:spPr>
+        </c:majorGridlines>
+        <c:minorGridlines>
+          <c:spPr>
+            <a:ln w="9525" cap="flat" cmpd="sng" algn="ctr">
+              <a:solidFill>
+                <a:schemeClr val="tx1">
+                  <a:lumMod val="5000"/>
+                  <a:lumOff val="95000"/>
+                </a:schemeClr>
+              </a:solidFill>
+              <a:round/>
+            </a:ln>
+            <a:effectLst/>
+          </c:spPr>
+        </c:minorGridlines>
+        <c:title>
+          <c:tx>
+            <c:rich>
+              <a:bodyPr rot="-5400000" spcFirstLastPara="1" vertOverflow="ellipsis" vert="horz" wrap="square" anchor="ctr" anchorCtr="1"/>
+              <a:lstStyle/>
+              <a:p>
+                <a:pPr>
+                  <a:defRPr sz="1200" b="0" i="0" u="none" strike="noStrike" kern="1200" baseline="0">
+                    <a:solidFill>
+                      <a:schemeClr val="tx1">
+                        <a:lumMod val="65000"/>
+                        <a:lumOff val="35000"/>
+                      </a:schemeClr>
+                    </a:solidFill>
+                    <a:latin typeface="+mn-lt"/>
+                    <a:ea typeface="+mn-ea"/>
+                    <a:cs typeface="+mn-cs"/>
+                  </a:defRPr>
+                </a:pPr>
+                <a:r>
+                  <a:rPr lang="ru-RU" dirty="0" smtClean="0"/>
+                  <a:t>Отклонение, </a:t>
+                </a:r>
+                <a:r>
+                  <a:rPr lang="ru-RU" dirty="0"/>
+                  <a:t>мм</a:t>
+                </a:r>
+              </a:p>
+            </c:rich>
+          </c:tx>
+          <c:layout/>
+          <c:overlay val="0"/>
+          <c:spPr>
+            <a:noFill/>
+            <a:ln>
+              <a:noFill/>
+            </a:ln>
+            <a:effectLst/>
+          </c:spPr>
+        </c:title>
+        <c:numFmt formatCode="0.000" sourceLinked="1"/>
+        <c:majorTickMark val="none"/>
+        <c:minorTickMark val="none"/>
+        <c:tickLblPos val="nextTo"/>
+        <c:spPr>
+          <a:noFill/>
+          <a:ln w="9525" cap="flat" cmpd="sng" algn="ctr">
+            <a:solidFill>
+              <a:schemeClr val="tx1">
+                <a:lumMod val="25000"/>
+                <a:lumOff val="75000"/>
+              </a:schemeClr>
+            </a:solidFill>
+            <a:round/>
+          </a:ln>
+          <a:effectLst/>
+        </c:spPr>
+        <c:txPr>
+          <a:bodyPr rot="-60000000" spcFirstLastPara="1" vertOverflow="ellipsis" vert="horz" wrap="square" anchor="ctr" anchorCtr="1"/>
+          <a:lstStyle/>
+          <a:p>
+            <a:pPr>
+              <a:defRPr sz="1200" b="0" i="0" u="none" strike="noStrike" kern="1200" baseline="0">
+                <a:solidFill>
+                  <a:schemeClr val="tx1">
+                    <a:lumMod val="65000"/>
+                    <a:lumOff val="35000"/>
+                  </a:schemeClr>
+                </a:solidFill>
+                <a:latin typeface="+mn-lt"/>
+                <a:ea typeface="+mn-ea"/>
+                <a:cs typeface="+mn-cs"/>
+              </a:defRPr>
+            </a:pPr>
+            <a:endParaRPr lang="ru-RU"/>
+          </a:p>
+        </c:txPr>
+        <c:crossAx val="302432784"/>
+        <c:crosses val="autoZero"/>
+        <c:crossBetween val="midCat"/>
+      </c:valAx>
+      <c:spPr>
+        <a:noFill/>
+        <a:ln>
+          <a:noFill/>
+        </a:ln>
+        <a:effectLst/>
+      </c:spPr>
+    </c:plotArea>
+    <c:legend>
+      <c:legendPos val="b"/>
+      <c:layout/>
+      <c:overlay val="0"/>
+      <c:spPr>
+        <a:noFill/>
+        <a:ln>
+          <a:noFill/>
+        </a:ln>
+        <a:effectLst/>
+      </c:spPr>
+      <c:txPr>
+        <a:bodyPr rot="0" spcFirstLastPara="1" vertOverflow="ellipsis" vert="horz" wrap="square" anchor="ctr" anchorCtr="1"/>
+        <a:lstStyle/>
+        <a:p>
+          <a:pPr>
+            <a:defRPr sz="1200" b="0" i="0" u="none" strike="noStrike" kern="1200" baseline="0">
+              <a:solidFill>
+                <a:schemeClr val="tx1">
+                  <a:lumMod val="65000"/>
+                  <a:lumOff val="35000"/>
+                </a:schemeClr>
+              </a:solidFill>
+              <a:latin typeface="+mn-lt"/>
+              <a:ea typeface="+mn-ea"/>
+              <a:cs typeface="+mn-cs"/>
+            </a:defRPr>
+          </a:pPr>
+          <a:endParaRPr lang="ru-RU"/>
+        </a:p>
+      </c:txPr>
+    </c:legend>
+    <c:plotVisOnly val="1"/>
+    <c:dispBlanksAs val="gap"/>
+    <c:showDLblsOverMax val="0"/>
+  </c:chart>
+  <c:spPr>
+    <a:noFill/>
+    <a:ln>
+      <a:noFill/>
+    </a:ln>
+    <a:effectLst/>
+  </c:spPr>
+  <c:txPr>
+    <a:bodyPr/>
+    <a:lstStyle/>
+    <a:p>
+      <a:pPr>
+        <a:defRPr sz="1200"/>
+      </a:pPr>
+      <a:endParaRPr lang="ru-RU"/>
+    </a:p>
+  </c:txPr>
+  <c:externalData r:id="rId1">
+    <c:autoUpdate val="0"/>
+  </c:externalData>
+</c:chartSpace>
+</file>
+
+<file path=ppt/charts/chart2.xml><?xml version="1.0" encoding="utf-8"?>
+<c:chartSpace xmlns:c="http://schemas.openxmlformats.org/drawingml/2006/chart" xmlns:a="http://schemas.openxmlformats.org/drawingml/2006/main" xmlns:r="http://schemas.openxmlformats.org/officeDocument/2006/relationships">
+  <c:date1904 val="0"/>
+  <c:lang val="ru-RU"/>
+  <c:roundedCorners val="0"/>
+  <mc:AlternateContent xmlns:mc="http://schemas.openxmlformats.org/markup-compatibility/2006">
+    <mc:Choice xmlns:c14="http://schemas.microsoft.com/office/drawing/2007/8/2/chart" Requires="c14">
+      <c14:style val="102"/>
+    </mc:Choice>
+    <mc:Fallback>
+      <c:style val="2"/>
+    </mc:Fallback>
+  </mc:AlternateContent>
+  <c:chart>
+    <c:title>
+      <c:tx>
+        <c:rich>
+          <a:bodyPr rot="0" spcFirstLastPara="1" vertOverflow="ellipsis" vert="horz" wrap="square" anchor="ctr" anchorCtr="1"/>
+          <a:lstStyle/>
+          <a:p>
+            <a:pPr>
+              <a:defRPr sz="1400" b="0" i="0" u="none" strike="noStrike" kern="1200" spc="0" baseline="0">
+                <a:solidFill>
+                  <a:schemeClr val="tx1">
+                    <a:lumMod val="65000"/>
+                    <a:lumOff val="35000"/>
+                  </a:schemeClr>
+                </a:solidFill>
+                <a:latin typeface="+mn-lt"/>
+                <a:ea typeface="+mn-ea"/>
+                <a:cs typeface="+mn-cs"/>
+              </a:defRPr>
+            </a:pPr>
+            <a:r>
+              <a:rPr lang="ru-RU" sz="1800" baseline="0" dirty="0" smtClean="0"/>
+              <a:t>Отклонение иглы </a:t>
+            </a:r>
+            <a:r>
+              <a:rPr lang="ru-RU" sz="1800" baseline="0" dirty="0"/>
+              <a:t>в зависимости от </a:t>
+            </a:r>
+            <a:r>
+              <a:rPr lang="ru-RU" sz="1800" baseline="0" dirty="0" smtClean="0"/>
+              <a:t> скорости при различных углах </a:t>
+            </a:r>
+            <a:r>
+              <a:rPr lang="ru-RU" sz="1800" baseline="0" dirty="0"/>
+              <a:t>острия</a:t>
+            </a:r>
+            <a:endParaRPr lang="ru-RU" sz="1800" dirty="0"/>
+          </a:p>
+        </c:rich>
+      </c:tx>
+      <c:layout/>
+      <c:overlay val="0"/>
+      <c:spPr>
+        <a:noFill/>
+        <a:ln>
+          <a:noFill/>
+        </a:ln>
+        <a:effectLst/>
+      </c:spPr>
+    </c:title>
+    <c:autoTitleDeleted val="0"/>
+    <c:plotArea>
+      <c:layout/>
+      <c:scatterChart>
+        <c:scatterStyle val="smoothMarker"/>
+        <c:varyColors val="0"/>
+        <c:ser>
+          <c:idx val="0"/>
+          <c:order val="0"/>
+          <c:tx>
+            <c:v>30 градусов</c:v>
+          </c:tx>
+          <c:spPr>
+            <a:ln w="19050" cap="rnd">
+              <a:solidFill>
+                <a:schemeClr val="accent1"/>
+              </a:solidFill>
+              <a:round/>
+            </a:ln>
+            <a:effectLst/>
+          </c:spPr>
+          <c:marker>
+            <c:symbol val="circle"/>
+            <c:size val="5"/>
+            <c:spPr>
+              <a:solidFill>
+                <a:schemeClr val="accent1"/>
+              </a:solidFill>
+              <a:ln w="9525">
+                <a:solidFill>
+                  <a:schemeClr val="accent1"/>
+                </a:solidFill>
+              </a:ln>
+              <a:effectLst/>
+            </c:spPr>
+          </c:marker>
+          <c:xVal>
+            <c:numRef>
+              <c:f>Лист1!$C$49:$C$58</c:f>
+              <c:numCache>
+                <c:formatCode>General</c:formatCode>
+                <c:ptCount val="10"/>
+                <c:pt idx="0">
+                  <c:v>3</c:v>
+                </c:pt>
+                <c:pt idx="1">
+                  <c:v>6</c:v>
+                </c:pt>
+                <c:pt idx="2">
+                  <c:v>9</c:v>
+                </c:pt>
+                <c:pt idx="3">
+                  <c:v>12</c:v>
+                </c:pt>
+                <c:pt idx="4">
+                  <c:v>15</c:v>
+                </c:pt>
+                <c:pt idx="5">
+                  <c:v>18</c:v>
+                </c:pt>
+                <c:pt idx="6">
+                  <c:v>21</c:v>
+                </c:pt>
+                <c:pt idx="7">
+                  <c:v>24</c:v>
+                </c:pt>
+                <c:pt idx="8">
+                  <c:v>27</c:v>
+                </c:pt>
+                <c:pt idx="9">
+                  <c:v>30</c:v>
+                </c:pt>
+              </c:numCache>
+            </c:numRef>
+          </c:xVal>
+          <c:yVal>
+            <c:numRef>
+              <c:f>Лист1!$D$49:$D$58</c:f>
+              <c:numCache>
+                <c:formatCode>0.000</c:formatCode>
+                <c:ptCount val="10"/>
+                <c:pt idx="0">
+                  <c:v>2.5875006470093321E-2</c:v>
+                </c:pt>
+                <c:pt idx="1">
+                  <c:v>0.10350002588037302</c:v>
+                </c:pt>
+                <c:pt idx="2">
+                  <c:v>0.23287505823082993</c:v>
+                </c:pt>
+                <c:pt idx="3">
+                  <c:v>0.41400010352149302</c:v>
+                </c:pt>
+                <c:pt idx="4">
+                  <c:v>0.64687516175232773</c:v>
+                </c:pt>
+                <c:pt idx="5">
+                  <c:v>0.93150023292332118</c:v>
+                </c:pt>
+                <c:pt idx="6">
+                  <c:v>1.2678753170346091</c:v>
+                </c:pt>
+                <c:pt idx="7">
+                  <c:v>1.6560004140859701</c:v>
+                </c:pt>
+                <c:pt idx="8">
+                  <c:v>2.0958755240775191</c:v>
+                </c:pt>
+                <c:pt idx="9">
+                  <c:v>2.5875006470093118</c:v>
+                </c:pt>
+              </c:numCache>
+            </c:numRef>
+          </c:yVal>
+          <c:smooth val="1"/>
+          <c:extLst xmlns:c16r2="http://schemas.microsoft.com/office/drawing/2015/06/chart">
+            <c:ext xmlns:c16="http://schemas.microsoft.com/office/drawing/2014/chart" uri="{C3380CC4-5D6E-409C-BE32-E72D297353CC}">
+              <c16:uniqueId val="{00000000-0A9E-42A7-9B6E-C9283844DF8F}"/>
+            </c:ext>
+          </c:extLst>
+        </c:ser>
+        <c:ser>
+          <c:idx val="1"/>
+          <c:order val="1"/>
+          <c:tx>
+            <c:v>45  градусов</c:v>
+          </c:tx>
+          <c:spPr>
+            <a:ln w="19050" cap="rnd">
+              <a:solidFill>
+                <a:schemeClr val="accent2"/>
+              </a:solidFill>
+              <a:round/>
+            </a:ln>
+            <a:effectLst/>
+          </c:spPr>
+          <c:marker>
+            <c:symbol val="circle"/>
+            <c:size val="5"/>
+            <c:spPr>
+              <a:solidFill>
+                <a:schemeClr val="accent2"/>
+              </a:solidFill>
+              <a:ln w="9525">
+                <a:solidFill>
+                  <a:schemeClr val="accent2"/>
+                </a:solidFill>
+              </a:ln>
+              <a:effectLst/>
+            </c:spPr>
+          </c:marker>
+          <c:xVal>
+            <c:numRef>
+              <c:f>Лист1!$C$64:$C$73</c:f>
+              <c:numCache>
+                <c:formatCode>General</c:formatCode>
+                <c:ptCount val="10"/>
+                <c:pt idx="0">
+                  <c:v>3</c:v>
+                </c:pt>
+                <c:pt idx="1">
+                  <c:v>6</c:v>
+                </c:pt>
+                <c:pt idx="2">
+                  <c:v>9</c:v>
+                </c:pt>
+                <c:pt idx="3">
+                  <c:v>12</c:v>
+                </c:pt>
+                <c:pt idx="4">
+                  <c:v>15</c:v>
+                </c:pt>
+                <c:pt idx="5">
+                  <c:v>18</c:v>
+                </c:pt>
+                <c:pt idx="6">
+                  <c:v>21</c:v>
+                </c:pt>
+                <c:pt idx="7">
+                  <c:v>24</c:v>
+                </c:pt>
+                <c:pt idx="8">
+                  <c:v>27</c:v>
+                </c:pt>
+                <c:pt idx="9">
+                  <c:v>30</c:v>
+                </c:pt>
+              </c:numCache>
+            </c:numRef>
+          </c:xVal>
+          <c:yVal>
+            <c:numRef>
+              <c:f>Лист1!$D$64:$D$73</c:f>
+              <c:numCache>
+                <c:formatCode>0.000</c:formatCode>
+                <c:ptCount val="10"/>
+                <c:pt idx="0">
+                  <c:v>3.6592785075420499E-2</c:v>
+                </c:pt>
+                <c:pt idx="1">
+                  <c:v>0.146371140301682</c:v>
+                </c:pt>
+                <c:pt idx="2">
+                  <c:v>0.32933506567877613</c:v>
+                </c:pt>
+                <c:pt idx="3">
+                  <c:v>0.58548456120672754</c:v>
+                </c:pt>
+                <c:pt idx="4">
+                  <c:v>0.91481962688549723</c:v>
+                </c:pt>
+                <c:pt idx="5">
+                  <c:v>1.3173402627151098</c:v>
+                </c:pt>
+                <c:pt idx="6">
+                  <c:v>1.79304646869567</c:v>
+                </c:pt>
+                <c:pt idx="7">
+                  <c:v>2.341938244826911</c:v>
+                </c:pt>
+                <c:pt idx="8">
+                  <c:v>2.9640155911088693</c:v>
+                </c:pt>
+                <c:pt idx="9">
+                  <c:v>3.6592785075419898</c:v>
+                </c:pt>
+              </c:numCache>
+            </c:numRef>
+          </c:yVal>
+          <c:smooth val="1"/>
+          <c:extLst xmlns:c16r2="http://schemas.microsoft.com/office/drawing/2015/06/chart">
+            <c:ext xmlns:c16="http://schemas.microsoft.com/office/drawing/2014/chart" uri="{C3380CC4-5D6E-409C-BE32-E72D297353CC}">
+              <c16:uniqueId val="{00000001-0A9E-42A7-9B6E-C9283844DF8F}"/>
+            </c:ext>
+          </c:extLst>
+        </c:ser>
+        <c:ser>
+          <c:idx val="2"/>
+          <c:order val="2"/>
+          <c:tx>
+            <c:v>60 градусов</c:v>
+          </c:tx>
+          <c:spPr>
+            <a:ln w="19050" cap="rnd">
+              <a:solidFill>
+                <a:schemeClr val="accent3"/>
+              </a:solidFill>
+              <a:round/>
+            </a:ln>
+            <a:effectLst/>
+          </c:spPr>
+          <c:marker>
+            <c:symbol val="circle"/>
+            <c:size val="5"/>
+            <c:spPr>
+              <a:solidFill>
+                <a:schemeClr val="accent3"/>
+              </a:solidFill>
+              <a:ln w="9525">
+                <a:solidFill>
+                  <a:schemeClr val="accent3"/>
+                </a:solidFill>
+              </a:ln>
+              <a:effectLst/>
+            </c:spPr>
+          </c:marker>
+          <c:xVal>
+            <c:numRef>
+              <c:f>Лист1!$C$81:$C$90</c:f>
+              <c:numCache>
+                <c:formatCode>General</c:formatCode>
+                <c:ptCount val="10"/>
+                <c:pt idx="0">
+                  <c:v>3</c:v>
+                </c:pt>
+                <c:pt idx="1">
+                  <c:v>6</c:v>
+                </c:pt>
+                <c:pt idx="2">
+                  <c:v>9</c:v>
+                </c:pt>
+                <c:pt idx="3">
+                  <c:v>12</c:v>
+                </c:pt>
+                <c:pt idx="4">
+                  <c:v>15</c:v>
+                </c:pt>
+                <c:pt idx="5">
+                  <c:v>18</c:v>
+                </c:pt>
+                <c:pt idx="6">
+                  <c:v>21</c:v>
+                </c:pt>
+                <c:pt idx="7">
+                  <c:v>24</c:v>
+                </c:pt>
+                <c:pt idx="8">
+                  <c:v>27</c:v>
+                </c:pt>
+                <c:pt idx="9">
+                  <c:v>30</c:v>
+                </c:pt>
+              </c:numCache>
+            </c:numRef>
+          </c:xVal>
+          <c:yVal>
+            <c:numRef>
+              <c:f>Лист1!$D$81:$D$90</c:f>
+              <c:numCache>
+                <c:formatCode>0.000</c:formatCode>
+                <c:ptCount val="10"/>
+                <c:pt idx="0">
+                  <c:v>4.4816825850438946E-2</c:v>
+                </c:pt>
+                <c:pt idx="1">
+                  <c:v>0.17926730340175606</c:v>
+                </c:pt>
+                <c:pt idx="2">
+                  <c:v>0.40335143265391993</c:v>
+                </c:pt>
+                <c:pt idx="3">
+                  <c:v>0.71706921360702225</c:v>
+                </c:pt>
+                <c:pt idx="4">
+                  <c:v>1.1204206462609299</c:v>
+                </c:pt>
+                <c:pt idx="5">
+                  <c:v>1.6134057306156799</c:v>
+                </c:pt>
+                <c:pt idx="6">
+                  <c:v>2.1960244666714601</c:v>
+                </c:pt>
+                <c:pt idx="7">
+                  <c:v>2.868276854428089</c:v>
+                </c:pt>
+                <c:pt idx="8">
+                  <c:v>3.6301628938851191</c:v>
+                </c:pt>
+                <c:pt idx="9">
+                  <c:v>4.4816825850437034</c:v>
+                </c:pt>
+              </c:numCache>
+            </c:numRef>
+          </c:yVal>
+          <c:smooth val="1"/>
+          <c:extLst xmlns:c16r2="http://schemas.microsoft.com/office/drawing/2015/06/chart">
+            <c:ext xmlns:c16="http://schemas.microsoft.com/office/drawing/2014/chart" uri="{C3380CC4-5D6E-409C-BE32-E72D297353CC}">
+              <c16:uniqueId val="{00000002-0A9E-42A7-9B6E-C9283844DF8F}"/>
+            </c:ext>
+          </c:extLst>
+        </c:ser>
+        <c:dLbls>
+          <c:showLegendKey val="0"/>
+          <c:showVal val="0"/>
+          <c:showCatName val="0"/>
+          <c:showSerName val="0"/>
+          <c:showPercent val="0"/>
+          <c:showBubbleSize val="0"/>
+        </c:dLbls>
+        <c:axId val="216935352"/>
+        <c:axId val="450383872"/>
+      </c:scatterChart>
+      <c:valAx>
+        <c:axId val="216935352"/>
+        <c:scaling>
+          <c:orientation val="minMax"/>
+        </c:scaling>
+        <c:delete val="0"/>
+        <c:axPos val="b"/>
+        <c:majorGridlines>
+          <c:spPr>
+            <a:ln w="9525" cap="flat" cmpd="sng" algn="ctr">
+              <a:solidFill>
+                <a:schemeClr val="tx1">
+                  <a:lumMod val="15000"/>
+                  <a:lumOff val="85000"/>
+                </a:schemeClr>
+              </a:solidFill>
+              <a:round/>
+            </a:ln>
+            <a:effectLst/>
+          </c:spPr>
+        </c:majorGridlines>
+        <c:minorGridlines>
+          <c:spPr>
+            <a:ln w="9525" cap="flat" cmpd="sng" algn="ctr">
+              <a:solidFill>
+                <a:schemeClr val="tx1">
+                  <a:lumMod val="5000"/>
+                  <a:lumOff val="95000"/>
+                </a:schemeClr>
+              </a:solidFill>
+              <a:round/>
+            </a:ln>
+            <a:effectLst/>
+          </c:spPr>
+        </c:minorGridlines>
+        <c:title>
+          <c:tx>
+            <c:rich>
+              <a:bodyPr rot="0" spcFirstLastPara="1" vertOverflow="ellipsis" vert="horz" wrap="square" anchor="ctr" anchorCtr="1"/>
+              <a:lstStyle/>
+              <a:p>
+                <a:pPr>
+                  <a:defRPr sz="1400" b="0" i="0" u="none" strike="noStrike" kern="1200" baseline="0">
+                    <a:solidFill>
+                      <a:schemeClr val="tx1">
+                        <a:lumMod val="65000"/>
+                        <a:lumOff val="35000"/>
+                      </a:schemeClr>
+                    </a:solidFill>
+                    <a:latin typeface="+mn-lt"/>
+                    <a:ea typeface="+mn-ea"/>
+                    <a:cs typeface="+mn-cs"/>
+                  </a:defRPr>
+                </a:pPr>
+                <a:r>
+                  <a:rPr lang="ru-RU" sz="1400" baseline="0"/>
+                  <a:t>Скорость, мм/с</a:t>
+                </a:r>
+                <a:endParaRPr lang="ru-RU" sz="1400"/>
+              </a:p>
+            </c:rich>
+          </c:tx>
+          <c:layout/>
+          <c:overlay val="0"/>
+          <c:spPr>
+            <a:noFill/>
+            <a:ln>
+              <a:noFill/>
+            </a:ln>
+            <a:effectLst/>
+          </c:spPr>
+        </c:title>
+        <c:numFmt formatCode="General" sourceLinked="1"/>
+        <c:majorTickMark val="none"/>
+        <c:minorTickMark val="none"/>
+        <c:tickLblPos val="nextTo"/>
+        <c:spPr>
+          <a:noFill/>
+          <a:ln w="9525" cap="flat" cmpd="sng" algn="ctr">
+            <a:solidFill>
+              <a:schemeClr val="tx1">
+                <a:lumMod val="25000"/>
+                <a:lumOff val="75000"/>
+              </a:schemeClr>
+            </a:solidFill>
+            <a:round/>
+          </a:ln>
+          <a:effectLst/>
+        </c:spPr>
+        <c:txPr>
+          <a:bodyPr rot="-60000000" spcFirstLastPara="1" vertOverflow="ellipsis" vert="horz" wrap="square" anchor="ctr" anchorCtr="1"/>
+          <a:lstStyle/>
+          <a:p>
+            <a:pPr>
+              <a:defRPr sz="1200" b="0" i="0" u="none" strike="noStrike" kern="1200" baseline="0">
+                <a:solidFill>
+                  <a:schemeClr val="tx1">
+                    <a:lumMod val="65000"/>
+                    <a:lumOff val="35000"/>
+                  </a:schemeClr>
+                </a:solidFill>
+                <a:latin typeface="+mn-lt"/>
+                <a:ea typeface="+mn-ea"/>
+                <a:cs typeface="+mn-cs"/>
+              </a:defRPr>
+            </a:pPr>
+            <a:endParaRPr lang="ru-RU"/>
+          </a:p>
+        </c:txPr>
+        <c:crossAx val="450383872"/>
+        <c:crosses val="autoZero"/>
+        <c:crossBetween val="midCat"/>
+      </c:valAx>
+      <c:valAx>
+        <c:axId val="450383872"/>
+        <c:scaling>
+          <c:orientation val="minMax"/>
+        </c:scaling>
+        <c:delete val="0"/>
+        <c:axPos val="l"/>
+        <c:majorGridlines>
+          <c:spPr>
+            <a:ln w="9525" cap="flat" cmpd="sng" algn="ctr">
+              <a:solidFill>
+                <a:schemeClr val="tx1">
+                  <a:lumMod val="15000"/>
+                  <a:lumOff val="85000"/>
+                </a:schemeClr>
+              </a:solidFill>
+              <a:round/>
+            </a:ln>
+            <a:effectLst/>
+          </c:spPr>
+        </c:majorGridlines>
+        <c:minorGridlines>
+          <c:spPr>
+            <a:ln w="9525" cap="flat" cmpd="sng" algn="ctr">
+              <a:solidFill>
+                <a:schemeClr val="tx1">
+                  <a:lumMod val="5000"/>
+                  <a:lumOff val="95000"/>
+                </a:schemeClr>
+              </a:solidFill>
+              <a:round/>
+            </a:ln>
+            <a:effectLst/>
+          </c:spPr>
+        </c:minorGridlines>
+        <c:title>
+          <c:tx>
+            <c:rich>
+              <a:bodyPr rot="-5400000" spcFirstLastPara="1" vertOverflow="ellipsis" vert="horz" wrap="square" anchor="ctr" anchorCtr="1"/>
+              <a:lstStyle/>
+              <a:p>
+                <a:pPr>
+                  <a:defRPr sz="1400" b="0" i="0" u="none" strike="noStrike" kern="1200" baseline="0">
+                    <a:solidFill>
+                      <a:schemeClr val="tx1">
+                        <a:lumMod val="65000"/>
+                        <a:lumOff val="35000"/>
+                      </a:schemeClr>
+                    </a:solidFill>
+                    <a:latin typeface="+mn-lt"/>
+                    <a:ea typeface="+mn-ea"/>
+                    <a:cs typeface="+mn-cs"/>
+                  </a:defRPr>
+                </a:pPr>
+                <a:r>
+                  <a:rPr lang="ru-RU" sz="1400" dirty="0" smtClean="0"/>
+                  <a:t>Отклонение,</a:t>
+                </a:r>
+                <a:r>
+                  <a:rPr lang="ru-RU" sz="1400" baseline="0" dirty="0" smtClean="0"/>
+                  <a:t> </a:t>
+                </a:r>
+                <a:r>
+                  <a:rPr lang="ru-RU" sz="1400" baseline="0" dirty="0"/>
+                  <a:t>мм</a:t>
+                </a:r>
+                <a:endParaRPr lang="ru-RU" sz="1400" dirty="0"/>
+              </a:p>
+            </c:rich>
+          </c:tx>
+          <c:layout/>
+          <c:overlay val="0"/>
+          <c:spPr>
+            <a:noFill/>
+            <a:ln>
+              <a:noFill/>
+            </a:ln>
+            <a:effectLst/>
+          </c:spPr>
+        </c:title>
+        <c:numFmt formatCode="0.000" sourceLinked="1"/>
+        <c:majorTickMark val="none"/>
+        <c:minorTickMark val="none"/>
+        <c:tickLblPos val="nextTo"/>
+        <c:spPr>
+          <a:noFill/>
+          <a:ln w="9525" cap="flat" cmpd="sng" algn="ctr">
+            <a:solidFill>
+              <a:schemeClr val="tx1">
+                <a:lumMod val="25000"/>
+                <a:lumOff val="75000"/>
+              </a:schemeClr>
+            </a:solidFill>
+            <a:round/>
+          </a:ln>
+          <a:effectLst/>
+        </c:spPr>
+        <c:txPr>
+          <a:bodyPr rot="-60000000" spcFirstLastPara="1" vertOverflow="ellipsis" vert="horz" wrap="square" anchor="ctr" anchorCtr="1"/>
+          <a:lstStyle/>
+          <a:p>
+            <a:pPr>
+              <a:defRPr sz="1200" b="0" i="0" u="none" strike="noStrike" kern="1200" baseline="0">
+                <a:solidFill>
+                  <a:schemeClr val="tx1">
+                    <a:lumMod val="65000"/>
+                    <a:lumOff val="35000"/>
+                  </a:schemeClr>
+                </a:solidFill>
+                <a:latin typeface="+mn-lt"/>
+                <a:ea typeface="+mn-ea"/>
+                <a:cs typeface="+mn-cs"/>
+              </a:defRPr>
+            </a:pPr>
+            <a:endParaRPr lang="ru-RU"/>
+          </a:p>
+        </c:txPr>
+        <c:crossAx val="216935352"/>
+        <c:crosses val="autoZero"/>
+        <c:crossBetween val="midCat"/>
+      </c:valAx>
+      <c:spPr>
+        <a:noFill/>
+        <a:ln>
+          <a:noFill/>
+        </a:ln>
+        <a:effectLst/>
+      </c:spPr>
+    </c:plotArea>
+    <c:legend>
+      <c:legendPos val="b"/>
+      <c:layout/>
+      <c:overlay val="0"/>
+      <c:spPr>
+        <a:noFill/>
+        <a:ln>
+          <a:noFill/>
+        </a:ln>
+        <a:effectLst/>
+      </c:spPr>
+      <c:txPr>
+        <a:bodyPr rot="0" spcFirstLastPara="1" vertOverflow="ellipsis" vert="horz" wrap="square" anchor="ctr" anchorCtr="1"/>
+        <a:lstStyle/>
+        <a:p>
+          <a:pPr>
+            <a:defRPr sz="900" b="0" i="0" u="none" strike="noStrike" kern="1200" baseline="0">
+              <a:solidFill>
+                <a:schemeClr val="tx1">
+                  <a:lumMod val="65000"/>
+                  <a:lumOff val="35000"/>
+                </a:schemeClr>
+              </a:solidFill>
+              <a:latin typeface="+mn-lt"/>
+              <a:ea typeface="+mn-ea"/>
+              <a:cs typeface="+mn-cs"/>
+            </a:defRPr>
+          </a:pPr>
+          <a:endParaRPr lang="ru-RU"/>
+        </a:p>
+      </c:txPr>
+    </c:legend>
+    <c:plotVisOnly val="1"/>
+    <c:dispBlanksAs val="gap"/>
+    <c:showDLblsOverMax val="0"/>
+  </c:chart>
+  <c:spPr>
+    <a:noFill/>
+    <a:ln>
+      <a:noFill/>
+    </a:ln>
+    <a:effectLst/>
+  </c:spPr>
+  <c:txPr>
+    <a:bodyPr/>
+    <a:lstStyle/>
+    <a:p>
+      <a:pPr>
+        <a:defRPr/>
+      </a:pPr>
+      <a:endParaRPr lang="ru-RU"/>
+    </a:p>
+  </c:txPr>
+  <c:externalData r:id="rId1">
+    <c:autoUpdate val="0"/>
+  </c:externalData>
+</c:chartSpace>
+</file>
+
+<file path=ppt/charts/chart3.xml><?xml version="1.0" encoding="utf-8"?>
+<c:chartSpace xmlns:c="http://schemas.openxmlformats.org/drawingml/2006/chart" xmlns:a="http://schemas.openxmlformats.org/drawingml/2006/main" xmlns:r="http://schemas.openxmlformats.org/officeDocument/2006/relationships">
+  <c:date1904 val="0"/>
+  <c:lang val="ru-RU"/>
+  <c:roundedCorners val="0"/>
+  <mc:AlternateContent xmlns:mc="http://schemas.openxmlformats.org/markup-compatibility/2006">
+    <mc:Choice xmlns:c14="http://schemas.microsoft.com/office/drawing/2007/8/2/chart" Requires="c14">
+      <c14:style val="102"/>
+    </mc:Choice>
+    <mc:Fallback>
+      <c:style val="2"/>
+    </mc:Fallback>
+  </mc:AlternateContent>
+  <c:chart>
+    <c:autoTitleDeleted val="1"/>
+    <c:plotArea>
+      <c:layout/>
+      <c:scatterChart>
+        <c:scatterStyle val="smoothMarker"/>
+        <c:varyColors val="0"/>
+        <c:ser>
+          <c:idx val="0"/>
+          <c:order val="0"/>
+          <c:tx>
+            <c:v>Эксперимент</c:v>
+          </c:tx>
+          <c:spPr>
+            <a:ln w="19050" cap="rnd">
+              <a:solidFill>
+                <a:schemeClr val="accent1"/>
+              </a:solidFill>
+              <a:round/>
+            </a:ln>
+            <a:effectLst/>
+          </c:spPr>
+          <c:marker>
+            <c:symbol val="circle"/>
+            <c:size val="5"/>
+            <c:spPr>
+              <a:solidFill>
+                <a:schemeClr val="accent1"/>
+              </a:solidFill>
+              <a:ln w="9525">
+                <a:solidFill>
+                  <a:schemeClr val="accent1"/>
+                </a:solidFill>
+              </a:ln>
+              <a:effectLst/>
+            </c:spPr>
+          </c:marker>
+          <c:xVal>
+            <c:numRef>
+              <c:f>Лист1!$C$4:$C$13</c:f>
+              <c:numCache>
+                <c:formatCode>General</c:formatCode>
+                <c:ptCount val="10"/>
+                <c:pt idx="0">
+                  <c:v>3</c:v>
+                </c:pt>
+                <c:pt idx="1">
+                  <c:v>6</c:v>
+                </c:pt>
+                <c:pt idx="2">
+                  <c:v>9</c:v>
+                </c:pt>
+                <c:pt idx="3">
+                  <c:v>12</c:v>
+                </c:pt>
+                <c:pt idx="4">
+                  <c:v>15</c:v>
+                </c:pt>
+                <c:pt idx="5">
+                  <c:v>18</c:v>
+                </c:pt>
+                <c:pt idx="6">
+                  <c:v>21</c:v>
+                </c:pt>
+                <c:pt idx="7">
+                  <c:v>24</c:v>
+                </c:pt>
+                <c:pt idx="8">
+                  <c:v>27</c:v>
+                </c:pt>
+                <c:pt idx="9">
+                  <c:v>30</c:v>
+                </c:pt>
+              </c:numCache>
+            </c:numRef>
+          </c:xVal>
+          <c:yVal>
+            <c:numRef>
+              <c:f>Лист1!$D$4:$D$13</c:f>
+              <c:numCache>
+                <c:formatCode>General</c:formatCode>
+                <c:ptCount val="10"/>
+                <c:pt idx="0">
+                  <c:v>0.1</c:v>
+                </c:pt>
+                <c:pt idx="1">
+                  <c:v>0.16</c:v>
+                </c:pt>
+                <c:pt idx="2">
+                  <c:v>0.24000000000000005</c:v>
+                </c:pt>
+                <c:pt idx="3">
+                  <c:v>0.39000000000000012</c:v>
+                </c:pt>
+                <c:pt idx="4">
+                  <c:v>0.62000000000000022</c:v>
+                </c:pt>
+                <c:pt idx="5">
+                  <c:v>0.93</c:v>
+                </c:pt>
+                <c:pt idx="6">
+                  <c:v>1.44</c:v>
+                </c:pt>
+                <c:pt idx="7">
+                  <c:v>2.2000000000000002</c:v>
+                </c:pt>
+                <c:pt idx="8">
+                  <c:v>3.3</c:v>
+                </c:pt>
+                <c:pt idx="9">
+                  <c:v>4.9400000000000004</c:v>
+                </c:pt>
+              </c:numCache>
+            </c:numRef>
+          </c:yVal>
+          <c:smooth val="1"/>
+          <c:extLst xmlns:c16r2="http://schemas.microsoft.com/office/drawing/2015/06/chart">
+            <c:ext xmlns:c16="http://schemas.microsoft.com/office/drawing/2014/chart" uri="{C3380CC4-5D6E-409C-BE32-E72D297353CC}">
+              <c16:uniqueId val="{00000000-DCB9-4964-8F69-919FF85D19B2}"/>
+            </c:ext>
+          </c:extLst>
+        </c:ser>
+        <c:ser>
+          <c:idx val="1"/>
+          <c:order val="1"/>
+          <c:tx>
+            <c:v>Модель </c:v>
+          </c:tx>
+          <c:spPr>
+            <a:ln w="19050" cap="rnd">
+              <a:solidFill>
+                <a:schemeClr val="accent2"/>
+              </a:solidFill>
+              <a:round/>
+            </a:ln>
+            <a:effectLst/>
+          </c:spPr>
+          <c:marker>
+            <c:symbol val="circle"/>
+            <c:size val="5"/>
+            <c:spPr>
+              <a:solidFill>
+                <a:schemeClr val="accent2"/>
+              </a:solidFill>
+              <a:ln w="9525">
+                <a:solidFill>
+                  <a:schemeClr val="accent2"/>
+                </a:solidFill>
+              </a:ln>
+              <a:effectLst/>
+            </c:spPr>
+          </c:marker>
+          <c:xVal>
+            <c:numRef>
+              <c:f>Лист1!$C$64:$C$73</c:f>
+              <c:numCache>
+                <c:formatCode>General</c:formatCode>
+                <c:ptCount val="10"/>
+                <c:pt idx="0">
+                  <c:v>3</c:v>
+                </c:pt>
+                <c:pt idx="1">
+                  <c:v>6</c:v>
+                </c:pt>
+                <c:pt idx="2">
+                  <c:v>9</c:v>
+                </c:pt>
+                <c:pt idx="3">
+                  <c:v>12</c:v>
+                </c:pt>
+                <c:pt idx="4">
+                  <c:v>15</c:v>
+                </c:pt>
+                <c:pt idx="5">
+                  <c:v>18</c:v>
+                </c:pt>
+                <c:pt idx="6">
+                  <c:v>21</c:v>
+                </c:pt>
+                <c:pt idx="7">
+                  <c:v>24</c:v>
+                </c:pt>
+                <c:pt idx="8">
+                  <c:v>27</c:v>
+                </c:pt>
+                <c:pt idx="9">
+                  <c:v>30</c:v>
+                </c:pt>
+              </c:numCache>
+            </c:numRef>
+          </c:xVal>
+          <c:yVal>
+            <c:numRef>
+              <c:f>Лист1!$D$64:$D$73</c:f>
+              <c:numCache>
+                <c:formatCode>0.000</c:formatCode>
+                <c:ptCount val="10"/>
+                <c:pt idx="0">
+                  <c:v>3.6592785075420499E-2</c:v>
+                </c:pt>
+                <c:pt idx="1">
+                  <c:v>0.146371140301682</c:v>
+                </c:pt>
+                <c:pt idx="2">
+                  <c:v>0.32933506567877613</c:v>
+                </c:pt>
+                <c:pt idx="3">
+                  <c:v>0.58548456120672754</c:v>
+                </c:pt>
+                <c:pt idx="4">
+                  <c:v>0.91481962688549723</c:v>
+                </c:pt>
+                <c:pt idx="5">
+                  <c:v>1.3173402627151098</c:v>
+                </c:pt>
+                <c:pt idx="6">
+                  <c:v>1.79304646869567</c:v>
+                </c:pt>
+                <c:pt idx="7">
+                  <c:v>2.341938244826911</c:v>
+                </c:pt>
+                <c:pt idx="8">
+                  <c:v>2.9640155911088693</c:v>
+                </c:pt>
+                <c:pt idx="9">
+                  <c:v>3.6592785075419898</c:v>
+                </c:pt>
+              </c:numCache>
+            </c:numRef>
+          </c:yVal>
+          <c:smooth val="1"/>
+          <c:extLst xmlns:c16r2="http://schemas.microsoft.com/office/drawing/2015/06/chart">
+            <c:ext xmlns:c16="http://schemas.microsoft.com/office/drawing/2014/chart" uri="{C3380CC4-5D6E-409C-BE32-E72D297353CC}">
+              <c16:uniqueId val="{00000001-DCB9-4964-8F69-919FF85D19B2}"/>
+            </c:ext>
+          </c:extLst>
+        </c:ser>
+        <c:dLbls>
+          <c:showLegendKey val="0"/>
+          <c:showVal val="0"/>
+          <c:showCatName val="0"/>
+          <c:showSerName val="0"/>
+          <c:showPercent val="0"/>
+          <c:showBubbleSize val="0"/>
+        </c:dLbls>
+        <c:axId val="410347424"/>
+        <c:axId val="410347816"/>
+      </c:scatterChart>
+      <c:valAx>
+        <c:axId val="410347424"/>
+        <c:scaling>
+          <c:orientation val="minMax"/>
+        </c:scaling>
+        <c:delete val="0"/>
+        <c:axPos val="b"/>
+        <c:majorGridlines>
+          <c:spPr>
+            <a:ln w="9525" cap="flat" cmpd="sng" algn="ctr">
+              <a:solidFill>
+                <a:schemeClr val="tx1">
+                  <a:lumMod val="15000"/>
+                  <a:lumOff val="85000"/>
+                </a:schemeClr>
+              </a:solidFill>
+              <a:round/>
+            </a:ln>
+            <a:effectLst/>
+          </c:spPr>
+        </c:majorGridlines>
+        <c:minorGridlines>
+          <c:spPr>
+            <a:ln w="9525" cap="flat" cmpd="sng" algn="ctr">
+              <a:solidFill>
+                <a:schemeClr val="tx1">
+                  <a:lumMod val="5000"/>
+                  <a:lumOff val="95000"/>
+                </a:schemeClr>
+              </a:solidFill>
+              <a:round/>
+            </a:ln>
+            <a:effectLst/>
+          </c:spPr>
+        </c:minorGridlines>
+        <c:title>
+          <c:tx>
+            <c:rich>
+              <a:bodyPr rot="0" spcFirstLastPara="1" vertOverflow="ellipsis" vert="horz" wrap="square" anchor="ctr" anchorCtr="1"/>
+              <a:lstStyle/>
+              <a:p>
+                <a:pPr>
+                  <a:defRPr sz="1400" b="0" i="0" u="none" strike="noStrike" kern="1200" baseline="0">
+                    <a:solidFill>
+                      <a:schemeClr val="tx1">
+                        <a:lumMod val="65000"/>
+                        <a:lumOff val="35000"/>
+                      </a:schemeClr>
+                    </a:solidFill>
+                    <a:latin typeface="+mn-lt"/>
+                    <a:ea typeface="+mn-ea"/>
+                    <a:cs typeface="+mn-cs"/>
+                  </a:defRPr>
+                </a:pPr>
+                <a:r>
+                  <a:rPr lang="ru-RU" sz="1400" baseline="0"/>
+                  <a:t>Скорость, мм/с</a:t>
+                </a:r>
+                <a:endParaRPr lang="ru-RU" sz="1400"/>
+              </a:p>
+            </c:rich>
+          </c:tx>
+          <c:layout/>
+          <c:overlay val="0"/>
+          <c:spPr>
+            <a:noFill/>
+            <a:ln>
+              <a:noFill/>
+            </a:ln>
+            <a:effectLst/>
+          </c:spPr>
+        </c:title>
+        <c:numFmt formatCode="General" sourceLinked="1"/>
+        <c:majorTickMark val="none"/>
+        <c:minorTickMark val="none"/>
+        <c:tickLblPos val="nextTo"/>
+        <c:spPr>
+          <a:noFill/>
+          <a:ln w="9525" cap="flat" cmpd="sng" algn="ctr">
+            <a:solidFill>
+              <a:schemeClr val="tx1">
+                <a:lumMod val="25000"/>
+                <a:lumOff val="75000"/>
+              </a:schemeClr>
+            </a:solidFill>
+            <a:round/>
+          </a:ln>
+          <a:effectLst/>
+        </c:spPr>
+        <c:txPr>
+          <a:bodyPr rot="-60000000" spcFirstLastPara="1" vertOverflow="ellipsis" vert="horz" wrap="square" anchor="ctr" anchorCtr="1"/>
+          <a:lstStyle/>
+          <a:p>
+            <a:pPr>
+              <a:defRPr sz="1200" b="0" i="0" u="none" strike="noStrike" kern="1200" baseline="0">
+                <a:solidFill>
+                  <a:schemeClr val="tx1">
+                    <a:lumMod val="65000"/>
+                    <a:lumOff val="35000"/>
+                  </a:schemeClr>
+                </a:solidFill>
+                <a:latin typeface="+mn-lt"/>
+                <a:ea typeface="+mn-ea"/>
+                <a:cs typeface="+mn-cs"/>
+              </a:defRPr>
+            </a:pPr>
+            <a:endParaRPr lang="ru-RU"/>
+          </a:p>
+        </c:txPr>
+        <c:crossAx val="410347816"/>
+        <c:crosses val="autoZero"/>
+        <c:crossBetween val="midCat"/>
+      </c:valAx>
+      <c:valAx>
+        <c:axId val="410347816"/>
+        <c:scaling>
+          <c:orientation val="minMax"/>
+        </c:scaling>
+        <c:delete val="0"/>
+        <c:axPos val="l"/>
+        <c:majorGridlines>
+          <c:spPr>
+            <a:ln w="9525" cap="flat" cmpd="sng" algn="ctr">
+              <a:solidFill>
+                <a:schemeClr val="tx1">
+                  <a:lumMod val="15000"/>
+                  <a:lumOff val="85000"/>
+                </a:schemeClr>
+              </a:solidFill>
+              <a:round/>
+            </a:ln>
+            <a:effectLst/>
+          </c:spPr>
+        </c:majorGridlines>
+        <c:minorGridlines>
+          <c:spPr>
+            <a:ln w="9525" cap="flat" cmpd="sng" algn="ctr">
+              <a:solidFill>
+                <a:schemeClr val="tx1">
+                  <a:lumMod val="5000"/>
+                  <a:lumOff val="95000"/>
+                </a:schemeClr>
+              </a:solidFill>
+              <a:round/>
+            </a:ln>
+            <a:effectLst/>
+          </c:spPr>
+        </c:minorGridlines>
+        <c:title>
+          <c:tx>
+            <c:rich>
+              <a:bodyPr rot="-5400000" spcFirstLastPara="1" vertOverflow="ellipsis" vert="horz" wrap="square" anchor="ctr" anchorCtr="1"/>
+              <a:lstStyle/>
+              <a:p>
+                <a:pPr>
+                  <a:defRPr sz="1400" b="0" i="0" u="none" strike="noStrike" kern="1200" baseline="0">
+                    <a:solidFill>
+                      <a:schemeClr val="tx1">
+                        <a:lumMod val="65000"/>
+                        <a:lumOff val="35000"/>
+                      </a:schemeClr>
+                    </a:solidFill>
+                    <a:latin typeface="+mn-lt"/>
+                    <a:ea typeface="+mn-ea"/>
+                    <a:cs typeface="+mn-cs"/>
+                  </a:defRPr>
+                </a:pPr>
+                <a:r>
+                  <a:rPr lang="ru-RU" sz="1400" dirty="0" smtClean="0"/>
+                  <a:t>Отклонение,</a:t>
+                </a:r>
+                <a:r>
+                  <a:rPr lang="ru-RU" sz="1400" baseline="0" dirty="0" smtClean="0"/>
+                  <a:t> </a:t>
+                </a:r>
+                <a:r>
+                  <a:rPr lang="ru-RU" sz="1400" baseline="0" dirty="0"/>
+                  <a:t>мм</a:t>
+                </a:r>
+                <a:endParaRPr lang="ru-RU" sz="1400" dirty="0"/>
+              </a:p>
+            </c:rich>
+          </c:tx>
+          <c:layout/>
+          <c:overlay val="0"/>
+          <c:spPr>
+            <a:noFill/>
+            <a:ln>
+              <a:noFill/>
+            </a:ln>
+            <a:effectLst/>
+          </c:spPr>
+        </c:title>
+        <c:numFmt formatCode="General" sourceLinked="1"/>
+        <c:majorTickMark val="none"/>
+        <c:minorTickMark val="none"/>
+        <c:tickLblPos val="nextTo"/>
+        <c:spPr>
+          <a:noFill/>
+          <a:ln w="9525" cap="flat" cmpd="sng" algn="ctr">
+            <a:solidFill>
+              <a:schemeClr val="tx1">
+                <a:lumMod val="25000"/>
+                <a:lumOff val="75000"/>
+              </a:schemeClr>
+            </a:solidFill>
+            <a:round/>
+          </a:ln>
+          <a:effectLst/>
+        </c:spPr>
+        <c:txPr>
+          <a:bodyPr rot="-60000000" spcFirstLastPara="1" vertOverflow="ellipsis" vert="horz" wrap="square" anchor="ctr" anchorCtr="1"/>
+          <a:lstStyle/>
+          <a:p>
+            <a:pPr>
+              <a:defRPr sz="1200" b="0" i="0" u="none" strike="noStrike" kern="1200" baseline="0">
+                <a:solidFill>
+                  <a:schemeClr val="tx1">
+                    <a:lumMod val="65000"/>
+                    <a:lumOff val="35000"/>
+                  </a:schemeClr>
+                </a:solidFill>
+                <a:latin typeface="+mn-lt"/>
+                <a:ea typeface="+mn-ea"/>
+                <a:cs typeface="+mn-cs"/>
+              </a:defRPr>
+            </a:pPr>
+            <a:endParaRPr lang="ru-RU"/>
+          </a:p>
+        </c:txPr>
+        <c:crossAx val="410347424"/>
+        <c:crosses val="autoZero"/>
+        <c:crossBetween val="midCat"/>
+      </c:valAx>
+      <c:spPr>
+        <a:noFill/>
+        <a:ln>
+          <a:noFill/>
+        </a:ln>
+        <a:effectLst/>
+      </c:spPr>
+    </c:plotArea>
+    <c:legend>
+      <c:legendPos val="b"/>
+      <c:layout/>
+      <c:overlay val="0"/>
+      <c:spPr>
+        <a:noFill/>
+        <a:ln>
+          <a:noFill/>
+        </a:ln>
+        <a:effectLst/>
+      </c:spPr>
+      <c:txPr>
+        <a:bodyPr rot="0" spcFirstLastPara="1" vertOverflow="ellipsis" vert="horz" wrap="square" anchor="ctr" anchorCtr="1"/>
+        <a:lstStyle/>
+        <a:p>
+          <a:pPr>
+            <a:defRPr sz="900" b="0" i="0" u="none" strike="noStrike" kern="1200" baseline="0">
+              <a:solidFill>
+                <a:schemeClr val="tx1">
+                  <a:lumMod val="65000"/>
+                  <a:lumOff val="35000"/>
+                </a:schemeClr>
+              </a:solidFill>
+              <a:latin typeface="+mn-lt"/>
+              <a:ea typeface="+mn-ea"/>
+              <a:cs typeface="+mn-cs"/>
+            </a:defRPr>
+          </a:pPr>
+          <a:endParaRPr lang="ru-RU"/>
+        </a:p>
+      </c:txPr>
+    </c:legend>
+    <c:plotVisOnly val="1"/>
+    <c:dispBlanksAs val="gap"/>
+    <c:showDLblsOverMax val="0"/>
+  </c:chart>
+  <c:spPr>
+    <a:noFill/>
+    <a:ln>
+      <a:noFill/>
+    </a:ln>
+    <a:effectLst/>
+  </c:spPr>
+  <c:txPr>
+    <a:bodyPr/>
+    <a:lstStyle/>
+    <a:p>
+      <a:pPr>
+        <a:defRPr/>
+      </a:pPr>
+      <a:endParaRPr lang="ru-RU"/>
+    </a:p>
+  </c:txPr>
+  <c:externalData r:id="rId1">
+    <c:autoUpdate val="0"/>
+  </c:externalData>
+</c:chartSpace>
+</file>
+
 <file path=ppt/notesMasters/notesMaster1.xml><?xml version="1.0" encoding="utf-8"?>
 <p:notesMaster xmlns:a="http://schemas.openxmlformats.org/drawingml/2006/main" xmlns:r="http://schemas.openxmlformats.org/officeDocument/2006/relationships" xmlns:p="http://schemas.openxmlformats.org/presentationml/2006/main">
   <p:cSld>
@@ -243,7 +2256,7 @@
           <a:p>
             <a:fld id="{ACB6BEAC-2F39-4C46-AD57-FBC90A5A3359}" type="datetimeFigureOut">
               <a:rPr lang="ru-RU" smtClean="0"/>
-              <a:t>14.05.2018</a:t>
+              <a:t>15.05.2018</a:t>
             </a:fld>
             <a:endParaRPr lang="ru-RU"/>
           </a:p>
@@ -595,6 +2608,258 @@
 </p:notes>
 </file>
 
+<file path=ppt/notesSlides/notesSlide10.xml><?xml version="1.0" encoding="utf-8"?>
+<p:notes xmlns:a="http://schemas.openxmlformats.org/drawingml/2006/main" xmlns:r="http://schemas.openxmlformats.org/officeDocument/2006/relationships" xmlns:p="http://schemas.openxmlformats.org/presentationml/2006/main">
+  <p:cSld>
+    <p:spTree>
+      <p:nvGrpSpPr>
+        <p:cNvPr id="1" name=""/>
+        <p:cNvGrpSpPr/>
+        <p:nvPr/>
+      </p:nvGrpSpPr>
+      <p:grpSpPr>
+        <a:xfrm>
+          <a:off x="0" y="0"/>
+          <a:ext cx="0" cy="0"/>
+          <a:chOff x="0" y="0"/>
+          <a:chExt cx="0" cy="0"/>
+        </a:xfrm>
+      </p:grpSpPr>
+      <p:sp>
+        <p:nvSpPr>
+          <p:cNvPr id="2" name="Образ слайда 1"/>
+          <p:cNvSpPr>
+            <a:spLocks noGrp="1" noRot="1" noChangeAspect="1"/>
+          </p:cNvSpPr>
+          <p:nvPr>
+            <p:ph type="sldImg"/>
+          </p:nvPr>
+        </p:nvSpPr>
+        <p:spPr/>
+      </p:sp>
+      <p:sp>
+        <p:nvSpPr>
+          <p:cNvPr id="3" name="Заметки 2"/>
+          <p:cNvSpPr>
+            <a:spLocks noGrp="1"/>
+          </p:cNvSpPr>
+          <p:nvPr>
+            <p:ph type="body" idx="1"/>
+          </p:nvPr>
+        </p:nvSpPr>
+        <p:spPr/>
+        <p:txBody>
+          <a:bodyPr/>
+          <a:lstStyle/>
+          <a:p>
+            <a:endParaRPr lang="ru-RU"/>
+          </a:p>
+        </p:txBody>
+      </p:sp>
+      <p:sp>
+        <p:nvSpPr>
+          <p:cNvPr id="4" name="Номер слайда 3"/>
+          <p:cNvSpPr>
+            <a:spLocks noGrp="1"/>
+          </p:cNvSpPr>
+          <p:nvPr>
+            <p:ph type="sldNum" sz="quarter" idx="10"/>
+          </p:nvPr>
+        </p:nvSpPr>
+        <p:spPr/>
+        <p:txBody>
+          <a:bodyPr/>
+          <a:lstStyle/>
+          <a:p>
+            <a:fld id="{6647DF27-0468-4656-931E-5B03ECC249DB}" type="slidenum">
+              <a:rPr lang="ru-RU" smtClean="0"/>
+              <a:t>11</a:t>
+            </a:fld>
+            <a:endParaRPr lang="ru-RU"/>
+          </a:p>
+        </p:txBody>
+      </p:sp>
+    </p:spTree>
+    <p:extLst>
+      <p:ext uri="{BB962C8B-B14F-4D97-AF65-F5344CB8AC3E}">
+        <p14:creationId xmlns:p14="http://schemas.microsoft.com/office/powerpoint/2010/main" val="360241041"/>
+      </p:ext>
+    </p:extLst>
+  </p:cSld>
+  <p:clrMapOvr>
+    <a:masterClrMapping/>
+  </p:clrMapOvr>
+</p:notes>
+</file>
+
+<file path=ppt/notesSlides/notesSlide11.xml><?xml version="1.0" encoding="utf-8"?>
+<p:notes xmlns:a="http://schemas.openxmlformats.org/drawingml/2006/main" xmlns:r="http://schemas.openxmlformats.org/officeDocument/2006/relationships" xmlns:p="http://schemas.openxmlformats.org/presentationml/2006/main">
+  <p:cSld>
+    <p:spTree>
+      <p:nvGrpSpPr>
+        <p:cNvPr id="1" name=""/>
+        <p:cNvGrpSpPr/>
+        <p:nvPr/>
+      </p:nvGrpSpPr>
+      <p:grpSpPr>
+        <a:xfrm>
+          <a:off x="0" y="0"/>
+          <a:ext cx="0" cy="0"/>
+          <a:chOff x="0" y="0"/>
+          <a:chExt cx="0" cy="0"/>
+        </a:xfrm>
+      </p:grpSpPr>
+      <p:sp>
+        <p:nvSpPr>
+          <p:cNvPr id="2" name="Образ слайда 1"/>
+          <p:cNvSpPr>
+            <a:spLocks noGrp="1" noRot="1" noChangeAspect="1"/>
+          </p:cNvSpPr>
+          <p:nvPr>
+            <p:ph type="sldImg"/>
+          </p:nvPr>
+        </p:nvSpPr>
+        <p:spPr/>
+      </p:sp>
+      <p:sp>
+        <p:nvSpPr>
+          <p:cNvPr id="3" name="Заметки 2"/>
+          <p:cNvSpPr>
+            <a:spLocks noGrp="1"/>
+          </p:cNvSpPr>
+          <p:nvPr>
+            <p:ph type="body" idx="1"/>
+          </p:nvPr>
+        </p:nvSpPr>
+        <p:spPr/>
+        <p:txBody>
+          <a:bodyPr/>
+          <a:lstStyle/>
+          <a:p>
+            <a:endParaRPr lang="ru-RU"/>
+          </a:p>
+        </p:txBody>
+      </p:sp>
+      <p:sp>
+        <p:nvSpPr>
+          <p:cNvPr id="4" name="Номер слайда 3"/>
+          <p:cNvSpPr>
+            <a:spLocks noGrp="1"/>
+          </p:cNvSpPr>
+          <p:nvPr>
+            <p:ph type="sldNum" sz="quarter" idx="10"/>
+          </p:nvPr>
+        </p:nvSpPr>
+        <p:spPr/>
+        <p:txBody>
+          <a:bodyPr/>
+          <a:lstStyle/>
+          <a:p>
+            <a:fld id="{6647DF27-0468-4656-931E-5B03ECC249DB}" type="slidenum">
+              <a:rPr lang="ru-RU" smtClean="0"/>
+              <a:t>12</a:t>
+            </a:fld>
+            <a:endParaRPr lang="ru-RU"/>
+          </a:p>
+        </p:txBody>
+      </p:sp>
+    </p:spTree>
+    <p:extLst>
+      <p:ext uri="{BB962C8B-B14F-4D97-AF65-F5344CB8AC3E}">
+        <p14:creationId xmlns:p14="http://schemas.microsoft.com/office/powerpoint/2010/main" val="2601395188"/>
+      </p:ext>
+    </p:extLst>
+  </p:cSld>
+  <p:clrMapOvr>
+    <a:masterClrMapping/>
+  </p:clrMapOvr>
+</p:notes>
+</file>
+
+<file path=ppt/notesSlides/notesSlide12.xml><?xml version="1.0" encoding="utf-8"?>
+<p:notes xmlns:a="http://schemas.openxmlformats.org/drawingml/2006/main" xmlns:r="http://schemas.openxmlformats.org/officeDocument/2006/relationships" xmlns:p="http://schemas.openxmlformats.org/presentationml/2006/main">
+  <p:cSld>
+    <p:spTree>
+      <p:nvGrpSpPr>
+        <p:cNvPr id="1" name=""/>
+        <p:cNvGrpSpPr/>
+        <p:nvPr/>
+      </p:nvGrpSpPr>
+      <p:grpSpPr>
+        <a:xfrm>
+          <a:off x="0" y="0"/>
+          <a:ext cx="0" cy="0"/>
+          <a:chOff x="0" y="0"/>
+          <a:chExt cx="0" cy="0"/>
+        </a:xfrm>
+      </p:grpSpPr>
+      <p:sp>
+        <p:nvSpPr>
+          <p:cNvPr id="2" name="Образ слайда 1"/>
+          <p:cNvSpPr>
+            <a:spLocks noGrp="1" noRot="1" noChangeAspect="1"/>
+          </p:cNvSpPr>
+          <p:nvPr>
+            <p:ph type="sldImg"/>
+          </p:nvPr>
+        </p:nvSpPr>
+        <p:spPr/>
+      </p:sp>
+      <p:sp>
+        <p:nvSpPr>
+          <p:cNvPr id="3" name="Заметки 2"/>
+          <p:cNvSpPr>
+            <a:spLocks noGrp="1"/>
+          </p:cNvSpPr>
+          <p:nvPr>
+            <p:ph type="body" idx="1"/>
+          </p:nvPr>
+        </p:nvSpPr>
+        <p:spPr/>
+        <p:txBody>
+          <a:bodyPr/>
+          <a:lstStyle/>
+          <a:p>
+            <a:endParaRPr lang="ru-RU"/>
+          </a:p>
+        </p:txBody>
+      </p:sp>
+      <p:sp>
+        <p:nvSpPr>
+          <p:cNvPr id="4" name="Номер слайда 3"/>
+          <p:cNvSpPr>
+            <a:spLocks noGrp="1"/>
+          </p:cNvSpPr>
+          <p:nvPr>
+            <p:ph type="sldNum" sz="quarter" idx="10"/>
+          </p:nvPr>
+        </p:nvSpPr>
+        <p:spPr/>
+        <p:txBody>
+          <a:bodyPr/>
+          <a:lstStyle/>
+          <a:p>
+            <a:fld id="{6647DF27-0468-4656-931E-5B03ECC249DB}" type="slidenum">
+              <a:rPr lang="ru-RU" smtClean="0"/>
+              <a:t>13</a:t>
+            </a:fld>
+            <a:endParaRPr lang="ru-RU"/>
+          </a:p>
+        </p:txBody>
+      </p:sp>
+    </p:spTree>
+    <p:extLst>
+      <p:ext uri="{BB962C8B-B14F-4D97-AF65-F5344CB8AC3E}">
+        <p14:creationId xmlns:p14="http://schemas.microsoft.com/office/powerpoint/2010/main" val="1117916329"/>
+      </p:ext>
+    </p:extLst>
+  </p:cSld>
+  <p:clrMapOvr>
+    <a:masterClrMapping/>
+  </p:clrMapOvr>
+</p:notes>
+</file>
+
 <file path=ppt/notesSlides/notesSlide2.xml><?xml version="1.0" encoding="utf-8"?>
 <p:notes xmlns:a="http://schemas.openxmlformats.org/drawingml/2006/main" xmlns:r="http://schemas.openxmlformats.org/officeDocument/2006/relationships" xmlns:p="http://schemas.openxmlformats.org/presentationml/2006/main">
   <p:cSld>
@@ -1598,7 +3863,7 @@
           <a:p>
             <a:fld id="{BB160368-00B8-4017-863A-6ABC361B8C22}" type="datetime1">
               <a:rPr lang="ru-RU" smtClean="0"/>
-              <a:t>14.05.2018</a:t>
+              <a:t>15.05.2018</a:t>
             </a:fld>
             <a:endParaRPr lang="ru-RU"/>
           </a:p>
@@ -1715,7 +3980,7 @@
           <a:p>
             <a:fld id="{8646E41A-D213-4A1F-A319-B8CDF0038E0C}" type="datetime1">
               <a:rPr lang="ru-RU" smtClean="0"/>
-              <a:t>14.05.2018</a:t>
+              <a:t>15.05.2018</a:t>
             </a:fld>
             <a:endParaRPr lang="ru-RU"/>
           </a:p>
@@ -1959,7 +4224,7 @@
           <a:p>
             <a:fld id="{0EF4FBCC-1D47-4103-A4CF-04153C48D428}" type="datetime1">
               <a:rPr lang="ru-RU" smtClean="0"/>
-              <a:t>14.05.2018</a:t>
+              <a:t>15.05.2018</a:t>
             </a:fld>
             <a:endParaRPr lang="ru-RU"/>
           </a:p>
@@ -2203,7 +4468,7 @@
           <a:p>
             <a:fld id="{778188C1-89F8-4F33-9222-94C9FFAFC368}" type="datetime1">
               <a:rPr lang="ru-RU" smtClean="0"/>
-              <a:t>14.05.2018</a:t>
+              <a:t>15.05.2018</a:t>
             </a:fld>
             <a:endParaRPr lang="ru-RU"/>
           </a:p>
@@ -2440,7 +4705,7 @@
           <a:p>
             <a:fld id="{C0EFEFCC-B0E1-4F30-AEE7-11053420714B}" type="datetime1">
               <a:rPr lang="ru-RU" smtClean="0"/>
-              <a:t>14.05.2018</a:t>
+              <a:t>15.05.2018</a:t>
             </a:fld>
             <a:endParaRPr lang="ru-RU"/>
           </a:p>
@@ -2635,7 +4900,7 @@
           <a:p>
             <a:fld id="{D2A654E7-EB1F-4D6A-9946-28F93AB8D68F}" type="datetime1">
               <a:rPr lang="ru-RU" smtClean="0"/>
-              <a:t>14.05.2018</a:t>
+              <a:t>15.05.2018</a:t>
             </a:fld>
             <a:endParaRPr lang="ru-RU"/>
           </a:p>
@@ -3851,16 +6116,6 @@
               </a:rPr>
               <a:t>В.Г. Дружинин</a:t>
             </a:r>
-            <a:endParaRPr lang="ru-RU" b="1" i="1" dirty="0" smtClean="0">
-              <a:solidFill>
-                <a:schemeClr val="bg1"/>
-              </a:solidFill>
-              <a:effectLst>
-                <a:outerShdw blurRad="38100" dist="38100" dir="2700000" algn="tl">
-                  <a:srgbClr val="000000"/>
-                </a:outerShdw>
-              </a:effectLst>
-            </a:endParaRPr>
           </a:p>
         </p:txBody>
       </p:sp>
@@ -4450,7 +6705,23 @@
                   <a:srgbClr val="003399"/>
                 </a:solidFill>
               </a:rPr>
-              <a:t>Общая постановка задачи</a:t>
+              <a:t>Результаты </a:t>
+            </a:r>
+            <a:r>
+              <a:rPr lang="ru-RU" sz="2000" b="1" dirty="0" smtClean="0">
+                <a:solidFill>
+                  <a:srgbClr val="003399"/>
+                </a:solidFill>
+              </a:rPr>
+              <a:t>моделирования </a:t>
+            </a:r>
+            <a:r>
+              <a:rPr lang="ru-RU" sz="2000" b="1" dirty="0">
+                <a:solidFill>
+                  <a:srgbClr val="003399"/>
+                </a:solidFill>
+              </a:rPr>
+              <a:t>при разном угле острия</a:t>
             </a:r>
             <a:endParaRPr lang="ru-RU" sz="2000" b="1" dirty="0">
               <a:solidFill>
@@ -4468,8 +6739,8 @@
         </p:nvSpPr>
         <p:spPr>
           <a:xfrm>
-            <a:off x="8631632" y="312678"/>
-            <a:ext cx="333616" cy="400110"/>
+            <a:off x="8460432" y="312678"/>
+            <a:ext cx="504816" cy="400110"/>
           </a:xfrm>
           <a:prstGeom prst="rect">
             <a:avLst/>
@@ -4488,11 +6759,94 @@
                   <a:srgbClr val="003399"/>
                 </a:solidFill>
               </a:rPr>
-              <a:t>7</a:t>
-            </a:r>
+              <a:t>10</a:t>
+            </a:r>
+            <a:endParaRPr lang="ru-RU" sz="2000" b="1" dirty="0" smtClean="0">
+              <a:solidFill>
+                <a:srgbClr val="003399"/>
+              </a:solidFill>
+            </a:endParaRPr>
           </a:p>
         </p:txBody>
       </p:sp>
+      <p:sp>
+        <p:nvSpPr>
+          <p:cNvPr id="4" name="Прямоугольник 3"/>
+          <p:cNvSpPr/>
+          <p:nvPr/>
+        </p:nvSpPr>
+        <p:spPr>
+          <a:xfrm>
+            <a:off x="467544" y="987574"/>
+            <a:ext cx="3888432" cy="369332"/>
+          </a:xfrm>
+          <a:prstGeom prst="rect">
+            <a:avLst/>
+          </a:prstGeom>
+        </p:spPr>
+        <p:txBody>
+          <a:bodyPr wrap="square">
+            <a:spAutoFit/>
+          </a:bodyPr>
+          <a:lstStyle/>
+          <a:p>
+            <a:r>
+              <a:rPr lang="ru-RU" dirty="0"/>
+              <a:t>П</a:t>
+            </a:r>
+            <a:r>
+              <a:rPr lang="ru-RU" dirty="0" smtClean="0"/>
+              <a:t>лотность материала  </a:t>
+            </a:r>
+            <a:r>
+              <a:rPr lang="en-US" dirty="0"/>
+              <a:t>– </a:t>
+            </a:r>
+            <a:r>
+              <a:rPr lang="ru-RU" dirty="0"/>
+              <a:t> 1500 </a:t>
+            </a:r>
+            <a:r>
+              <a:rPr lang="ru-RU" dirty="0">
+                <a:solidFill>
+                  <a:schemeClr val="dk1"/>
+                </a:solidFill>
+              </a:rPr>
+              <a:t>кг/м</a:t>
+            </a:r>
+            <a:r>
+              <a:rPr lang="ru-RU" baseline="30000" dirty="0">
+                <a:solidFill>
+                  <a:schemeClr val="dk1"/>
+                </a:solidFill>
+              </a:rPr>
+              <a:t>3</a:t>
+            </a:r>
+          </a:p>
+        </p:txBody>
+      </p:sp>
+      <p:graphicFrame>
+        <p:nvGraphicFramePr>
+          <p:cNvPr id="6" name="Диаграмма 5"/>
+          <p:cNvGraphicFramePr/>
+          <p:nvPr>
+            <p:extLst>
+              <p:ext uri="{D42A27DB-BD31-4B8C-83A1-F6EECF244321}">
+                <p14:modId xmlns:p14="http://schemas.microsoft.com/office/powerpoint/2010/main" val="4054434435"/>
+              </p:ext>
+            </p:extLst>
+          </p:nvPr>
+        </p:nvGraphicFramePr>
+        <p:xfrm>
+          <a:off x="1043608" y="1327378"/>
+          <a:ext cx="7241996" cy="3597568"/>
+        </p:xfrm>
+        <a:graphic>
+          <a:graphicData uri="http://schemas.openxmlformats.org/drawingml/2006/chart">
+            <c:chart xmlns:c="http://schemas.openxmlformats.org/drawingml/2006/chart" xmlns:r="http://schemas.openxmlformats.org/officeDocument/2006/relationships" r:id="rId3"/>
+          </a:graphicData>
+        </a:graphic>
+      </p:graphicFrame>
     </p:spTree>
     <p:extLst>
       <p:ext uri="{BB962C8B-B14F-4D97-AF65-F5344CB8AC3E}">
@@ -4564,12 +6918,12 @@
           <a:lstStyle/>
           <a:p>
             <a:r>
-              <a:rPr lang="ru-RU" sz="2000" b="1" dirty="0" smtClean="0">
+              <a:rPr lang="ru-RU" sz="2000" b="1" dirty="0">
                 <a:solidFill>
                   <a:srgbClr val="003399"/>
                 </a:solidFill>
               </a:rPr>
-              <a:t>Актуальность работы</a:t>
+              <a:t>Эксперимент</a:t>
             </a:r>
             <a:endParaRPr lang="ru-RU" sz="2000" b="1" dirty="0">
               <a:solidFill>
@@ -4581,14 +6935,14 @@
       </p:sp>
       <p:sp>
         <p:nvSpPr>
-          <p:cNvPr id="8" name="TextBox 7"/>
+          <p:cNvPr id="15" name="TextBox 14"/>
           <p:cNvSpPr txBox="1"/>
           <p:nvPr/>
         </p:nvSpPr>
         <p:spPr>
           <a:xfrm>
             <a:off x="8631632" y="312678"/>
-            <a:ext cx="333616" cy="400110"/>
+            <a:ext cx="512368" cy="400110"/>
           </a:xfrm>
           <a:prstGeom prst="rect">
             <a:avLst/>
@@ -4602,512 +6956,188 @@
           <a:lstStyle/>
           <a:p>
             <a:r>
-              <a:rPr lang="ru-RU" sz="2000" b="1" dirty="0">
+              <a:rPr lang="ru-RU" sz="2000" b="1" dirty="0" smtClean="0">
                 <a:solidFill>
                   <a:srgbClr val="003399"/>
                 </a:solidFill>
               </a:rPr>
-              <a:t>2</a:t>
-            </a:r>
-            <a:endParaRPr lang="ru-RU" dirty="0"/>
+              <a:t>11</a:t>
+            </a:r>
+            <a:endParaRPr lang="ru-RU" sz="2000" b="1" dirty="0" smtClean="0">
+              <a:solidFill>
+                <a:srgbClr val="003399"/>
+              </a:solidFill>
+            </a:endParaRPr>
           </a:p>
         </p:txBody>
       </p:sp>
-      <p:sp>
-        <p:nvSpPr>
-          <p:cNvPr id="9" name="Объект 2"/>
-          <p:cNvSpPr txBox="1">
-            <a:spLocks/>
-          </p:cNvSpPr>
+      <p:pic>
+        <p:nvPicPr>
+          <p:cNvPr id="6" name="Рисунок 5"/>
+          <p:cNvPicPr/>
           <p:nvPr/>
-        </p:nvSpPr>
-        <p:spPr bwMode="auto">
+        </p:nvPicPr>
+        <p:blipFill>
+          <a:blip r:embed="rId3" cstate="print"/>
+          <a:stretch>
+            <a:fillRect/>
+          </a:stretch>
+        </p:blipFill>
+        <p:spPr>
           <a:xfrm>
-            <a:off x="4572000" y="915566"/>
-            <a:ext cx="4122217" cy="3960440"/>
+            <a:off x="4131640" y="915566"/>
+            <a:ext cx="4499992" cy="2746906"/>
           </a:xfrm>
           <a:prstGeom prst="rect">
             <a:avLst/>
           </a:prstGeom>
-          <a:noFill/>
-          <a:ln>
-            <a:miter lim="800000"/>
-            <a:headEnd/>
-            <a:tailEnd/>
-          </a:ln>
         </p:spPr>
-        <p:txBody>
-          <a:bodyPr vert="horz" wrap="square" lIns="91440" tIns="45720" rIns="91440" bIns="45720" numCol="1" anchor="t" anchorCtr="0" compatLnSpc="1">
-            <a:prstTxWarp prst="textNoShape">
-              <a:avLst/>
-            </a:prstTxWarp>
-          </a:bodyPr>
-          <a:lstStyle/>
-          <a:p>
-            <a:pPr marL="0" marR="0" lvl="0" indent="0" algn="just" defTabSz="914400" rtl="0" eaLnBrk="0" fontAlgn="base" latinLnBrk="0" hangingPunct="0">
-              <a:lnSpc>
-                <a:spcPct val="100000"/>
-              </a:lnSpc>
-              <a:spcBef>
-                <a:spcPts val="600"/>
-              </a:spcBef>
-              <a:spcAft>
-                <a:spcPct val="0"/>
-              </a:spcAft>
-              <a:buClrTx/>
-              <a:buSzTx/>
-              <a:buFontTx/>
-              <a:buNone/>
-              <a:tabLst/>
-              <a:defRPr/>
-            </a:pPr>
-            <a:r>
-              <a:rPr kumimoji="0" lang="ru-RU" b="1" i="0" u="none" strike="noStrike" kern="0" cap="none" spc="0" normalizeH="0" baseline="0" noProof="0" dirty="0" smtClean="0">
-                <a:ln>
-                  <a:noFill/>
-                </a:ln>
-                <a:solidFill>
-                  <a:schemeClr val="tx1"/>
-                </a:solidFill>
-                <a:effectLst/>
-                <a:uLnTx/>
-                <a:uFillTx/>
-                <a:ea typeface="+mn-ea"/>
-                <a:cs typeface="Arial" charset="0"/>
-              </a:rPr>
-              <a:t>Актуальность: </a:t>
-            </a:r>
-            <a:r>
-              <a:rPr kumimoji="0" lang="ru-RU" sz="1400" b="0" i="0" u="none" strike="noStrike" kern="0" cap="none" spc="0" normalizeH="0" baseline="0" noProof="0" dirty="0" smtClean="0">
-                <a:ln>
-                  <a:noFill/>
-                </a:ln>
-                <a:solidFill>
-                  <a:schemeClr val="tx1"/>
-                </a:solidFill>
-                <a:effectLst/>
-                <a:uLnTx/>
-                <a:uFillTx/>
-                <a:latin typeface="+mj-lt"/>
-                <a:ea typeface="+mn-ea"/>
-                <a:cs typeface="Arial" charset="0"/>
-              </a:rPr>
-              <a:t>При решении задач сближения и стыковки космических аппаратов, а</a:t>
-            </a:r>
-            <a:r>
-              <a:rPr kumimoji="0" lang="ru-RU" sz="1400" b="0" i="0" u="none" strike="noStrike" kern="0" cap="none" spc="0" normalizeH="0" noProof="0" dirty="0" smtClean="0">
-                <a:ln>
-                  <a:noFill/>
-                </a:ln>
-                <a:solidFill>
-                  <a:schemeClr val="tx1"/>
-                </a:solidFill>
-                <a:effectLst/>
-                <a:uLnTx/>
-                <a:uFillTx/>
-                <a:latin typeface="+mj-lt"/>
-                <a:ea typeface="+mn-ea"/>
-                <a:cs typeface="Arial" charset="0"/>
-              </a:rPr>
-              <a:t> также при управлении робототехническими системами необходимо использование методов лазерной локации. Существующие системы поточечного сканирования пространства и системы типа «</a:t>
-            </a:r>
-            <a:r>
-              <a:rPr kumimoji="0" lang="en-US" sz="1400" b="0" i="0" u="none" strike="noStrike" kern="0" cap="none" spc="0" normalizeH="0" noProof="0" dirty="0" smtClean="0">
-                <a:ln>
-                  <a:noFill/>
-                </a:ln>
-                <a:solidFill>
-                  <a:schemeClr val="tx1"/>
-                </a:solidFill>
-                <a:effectLst/>
-                <a:uLnTx/>
-                <a:uFillTx/>
-                <a:latin typeface="+mj-lt"/>
-                <a:ea typeface="+mn-ea"/>
-                <a:cs typeface="Arial" charset="0"/>
-              </a:rPr>
-              <a:t>Flash-</a:t>
-            </a:r>
-            <a:r>
-              <a:rPr lang="ru-RU" sz="1400" kern="0" dirty="0" err="1" smtClean="0">
-                <a:latin typeface="+mj-lt"/>
-                <a:cs typeface="Arial" charset="0"/>
-              </a:rPr>
-              <a:t>лидар</a:t>
-            </a:r>
-            <a:r>
-              <a:rPr kumimoji="0" lang="ru-RU" sz="1400" b="0" i="0" u="none" strike="noStrike" kern="0" cap="none" spc="0" normalizeH="0" noProof="0" dirty="0" smtClean="0">
-                <a:ln>
-                  <a:noFill/>
-                </a:ln>
-                <a:solidFill>
-                  <a:schemeClr val="tx1"/>
-                </a:solidFill>
-                <a:effectLst/>
-                <a:uLnTx/>
-                <a:uFillTx/>
-                <a:latin typeface="+mj-lt"/>
-                <a:ea typeface="+mn-ea"/>
-                <a:cs typeface="Arial" charset="0"/>
-              </a:rPr>
-              <a:t>» имеют существенные недостатки при практическом использовании. Первые обладают недостаточной для систем реального времени скоростью сканирования, в то время как вторые не обеспечивают необходимого разрешения и используют уникальную технологическую базу.</a:t>
-            </a:r>
-          </a:p>
-          <a:p>
-            <a:pPr marL="0" marR="0" lvl="0" indent="0" algn="just" defTabSz="914400" rtl="0" eaLnBrk="0" fontAlgn="base" latinLnBrk="0" hangingPunct="0">
-              <a:lnSpc>
-                <a:spcPct val="100000"/>
-              </a:lnSpc>
-              <a:spcBef>
-                <a:spcPts val="600"/>
-              </a:spcBef>
-              <a:spcAft>
-                <a:spcPct val="0"/>
-              </a:spcAft>
-              <a:buClrTx/>
-              <a:buSzTx/>
-              <a:buFontTx/>
-              <a:buNone/>
-              <a:tabLst/>
-              <a:defRPr/>
-            </a:pPr>
-            <a:r>
-              <a:rPr lang="ru-RU" sz="1400" kern="0" baseline="0" dirty="0" smtClean="0">
-                <a:latin typeface="+mj-lt"/>
-                <a:cs typeface="Arial" charset="0"/>
-              </a:rPr>
-              <a:t>Перспективным</a:t>
-            </a:r>
-            <a:r>
-              <a:rPr lang="ru-RU" sz="1400" kern="0" dirty="0" smtClean="0">
-                <a:latin typeface="+mj-lt"/>
-                <a:cs typeface="Arial" charset="0"/>
-              </a:rPr>
-              <a:t> представляется использование гибридных схем лазерных локаторов обеспечивающих технический компромисс между противоречивыми требованиями к системам такого класса.</a:t>
-            </a:r>
-            <a:endParaRPr kumimoji="0" lang="ru-RU" sz="1400" b="0" i="0" u="none" strike="noStrike" kern="0" cap="none" spc="0" normalizeH="0" baseline="0" noProof="0" dirty="0" smtClean="0">
-              <a:ln>
-                <a:noFill/>
-              </a:ln>
-              <a:solidFill>
-                <a:schemeClr val="tx1"/>
-              </a:solidFill>
-              <a:effectLst/>
-              <a:uLnTx/>
-              <a:uFillTx/>
-              <a:latin typeface="+mj-lt"/>
-              <a:ea typeface="+mn-ea"/>
-              <a:cs typeface="Arial" charset="0"/>
-            </a:endParaRPr>
-          </a:p>
-        </p:txBody>
-      </p:sp>
+      </p:pic>
       <p:pic>
         <p:nvPicPr>
-          <p:cNvPr id="1030" name="Picture 6"/>
-          <p:cNvPicPr>
-            <a:picLocks noChangeAspect="1" noChangeArrowheads="1"/>
-          </p:cNvPicPr>
+          <p:cNvPr id="7" name="Рисунок 6"/>
+          <p:cNvPicPr/>
           <p:nvPr/>
         </p:nvPicPr>
         <p:blipFill>
-          <a:blip r:embed="rId2">
-            <a:extLst>
-              <a:ext uri="{28A0092B-C50C-407E-A947-70E740481C1C}">
-                <a14:useLocalDpi xmlns:a14="http://schemas.microsoft.com/office/drawing/2010/main" val="0"/>
-              </a:ext>
-            </a:extLst>
-          </a:blip>
-          <a:srcRect/>
+          <a:blip r:embed="rId4" cstate="print"/>
           <a:stretch>
             <a:fillRect/>
           </a:stretch>
         </p:blipFill>
-        <p:spPr bwMode="auto">
+        <p:spPr>
           <a:xfrm>
-            <a:off x="564744" y="1491627"/>
-            <a:ext cx="1812786" cy="3184773"/>
+            <a:off x="467544" y="915566"/>
+            <a:ext cx="3600400" cy="2307730"/>
           </a:xfrm>
           <a:prstGeom prst="rect">
             <a:avLst/>
           </a:prstGeom>
-          <a:noFill/>
-          <a:ln>
-            <a:noFill/>
-          </a:ln>
-          <a:effectLst/>
-          <a:extLst>
-            <a:ext uri="{909E8E84-426E-40DD-AFC4-6F175D3DCCD1}">
-              <a14:hiddenFill xmlns:a14="http://schemas.microsoft.com/office/drawing/2010/main">
-                <a:solidFill>
-                  <a:schemeClr val="accent1"/>
-                </a:solidFill>
-              </a14:hiddenFill>
-            </a:ext>
-            <a:ext uri="{91240B29-F687-4F45-9708-019B960494DF}">
-              <a14:hiddenLine xmlns:a14="http://schemas.microsoft.com/office/drawing/2010/main" w="9525">
-                <a:solidFill>
-                  <a:schemeClr val="tx1"/>
-                </a:solidFill>
-                <a:miter lim="800000"/>
-                <a:headEnd/>
-                <a:tailEnd/>
-              </a14:hiddenLine>
-            </a:ext>
-            <a:ext uri="{AF507438-7753-43E0-B8FC-AC1667EBCBE1}">
-              <a14:hiddenEffects xmlns:a14="http://schemas.microsoft.com/office/drawing/2010/main">
-                <a:effectLst>
-                  <a:outerShdw dist="35921" dir="2700000" algn="ctr" rotWithShape="0">
-                    <a:schemeClr val="bg2"/>
-                  </a:outerShdw>
-                </a:effectLst>
-              </a14:hiddenEffects>
-            </a:ext>
-          </a:extLst>
         </p:spPr>
       </p:pic>
       <p:pic>
         <p:nvPicPr>
-          <p:cNvPr id="1031" name="Picture 7"/>
-          <p:cNvPicPr>
-            <a:picLocks noChangeAspect="1" noChangeArrowheads="1"/>
-          </p:cNvPicPr>
+          <p:cNvPr id="8" name="Рисунок 7"/>
+          <p:cNvPicPr/>
           <p:nvPr/>
         </p:nvPicPr>
         <p:blipFill>
-          <a:blip r:embed="rId3">
-            <a:extLst>
-              <a:ext uri="{28A0092B-C50C-407E-A947-70E740481C1C}">
-                <a14:useLocalDpi xmlns:a14="http://schemas.microsoft.com/office/drawing/2010/main" val="0"/>
-              </a:ext>
-            </a:extLst>
-          </a:blip>
-          <a:srcRect/>
+          <a:blip r:embed="rId5" cstate="print"/>
           <a:stretch>
             <a:fillRect/>
           </a:stretch>
         </p:blipFill>
-        <p:spPr bwMode="auto">
+        <p:spPr>
           <a:xfrm>
-            <a:off x="2483767" y="1491629"/>
-            <a:ext cx="1940721" cy="3184773"/>
+            <a:off x="459232" y="3223296"/>
+            <a:ext cx="3672408" cy="1726596"/>
           </a:xfrm>
           <a:prstGeom prst="rect">
             <a:avLst/>
           </a:prstGeom>
-          <a:noFill/>
-          <a:ln>
-            <a:noFill/>
-          </a:ln>
-          <a:effectLst/>
-          <a:extLst>
-            <a:ext uri="{909E8E84-426E-40DD-AFC4-6F175D3DCCD1}">
-              <a14:hiddenFill xmlns:a14="http://schemas.microsoft.com/office/drawing/2010/main">
-                <a:solidFill>
-                  <a:schemeClr val="accent1"/>
-                </a:solidFill>
-              </a14:hiddenFill>
-            </a:ext>
-            <a:ext uri="{91240B29-F687-4F45-9708-019B960494DF}">
-              <a14:hiddenLine xmlns:a14="http://schemas.microsoft.com/office/drawing/2010/main" w="9525">
-                <a:solidFill>
-                  <a:schemeClr val="tx1"/>
-                </a:solidFill>
-                <a:miter lim="800000"/>
-                <a:headEnd/>
-                <a:tailEnd/>
-              </a14:hiddenLine>
-            </a:ext>
-            <a:ext uri="{AF507438-7753-43E0-B8FC-AC1667EBCBE1}">
-              <a14:hiddenEffects xmlns:a14="http://schemas.microsoft.com/office/drawing/2010/main">
-                <a:effectLst>
-                  <a:outerShdw dist="35921" dir="2700000" algn="ctr" rotWithShape="0">
-                    <a:schemeClr val="bg2"/>
-                  </a:outerShdw>
-                </a:effectLst>
-              </a14:hiddenEffects>
-            </a:ext>
-          </a:extLst>
         </p:spPr>
       </p:pic>
       <p:sp>
         <p:nvSpPr>
-          <p:cNvPr id="6" name="TextBox 5"/>
-          <p:cNvSpPr txBox="1"/>
-          <p:nvPr/>
-        </p:nvSpPr>
-        <p:spPr>
-          <a:xfrm>
-            <a:off x="565752" y="968407"/>
-            <a:ext cx="1811778" cy="523220"/>
-          </a:xfrm>
-          <a:prstGeom prst="rect">
-            <a:avLst/>
-          </a:prstGeom>
-          <a:noFill/>
-        </p:spPr>
-        <p:txBody>
-          <a:bodyPr wrap="none" rtlCol="0">
-            <a:spAutoFit/>
-          </a:bodyPr>
-          <a:lstStyle/>
-          <a:p>
-            <a:pPr algn="ctr"/>
-            <a:r>
-              <a:rPr lang="ru-RU" sz="1400" dirty="0" smtClean="0"/>
-              <a:t>Система поточечного</a:t>
-            </a:r>
-          </a:p>
-          <a:p>
-            <a:pPr algn="ctr"/>
-            <a:r>
-              <a:rPr lang="ru-RU" sz="1400" dirty="0" smtClean="0"/>
-              <a:t>сканирования</a:t>
-            </a:r>
-            <a:endParaRPr lang="ru-RU" sz="1400" dirty="0"/>
-          </a:p>
-        </p:txBody>
-      </p:sp>
-      <p:sp>
-        <p:nvSpPr>
-          <p:cNvPr id="7" name="TextBox 6"/>
-          <p:cNvSpPr txBox="1"/>
-          <p:nvPr/>
-        </p:nvSpPr>
-        <p:spPr>
-          <a:xfrm>
-            <a:off x="2483767" y="1086951"/>
-            <a:ext cx="1940720" cy="307777"/>
-          </a:xfrm>
-          <a:prstGeom prst="rect">
-            <a:avLst/>
-          </a:prstGeom>
-          <a:noFill/>
-        </p:spPr>
-        <p:txBody>
-          <a:bodyPr wrap="square" rtlCol="0">
-            <a:spAutoFit/>
-          </a:bodyPr>
-          <a:lstStyle/>
-          <a:p>
-            <a:pPr algn="ctr"/>
-            <a:r>
-              <a:rPr lang="en-US" sz="1400" dirty="0"/>
-              <a:t>«Flash-</a:t>
-            </a:r>
-            <a:r>
-              <a:rPr lang="ru-RU" sz="1400" dirty="0" err="1"/>
-              <a:t>лидар</a:t>
-            </a:r>
-            <a:r>
-              <a:rPr lang="ru-RU" sz="1400" dirty="0"/>
-              <a:t>»</a:t>
-            </a:r>
-          </a:p>
-        </p:txBody>
-      </p:sp>
-      <p:sp>
-        <p:nvSpPr>
-          <p:cNvPr id="11" name="Прямоугольник 10"/>
+          <p:cNvPr id="2" name="Прямоугольник 1"/>
           <p:cNvSpPr/>
           <p:nvPr/>
         </p:nvSpPr>
         <p:spPr>
           <a:xfrm>
-            <a:off x="557888" y="968410"/>
-            <a:ext cx="1812786" cy="3907596"/>
+            <a:off x="3995936" y="3611064"/>
+            <a:ext cx="4572000" cy="1338828"/>
           </a:xfrm>
           <a:prstGeom prst="rect">
             <a:avLst/>
           </a:prstGeom>
-          <a:noFill/>
-          <a:ln cmpd="dbl">
-            <a:solidFill>
-              <a:schemeClr val="tx1">
-                <a:lumMod val="50000"/>
-                <a:lumOff val="50000"/>
-              </a:schemeClr>
-            </a:solidFill>
-          </a:ln>
         </p:spPr>
-        <p:style>
-          <a:lnRef idx="2">
-            <a:schemeClr val="accent1">
-              <a:shade val="50000"/>
-            </a:schemeClr>
-          </a:lnRef>
-          <a:fillRef idx="1">
-            <a:schemeClr val="accent1"/>
-          </a:fillRef>
-          <a:effectRef idx="0">
-            <a:schemeClr val="accent1"/>
-          </a:effectRef>
-          <a:fontRef idx="minor">
-            <a:schemeClr val="lt1"/>
-          </a:fontRef>
-        </p:style>
         <p:txBody>
-          <a:bodyPr rtlCol="0" anchor="ctr"/>
+          <a:bodyPr>
+            <a:spAutoFit/>
+          </a:bodyPr>
           <a:lstStyle/>
           <a:p>
-            <a:pPr algn="ctr"/>
-            <a:endParaRPr lang="ru-RU"/>
-          </a:p>
-        </p:txBody>
-      </p:sp>
-      <p:sp>
-        <p:nvSpPr>
-          <p:cNvPr id="18" name="Прямоугольник 17"/>
-          <p:cNvSpPr/>
-          <p:nvPr/>
-        </p:nvSpPr>
-        <p:spPr>
-          <a:xfrm>
-            <a:off x="2483766" y="968410"/>
-            <a:ext cx="1940721" cy="3907596"/>
-          </a:xfrm>
-          <a:prstGeom prst="rect">
-            <a:avLst/>
-          </a:prstGeom>
-          <a:noFill/>
-          <a:ln cmpd="dbl">
-            <a:solidFill>
-              <a:schemeClr val="tx1">
-                <a:lumMod val="50000"/>
-                <a:lumOff val="50000"/>
-              </a:schemeClr>
-            </a:solidFill>
-          </a:ln>
-        </p:spPr>
-        <p:style>
-          <a:lnRef idx="2">
-            <a:schemeClr val="accent1">
-              <a:shade val="50000"/>
-            </a:schemeClr>
-          </a:lnRef>
-          <a:fillRef idx="1">
-            <a:schemeClr val="accent1"/>
-          </a:fillRef>
-          <a:effectRef idx="0">
-            <a:schemeClr val="accent1"/>
-          </a:effectRef>
-          <a:fontRef idx="minor">
-            <a:schemeClr val="lt1"/>
-          </a:fontRef>
-        </p:style>
-        <p:txBody>
-          <a:bodyPr rtlCol="0" anchor="ctr"/>
-          <a:lstStyle/>
-          <a:p>
-            <a:pPr algn="ctr"/>
-            <a:endParaRPr lang="ru-RU"/>
+            <a:pPr indent="450215" algn="ctr">
+              <a:lnSpc>
+                <a:spcPct val="150000"/>
+              </a:lnSpc>
+              <a:spcAft>
+                <a:spcPts val="0"/>
+              </a:spcAft>
+            </a:pPr>
+            <a:r>
+              <a:rPr lang="ru-RU" dirty="0">
+                <a:ea typeface="Calibri" panose="020F0502020204030204" pitchFamily="34" charset="0"/>
+                <a:cs typeface="Times New Roman" panose="02020603050405020304" pitchFamily="18" charset="0"/>
+              </a:rPr>
+              <a:t>УПИ – устройство перемещения игл</a:t>
+            </a:r>
+          </a:p>
+          <a:p>
+            <a:pPr indent="450215" algn="ctr">
+              <a:lnSpc>
+                <a:spcPct val="150000"/>
+              </a:lnSpc>
+              <a:spcAft>
+                <a:spcPts val="0"/>
+              </a:spcAft>
+            </a:pPr>
+            <a:r>
+              <a:rPr lang="ru-RU" dirty="0">
+                <a:ea typeface="Calibri" panose="020F0502020204030204" pitchFamily="34" charset="0"/>
+                <a:cs typeface="Times New Roman" panose="02020603050405020304" pitchFamily="18" charset="0"/>
+              </a:rPr>
+              <a:t>Угол острия иглы  - 45 градусов</a:t>
+            </a:r>
+          </a:p>
+          <a:p>
+            <a:pPr indent="450215" algn="ctr">
+              <a:lnSpc>
+                <a:spcPct val="150000"/>
+              </a:lnSpc>
+              <a:spcAft>
+                <a:spcPts val="0"/>
+              </a:spcAft>
+            </a:pPr>
+            <a:r>
+              <a:rPr lang="ru-RU" dirty="0">
+                <a:ea typeface="Calibri" panose="020F0502020204030204" pitchFamily="34" charset="0"/>
+                <a:cs typeface="Times New Roman" panose="02020603050405020304" pitchFamily="18" charset="0"/>
+              </a:rPr>
+              <a:t>Плотность материала </a:t>
+            </a:r>
+            <a:r>
+              <a:rPr lang="ru-RU" dirty="0"/>
+              <a:t>1500 </a:t>
+            </a:r>
+            <a:r>
+              <a:rPr lang="ru-RU" dirty="0">
+                <a:solidFill>
+                  <a:schemeClr val="dk1"/>
+                </a:solidFill>
+              </a:rPr>
+              <a:t>кг/м</a:t>
+            </a:r>
+            <a:r>
+              <a:rPr lang="ru-RU" baseline="30000" dirty="0">
+                <a:solidFill>
+                  <a:schemeClr val="dk1"/>
+                </a:solidFill>
+              </a:rPr>
+              <a:t>3</a:t>
+            </a:r>
+            <a:endParaRPr lang="ru-RU" dirty="0">
+              <a:ea typeface="Calibri" panose="020F0502020204030204" pitchFamily="34" charset="0"/>
+              <a:cs typeface="Times New Roman" panose="02020603050405020304" pitchFamily="18" charset="0"/>
+            </a:endParaRPr>
           </a:p>
         </p:txBody>
       </p:sp>
     </p:spTree>
     <p:extLst>
       <p:ext uri="{BB962C8B-B14F-4D97-AF65-F5344CB8AC3E}">
-        <p14:creationId xmlns:p14="http://schemas.microsoft.com/office/powerpoint/2010/main" val="3222726424"/>
+        <p14:creationId xmlns:p14="http://schemas.microsoft.com/office/powerpoint/2010/main" val="122468464"/>
       </p:ext>
     </p:extLst>
   </p:cSld>
@@ -5175,12 +7205,28 @@
           <a:lstStyle/>
           <a:p>
             <a:r>
+              <a:rPr lang="ru-RU" sz="2000" b="1" dirty="0">
+                <a:solidFill>
+                  <a:srgbClr val="003399"/>
+                </a:solidFill>
+              </a:rPr>
+              <a:t>Результаты </a:t>
+            </a:r>
+            <a:r>
               <a:rPr lang="ru-RU" sz="2000" b="1" dirty="0" smtClean="0">
                 <a:solidFill>
                   <a:srgbClr val="003399"/>
                 </a:solidFill>
               </a:rPr>
-              <a:t>Цель и задачи работы</a:t>
+              <a:t>моделирования сравнение </a:t>
+            </a:r>
+            <a:r>
+              <a:rPr lang="ru-RU" sz="2000" b="1" dirty="0">
+                <a:solidFill>
+                  <a:srgbClr val="003399"/>
+                </a:solidFill>
+              </a:rPr>
+              <a:t>с экспериментом</a:t>
             </a:r>
             <a:endParaRPr lang="ru-RU" sz="2000" b="1" dirty="0">
               <a:solidFill>
@@ -5192,14 +7238,14 @@
       </p:sp>
       <p:sp>
         <p:nvSpPr>
-          <p:cNvPr id="8" name="TextBox 7"/>
+          <p:cNvPr id="15" name="TextBox 14"/>
           <p:cNvSpPr txBox="1"/>
           <p:nvPr/>
         </p:nvSpPr>
         <p:spPr>
           <a:xfrm>
             <a:off x="8631632" y="312678"/>
-            <a:ext cx="333616" cy="400110"/>
+            <a:ext cx="512368" cy="400110"/>
           </a:xfrm>
           <a:prstGeom prst="rect">
             <a:avLst/>
@@ -5213,620 +7259,137 @@
           <a:lstStyle/>
           <a:p>
             <a:r>
-              <a:rPr lang="ru-RU" sz="2000" b="1" dirty="0">
+              <a:rPr lang="ru-RU" sz="2000" b="1" dirty="0" smtClean="0">
                 <a:solidFill>
                   <a:srgbClr val="003399"/>
                 </a:solidFill>
               </a:rPr>
-              <a:t>3</a:t>
-            </a:r>
-            <a:endParaRPr lang="ru-RU" dirty="0"/>
+              <a:t>12 </a:t>
+            </a:r>
+            <a:endParaRPr lang="ru-RU" sz="2000" b="1" dirty="0" smtClean="0">
+              <a:solidFill>
+                <a:srgbClr val="003399"/>
+              </a:solidFill>
+            </a:endParaRPr>
           </a:p>
         </p:txBody>
       </p:sp>
       <p:sp>
         <p:nvSpPr>
-          <p:cNvPr id="11" name="Объект 2"/>
-          <p:cNvSpPr txBox="1">
-            <a:spLocks/>
-          </p:cNvSpPr>
+          <p:cNvPr id="3" name="Прямоугольник 2"/>
+          <p:cNvSpPr/>
           <p:nvPr/>
         </p:nvSpPr>
-        <p:spPr bwMode="auto">
+        <p:spPr>
           <a:xfrm>
-            <a:off x="611559" y="1707653"/>
-            <a:ext cx="7888287" cy="2856909"/>
+            <a:off x="467544" y="987574"/>
+            <a:ext cx="3663567" cy="369332"/>
           </a:xfrm>
           <a:prstGeom prst="rect">
             <a:avLst/>
           </a:prstGeom>
-          <a:noFill/>
-          <a:ln>
-            <a:miter lim="800000"/>
-            <a:headEnd/>
-            <a:tailEnd/>
-          </a:ln>
         </p:spPr>
         <p:txBody>
-          <a:bodyPr vert="horz" wrap="square" lIns="91440" tIns="45720" rIns="91440" bIns="45720" numCol="1" anchor="t" anchorCtr="0" compatLnSpc="1">
-            <a:prstTxWarp prst="textNoShape">
-              <a:avLst/>
-            </a:prstTxWarp>
+          <a:bodyPr wrap="none">
+            <a:spAutoFit/>
           </a:bodyPr>
           <a:lstStyle/>
           <a:p>
-            <a:pPr marL="0" marR="0" lvl="0" indent="0" algn="just" defTabSz="914400" rtl="0" eaLnBrk="0" fontAlgn="base" latinLnBrk="0" hangingPunct="0">
-              <a:lnSpc>
-                <a:spcPct val="100000"/>
-              </a:lnSpc>
-              <a:spcBef>
-                <a:spcPts val="600"/>
-              </a:spcBef>
-              <a:spcAft>
-                <a:spcPct val="0"/>
-              </a:spcAft>
-              <a:buClrTx/>
-              <a:buSzTx/>
-              <a:buFontTx/>
-              <a:buNone/>
-              <a:tabLst/>
-              <a:defRPr/>
-            </a:pPr>
-            <a:r>
-              <a:rPr kumimoji="0" lang="ru-RU" b="1" i="0" u="none" strike="noStrike" kern="0" cap="none" spc="0" normalizeH="0" baseline="0" noProof="0" dirty="0" smtClean="0">
-                <a:ln>
-                  <a:noFill/>
-                </a:ln>
-                <a:solidFill>
-                  <a:schemeClr val="tx1"/>
-                </a:solidFill>
-                <a:effectLst/>
-                <a:uLnTx/>
-                <a:uFillTx/>
+            <a:r>
+              <a:rPr lang="ru-RU" smtClean="0"/>
+              <a:t>Плотность материала  </a:t>
+            </a:r>
+            <a:r>
+              <a:rPr lang="en-US" smtClean="0"/>
+              <a:t>– </a:t>
+            </a:r>
+            <a:r>
+              <a:rPr lang="ru-RU" smtClean="0"/>
+              <a:t> 1500 </a:t>
+            </a:r>
+            <a:r>
+              <a:rPr lang="ru-RU" smtClean="0">
+                <a:solidFill>
+                  <a:schemeClr val="dk1"/>
+                </a:solidFill>
               </a:rPr>
-              <a:t>Задачи: </a:t>
-            </a:r>
-          </a:p>
-          <a:p>
-            <a:pPr marL="342900" marR="0" lvl="0" indent="-342900" algn="just" defTabSz="914400" rtl="0" eaLnBrk="0" fontAlgn="base" latinLnBrk="0" hangingPunct="0">
-              <a:lnSpc>
-                <a:spcPct val="100000"/>
-              </a:lnSpc>
-              <a:spcBef>
-                <a:spcPts val="0"/>
-              </a:spcBef>
-              <a:spcAft>
-                <a:spcPct val="0"/>
-              </a:spcAft>
-              <a:buClrTx/>
-              <a:buSzTx/>
-              <a:buFontTx/>
-              <a:buAutoNum type="arabicParenR"/>
-              <a:tabLst/>
-              <a:defRPr/>
-            </a:pPr>
-            <a:r>
-              <a:rPr kumimoji="0" lang="ru-RU" sz="1400" i="0" u="none" strike="noStrike" kern="0" cap="none" spc="0" normalizeH="0" baseline="0" noProof="0" dirty="0" smtClean="0">
-                <a:ln>
-                  <a:noFill/>
-                </a:ln>
-                <a:solidFill>
-                  <a:schemeClr val="tx1"/>
-                </a:solidFill>
-                <a:effectLst/>
-                <a:uLnTx/>
-                <a:uFillTx/>
-                <a:latin typeface="+mj-lt"/>
-                <a:cs typeface="Arial" charset="0"/>
+              <a:t>кг/м</a:t>
+            </a:r>
+            <a:r>
+              <a:rPr lang="ru-RU" baseline="30000" smtClean="0">
+                <a:solidFill>
+                  <a:schemeClr val="dk1"/>
+                </a:solidFill>
               </a:rPr>
-              <a:t>Анализ особенностей</a:t>
-            </a:r>
-            <a:r>
-              <a:rPr kumimoji="0" lang="ru-RU" sz="1400" i="0" u="none" strike="noStrike" kern="0" cap="none" spc="0" normalizeH="0" noProof="0" dirty="0" smtClean="0">
-                <a:ln>
-                  <a:noFill/>
-                </a:ln>
-                <a:solidFill>
-                  <a:schemeClr val="tx1"/>
-                </a:solidFill>
-                <a:effectLst/>
-                <a:uLnTx/>
-                <a:uFillTx/>
-                <a:latin typeface="+mj-lt"/>
-                <a:cs typeface="Arial" charset="0"/>
-              </a:rPr>
-              <a:t> существующих систем лазерной локации, использующих МФПУ:</a:t>
-            </a:r>
-            <a:endParaRPr lang="ru-RU" sz="1400" kern="0" dirty="0">
-              <a:latin typeface="+mj-lt"/>
-              <a:cs typeface="Arial" charset="0"/>
+              <a:t>3</a:t>
+            </a:r>
+            <a:endParaRPr lang="ru-RU" baseline="30000" dirty="0">
+              <a:solidFill>
+                <a:schemeClr val="dk1"/>
+              </a:solidFill>
             </a:endParaRPr>
-          </a:p>
-          <a:p>
-            <a:pPr marL="800100" lvl="1" indent="-342900" algn="just" eaLnBrk="0" fontAlgn="base" hangingPunct="0">
-              <a:spcAft>
-                <a:spcPct val="0"/>
-              </a:spcAft>
-              <a:buFont typeface="+mj-lt"/>
-              <a:buAutoNum type="alphaLcParenR"/>
-              <a:defRPr/>
-            </a:pPr>
-            <a:r>
-              <a:rPr kumimoji="0" lang="ru-RU" sz="1400" i="0" u="none" strike="noStrike" kern="0" cap="none" spc="0" normalizeH="0" noProof="0" dirty="0" smtClean="0">
-                <a:ln>
-                  <a:noFill/>
-                </a:ln>
-                <a:solidFill>
-                  <a:schemeClr val="tx1"/>
-                </a:solidFill>
-                <a:effectLst/>
-                <a:uLnTx/>
-                <a:uFillTx/>
-                <a:latin typeface="+mj-lt"/>
-                <a:cs typeface="Arial" charset="0"/>
-              </a:rPr>
-              <a:t>Системы на основе матричных ФПУ</a:t>
-            </a:r>
-            <a:r>
-              <a:rPr kumimoji="0" lang="en-US" sz="1400" i="0" u="none" strike="noStrike" kern="0" cap="none" spc="0" normalizeH="0" noProof="0" dirty="0" smtClean="0">
-                <a:ln>
-                  <a:noFill/>
-                </a:ln>
-                <a:solidFill>
-                  <a:schemeClr val="tx1"/>
-                </a:solidFill>
-                <a:effectLst/>
-                <a:uLnTx/>
-                <a:uFillTx/>
-                <a:latin typeface="+mj-lt"/>
-                <a:cs typeface="Arial" charset="0"/>
-              </a:rPr>
-              <a:t> </a:t>
-            </a:r>
-            <a:r>
-              <a:rPr kumimoji="0" lang="ru-RU" sz="1400" i="0" u="none" strike="noStrike" kern="0" cap="none" spc="0" normalizeH="0" noProof="0" dirty="0" smtClean="0">
-                <a:ln>
-                  <a:noFill/>
-                </a:ln>
-                <a:solidFill>
-                  <a:schemeClr val="tx1"/>
-                </a:solidFill>
-                <a:effectLst/>
-                <a:uLnTx/>
-                <a:uFillTx/>
-                <a:latin typeface="+mj-lt"/>
-                <a:cs typeface="Arial" charset="0"/>
-              </a:rPr>
-              <a:t>(</a:t>
-            </a:r>
-            <a:r>
-              <a:rPr kumimoji="0" lang="en-US" sz="1400" i="0" u="none" strike="noStrike" kern="0" cap="none" spc="0" normalizeH="0" noProof="0" dirty="0" smtClean="0">
-                <a:ln>
-                  <a:noFill/>
-                </a:ln>
-                <a:solidFill>
-                  <a:schemeClr val="tx1"/>
-                </a:solidFill>
-                <a:effectLst/>
-                <a:uLnTx/>
-                <a:uFillTx/>
-                <a:latin typeface="+mj-lt"/>
-                <a:cs typeface="Arial" charset="0"/>
-              </a:rPr>
-              <a:t>Flash-</a:t>
-            </a:r>
-            <a:r>
-              <a:rPr kumimoji="0" lang="ru-RU" sz="1400" i="0" u="none" strike="noStrike" kern="0" cap="none" spc="0" normalizeH="0" noProof="0" dirty="0" err="1" smtClean="0">
-                <a:ln>
-                  <a:noFill/>
-                </a:ln>
-                <a:solidFill>
-                  <a:schemeClr val="tx1"/>
-                </a:solidFill>
-                <a:effectLst/>
-                <a:uLnTx/>
-                <a:uFillTx/>
-                <a:latin typeface="+mj-lt"/>
-                <a:cs typeface="Arial" charset="0"/>
-              </a:rPr>
-              <a:t>лидары</a:t>
-            </a:r>
-            <a:r>
-              <a:rPr kumimoji="0" lang="ru-RU" sz="1400" i="0" u="none" strike="noStrike" kern="0" cap="none" spc="0" normalizeH="0" noProof="0" dirty="0" smtClean="0">
-                <a:ln>
-                  <a:noFill/>
-                </a:ln>
-                <a:solidFill>
-                  <a:schemeClr val="tx1"/>
-                </a:solidFill>
-                <a:effectLst/>
-                <a:uLnTx/>
-                <a:uFillTx/>
-                <a:latin typeface="+mj-lt"/>
-                <a:cs typeface="Arial" charset="0"/>
-              </a:rPr>
-              <a:t>);</a:t>
-            </a:r>
-          </a:p>
-          <a:p>
-            <a:pPr marL="800100" lvl="1" indent="-342900" algn="just" eaLnBrk="0" fontAlgn="base" hangingPunct="0">
-              <a:spcAft>
-                <a:spcPct val="0"/>
-              </a:spcAft>
-              <a:buFontTx/>
-              <a:buAutoNum type="alphaLcParenR"/>
-              <a:defRPr/>
-            </a:pPr>
-            <a:r>
-              <a:rPr lang="ru-RU" sz="1400" kern="0" dirty="0" smtClean="0">
-                <a:latin typeface="+mj-lt"/>
-                <a:cs typeface="Arial" charset="0"/>
-              </a:rPr>
-              <a:t>Системы на основе МО</a:t>
-            </a:r>
-            <a:r>
-              <a:rPr lang="en-US" sz="1400" kern="0" dirty="0" smtClean="0">
-                <a:latin typeface="+mj-lt"/>
-                <a:cs typeface="Arial" charset="0"/>
-              </a:rPr>
-              <a:t> </a:t>
-            </a:r>
-            <a:r>
-              <a:rPr lang="ru-RU" sz="1400" kern="0" dirty="0" smtClean="0">
-                <a:latin typeface="+mj-lt"/>
-                <a:cs typeface="Arial" charset="0"/>
-              </a:rPr>
-              <a:t>ФПУ;</a:t>
-            </a:r>
-          </a:p>
-          <a:p>
-            <a:pPr marL="342900" indent="-342900" algn="just" eaLnBrk="0" fontAlgn="base" hangingPunct="0">
-              <a:spcAft>
-                <a:spcPct val="0"/>
-              </a:spcAft>
-              <a:buFont typeface="+mj-lt"/>
-              <a:buAutoNum type="arabicParenR"/>
-              <a:defRPr/>
-            </a:pPr>
-            <a:r>
-              <a:rPr lang="ru-RU" sz="1400" kern="0" dirty="0">
-                <a:cs typeface="Arial" charset="0"/>
-              </a:rPr>
-              <a:t>Анализ </a:t>
-            </a:r>
-            <a:r>
-              <a:rPr lang="ru-RU" sz="1400" kern="0" dirty="0" smtClean="0">
-                <a:cs typeface="Arial" charset="0"/>
-              </a:rPr>
-              <a:t>особенностей систем управления ВЛЛ на основе МО</a:t>
-            </a:r>
-            <a:r>
-              <a:rPr lang="en-US" sz="1400" kern="0" dirty="0" smtClean="0">
-                <a:cs typeface="Arial" charset="0"/>
-              </a:rPr>
-              <a:t> </a:t>
-            </a:r>
-            <a:r>
-              <a:rPr lang="ru-RU" sz="1400" kern="0" dirty="0" smtClean="0">
-                <a:cs typeface="Arial" charset="0"/>
-              </a:rPr>
-              <a:t>ФПУ:</a:t>
-            </a:r>
-          </a:p>
-          <a:p>
-            <a:pPr marL="800100" lvl="1" indent="-342900" algn="just" eaLnBrk="0" fontAlgn="base" hangingPunct="0">
-              <a:spcAft>
-                <a:spcPct val="0"/>
-              </a:spcAft>
-              <a:buFont typeface="+mj-lt"/>
-              <a:buAutoNum type="alphaLcParenR"/>
-              <a:defRPr/>
-            </a:pPr>
-            <a:r>
-              <a:rPr lang="ru-RU" sz="1400" kern="0" dirty="0" smtClean="0">
-                <a:latin typeface="+mj-lt"/>
-                <a:cs typeface="Arial" charset="0"/>
-              </a:rPr>
-              <a:t>Особенности измерения временных интервалов;</a:t>
-            </a:r>
-          </a:p>
-          <a:p>
-            <a:pPr marL="800100" lvl="1" indent="-342900" algn="just" eaLnBrk="0" fontAlgn="base" hangingPunct="0">
-              <a:spcAft>
-                <a:spcPct val="0"/>
-              </a:spcAft>
-              <a:buFont typeface="+mj-lt"/>
-              <a:buAutoNum type="alphaLcParenR"/>
-              <a:defRPr/>
-            </a:pPr>
-            <a:r>
-              <a:rPr lang="ru-RU" sz="1400" kern="0" dirty="0" smtClean="0">
-                <a:latin typeface="+mj-lt"/>
-                <a:cs typeface="Arial" charset="0"/>
-              </a:rPr>
-              <a:t>Особенности вычисления координат зондируемых точек объекта;</a:t>
-            </a:r>
-          </a:p>
-          <a:p>
-            <a:pPr marL="800100" lvl="1" indent="-342900" algn="just" eaLnBrk="0" fontAlgn="base" hangingPunct="0">
-              <a:spcAft>
-                <a:spcPct val="0"/>
-              </a:spcAft>
-              <a:buFont typeface="+mj-lt"/>
-              <a:buAutoNum type="alphaLcParenR"/>
-              <a:defRPr/>
-            </a:pPr>
-            <a:r>
-              <a:rPr lang="ru-RU" sz="1400" kern="0" dirty="0" smtClean="0">
-                <a:latin typeface="+mj-lt"/>
-                <a:cs typeface="Arial" charset="0"/>
-              </a:rPr>
-              <a:t>Особенности построения 2.5</a:t>
-            </a:r>
-            <a:r>
-              <a:rPr lang="en-US" sz="1400" kern="0" dirty="0" smtClean="0">
-                <a:latin typeface="+mj-lt"/>
-                <a:cs typeface="Arial" charset="0"/>
-              </a:rPr>
-              <a:t>D</a:t>
-            </a:r>
-            <a:r>
-              <a:rPr lang="ru-RU" sz="1400" kern="0" dirty="0" smtClean="0">
-                <a:latin typeface="+mj-lt"/>
-                <a:cs typeface="Arial" charset="0"/>
-              </a:rPr>
-              <a:t> изображений</a:t>
-            </a:r>
-            <a:r>
-              <a:rPr lang="en-US" sz="1400" kern="0" dirty="0" smtClean="0">
-                <a:latin typeface="+mj-lt"/>
-                <a:cs typeface="Arial" charset="0"/>
-              </a:rPr>
-              <a:t> </a:t>
-            </a:r>
-            <a:r>
-              <a:rPr lang="ru-RU" sz="1400" kern="0" dirty="0" smtClean="0">
-                <a:latin typeface="+mj-lt"/>
-                <a:cs typeface="Arial" charset="0"/>
-              </a:rPr>
-              <a:t>и 3</a:t>
-            </a:r>
-            <a:r>
-              <a:rPr lang="en-US" sz="1400" kern="0" dirty="0" smtClean="0">
-                <a:latin typeface="+mj-lt"/>
-                <a:cs typeface="Arial" charset="0"/>
-              </a:rPr>
-              <a:t>D </a:t>
-            </a:r>
-            <a:r>
-              <a:rPr lang="ru-RU" sz="1400" kern="0" dirty="0" smtClean="0">
-                <a:latin typeface="+mj-lt"/>
-                <a:cs typeface="Arial" charset="0"/>
-              </a:rPr>
-              <a:t>облаков точек;</a:t>
-            </a:r>
-          </a:p>
-          <a:p>
-            <a:pPr marL="342900" indent="-342900" algn="just" eaLnBrk="0" fontAlgn="base" hangingPunct="0">
-              <a:spcAft>
-                <a:spcPct val="0"/>
-              </a:spcAft>
-              <a:buFont typeface="+mj-lt"/>
-              <a:buAutoNum type="arabicParenR"/>
-              <a:defRPr/>
-            </a:pPr>
-            <a:r>
-              <a:rPr lang="ru-RU" sz="1400" kern="0" dirty="0" smtClean="0">
-                <a:latin typeface="+mj-lt"/>
-                <a:cs typeface="Arial" charset="0"/>
-              </a:rPr>
-              <a:t>Выделение основных проблем построения систем управления ВЛЛ:</a:t>
-            </a:r>
-          </a:p>
-          <a:p>
-            <a:pPr marL="800100" lvl="1" indent="-342900" algn="just" eaLnBrk="0" fontAlgn="base" hangingPunct="0">
-              <a:spcAft>
-                <a:spcPct val="0"/>
-              </a:spcAft>
-              <a:buFont typeface="+mj-lt"/>
-              <a:buAutoNum type="alphaLcParenR"/>
-              <a:defRPr/>
-            </a:pPr>
-            <a:r>
-              <a:rPr lang="ru-RU" sz="1400" kern="0" dirty="0" smtClean="0">
-                <a:latin typeface="+mj-lt"/>
-                <a:cs typeface="Arial" charset="0"/>
-              </a:rPr>
-              <a:t>Проблемы регистрации временных интервалов;</a:t>
-            </a:r>
-          </a:p>
-          <a:p>
-            <a:pPr marL="800100" lvl="1" indent="-342900" algn="just" eaLnBrk="0" fontAlgn="base" hangingPunct="0">
-              <a:spcAft>
-                <a:spcPct val="0"/>
-              </a:spcAft>
-              <a:buFont typeface="+mj-lt"/>
-              <a:buAutoNum type="alphaLcParenR"/>
-              <a:defRPr/>
-            </a:pPr>
-            <a:r>
-              <a:rPr lang="ru-RU" sz="1400" kern="0" dirty="0" smtClean="0">
-                <a:latin typeface="+mj-lt"/>
-                <a:cs typeface="Arial" charset="0"/>
-              </a:rPr>
-              <a:t>Проблемы вычисления координат </a:t>
-            </a:r>
-            <a:r>
-              <a:rPr lang="ru-RU" sz="1400" kern="0" dirty="0">
-                <a:cs typeface="Arial" charset="0"/>
-              </a:rPr>
-              <a:t>зондируемых точек </a:t>
-            </a:r>
-            <a:r>
-              <a:rPr lang="ru-RU" sz="1400" kern="0" dirty="0" smtClean="0">
-                <a:cs typeface="Arial" charset="0"/>
-              </a:rPr>
-              <a:t>объекта;</a:t>
-            </a:r>
-          </a:p>
-          <a:p>
-            <a:pPr marL="342900" indent="-342900" algn="just" eaLnBrk="0" fontAlgn="base" hangingPunct="0">
-              <a:spcAft>
-                <a:spcPct val="0"/>
-              </a:spcAft>
-              <a:buFont typeface="+mj-lt"/>
-              <a:buAutoNum type="arabicParenR"/>
-              <a:defRPr/>
-            </a:pPr>
-            <a:r>
-              <a:rPr lang="ru-RU" sz="1400" kern="0" dirty="0" smtClean="0">
-                <a:latin typeface="+mj-lt"/>
-                <a:cs typeface="Arial" charset="0"/>
-              </a:rPr>
-              <a:t>Разработка оптимизированной системы управления ВЛЛ на базе МО</a:t>
-            </a:r>
-            <a:r>
-              <a:rPr lang="en-US" sz="1400" kern="0" dirty="0" smtClean="0">
-                <a:latin typeface="+mj-lt"/>
-                <a:cs typeface="Arial" charset="0"/>
-              </a:rPr>
-              <a:t> </a:t>
-            </a:r>
-            <a:r>
-              <a:rPr lang="ru-RU" sz="1400" kern="0" dirty="0" smtClean="0">
-                <a:latin typeface="+mj-lt"/>
-                <a:cs typeface="Arial" charset="0"/>
-              </a:rPr>
-              <a:t>ФПУ.</a:t>
-            </a:r>
           </a:p>
         </p:txBody>
       </p:sp>
       <p:sp>
         <p:nvSpPr>
-          <p:cNvPr id="10" name="Объект 2"/>
-          <p:cNvSpPr txBox="1">
-            <a:spLocks/>
-          </p:cNvSpPr>
+          <p:cNvPr id="4" name="Прямоугольник 3"/>
+          <p:cNvSpPr/>
           <p:nvPr/>
         </p:nvSpPr>
-        <p:spPr bwMode="auto">
+        <p:spPr>
           <a:xfrm>
-            <a:off x="611560" y="1075344"/>
-            <a:ext cx="7888287" cy="632309"/>
+            <a:off x="5940152" y="987574"/>
+            <a:ext cx="2541017" cy="369332"/>
           </a:xfrm>
           <a:prstGeom prst="rect">
             <a:avLst/>
           </a:prstGeom>
-          <a:noFill/>
-          <a:ln>
-            <a:miter lim="800000"/>
-            <a:headEnd/>
-            <a:tailEnd/>
-          </a:ln>
         </p:spPr>
         <p:txBody>
-          <a:bodyPr vert="horz" wrap="square" lIns="91440" tIns="45720" rIns="91440" bIns="45720" numCol="1" anchor="t" anchorCtr="0" compatLnSpc="1">
-            <a:prstTxWarp prst="textNoShape">
-              <a:avLst/>
-            </a:prstTxWarp>
+          <a:bodyPr wrap="none">
+            <a:spAutoFit/>
           </a:bodyPr>
           <a:lstStyle/>
           <a:p>
-            <a:pPr lvl="0" algn="just" eaLnBrk="0" fontAlgn="base" hangingPunct="0">
-              <a:spcBef>
-                <a:spcPts val="600"/>
-              </a:spcBef>
-              <a:spcAft>
-                <a:spcPct val="0"/>
-              </a:spcAft>
-              <a:defRPr/>
-            </a:pPr>
-            <a:r>
-              <a:rPr kumimoji="0" lang="ru-RU" b="1" i="0" u="none" strike="noStrike" kern="0" cap="none" spc="0" normalizeH="0" baseline="0" noProof="0" dirty="0" smtClean="0">
-                <a:ln>
-                  <a:noFill/>
-                </a:ln>
-                <a:solidFill>
-                  <a:schemeClr val="tx1"/>
-                </a:solidFill>
-                <a:effectLst/>
-                <a:uLnTx/>
-                <a:uFillTx/>
-                <a:ea typeface="+mn-ea"/>
-                <a:cs typeface="Arial" charset="0"/>
-              </a:rPr>
-              <a:t>Цель</a:t>
-            </a:r>
-            <a:r>
-              <a:rPr kumimoji="0" lang="ru-RU" b="1" i="0" u="none" strike="noStrike" kern="0" cap="none" spc="0" normalizeH="0" noProof="0" dirty="0" smtClean="0">
-                <a:ln>
-                  <a:noFill/>
-                </a:ln>
-                <a:solidFill>
-                  <a:schemeClr val="tx1"/>
-                </a:solidFill>
-                <a:effectLst/>
-                <a:uLnTx/>
-                <a:uFillTx/>
-                <a:ea typeface="+mn-ea"/>
-                <a:cs typeface="Arial" charset="0"/>
-              </a:rPr>
-              <a:t> работы</a:t>
-            </a:r>
-            <a:r>
-              <a:rPr kumimoji="0" lang="ru-RU" b="1" i="0" u="none" strike="noStrike" kern="0" cap="none" spc="0" normalizeH="0" baseline="0" noProof="0" dirty="0" smtClean="0">
-                <a:ln>
-                  <a:noFill/>
-                </a:ln>
-                <a:solidFill>
-                  <a:schemeClr val="tx1"/>
-                </a:solidFill>
-                <a:effectLst/>
-                <a:uLnTx/>
-                <a:uFillTx/>
-                <a:ea typeface="+mn-ea"/>
-                <a:cs typeface="Arial" charset="0"/>
-              </a:rPr>
-              <a:t>: </a:t>
-            </a:r>
-            <a:r>
-              <a:rPr lang="ru-RU" sz="1400" dirty="0" smtClean="0"/>
-              <a:t>Создание </a:t>
-            </a:r>
-            <a:r>
-              <a:rPr lang="ru-RU" sz="1400" dirty="0"/>
-              <a:t>системы управления времяпролетным лазерным локатором (ВЛЛ) на базе массива одиночных </a:t>
-            </a:r>
-            <a:r>
-              <a:rPr lang="ru-RU" sz="1400" dirty="0" err="1"/>
-              <a:t>фотоприемных</a:t>
-            </a:r>
-            <a:r>
-              <a:rPr lang="ru-RU" sz="1400" dirty="0"/>
-              <a:t> устройств (МО ФПУ).</a:t>
-            </a:r>
-            <a:endParaRPr kumimoji="0" lang="ru-RU" sz="1400" b="0" i="0" u="none" strike="noStrike" kern="0" cap="none" spc="0" normalizeH="0" baseline="0" noProof="0" dirty="0" smtClean="0">
-              <a:ln>
-                <a:noFill/>
-              </a:ln>
+            <a:r>
+              <a:rPr lang="ru-RU" dirty="0"/>
+              <a:t>Угол острия 45 градусов</a:t>
+            </a:r>
+            <a:endParaRPr lang="ru-RU" baseline="30000" dirty="0">
               <a:solidFill>
-                <a:schemeClr val="tx1"/>
+                <a:schemeClr val="dk1"/>
               </a:solidFill>
-              <a:effectLst/>
-              <a:uLnTx/>
-              <a:uFillTx/>
-              <a:latin typeface="+mj-lt"/>
-              <a:ea typeface="+mn-ea"/>
-              <a:cs typeface="Arial" charset="0"/>
             </a:endParaRPr>
           </a:p>
         </p:txBody>
       </p:sp>
+      <p:graphicFrame>
+        <p:nvGraphicFramePr>
+          <p:cNvPr id="7" name="Диаграмма 6"/>
+          <p:cNvGraphicFramePr/>
+          <p:nvPr>
+            <p:extLst>
+              <p:ext uri="{D42A27DB-BD31-4B8C-83A1-F6EECF244321}">
+                <p14:modId xmlns:p14="http://schemas.microsoft.com/office/powerpoint/2010/main" val="3772329946"/>
+              </p:ext>
+            </p:extLst>
+          </p:nvPr>
+        </p:nvGraphicFramePr>
+        <p:xfrm>
+          <a:off x="827584" y="1275606"/>
+          <a:ext cx="7246168" cy="3737570"/>
+        </p:xfrm>
+        <a:graphic>
+          <a:graphicData uri="http://schemas.openxmlformats.org/drawingml/2006/chart">
+            <c:chart xmlns:c="http://schemas.openxmlformats.org/drawingml/2006/chart" xmlns:r="http://schemas.openxmlformats.org/officeDocument/2006/relationships" r:id="rId3"/>
+          </a:graphicData>
+        </a:graphic>
+      </p:graphicFrame>
     </p:spTree>
     <p:extLst>
       <p:ext uri="{BB962C8B-B14F-4D97-AF65-F5344CB8AC3E}">
-        <p14:creationId xmlns:p14="http://schemas.microsoft.com/office/powerpoint/2010/main" val="4102258192"/>
+        <p14:creationId xmlns:p14="http://schemas.microsoft.com/office/powerpoint/2010/main" val="3535406333"/>
       </p:ext>
     </p:extLst>
   </p:cSld>
@@ -5894,12 +7457,12 @@
           <a:lstStyle/>
           <a:p>
             <a:r>
-              <a:rPr lang="ru-RU" sz="2000" b="1" dirty="0" smtClean="0">
+              <a:rPr lang="ru-RU" sz="2000" b="1" dirty="0">
                 <a:solidFill>
                   <a:srgbClr val="003399"/>
                 </a:solidFill>
               </a:rPr>
-              <a:t>Объект и предмет исследования, научная новизна</a:t>
+              <a:t>Выводы</a:t>
             </a:r>
             <a:endParaRPr lang="ru-RU" sz="2000" b="1" dirty="0">
               <a:solidFill>
@@ -5911,14 +7474,14 @@
       </p:sp>
       <p:sp>
         <p:nvSpPr>
-          <p:cNvPr id="8" name="TextBox 7"/>
+          <p:cNvPr id="15" name="TextBox 14"/>
           <p:cNvSpPr txBox="1"/>
           <p:nvPr/>
         </p:nvSpPr>
         <p:spPr>
           <a:xfrm>
             <a:off x="8631632" y="312678"/>
-            <a:ext cx="333616" cy="400110"/>
+            <a:ext cx="512368" cy="400110"/>
           </a:xfrm>
           <a:prstGeom prst="rect">
             <a:avLst/>
@@ -5932,261 +7495,90 @@
           <a:lstStyle/>
           <a:p>
             <a:r>
-              <a:rPr lang="en-US" sz="2000" b="1" dirty="0" smtClean="0">
+              <a:rPr lang="ru-RU" sz="2000" b="1" dirty="0" smtClean="0">
                 <a:solidFill>
                   <a:srgbClr val="003399"/>
                 </a:solidFill>
               </a:rPr>
-              <a:t>4</a:t>
-            </a:r>
-            <a:endParaRPr lang="ru-RU" dirty="0"/>
+              <a:t>12 </a:t>
+            </a:r>
+            <a:endParaRPr lang="ru-RU" sz="2000" b="1" dirty="0" smtClean="0">
+              <a:solidFill>
+                <a:srgbClr val="003399"/>
+              </a:solidFill>
+            </a:endParaRPr>
           </a:p>
         </p:txBody>
       </p:sp>
       <p:sp>
         <p:nvSpPr>
-          <p:cNvPr id="7" name="Объект 2"/>
-          <p:cNvSpPr txBox="1">
-            <a:spLocks/>
-          </p:cNvSpPr>
+          <p:cNvPr id="2" name="Прямоугольник 1"/>
+          <p:cNvSpPr/>
           <p:nvPr/>
         </p:nvSpPr>
-        <p:spPr bwMode="auto">
+        <p:spPr>
           <a:xfrm>
-            <a:off x="5652120" y="1131590"/>
-            <a:ext cx="2898078" cy="3600400"/>
+            <a:off x="748458" y="1275606"/>
+            <a:ext cx="7567958" cy="2862322"/>
           </a:xfrm>
           <a:prstGeom prst="rect">
             <a:avLst/>
           </a:prstGeom>
-          <a:noFill/>
-          <a:ln>
-            <a:miter lim="800000"/>
-            <a:headEnd/>
-            <a:tailEnd/>
-          </a:ln>
         </p:spPr>
         <p:txBody>
-          <a:bodyPr vert="horz" wrap="square" lIns="91440" tIns="45720" rIns="91440" bIns="45720" numCol="1" anchor="t" anchorCtr="0" compatLnSpc="1">
-            <a:prstTxWarp prst="textNoShape">
-              <a:avLst/>
-            </a:prstTxWarp>
+          <a:bodyPr wrap="square">
+            <a:spAutoFit/>
           </a:bodyPr>
           <a:lstStyle/>
           <a:p>
-            <a:pPr lvl="0" algn="just" eaLnBrk="0" fontAlgn="base" hangingPunct="0">
-              <a:spcBef>
-                <a:spcPts val="600"/>
-              </a:spcBef>
-              <a:spcAft>
-                <a:spcPct val="0"/>
-              </a:spcAft>
-              <a:defRPr/>
+            <a:pPr marL="285750" indent="-285750" algn="just">
+              <a:buFont typeface="Arial" panose="020B0604020202020204" pitchFamily="34" charset="0"/>
+              <a:buChar char="•"/>
             </a:pPr>
             <a:r>
-              <a:rPr kumimoji="0" lang="ru-RU" b="1" i="0" u="none" strike="noStrike" kern="0" cap="none" spc="0" normalizeH="0" baseline="0" noProof="0" dirty="0" smtClean="0">
-                <a:ln>
-                  <a:noFill/>
-                </a:ln>
-                <a:solidFill>
-                  <a:schemeClr val="tx1"/>
-                </a:solidFill>
-                <a:effectLst/>
-                <a:uLnTx/>
-                <a:uFillTx/>
-              </a:rPr>
-              <a:t>Объект исследования:</a:t>
-            </a:r>
-            <a:r>
-              <a:rPr lang="ru-RU" sz="1400" kern="0" dirty="0" smtClean="0">
-                <a:solidFill>
-                  <a:prstClr val="black"/>
-                </a:solidFill>
-                <a:cs typeface="Arial" charset="0"/>
-              </a:rPr>
-              <a:t> Сканирующие лазерные локационные системы (ЛЛС) гибридного типа.</a:t>
-            </a:r>
-          </a:p>
-          <a:p>
-            <a:pPr lvl="0" algn="just" eaLnBrk="0" fontAlgn="base" hangingPunct="0">
-              <a:spcBef>
-                <a:spcPts val="600"/>
-              </a:spcBef>
-              <a:spcAft>
-                <a:spcPct val="0"/>
-              </a:spcAft>
-              <a:defRPr/>
+              <a:rPr lang="ru-RU" dirty="0"/>
+              <a:t>Разработана модель, описывающая отклонение иглы при движении в тканях человека в реальном времени</a:t>
+            </a:r>
+            <a:r>
+              <a:rPr lang="en-US" dirty="0"/>
+              <a:t>;</a:t>
+            </a:r>
+            <a:endParaRPr lang="ru-RU" dirty="0"/>
+          </a:p>
+          <a:p>
+            <a:pPr algn="just"/>
+            <a:endParaRPr lang="en-US" dirty="0"/>
+          </a:p>
+          <a:p>
+            <a:pPr marL="285750" indent="-285750" algn="just">
+              <a:buFont typeface="Arial" panose="020B0604020202020204" pitchFamily="34" charset="0"/>
+              <a:buChar char="•"/>
             </a:pPr>
             <a:r>
-              <a:rPr lang="ru-RU" b="1" kern="0" dirty="0">
-                <a:solidFill>
-                  <a:prstClr val="black"/>
-                </a:solidFill>
-              </a:rPr>
-              <a:t>Предмет исследования:</a:t>
-            </a:r>
-            <a:r>
-              <a:rPr lang="ru-RU" sz="1400" kern="0" dirty="0">
-                <a:solidFill>
-                  <a:prstClr val="black"/>
-                </a:solidFill>
-                <a:cs typeface="Arial" charset="0"/>
-              </a:rPr>
-              <a:t> Системы управления работой ЛЛС гибридного типа, регистрации и обработки получаемых данных</a:t>
-            </a:r>
-            <a:r>
-              <a:rPr lang="ru-RU" sz="1400" kern="0" dirty="0" smtClean="0">
-                <a:solidFill>
-                  <a:prstClr val="black"/>
-                </a:solidFill>
-                <a:cs typeface="Arial" charset="0"/>
-              </a:rPr>
-              <a:t>.</a:t>
-            </a:r>
-            <a:endParaRPr lang="ru-RU" sz="1400" kern="0" dirty="0">
-              <a:solidFill>
-                <a:prstClr val="black"/>
-              </a:solidFill>
-              <a:cs typeface="Arial" charset="0"/>
-            </a:endParaRPr>
-          </a:p>
-          <a:p>
-            <a:pPr lvl="0" algn="just" eaLnBrk="0" fontAlgn="base" hangingPunct="0">
-              <a:spcBef>
-                <a:spcPts val="600"/>
-              </a:spcBef>
-              <a:spcAft>
-                <a:spcPct val="0"/>
-              </a:spcAft>
-              <a:defRPr/>
+              <a:rPr lang="ru-RU" dirty="0"/>
+              <a:t>С помощь разработанной модели проведено моделирование движения иглы при различных начальных параметрах;</a:t>
+            </a:r>
+          </a:p>
+          <a:p>
+            <a:pPr algn="just"/>
+            <a:endParaRPr lang="ru-RU" dirty="0"/>
+          </a:p>
+          <a:p>
+            <a:pPr marL="285750" indent="-285750" algn="just">
+              <a:buFont typeface="Arial" panose="020B0604020202020204" pitchFamily="34" charset="0"/>
+              <a:buChar char="•"/>
             </a:pPr>
             <a:r>
-              <a:rPr lang="ru-RU" b="1" kern="0" dirty="0">
-                <a:solidFill>
-                  <a:prstClr val="black"/>
-                </a:solidFill>
-                <a:cs typeface="Arial" charset="0"/>
-              </a:rPr>
-              <a:t>Научная новизна: </a:t>
-            </a:r>
-            <a:r>
-              <a:rPr lang="ru-RU" sz="1400" kern="0" dirty="0">
-                <a:solidFill>
-                  <a:prstClr val="black"/>
-                </a:solidFill>
-                <a:cs typeface="Arial" charset="0"/>
-              </a:rPr>
-              <a:t>Разработка ЛЛС нового типа, позволяющей сочетать достоинства сканирующих и «</a:t>
-            </a:r>
-            <a:r>
-              <a:rPr lang="en-US" sz="1400" kern="0" dirty="0">
-                <a:solidFill>
-                  <a:prstClr val="black"/>
-                </a:solidFill>
-                <a:cs typeface="Arial" charset="0"/>
-              </a:rPr>
-              <a:t>Flash-</a:t>
-            </a:r>
-            <a:r>
-              <a:rPr lang="ru-RU" sz="1400" kern="0" dirty="0" err="1">
-                <a:solidFill>
-                  <a:prstClr val="black"/>
-                </a:solidFill>
-                <a:cs typeface="Arial" charset="0"/>
-              </a:rPr>
-              <a:t>лидарных</a:t>
-            </a:r>
-            <a:r>
-              <a:rPr lang="ru-RU" sz="1400" kern="0" dirty="0">
-                <a:solidFill>
-                  <a:prstClr val="black"/>
-                </a:solidFill>
-                <a:cs typeface="Arial" charset="0"/>
-              </a:rPr>
-              <a:t>» систем, избегая существенных недостатков каждой из этих систем.</a:t>
-            </a:r>
-            <a:endParaRPr kumimoji="0" lang="ru-RU" b="1" i="0" u="none" strike="noStrike" kern="0" cap="none" spc="0" normalizeH="0" baseline="0" noProof="0" dirty="0" smtClean="0">
-              <a:ln>
-                <a:noFill/>
-              </a:ln>
-              <a:solidFill>
-                <a:schemeClr val="tx1"/>
-              </a:solidFill>
-              <a:effectLst/>
-              <a:uLnTx/>
-              <a:uFillTx/>
-            </a:endParaRPr>
+              <a:rPr lang="ru-RU" dirty="0"/>
+              <a:t>В результате сравнения экспериментальных данных и результатов моделирования было показано, что данная модель после доработки, может быть использована для корректировки робототехнического комплекса </a:t>
+            </a:r>
           </a:p>
         </p:txBody>
       </p:sp>
-      <p:pic>
-        <p:nvPicPr>
-          <p:cNvPr id="2051" name="Picture 3"/>
-          <p:cNvPicPr>
-            <a:picLocks noChangeAspect="1" noChangeArrowheads="1"/>
-          </p:cNvPicPr>
-          <p:nvPr/>
-        </p:nvPicPr>
-        <p:blipFill>
-          <a:blip r:embed="rId2">
-            <a:extLst>
-              <a:ext uri="{28A0092B-C50C-407E-A947-70E740481C1C}">
-                <a14:useLocalDpi xmlns:a14="http://schemas.microsoft.com/office/drawing/2010/main" val="0"/>
-              </a:ext>
-            </a:extLst>
-          </a:blip>
-          <a:srcRect/>
-          <a:stretch>
-            <a:fillRect/>
-          </a:stretch>
-        </p:blipFill>
-        <p:spPr bwMode="auto">
-          <a:xfrm>
-            <a:off x="539552" y="1131590"/>
-            <a:ext cx="5112568" cy="3600400"/>
-          </a:xfrm>
-          <a:prstGeom prst="rect">
-            <a:avLst/>
-          </a:prstGeom>
-          <a:noFill/>
-          <a:ln>
-            <a:noFill/>
-          </a:ln>
-          <a:effectLst/>
-          <a:extLst>
-            <a:ext uri="{909E8E84-426E-40DD-AFC4-6F175D3DCCD1}">
-              <a14:hiddenFill xmlns:a14="http://schemas.microsoft.com/office/drawing/2010/main">
-                <a:solidFill>
-                  <a:schemeClr val="accent1"/>
-                </a:solidFill>
-              </a14:hiddenFill>
-            </a:ext>
-            <a:ext uri="{91240B29-F687-4F45-9708-019B960494DF}">
-              <a14:hiddenLine xmlns:a14="http://schemas.microsoft.com/office/drawing/2010/main" w="9525">
-                <a:solidFill>
-                  <a:schemeClr val="tx1"/>
-                </a:solidFill>
-                <a:miter lim="800000"/>
-                <a:headEnd/>
-                <a:tailEnd/>
-              </a14:hiddenLine>
-            </a:ext>
-            <a:ext uri="{AF507438-7753-43E0-B8FC-AC1667EBCBE1}">
-              <a14:hiddenEffects xmlns:a14="http://schemas.microsoft.com/office/drawing/2010/main">
-                <a:effectLst>
-                  <a:outerShdw dist="35921" dir="2700000" algn="ctr" rotWithShape="0">
-                    <a:schemeClr val="bg2"/>
-                  </a:outerShdw>
-                </a:effectLst>
-              </a14:hiddenEffects>
-            </a:ext>
-          </a:extLst>
-        </p:spPr>
-      </p:pic>
     </p:spTree>
     <p:extLst>
       <p:ext uri="{BB962C8B-B14F-4D97-AF65-F5344CB8AC3E}">
-        <p14:creationId xmlns:p14="http://schemas.microsoft.com/office/powerpoint/2010/main" val="531931607"/>
+        <p14:creationId xmlns:p14="http://schemas.microsoft.com/office/powerpoint/2010/main" val="430999857"/>
       </p:ext>
     </p:extLst>
   </p:cSld>
@@ -6207,869 +7599,6 @@
 </file>
 
 <file path=ppt/slides/slide14.xml><?xml version="1.0" encoding="utf-8"?>
-<p:sld xmlns:a="http://schemas.openxmlformats.org/drawingml/2006/main" xmlns:r="http://schemas.openxmlformats.org/officeDocument/2006/relationships" xmlns:p="http://schemas.openxmlformats.org/presentationml/2006/main">
-  <p:cSld>
-    <p:spTree>
-      <p:nvGrpSpPr>
-        <p:cNvPr id="1" name=""/>
-        <p:cNvGrpSpPr/>
-        <p:nvPr/>
-      </p:nvGrpSpPr>
-      <p:grpSpPr>
-        <a:xfrm>
-          <a:off x="0" y="0"/>
-          <a:ext cx="0" cy="0"/>
-          <a:chOff x="0" y="0"/>
-          <a:chExt cx="0" cy="0"/>
-        </a:xfrm>
-      </p:grpSpPr>
-      <p:sp>
-        <p:nvSpPr>
-          <p:cNvPr id="5" name="Rectangle 6"/>
-          <p:cNvSpPr>
-            <a:spLocks noChangeArrowheads="1"/>
-          </p:cNvSpPr>
-          <p:nvPr/>
-        </p:nvSpPr>
-        <p:spPr bwMode="auto">
-          <a:xfrm>
-            <a:off x="748458" y="312738"/>
-            <a:ext cx="8274772" cy="400110"/>
-          </a:xfrm>
-          <a:prstGeom prst="rect">
-            <a:avLst/>
-          </a:prstGeom>
-          <a:noFill/>
-          <a:ln w="9525">
-            <a:noFill/>
-            <a:miter lim="800000"/>
-            <a:headEnd/>
-            <a:tailEnd/>
-          </a:ln>
-        </p:spPr>
-        <p:txBody>
-          <a:bodyPr wrap="square">
-            <a:spAutoFit/>
-          </a:bodyPr>
-          <a:lstStyle/>
-          <a:p>
-            <a:r>
-              <a:rPr lang="ru-RU" sz="2000" b="1" dirty="0" smtClean="0">
-                <a:solidFill>
-                  <a:srgbClr val="003399"/>
-                </a:solidFill>
-              </a:rPr>
-              <a:t>Промежуточные результаты работы </a:t>
-            </a:r>
-            <a:endParaRPr lang="ru-RU" sz="2000" b="1" dirty="0">
-              <a:solidFill>
-                <a:srgbClr val="003399"/>
-              </a:solidFill>
-            </a:endParaRPr>
-          </a:p>
-        </p:txBody>
-      </p:sp>
-      <p:sp>
-        <p:nvSpPr>
-          <p:cNvPr id="8" name="TextBox 7"/>
-          <p:cNvSpPr txBox="1"/>
-          <p:nvPr/>
-        </p:nvSpPr>
-        <p:spPr>
-          <a:xfrm>
-            <a:off x="8631632" y="312678"/>
-            <a:ext cx="333616" cy="400110"/>
-          </a:xfrm>
-          <a:prstGeom prst="rect">
-            <a:avLst/>
-          </a:prstGeom>
-          <a:noFill/>
-        </p:spPr>
-        <p:txBody>
-          <a:bodyPr wrap="square" rtlCol="0">
-            <a:spAutoFit/>
-          </a:bodyPr>
-          <a:lstStyle/>
-          <a:p>
-            <a:r>
-              <a:rPr lang="en-US" sz="2000" b="1" dirty="0" smtClean="0">
-                <a:solidFill>
-                  <a:srgbClr val="003399"/>
-                </a:solidFill>
-              </a:rPr>
-              <a:t>5</a:t>
-            </a:r>
-            <a:endParaRPr lang="ru-RU" dirty="0"/>
-          </a:p>
-        </p:txBody>
-      </p:sp>
-      <p:pic>
-        <p:nvPicPr>
-          <p:cNvPr id="2050" name="Picture 2"/>
-          <p:cNvPicPr>
-            <a:picLocks noChangeAspect="1" noChangeArrowheads="1"/>
-          </p:cNvPicPr>
-          <p:nvPr/>
-        </p:nvPicPr>
-        <p:blipFill>
-          <a:blip r:embed="rId2" cstate="print">
-            <a:extLst>
-              <a:ext uri="{28A0092B-C50C-407E-A947-70E740481C1C}">
-                <a14:useLocalDpi xmlns:a14="http://schemas.microsoft.com/office/drawing/2010/main" val="0"/>
-              </a:ext>
-            </a:extLst>
-          </a:blip>
-          <a:srcRect/>
-          <a:stretch>
-            <a:fillRect/>
-          </a:stretch>
-        </p:blipFill>
-        <p:spPr bwMode="auto">
-          <a:xfrm>
-            <a:off x="6253513" y="915566"/>
-            <a:ext cx="2564696" cy="3597843"/>
-          </a:xfrm>
-          <a:prstGeom prst="rect">
-            <a:avLst/>
-          </a:prstGeom>
-          <a:noFill/>
-          <a:ln>
-            <a:noFill/>
-          </a:ln>
-          <a:extLst>
-            <a:ext uri="{909E8E84-426E-40DD-AFC4-6F175D3DCCD1}">
-              <a14:hiddenFill xmlns:a14="http://schemas.microsoft.com/office/drawing/2010/main">
-                <a:solidFill>
-                  <a:schemeClr val="accent1"/>
-                </a:solidFill>
-              </a14:hiddenFill>
-            </a:ext>
-            <a:ext uri="{91240B29-F687-4F45-9708-019B960494DF}">
-              <a14:hiddenLine xmlns:a14="http://schemas.microsoft.com/office/drawing/2010/main" w="9525">
-                <a:solidFill>
-                  <a:schemeClr val="tx1"/>
-                </a:solidFill>
-                <a:miter lim="800000"/>
-                <a:headEnd/>
-                <a:tailEnd/>
-              </a14:hiddenLine>
-            </a:ext>
-          </a:extLst>
-        </p:spPr>
-      </p:pic>
-      <p:sp>
-        <p:nvSpPr>
-          <p:cNvPr id="9" name="Объект 2"/>
-          <p:cNvSpPr txBox="1">
-            <a:spLocks/>
-          </p:cNvSpPr>
-          <p:nvPr/>
-        </p:nvSpPr>
-        <p:spPr bwMode="auto">
-          <a:xfrm>
-            <a:off x="467544" y="915566"/>
-            <a:ext cx="5328592" cy="3800662"/>
-          </a:xfrm>
-          <a:prstGeom prst="rect">
-            <a:avLst/>
-          </a:prstGeom>
-          <a:noFill/>
-          <a:ln>
-            <a:miter lim="800000"/>
-            <a:headEnd/>
-            <a:tailEnd/>
-          </a:ln>
-        </p:spPr>
-        <p:txBody>
-          <a:bodyPr vert="horz" wrap="square" lIns="91440" tIns="45720" rIns="91440" bIns="45720" numCol="1" anchor="t" anchorCtr="0" compatLnSpc="1">
-            <a:prstTxWarp prst="textNoShape">
-              <a:avLst/>
-            </a:prstTxWarp>
-          </a:bodyPr>
-          <a:lstStyle/>
-          <a:p>
-            <a:pPr marL="342900" lvl="0" indent="-342900" algn="just" eaLnBrk="0" fontAlgn="base" hangingPunct="0">
-              <a:spcBef>
-                <a:spcPts val="600"/>
-              </a:spcBef>
-              <a:spcAft>
-                <a:spcPct val="0"/>
-              </a:spcAft>
-              <a:buAutoNum type="arabicParenR"/>
-              <a:defRPr/>
-            </a:pPr>
-            <a:r>
-              <a:rPr kumimoji="0" lang="ru-RU" sz="1400" i="0" u="none" strike="noStrike" kern="0" cap="none" spc="0" normalizeH="0" baseline="0" noProof="0" dirty="0" smtClean="0">
-                <a:ln>
-                  <a:noFill/>
-                </a:ln>
-                <a:solidFill>
-                  <a:schemeClr val="tx1"/>
-                </a:solidFill>
-                <a:effectLst/>
-                <a:uLnTx/>
-                <a:uFillTx/>
-                <a:ea typeface="+mn-ea"/>
-                <a:cs typeface="Arial" charset="0"/>
-              </a:rPr>
-              <a:t>Создана многоканальная система измерения временных интервалов</a:t>
-            </a:r>
-            <a:r>
-              <a:rPr kumimoji="0" lang="ru-RU" sz="1400" i="0" u="none" strike="noStrike" kern="0" cap="none" spc="0" normalizeH="0" noProof="0" dirty="0" smtClean="0">
-                <a:ln>
-                  <a:noFill/>
-                </a:ln>
-                <a:solidFill>
-                  <a:schemeClr val="tx1"/>
-                </a:solidFill>
-                <a:effectLst/>
-                <a:uLnTx/>
-                <a:uFillTx/>
-                <a:ea typeface="+mn-ea"/>
-                <a:cs typeface="Arial" charset="0"/>
-              </a:rPr>
-              <a:t> на 64 канала. СКО измеренных временных интервалов составляет 45 </a:t>
-            </a:r>
-            <a:r>
-              <a:rPr kumimoji="0" lang="ru-RU" sz="1400" i="0" u="none" strike="noStrike" kern="0" cap="none" spc="0" normalizeH="0" noProof="0" dirty="0" err="1" smtClean="0">
-                <a:ln>
-                  <a:noFill/>
-                </a:ln>
-                <a:solidFill>
-                  <a:schemeClr val="tx1"/>
-                </a:solidFill>
-                <a:effectLst/>
-                <a:uLnTx/>
-                <a:uFillTx/>
-                <a:ea typeface="+mn-ea"/>
-                <a:cs typeface="Arial" charset="0"/>
-              </a:rPr>
-              <a:t>пс</a:t>
-            </a:r>
-            <a:r>
-              <a:rPr kumimoji="0" lang="ru-RU" sz="1400" i="0" u="none" strike="noStrike" kern="0" cap="none" spc="0" normalizeH="0" noProof="0" dirty="0" smtClean="0">
-                <a:ln>
-                  <a:noFill/>
-                </a:ln>
-                <a:solidFill>
-                  <a:schemeClr val="tx1"/>
-                </a:solidFill>
-                <a:effectLst/>
-                <a:uLnTx/>
-                <a:uFillTx/>
-                <a:ea typeface="+mn-ea"/>
-                <a:cs typeface="Arial" charset="0"/>
-              </a:rPr>
-              <a:t>.</a:t>
-            </a:r>
-          </a:p>
-          <a:p>
-            <a:pPr marL="342900" lvl="0" indent="-342900" algn="just" eaLnBrk="0" fontAlgn="base" hangingPunct="0">
-              <a:spcBef>
-                <a:spcPts val="600"/>
-              </a:spcBef>
-              <a:spcAft>
-                <a:spcPct val="0"/>
-              </a:spcAft>
-              <a:buAutoNum type="arabicParenR"/>
-              <a:defRPr/>
-            </a:pPr>
-            <a:r>
-              <a:rPr kumimoji="0" lang="ru-RU" sz="1400" i="0" u="none" strike="noStrike" kern="0" cap="none" spc="0" normalizeH="0" baseline="0" noProof="0" dirty="0" smtClean="0">
-                <a:ln>
-                  <a:noFill/>
-                </a:ln>
-                <a:solidFill>
-                  <a:schemeClr val="tx1"/>
-                </a:solidFill>
-                <a:effectLst/>
-                <a:uLnTx/>
-                <a:uFillTx/>
-                <a:ea typeface="+mn-ea"/>
-                <a:cs typeface="Arial" charset="0"/>
-              </a:rPr>
-              <a:t>Получен патент </a:t>
-            </a:r>
-            <a:r>
-              <a:rPr lang="ru-RU" sz="1400" kern="0" dirty="0">
-                <a:cs typeface="Arial" charset="0"/>
-              </a:rPr>
-              <a:t>на </a:t>
-            </a:r>
-            <a:r>
-              <a:rPr lang="ru-RU" sz="1400" kern="0" dirty="0" smtClean="0">
-                <a:cs typeface="Arial" charset="0"/>
-              </a:rPr>
-              <a:t>многоканальную систему </a:t>
-            </a:r>
-            <a:r>
-              <a:rPr lang="ru-RU" sz="1400" kern="0" dirty="0">
-                <a:cs typeface="Arial" charset="0"/>
-              </a:rPr>
-              <a:t>измерения временных </a:t>
-            </a:r>
-            <a:r>
-              <a:rPr lang="ru-RU" sz="1400" kern="0" dirty="0" smtClean="0">
-                <a:cs typeface="Arial" charset="0"/>
-              </a:rPr>
-              <a:t>интервалов (в одноканальном и многоканальном исполнении). Патент №2627136 от 03 августа 2017г., приоритет 18.10.2016г. </a:t>
-            </a:r>
-          </a:p>
-          <a:p>
-            <a:pPr marL="342900" lvl="0" indent="-342900" algn="just" eaLnBrk="0" fontAlgn="base" hangingPunct="0">
-              <a:spcBef>
-                <a:spcPts val="600"/>
-              </a:spcBef>
-              <a:spcAft>
-                <a:spcPct val="0"/>
-              </a:spcAft>
-              <a:buAutoNum type="arabicParenR"/>
-              <a:defRPr/>
-            </a:pPr>
-            <a:r>
-              <a:rPr kumimoji="0" lang="ru-RU" sz="1400" i="0" u="none" strike="noStrike" kern="0" cap="none" spc="0" normalizeH="0" baseline="0" noProof="0" dirty="0" smtClean="0">
-                <a:ln>
-                  <a:noFill/>
-                </a:ln>
-                <a:solidFill>
-                  <a:schemeClr val="tx1"/>
-                </a:solidFill>
-                <a:effectLst/>
-                <a:uLnTx/>
-                <a:uFillTx/>
-                <a:latin typeface="+mj-lt"/>
-                <a:ea typeface="+mn-ea"/>
-                <a:cs typeface="Arial" charset="0"/>
-              </a:rPr>
-              <a:t>Проведена</a:t>
-            </a:r>
-            <a:r>
-              <a:rPr kumimoji="0" lang="ru-RU" sz="1400" i="0" u="none" strike="noStrike" kern="0" cap="none" spc="0" normalizeH="0" noProof="0" dirty="0" smtClean="0">
-                <a:ln>
-                  <a:noFill/>
-                </a:ln>
-                <a:solidFill>
-                  <a:schemeClr val="tx1"/>
-                </a:solidFill>
-                <a:effectLst/>
-                <a:uLnTx/>
-                <a:uFillTx/>
-                <a:latin typeface="+mj-lt"/>
-                <a:ea typeface="+mn-ea"/>
-                <a:cs typeface="Arial" charset="0"/>
-              </a:rPr>
-              <a:t> работа по адаптации системы к реализации в виде заказной микросхемы отечественного производства</a:t>
-            </a:r>
-            <a:endParaRPr kumimoji="0" lang="ru-RU" sz="1400" i="0" u="none" strike="noStrike" kern="0" cap="none" spc="0" normalizeH="0" baseline="0" noProof="0" dirty="0" smtClean="0">
-              <a:ln>
-                <a:noFill/>
-              </a:ln>
-              <a:solidFill>
-                <a:schemeClr val="tx1"/>
-              </a:solidFill>
-              <a:effectLst/>
-              <a:uLnTx/>
-              <a:uFillTx/>
-              <a:latin typeface="+mj-lt"/>
-              <a:ea typeface="+mn-ea"/>
-              <a:cs typeface="Arial" charset="0"/>
-            </a:endParaRPr>
-          </a:p>
-        </p:txBody>
-      </p:sp>
-      <p:pic>
-        <p:nvPicPr>
-          <p:cNvPr id="3" name="Picture 3" descr="D:\Artamonov\_Work\LINAR\docs\Презентации\Презентация_2016_03_17\route64.JPG"/>
-          <p:cNvPicPr>
-            <a:picLocks noChangeAspect="1" noChangeArrowheads="1"/>
-          </p:cNvPicPr>
-          <p:nvPr/>
-        </p:nvPicPr>
-        <p:blipFill>
-          <a:blip r:embed="rId3" cstate="print">
-            <a:extLst>
-              <a:ext uri="{28A0092B-C50C-407E-A947-70E740481C1C}">
-                <a14:useLocalDpi xmlns:a14="http://schemas.microsoft.com/office/drawing/2010/main" val="0"/>
-              </a:ext>
-            </a:extLst>
-          </a:blip>
-          <a:srcRect/>
-          <a:stretch>
-            <a:fillRect/>
-          </a:stretch>
-        </p:blipFill>
-        <p:spPr bwMode="auto">
-          <a:xfrm>
-            <a:off x="4997938" y="2836927"/>
-            <a:ext cx="1255575" cy="2273409"/>
-          </a:xfrm>
-          <a:prstGeom prst="rect">
-            <a:avLst/>
-          </a:prstGeom>
-          <a:noFill/>
-          <a:extLst>
-            <a:ext uri="{909E8E84-426E-40DD-AFC4-6F175D3DCCD1}">
-              <a14:hiddenFill xmlns:a14="http://schemas.microsoft.com/office/drawing/2010/main">
-                <a:solidFill>
-                  <a:srgbClr val="FFFFFF"/>
-                </a:solidFill>
-              </a14:hiddenFill>
-            </a:ext>
-          </a:extLst>
-        </p:spPr>
-      </p:pic>
-    </p:spTree>
-    <p:extLst>
-      <p:ext uri="{BB962C8B-B14F-4D97-AF65-F5344CB8AC3E}">
-        <p14:creationId xmlns:p14="http://schemas.microsoft.com/office/powerpoint/2010/main" val="984606519"/>
-      </p:ext>
-    </p:extLst>
-  </p:cSld>
-  <p:clrMapOvr>
-    <a:masterClrMapping/>
-  </p:clrMapOvr>
-  <p:transition spd="slow">
-    <p:pull/>
-  </p:transition>
-  <p:timing>
-    <p:tnLst>
-      <p:par>
-        <p:cTn id="1" dur="indefinite" restart="never" nodeType="tmRoot"/>
-      </p:par>
-    </p:tnLst>
-  </p:timing>
-</p:sld>
-</file>
-
-<file path=ppt/slides/slide15.xml><?xml version="1.0" encoding="utf-8"?>
-<p:sld xmlns:a="http://schemas.openxmlformats.org/drawingml/2006/main" xmlns:r="http://schemas.openxmlformats.org/officeDocument/2006/relationships" xmlns:p="http://schemas.openxmlformats.org/presentationml/2006/main">
-  <p:cSld>
-    <p:spTree>
-      <p:nvGrpSpPr>
-        <p:cNvPr id="1" name=""/>
-        <p:cNvGrpSpPr/>
-        <p:nvPr/>
-      </p:nvGrpSpPr>
-      <p:grpSpPr>
-        <a:xfrm>
-          <a:off x="0" y="0"/>
-          <a:ext cx="0" cy="0"/>
-          <a:chOff x="0" y="0"/>
-          <a:chExt cx="0" cy="0"/>
-        </a:xfrm>
-      </p:grpSpPr>
-      <p:sp>
-        <p:nvSpPr>
-          <p:cNvPr id="5" name="Rectangle 6"/>
-          <p:cNvSpPr>
-            <a:spLocks noChangeArrowheads="1"/>
-          </p:cNvSpPr>
-          <p:nvPr/>
-        </p:nvSpPr>
-        <p:spPr bwMode="auto">
-          <a:xfrm>
-            <a:off x="748458" y="312738"/>
-            <a:ext cx="8274772" cy="400110"/>
-          </a:xfrm>
-          <a:prstGeom prst="rect">
-            <a:avLst/>
-          </a:prstGeom>
-          <a:noFill/>
-          <a:ln w="9525">
-            <a:noFill/>
-            <a:miter lim="800000"/>
-            <a:headEnd/>
-            <a:tailEnd/>
-          </a:ln>
-        </p:spPr>
-        <p:txBody>
-          <a:bodyPr wrap="square">
-            <a:spAutoFit/>
-          </a:bodyPr>
-          <a:lstStyle/>
-          <a:p>
-            <a:r>
-              <a:rPr lang="ru-RU" sz="2000" b="1" dirty="0" smtClean="0">
-                <a:solidFill>
-                  <a:srgbClr val="003399"/>
-                </a:solidFill>
-              </a:rPr>
-              <a:t>Дальнейшее направление работы</a:t>
-            </a:r>
-            <a:endParaRPr lang="ru-RU" sz="2000" b="1" dirty="0">
-              <a:solidFill>
-                <a:srgbClr val="003399"/>
-              </a:solidFill>
-            </a:endParaRPr>
-          </a:p>
-        </p:txBody>
-      </p:sp>
-      <p:sp>
-        <p:nvSpPr>
-          <p:cNvPr id="8" name="TextBox 7"/>
-          <p:cNvSpPr txBox="1"/>
-          <p:nvPr/>
-        </p:nvSpPr>
-        <p:spPr>
-          <a:xfrm>
-            <a:off x="8631632" y="312678"/>
-            <a:ext cx="333616" cy="400110"/>
-          </a:xfrm>
-          <a:prstGeom prst="rect">
-            <a:avLst/>
-          </a:prstGeom>
-          <a:noFill/>
-        </p:spPr>
-        <p:txBody>
-          <a:bodyPr wrap="square" rtlCol="0">
-            <a:spAutoFit/>
-          </a:bodyPr>
-          <a:lstStyle/>
-          <a:p>
-            <a:r>
-              <a:rPr lang="ru-RU" sz="2000" b="1" dirty="0">
-                <a:solidFill>
-                  <a:srgbClr val="003399"/>
-                </a:solidFill>
-              </a:rPr>
-              <a:t>6</a:t>
-            </a:r>
-            <a:endParaRPr lang="ru-RU" dirty="0"/>
-          </a:p>
-        </p:txBody>
-      </p:sp>
-      <p:sp>
-        <p:nvSpPr>
-          <p:cNvPr id="9" name="Объект 2"/>
-          <p:cNvSpPr txBox="1">
-            <a:spLocks/>
-          </p:cNvSpPr>
-          <p:nvPr/>
-        </p:nvSpPr>
-        <p:spPr bwMode="auto">
-          <a:xfrm>
-            <a:off x="467544" y="915566"/>
-            <a:ext cx="8208912" cy="3960440"/>
-          </a:xfrm>
-          <a:prstGeom prst="rect">
-            <a:avLst/>
-          </a:prstGeom>
-          <a:noFill/>
-          <a:ln>
-            <a:miter lim="800000"/>
-            <a:headEnd/>
-            <a:tailEnd/>
-          </a:ln>
-        </p:spPr>
-        <p:txBody>
-          <a:bodyPr vert="horz" wrap="square" lIns="91440" tIns="45720" rIns="91440" bIns="45720" numCol="1" anchor="t" anchorCtr="0" compatLnSpc="1">
-            <a:prstTxWarp prst="textNoShape">
-              <a:avLst/>
-            </a:prstTxWarp>
-          </a:bodyPr>
-          <a:lstStyle/>
-          <a:p>
-            <a:pPr marL="342900" lvl="0" indent="-342900" algn="just" eaLnBrk="0" fontAlgn="base" hangingPunct="0">
-              <a:spcBef>
-                <a:spcPts val="600"/>
-              </a:spcBef>
-              <a:spcAft>
-                <a:spcPct val="0"/>
-              </a:spcAft>
-              <a:buAutoNum type="arabicParenR"/>
-              <a:defRPr/>
-            </a:pPr>
-            <a:r>
-              <a:rPr kumimoji="0" lang="ru-RU" sz="1400" i="0" u="none" strike="noStrike" kern="0" cap="none" spc="0" normalizeH="0" baseline="0" noProof="0" dirty="0" smtClean="0">
-                <a:ln>
-                  <a:noFill/>
-                </a:ln>
-                <a:solidFill>
-                  <a:schemeClr val="tx1"/>
-                </a:solidFill>
-                <a:effectLst/>
-                <a:uLnTx/>
-                <a:uFillTx/>
-                <a:ea typeface="+mn-ea"/>
-                <a:cs typeface="Arial" charset="0"/>
-              </a:rPr>
-              <a:t>Оптимизация многоканальной системы измерения временных интервалов</a:t>
-            </a:r>
-            <a:r>
-              <a:rPr kumimoji="0" lang="ru-RU" sz="1400" i="0" u="none" strike="noStrike" kern="0" cap="none" spc="0" normalizeH="0" noProof="0" dirty="0" smtClean="0">
-                <a:ln>
-                  <a:noFill/>
-                </a:ln>
-                <a:solidFill>
-                  <a:schemeClr val="tx1"/>
-                </a:solidFill>
-                <a:effectLst/>
-                <a:uLnTx/>
-                <a:uFillTx/>
-                <a:ea typeface="+mn-ea"/>
-                <a:cs typeface="Arial" charset="0"/>
-              </a:rPr>
-              <a:t> для работы с нормированным сигналом.</a:t>
-            </a:r>
-          </a:p>
-          <a:p>
-            <a:pPr marL="342900" lvl="0" indent="-342900" algn="just" eaLnBrk="0" fontAlgn="base" hangingPunct="0">
-              <a:spcBef>
-                <a:spcPts val="600"/>
-              </a:spcBef>
-              <a:spcAft>
-                <a:spcPct val="0"/>
-              </a:spcAft>
-              <a:buAutoNum type="arabicParenR"/>
-              <a:defRPr/>
-            </a:pPr>
-            <a:r>
-              <a:rPr lang="ru-RU" sz="1400" kern="0" dirty="0" smtClean="0">
-                <a:cs typeface="Arial" charset="0"/>
-              </a:rPr>
-              <a:t>Проработка различных вариантов активных лазерных локационных систем, под конкретные задачи.</a:t>
-            </a:r>
-          </a:p>
-          <a:p>
-            <a:pPr marL="800100" lvl="1" indent="-342900" algn="just" eaLnBrk="0" fontAlgn="base" hangingPunct="0">
-              <a:spcBef>
-                <a:spcPts val="600"/>
-              </a:spcBef>
-              <a:spcAft>
-                <a:spcPct val="0"/>
-              </a:spcAft>
-              <a:buFont typeface="+mj-lt"/>
-              <a:buAutoNum type="alphaLcPeriod"/>
-              <a:defRPr/>
-            </a:pPr>
-            <a:r>
-              <a:rPr lang="ru-RU" sz="1400" kern="0" dirty="0" smtClean="0">
-                <a:cs typeface="Arial" charset="0"/>
-              </a:rPr>
-              <a:t>Стробирование по дальности, для СТЗ работающих в условиях плохой видимости.</a:t>
-            </a:r>
-          </a:p>
-          <a:p>
-            <a:pPr marL="800100" lvl="1" indent="-342900" algn="just" eaLnBrk="0" fontAlgn="base" hangingPunct="0">
-              <a:spcBef>
-                <a:spcPts val="600"/>
-              </a:spcBef>
-              <a:spcAft>
-                <a:spcPct val="0"/>
-              </a:spcAft>
-              <a:buFont typeface="+mj-lt"/>
-              <a:buAutoNum type="alphaLcPeriod"/>
-              <a:defRPr/>
-            </a:pPr>
-            <a:r>
-              <a:rPr lang="ru-RU" sz="1400" kern="0" dirty="0" smtClean="0">
-                <a:cs typeface="Arial" charset="0"/>
-              </a:rPr>
-              <a:t>Активные триангуляционные системы</a:t>
-            </a:r>
-            <a:r>
-              <a:rPr lang="ru-RU" sz="1400" kern="0" dirty="0">
-                <a:cs typeface="Arial" charset="0"/>
-              </a:rPr>
-              <a:t> со стробированием</a:t>
-            </a:r>
-            <a:r>
-              <a:rPr lang="ru-RU" sz="1400" kern="0" dirty="0" smtClean="0">
-                <a:cs typeface="Arial" charset="0"/>
-              </a:rPr>
-              <a:t>, для решения задач навигации РТК.</a:t>
-            </a:r>
-          </a:p>
-          <a:p>
-            <a:pPr marL="800100" lvl="1" indent="-342900" algn="just" eaLnBrk="0" fontAlgn="base" hangingPunct="0">
-              <a:spcBef>
-                <a:spcPts val="600"/>
-              </a:spcBef>
-              <a:spcAft>
-                <a:spcPct val="0"/>
-              </a:spcAft>
-              <a:buFont typeface="+mj-lt"/>
-              <a:buAutoNum type="alphaLcPeriod"/>
-              <a:defRPr/>
-            </a:pPr>
-            <a:r>
-              <a:rPr lang="ru-RU" sz="1400" kern="0" dirty="0" err="1" smtClean="0">
-                <a:cs typeface="Arial" charset="0"/>
-              </a:rPr>
-              <a:t>Лидары</a:t>
-            </a:r>
-            <a:r>
-              <a:rPr lang="ru-RU" sz="1400" kern="0" dirty="0" smtClean="0">
-                <a:cs typeface="Arial" charset="0"/>
-              </a:rPr>
-              <a:t> без механических систем развертки (</a:t>
-            </a:r>
-            <a:r>
-              <a:rPr lang="en-US" sz="1400" kern="0" dirty="0" smtClean="0">
-                <a:cs typeface="Arial" charset="0"/>
-              </a:rPr>
-              <a:t>Solid-State </a:t>
-            </a:r>
-            <a:r>
-              <a:rPr lang="en-US" sz="1400" kern="0" dirty="0" err="1" smtClean="0">
-                <a:cs typeface="Arial" charset="0"/>
-              </a:rPr>
-              <a:t>Lidars</a:t>
-            </a:r>
-            <a:r>
-              <a:rPr lang="ru-RU" sz="1400" kern="0" dirty="0" smtClean="0">
-                <a:cs typeface="Arial" charset="0"/>
-              </a:rPr>
-              <a:t>), перспективное направление экономически эффективных ЛЛС, повышенной надежности.</a:t>
-            </a:r>
-          </a:p>
-        </p:txBody>
-      </p:sp>
-      <p:pic>
-        <p:nvPicPr>
-          <p:cNvPr id="3074" name="Picture 2" descr="D:\Artamonov\Docs\Архив\Work\Документы\Док-ты со старой машины\Стенд Снимки\ЭОП\101.tiff"/>
-          <p:cNvPicPr>
-            <a:picLocks noChangeAspect="1" noChangeArrowheads="1"/>
-          </p:cNvPicPr>
-          <p:nvPr/>
-        </p:nvPicPr>
-        <p:blipFill>
-          <a:blip r:embed="rId2" cstate="print">
-            <a:extLst>
-              <a:ext uri="{28A0092B-C50C-407E-A947-70E740481C1C}">
-                <a14:useLocalDpi xmlns:a14="http://schemas.microsoft.com/office/drawing/2010/main" val="0"/>
-              </a:ext>
-            </a:extLst>
-          </a:blip>
-          <a:srcRect/>
-          <a:stretch>
-            <a:fillRect/>
-          </a:stretch>
-        </p:blipFill>
-        <p:spPr bwMode="auto">
-          <a:xfrm>
-            <a:off x="539552" y="2851863"/>
-            <a:ext cx="2664296" cy="1998222"/>
-          </a:xfrm>
-          <a:prstGeom prst="rect">
-            <a:avLst/>
-          </a:prstGeom>
-          <a:noFill/>
-          <a:extLst>
-            <a:ext uri="{909E8E84-426E-40DD-AFC4-6F175D3DCCD1}">
-              <a14:hiddenFill xmlns:a14="http://schemas.microsoft.com/office/drawing/2010/main">
-                <a:solidFill>
-                  <a:srgbClr val="FFFFFF"/>
-                </a:solidFill>
-              </a14:hiddenFill>
-            </a:ext>
-          </a:extLst>
-        </p:spPr>
-      </p:pic>
-      <p:pic>
-        <p:nvPicPr>
-          <p:cNvPr id="3076" name="Picture 4" descr="D:\Artamonov\_Work\Structured_lighting\Experiment 1(12.10.17)\E3 - комната, подсветка.png"/>
-          <p:cNvPicPr>
-            <a:picLocks noChangeAspect="1" noChangeArrowheads="1"/>
-          </p:cNvPicPr>
-          <p:nvPr/>
-        </p:nvPicPr>
-        <p:blipFill rotWithShape="1">
-          <a:blip r:embed="rId3">
-            <a:extLst>
-              <a:ext uri="{28A0092B-C50C-407E-A947-70E740481C1C}">
-                <a14:useLocalDpi xmlns:a14="http://schemas.microsoft.com/office/drawing/2010/main" val="0"/>
-              </a:ext>
-            </a:extLst>
-          </a:blip>
-          <a:srcRect l="7404" r="8206"/>
-          <a:stretch/>
-        </p:blipFill>
-        <p:spPr bwMode="auto">
-          <a:xfrm>
-            <a:off x="3216027" y="2851863"/>
-            <a:ext cx="3423053" cy="1998221"/>
-          </a:xfrm>
-          <a:prstGeom prst="rect">
-            <a:avLst/>
-          </a:prstGeom>
-          <a:noFill/>
-          <a:extLst>
-            <a:ext uri="{909E8E84-426E-40DD-AFC4-6F175D3DCCD1}">
-              <a14:hiddenFill xmlns:a14="http://schemas.microsoft.com/office/drawing/2010/main">
-                <a:solidFill>
-                  <a:srgbClr val="FFFFFF"/>
-                </a:solidFill>
-              </a14:hiddenFill>
-            </a:ext>
-          </a:extLst>
-        </p:spPr>
-      </p:pic>
-      <p:pic>
-        <p:nvPicPr>
-          <p:cNvPr id="3078" name="Picture 6" descr="Leddar VU8 multi element sensor module"/>
-          <p:cNvPicPr>
-            <a:picLocks noChangeAspect="1" noChangeArrowheads="1"/>
-          </p:cNvPicPr>
-          <p:nvPr/>
-        </p:nvPicPr>
-        <p:blipFill>
-          <a:blip r:embed="rId4">
-            <a:extLst>
-              <a:ext uri="{28A0092B-C50C-407E-A947-70E740481C1C}">
-                <a14:useLocalDpi xmlns:a14="http://schemas.microsoft.com/office/drawing/2010/main" val="0"/>
-              </a:ext>
-            </a:extLst>
-          </a:blip>
-          <a:srcRect/>
-          <a:stretch>
-            <a:fillRect/>
-          </a:stretch>
-        </p:blipFill>
-        <p:spPr bwMode="auto">
-          <a:xfrm>
-            <a:off x="6876256" y="2571750"/>
-            <a:ext cx="1656184" cy="2478756"/>
-          </a:xfrm>
-          <a:prstGeom prst="rect">
-            <a:avLst/>
-          </a:prstGeom>
-          <a:noFill/>
-          <a:extLst>
-            <a:ext uri="{909E8E84-426E-40DD-AFC4-6F175D3DCCD1}">
-              <a14:hiddenFill xmlns:a14="http://schemas.microsoft.com/office/drawing/2010/main">
-                <a:solidFill>
-                  <a:srgbClr val="FFFFFF"/>
-                </a:solidFill>
-              </a14:hiddenFill>
-            </a:ext>
-          </a:extLst>
-        </p:spPr>
-      </p:pic>
-    </p:spTree>
-    <p:extLst>
-      <p:ext uri="{BB962C8B-B14F-4D97-AF65-F5344CB8AC3E}">
-        <p14:creationId xmlns:p14="http://schemas.microsoft.com/office/powerpoint/2010/main" val="3103036684"/>
-      </p:ext>
-    </p:extLst>
-  </p:cSld>
-  <p:clrMapOvr>
-    <a:masterClrMapping/>
-  </p:clrMapOvr>
-  <p:transition spd="slow">
-    <p:pull/>
-  </p:transition>
-  <p:timing>
-    <p:tnLst>
-      <p:par>
-        <p:cTn id="1" dur="indefinite" restart="never" nodeType="tmRoot"/>
-      </p:par>
-    </p:tnLst>
-  </p:timing>
-</p:sld>
-</file>
-
-<file path=ppt/slides/slide16.xml><?xml version="1.0" encoding="utf-8"?>
 <p:sld xmlns:a="http://schemas.openxmlformats.org/drawingml/2006/main" xmlns:r="http://schemas.openxmlformats.org/officeDocument/2006/relationships" xmlns:p="http://schemas.openxmlformats.org/presentationml/2006/main">
   <p:cSld>
     <p:spTree>
@@ -8085,16 +8614,6 @@
               </a:rPr>
               <a:t>В.Г. Дружинин</a:t>
             </a:r>
-            <a:endParaRPr lang="ru-RU" b="1" i="1" dirty="0" smtClean="0">
-              <a:solidFill>
-                <a:schemeClr val="bg1"/>
-              </a:solidFill>
-              <a:effectLst>
-                <a:outerShdw blurRad="38100" dist="38100" dir="2700000" algn="tl">
-                  <a:srgbClr val="000000"/>
-                </a:outerShdw>
-              </a:effectLst>
-            </a:endParaRPr>
           </a:p>
         </p:txBody>
       </p:sp>
@@ -8471,11 +8990,6 @@
               </a:rPr>
               <a:t>Робототехника в современной медицине</a:t>
             </a:r>
-            <a:endParaRPr lang="ru-RU" sz="2000" b="1" dirty="0">
-              <a:solidFill>
-                <a:srgbClr val="003399"/>
-              </a:solidFill>
-            </a:endParaRPr>
           </a:p>
         </p:txBody>
       </p:sp>
@@ -8873,11 +9387,6 @@
               </a:rPr>
               <a:t>Цель управления</a:t>
             </a:r>
-            <a:endParaRPr lang="ru-RU" sz="2000" b="1" dirty="0">
-              <a:solidFill>
-                <a:srgbClr val="003399"/>
-              </a:solidFill>
-            </a:endParaRPr>
           </a:p>
         </p:txBody>
       </p:sp>
@@ -9426,11 +9935,6 @@
               </a:rPr>
               <a:t>Общая постановка задачи</a:t>
             </a:r>
-            <a:endParaRPr lang="ru-RU" sz="2000" b="1" dirty="0">
-              <a:solidFill>
-                <a:srgbClr val="003399"/>
-              </a:solidFill>
-            </a:endParaRPr>
           </a:p>
         </p:txBody>
       </p:sp>
@@ -9713,8 +10217,8 @@
           </a:p>
         </p:txBody>
       </p:sp>
-      <mc:AlternateContent xmlns:mc="http://schemas.openxmlformats.org/markup-compatibility/2006">
-        <mc:Choice xmlns:a14="http://schemas.microsoft.com/office/drawing/2010/main" Requires="a14">
+      <mc:AlternateContent xmlns:mc="http://schemas.openxmlformats.org/markup-compatibility/2006" xmlns:a14="http://schemas.microsoft.com/office/drawing/2010/main">
+        <mc:Choice Requires="a14">
           <p:sp>
             <p:nvSpPr>
               <p:cNvPr id="12" name="TextBox 11"/>
@@ -9917,7 +10421,7 @@
             </p:txBody>
           </p:sp>
         </mc:Choice>
-        <mc:Fallback>
+        <mc:Fallback xmlns="">
           <p:sp>
             <p:nvSpPr>
               <p:cNvPr id="12" name="TextBox 11"/>
@@ -10234,11 +10738,6 @@
               </a:rPr>
               <a:t>Общая постановка задачи</a:t>
             </a:r>
-            <a:endParaRPr lang="ru-RU" sz="2000" b="1" dirty="0">
-              <a:solidFill>
-                <a:srgbClr val="003399"/>
-              </a:solidFill>
-            </a:endParaRPr>
           </a:p>
         </p:txBody>
       </p:sp>
@@ -10617,11 +11116,6 @@
               </a:rPr>
               <a:t>решаемой задачи</a:t>
             </a:r>
-            <a:endParaRPr lang="ru-RU" sz="2000" b="1" dirty="0">
-              <a:solidFill>
-                <a:srgbClr val="003399"/>
-              </a:solidFill>
-            </a:endParaRPr>
           </a:p>
         </p:txBody>
       </p:sp>
@@ -10658,8 +11152,8 @@
           </a:p>
         </p:txBody>
       </p:sp>
-      <mc:AlternateContent xmlns:mc="http://schemas.openxmlformats.org/markup-compatibility/2006">
-        <mc:Choice xmlns:a14="http://schemas.microsoft.com/office/drawing/2010/main" Requires="a14">
+      <mc:AlternateContent xmlns:mc="http://schemas.openxmlformats.org/markup-compatibility/2006" xmlns:a14="http://schemas.microsoft.com/office/drawing/2010/main">
+        <mc:Choice Requires="a14">
           <p:sp>
             <p:nvSpPr>
               <p:cNvPr id="6" name="Объект 2"/>
@@ -10947,7 +11441,7 @@
             </p:txBody>
           </p:sp>
         </mc:Choice>
-        <mc:Fallback>
+        <mc:Fallback xmlns="">
           <p:sp>
             <p:nvSpPr>
               <p:cNvPr id="6" name="Объект 2"/>
@@ -11008,7 +11502,7 @@
           <a:graphicData uri="http://schemas.openxmlformats.org/presentationml/2006/ole">
             <mc:AlternateContent xmlns:mc="http://schemas.openxmlformats.org/markup-compatibility/2006">
               <mc:Choice xmlns:v="urn:schemas-microsoft-com:vml" Requires="v">
-                <p:oleObj spid="_x0000_s1028" name="Visio" r:id="rId5" imgW="1514399" imgH="2266950" progId="Visio.Drawing.15">
+                <p:oleObj spid="_x0000_s1034" name="Visio" r:id="rId5" imgW="1514399" imgH="2266950" progId="Visio.Drawing.15">
                   <p:embed/>
                 </p:oleObj>
               </mc:Choice>
@@ -11259,20 +11753,20 @@
           <p:nvPr>
             <p:extLst>
               <p:ext uri="{D42A27DB-BD31-4B8C-83A1-F6EECF244321}">
-                <p14:modId xmlns:p14="http://schemas.microsoft.com/office/powerpoint/2010/main" val="3416425137"/>
+                <p14:modId xmlns:p14="http://schemas.microsoft.com/office/powerpoint/2010/main" val="3903443032"/>
               </p:ext>
             </p:extLst>
           </p:nvPr>
         </p:nvGraphicFramePr>
         <p:xfrm>
           <a:off x="539552" y="915566"/>
-          <a:ext cx="2176772" cy="2952328"/>
+          <a:ext cx="1805128" cy="2448272"/>
         </p:xfrm>
         <a:graphic>
           <a:graphicData uri="http://schemas.openxmlformats.org/presentationml/2006/ole">
             <mc:AlternateContent xmlns:mc="http://schemas.openxmlformats.org/markup-compatibility/2006">
               <mc:Choice xmlns:v="urn:schemas-microsoft-com:vml" Requires="v">
-                <p:oleObj spid="_x0000_s2052" name="Visio" r:id="rId4" imgW="1514399" imgH="2219498" progId="Visio.Drawing.15">
+                <p:oleObj spid="_x0000_s2064" name="Visio" r:id="rId4" imgW="1514399" imgH="2219498" progId="Visio.Drawing.15">
                   <p:embed/>
                 </p:oleObj>
               </mc:Choice>
@@ -11303,7 +11797,7 @@
                     <p:spPr bwMode="auto">
                       <a:xfrm>
                         <a:off x="539552" y="915566"/>
-                        <a:ext cx="2176772" cy="2952328"/>
+                        <a:ext cx="1805128" cy="2448272"/>
                       </a:xfrm>
                       <a:prstGeom prst="rect">
                         <a:avLst/>
@@ -11358,14 +11852,14 @@
           <p:nvPr>
             <p:extLst>
               <p:ext uri="{D42A27DB-BD31-4B8C-83A1-F6EECF244321}">
-                <p14:modId xmlns:p14="http://schemas.microsoft.com/office/powerpoint/2010/main" val="1543210043"/>
+                <p14:modId xmlns:p14="http://schemas.microsoft.com/office/powerpoint/2010/main" val="325088408"/>
               </p:ext>
             </p:extLst>
           </p:nvPr>
         </p:nvGraphicFramePr>
         <p:xfrm>
           <a:off x="3631019" y="941665"/>
-          <a:ext cx="5000613" cy="2900130"/>
+          <a:ext cx="5000613" cy="2062133"/>
         </p:xfrm>
         <a:graphic>
           <a:graphicData uri="http://schemas.openxmlformats.org/drawingml/2006/table">
@@ -11377,19 +11871,19 @@
                 <a:gridCol w="2502413">
                   <a:extLst>
                     <a:ext uri="{9D8B030D-6E8A-4147-A177-3AD203B41FA5}">
-                      <a16:colId xmlns:a16="http://schemas.microsoft.com/office/drawing/2014/main" xmlns="" val="20000"/>
+                      <a16:colId xmlns="" xmlns:a16="http://schemas.microsoft.com/office/drawing/2014/main" val="20000"/>
                     </a:ext>
                   </a:extLst>
                 </a:gridCol>
                 <a:gridCol w="2498200">
                   <a:extLst>
                     <a:ext uri="{9D8B030D-6E8A-4147-A177-3AD203B41FA5}">
-                      <a16:colId xmlns:a16="http://schemas.microsoft.com/office/drawing/2014/main" xmlns="" val="20001"/>
+                      <a16:colId xmlns="" xmlns:a16="http://schemas.microsoft.com/office/drawing/2014/main" val="20001"/>
                     </a:ext>
                   </a:extLst>
                 </a:gridCol>
               </a:tblGrid>
-              <a:tr h="600042">
+              <a:tr h="261933">
                 <a:tc>
                   <a:txBody>
                     <a:bodyPr/>
@@ -11397,14 +11891,14 @@
                     <a:p>
                       <a:pPr algn="ctr"/>
                       <a:r>
-                        <a:rPr lang="ru-RU" dirty="0" smtClean="0"/>
+                        <a:rPr lang="ru-RU" sz="1200" dirty="0" smtClean="0"/>
                         <a:t>Расчет</a:t>
                       </a:r>
                       <a:r>
-                        <a:rPr lang="ru-RU" baseline="0" dirty="0" smtClean="0"/>
+                        <a:rPr lang="ru-RU" sz="1200" baseline="0" dirty="0" smtClean="0"/>
                         <a:t> отклонения</a:t>
                       </a:r>
-                      <a:endParaRPr lang="ru-RU" dirty="0"/>
+                      <a:endParaRPr lang="ru-RU" sz="1200" dirty="0"/>
                     </a:p>
                   </a:txBody>
                   <a:tcPr>
@@ -11458,14 +11952,14 @@
                     <a:p>
                       <a:pPr algn="ctr"/>
                       <a:r>
-                        <a:rPr lang="ru-RU" dirty="0" smtClean="0"/>
+                        <a:rPr lang="ru-RU" sz="1200" dirty="0" smtClean="0"/>
                         <a:t>Воздействие</a:t>
                       </a:r>
                       <a:r>
-                        <a:rPr lang="ru-RU" baseline="0" dirty="0" smtClean="0"/>
+                        <a:rPr lang="ru-RU" sz="1200" baseline="0" dirty="0" smtClean="0"/>
                         <a:t> внешней среды</a:t>
                       </a:r>
-                      <a:endParaRPr lang="ru-RU" dirty="0"/>
+                      <a:endParaRPr lang="ru-RU" sz="1200" dirty="0"/>
                     </a:p>
                   </a:txBody>
                   <a:tcPr>
@@ -11514,11 +12008,11 @@
                 </a:tc>
                 <a:extLst>
                   <a:ext uri="{0D108BD9-81ED-4DB2-BD59-A6C34878D82A}">
-                    <a16:rowId xmlns:a16="http://schemas.microsoft.com/office/drawing/2014/main" xmlns="" val="10000"/>
+                    <a16:rowId xmlns="" xmlns:a16="http://schemas.microsoft.com/office/drawing/2014/main" val="10000"/>
                   </a:ext>
                 </a:extLst>
               </a:tr>
-              <a:tr h="2260050">
+              <a:tr h="1787813">
                 <a:tc>
                   <a:txBody>
                     <a:bodyPr/>
@@ -11621,7 +12115,7 @@
                 </a:tc>
                 <a:extLst>
                   <a:ext uri="{0D108BD9-81ED-4DB2-BD59-A6C34878D82A}">
-                    <a16:rowId xmlns:a16="http://schemas.microsoft.com/office/drawing/2014/main" xmlns="" val="10001"/>
+                    <a16:rowId xmlns="" xmlns:a16="http://schemas.microsoft.com/office/drawing/2014/main" val="10001"/>
                   </a:ext>
                 </a:extLst>
               </a:tr>
@@ -11639,8 +12133,8 @@
             </p:nvSpPr>
             <p:spPr>
               <a:xfrm>
-                <a:off x="3779912" y="1633254"/>
-                <a:ext cx="2429436" cy="760914"/>
+                <a:off x="3995936" y="1279964"/>
+                <a:ext cx="2429436" cy="494110"/>
               </a:xfrm>
               <a:prstGeom prst="rect">
                 <a:avLst/>
@@ -11662,14 +12156,14 @@
                       <m:sSub>
                         <m:sSubPr>
                           <m:ctrlPr>
-                            <a:rPr lang="ru-RU" i="1" smtClean="0">
+                            <a:rPr lang="ru-RU" sz="1200" i="1" smtClean="0">
                               <a:latin typeface="Cambria Math" panose="02040503050406030204" pitchFamily="18" charset="0"/>
                             </a:rPr>
                           </m:ctrlPr>
                         </m:sSubPr>
                         <m:e>
                           <m:r>
-                            <a:rPr lang="ru-RU" i="1">
+                            <a:rPr lang="ru-RU" sz="1200" i="1">
                               <a:latin typeface="Cambria Math" panose="02040503050406030204" pitchFamily="18" charset="0"/>
                             </a:rPr>
                             <m:t>𝑦</m:t>
@@ -11677,7 +12171,7 @@
                         </m:e>
                         <m:sub>
                           <m:r>
-                            <a:rPr lang="ru-RU" i="1">
+                            <a:rPr lang="ru-RU" sz="1200" i="1">
                               <a:latin typeface="Cambria Math" panose="02040503050406030204" pitchFamily="18" charset="0"/>
                             </a:rPr>
                             <m:t>𝑛</m:t>
@@ -11685,7 +12179,7 @@
                         </m:sub>
                       </m:sSub>
                       <m:r>
-                        <a:rPr lang="ru-RU" i="1">
+                        <a:rPr lang="ru-RU" sz="1200" i="1">
                           <a:latin typeface="Cambria Math" panose="02040503050406030204" pitchFamily="18" charset="0"/>
                         </a:rPr>
                         <m:t>= </m:t>
@@ -11693,14 +12187,14 @@
                       <m:f>
                         <m:fPr>
                           <m:ctrlPr>
-                            <a:rPr lang="ru-RU" i="1">
+                            <a:rPr lang="ru-RU" sz="1200" i="1">
                               <a:latin typeface="Cambria Math" panose="02040503050406030204" pitchFamily="18" charset="0"/>
                             </a:rPr>
                           </m:ctrlPr>
                         </m:fPr>
                         <m:num>
                           <m:r>
-                            <a:rPr lang="ru-RU" i="1">
+                            <a:rPr lang="ru-RU" sz="1200" i="1">
                               <a:latin typeface="Cambria Math" panose="02040503050406030204" pitchFamily="18" charset="0"/>
                             </a:rPr>
                             <m:t>𝐹</m:t>
@@ -11708,32 +12202,32 @@
                           <m:sSup>
                             <m:sSupPr>
                               <m:ctrlPr>
-                                <a:rPr lang="ru-RU" i="1">
+                                <a:rPr lang="ru-RU" sz="1200" i="1">
                                   <a:latin typeface="Cambria Math" panose="02040503050406030204" pitchFamily="18" charset="0"/>
                                 </a:rPr>
                               </m:ctrlPr>
                             </m:sSupPr>
                             <m:e>
                               <m:r>
-                                <a:rPr lang="ru-RU" i="1">
+                                <a:rPr lang="ru-RU" sz="1200" i="1">
                                   <a:latin typeface="Cambria Math" panose="02040503050406030204" pitchFamily="18" charset="0"/>
                                 </a:rPr>
                                 <m:t>𝑙</m:t>
                               </m:r>
                               <m:r>
-                                <a:rPr lang="ru-RU" i="1">
+                                <a:rPr lang="ru-RU" sz="1200" i="1">
                                   <a:latin typeface="Cambria Math" panose="02040503050406030204" pitchFamily="18" charset="0"/>
                                 </a:rPr>
                                 <m:t>(</m:t>
                               </m:r>
                               <m:r>
-                                <a:rPr lang="en-US" i="1">
+                                <a:rPr lang="en-US" sz="1200" i="1">
                                   <a:latin typeface="Cambria Math" panose="02040503050406030204" pitchFamily="18" charset="0"/>
                                 </a:rPr>
                                 <m:t>𝑡</m:t>
                               </m:r>
                               <m:r>
-                                <a:rPr lang="ru-RU" i="1">
+                                <a:rPr lang="ru-RU" sz="1200" i="1">
                                   <a:latin typeface="Cambria Math" panose="02040503050406030204" pitchFamily="18" charset="0"/>
                                 </a:rPr>
                                 <m:t>)</m:t>
@@ -11741,7 +12235,7 @@
                             </m:e>
                             <m:sup>
                               <m:r>
-                                <a:rPr lang="ru-RU" i="1">
+                                <a:rPr lang="ru-RU" sz="1200" i="1">
                                   <a:latin typeface="Cambria Math" panose="02040503050406030204" pitchFamily="18" charset="0"/>
                                 </a:rPr>
                                 <m:t>3</m:t>
@@ -11751,13 +12245,13 @@
                         </m:num>
                         <m:den>
                           <m:r>
-                            <a:rPr lang="ru-RU" i="1">
+                            <a:rPr lang="ru-RU" sz="1200" i="1">
                               <a:latin typeface="Cambria Math" panose="02040503050406030204" pitchFamily="18" charset="0"/>
                             </a:rPr>
                             <m:t>2</m:t>
                           </m:r>
                           <m:r>
-                            <a:rPr lang="ru-RU" i="1">
+                            <a:rPr lang="ru-RU" sz="1200" i="1">
                               <a:latin typeface="Cambria Math" panose="02040503050406030204" pitchFamily="18" charset="0"/>
                             </a:rPr>
                             <m:t>𝐸</m:t>
@@ -11765,14 +12259,14 @@
                           <m:sSub>
                             <m:sSubPr>
                               <m:ctrlPr>
-                                <a:rPr lang="ru-RU" i="1">
+                                <a:rPr lang="ru-RU" sz="1200" i="1">
                                   <a:latin typeface="Cambria Math" panose="02040503050406030204" pitchFamily="18" charset="0"/>
                                 </a:rPr>
                               </m:ctrlPr>
                             </m:sSubPr>
                             <m:e>
                               <m:r>
-                                <a:rPr lang="ru-RU" i="1">
+                                <a:rPr lang="ru-RU" sz="1200" i="1">
                                   <a:latin typeface="Cambria Math" panose="02040503050406030204" pitchFamily="18" charset="0"/>
                                 </a:rPr>
                                 <m:t>𝐽</m:t>
@@ -11780,7 +12274,7 @@
                             </m:e>
                             <m:sub>
                               <m:r>
-                                <a:rPr lang="ru-RU" i="1">
+                                <a:rPr lang="ru-RU" sz="1200" i="1">
                                   <a:latin typeface="Cambria Math" panose="02040503050406030204" pitchFamily="18" charset="0"/>
                                 </a:rPr>
                                 <m:t>𝑥</m:t>
@@ -11790,13 +12284,13 @@
                         </m:den>
                       </m:f>
                       <m:r>
-                        <a:rPr lang="ru-RU" b="0" i="1" smtClean="0">
+                        <a:rPr lang="ru-RU" sz="1200" b="0" i="1" smtClean="0">
                           <a:latin typeface="Cambria Math" panose="02040503050406030204" pitchFamily="18" charset="0"/>
                         </a:rPr>
                         <m:t> </m:t>
                       </m:r>
                       <m:r>
-                        <a:rPr lang="ru-RU" b="0" i="0" smtClean="0">
+                        <a:rPr lang="ru-RU" sz="1200" b="0" i="0" smtClean="0">
                           <a:latin typeface="Cambria Math" panose="02040503050406030204" pitchFamily="18" charset="0"/>
                         </a:rPr>
                         <m:t>        (1)</m:t>
@@ -11804,7 +12298,7 @@
                     </m:oMath>
                   </m:oMathPara>
                 </a14:m>
-                <a:endParaRPr lang="ru-RU" dirty="0"/>
+                <a:endParaRPr lang="ru-RU" sz="1200" dirty="0"/>
               </a:p>
             </p:txBody>
           </p:sp>
@@ -11820,8 +12314,8 @@
             </p:nvSpPr>
             <p:spPr>
               <a:xfrm>
-                <a:off x="3779912" y="1633254"/>
-                <a:ext cx="2429436" cy="760914"/>
+                <a:off x="3995936" y="1279964"/>
+                <a:ext cx="2429436" cy="494110"/>
               </a:xfrm>
               <a:prstGeom prst="rect">
                 <a:avLst/>
@@ -11829,7 +12323,7 @@
               <a:blipFill rotWithShape="0">
                 <a:blip r:embed="rId6"/>
                 <a:stretch>
-                  <a:fillRect/>
+                  <a:fillRect b="-1235"/>
                 </a:stretch>
               </a:blipFill>
             </p:spPr>
@@ -11858,8 +12352,8 @@
             </p:nvSpPr>
             <p:spPr>
               <a:xfrm>
-                <a:off x="3760212" y="2391730"/>
-                <a:ext cx="2425892" cy="646331"/>
+                <a:off x="3951726" y="1791444"/>
+                <a:ext cx="2425892" cy="461665"/>
               </a:xfrm>
               <a:prstGeom prst="rect">
                 <a:avLst/>
@@ -11881,14 +12375,14 @@
                       <m:sSub>
                         <m:sSubPr>
                           <m:ctrlPr>
-                            <a:rPr lang="ru-RU" i="1" smtClean="0">
+                            <a:rPr lang="ru-RU" sz="1200" i="1" smtClean="0">
                               <a:latin typeface="Cambria Math" panose="02040503050406030204" pitchFamily="18" charset="0"/>
                             </a:rPr>
                           </m:ctrlPr>
                         </m:sSubPr>
                         <m:e>
                           <m:r>
-                            <a:rPr lang="ru-RU" i="1">
+                            <a:rPr lang="ru-RU" sz="1200" i="1">
                               <a:latin typeface="Cambria Math" panose="02040503050406030204" pitchFamily="18" charset="0"/>
                             </a:rPr>
                             <m:t>𝐽</m:t>
@@ -11896,13 +12390,13 @@
                         </m:e>
                         <m:sub>
                           <m:r>
-                            <a:rPr lang="ru-RU" i="1">
+                            <a:rPr lang="ru-RU" sz="1200" i="1">
                               <a:latin typeface="Cambria Math" panose="02040503050406030204" pitchFamily="18" charset="0"/>
                             </a:rPr>
                             <m:t>𝑥</m:t>
                           </m:r>
                           <m:r>
-                            <a:rPr lang="ru-RU" i="0">
+                            <a:rPr lang="ru-RU" sz="1200" i="0">
                               <a:latin typeface="Cambria Math" panose="02040503050406030204" pitchFamily="18" charset="0"/>
                             </a:rPr>
                             <m:t> </m:t>
@@ -11910,7 +12404,7 @@
                         </m:sub>
                       </m:sSub>
                       <m:r>
-                        <a:rPr lang="ru-RU" i="0">
+                        <a:rPr lang="ru-RU" sz="1200" i="0">
                           <a:latin typeface="Cambria Math" panose="02040503050406030204" pitchFamily="18" charset="0"/>
                         </a:rPr>
                         <m:t>= </m:t>
@@ -11918,14 +12412,14 @@
                       <m:f>
                         <m:fPr>
                           <m:ctrlPr>
-                            <a:rPr lang="ru-RU" i="1">
+                            <a:rPr lang="ru-RU" sz="1200" i="1">
                               <a:latin typeface="Cambria Math" panose="02040503050406030204" pitchFamily="18" charset="0"/>
                             </a:rPr>
                           </m:ctrlPr>
                         </m:fPr>
                         <m:num>
                           <m:r>
-                            <a:rPr lang="ru-RU" i="1">
+                            <a:rPr lang="ru-RU" sz="1200" i="1">
                               <a:latin typeface="Cambria Math" panose="02040503050406030204" pitchFamily="18" charset="0"/>
                             </a:rPr>
                             <m:t>𝜋</m:t>
@@ -11933,14 +12427,14 @@
                           <m:sSup>
                             <m:sSupPr>
                               <m:ctrlPr>
-                                <a:rPr lang="ru-RU" i="1">
+                                <a:rPr lang="ru-RU" sz="1200" i="1">
                                   <a:latin typeface="Cambria Math" panose="02040503050406030204" pitchFamily="18" charset="0"/>
                                 </a:rPr>
                               </m:ctrlPr>
                             </m:sSupPr>
                             <m:e>
                               <m:r>
-                                <a:rPr lang="ru-RU" i="1">
+                                <a:rPr lang="ru-RU" sz="1200" i="1">
                                   <a:latin typeface="Cambria Math" panose="02040503050406030204" pitchFamily="18" charset="0"/>
                                 </a:rPr>
                                 <m:t>𝐷</m:t>
@@ -11948,7 +12442,7 @@
                             </m:e>
                             <m:sup>
                               <m:r>
-                                <a:rPr lang="ru-RU" i="0">
+                                <a:rPr lang="ru-RU" sz="1200" i="0">
                                   <a:latin typeface="Cambria Math" panose="02040503050406030204" pitchFamily="18" charset="0"/>
                                 </a:rPr>
                                 <m:t>3</m:t>
@@ -11956,7 +12450,7 @@
                             </m:sup>
                           </m:sSup>
                           <m:r>
-                            <a:rPr lang="ru-RU" i="1">
+                            <a:rPr lang="ru-RU" sz="1200" i="1">
                               <a:latin typeface="Cambria Math" panose="02040503050406030204" pitchFamily="18" charset="0"/>
                             </a:rPr>
                             <m:t>𝑠</m:t>
@@ -11964,7 +12458,7 @@
                         </m:num>
                         <m:den>
                           <m:r>
-                            <a:rPr lang="ru-RU" i="0">
+                            <a:rPr lang="ru-RU" sz="1200" i="0">
                               <a:latin typeface="Cambria Math" panose="02040503050406030204" pitchFamily="18" charset="0"/>
                             </a:rPr>
                             <m:t>12</m:t>
@@ -11972,25 +12466,25 @@
                         </m:den>
                       </m:f>
                       <m:r>
-                        <a:rPr lang="ru-RU" i="0">
+                        <a:rPr lang="ru-RU" sz="1200" i="0">
                           <a:latin typeface="Cambria Math" panose="02040503050406030204" pitchFamily="18" charset="0"/>
                         </a:rPr>
                         <m:t> </m:t>
                       </m:r>
                       <m:r>
-                        <a:rPr lang="en-US" b="0" i="0" smtClean="0">
+                        <a:rPr lang="en-US" sz="1200" b="0" i="0" smtClean="0">
                           <a:latin typeface="Cambria Math" panose="02040503050406030204" pitchFamily="18" charset="0"/>
                         </a:rPr>
                         <m:t>    </m:t>
                       </m:r>
                       <m:r>
-                        <a:rPr lang="ru-RU" b="0" i="0" smtClean="0">
+                        <a:rPr lang="ru-RU" sz="1200" b="0" i="0" smtClean="0">
                           <a:latin typeface="Cambria Math" panose="02040503050406030204" pitchFamily="18" charset="0"/>
                         </a:rPr>
                         <m:t>    </m:t>
                       </m:r>
                       <m:r>
-                        <a:rPr lang="en-US" b="0" i="0" smtClean="0">
+                        <a:rPr lang="en-US" sz="1200" b="0" i="0" smtClean="0">
                           <a:latin typeface="Cambria Math" panose="02040503050406030204" pitchFamily="18" charset="0"/>
                         </a:rPr>
                         <m:t>(2)</m:t>
@@ -11998,7 +12492,7 @@
                     </m:oMath>
                   </m:oMathPara>
                 </a14:m>
-                <a:endParaRPr lang="ru-RU" dirty="0"/>
+                <a:endParaRPr lang="ru-RU" sz="1200" dirty="0"/>
               </a:p>
             </p:txBody>
           </p:sp>
@@ -12014,8 +12508,8 @@
             </p:nvSpPr>
             <p:spPr>
               <a:xfrm>
-                <a:off x="3760212" y="2391730"/>
-                <a:ext cx="2425892" cy="646331"/>
+                <a:off x="3951726" y="1791444"/>
+                <a:ext cx="2425892" cy="461665"/>
               </a:xfrm>
               <a:prstGeom prst="rect">
                 <a:avLst/>
@@ -12052,8 +12546,8 @@
             </p:nvSpPr>
             <p:spPr>
               <a:xfrm>
-                <a:off x="6186104" y="1745399"/>
-                <a:ext cx="2401719" cy="646331"/>
+                <a:off x="6173239" y="1391715"/>
+                <a:ext cx="2401719" cy="523157"/>
               </a:xfrm>
               <a:prstGeom prst="rect">
                 <a:avLst/>
@@ -12073,31 +12567,31 @@
                     </m:oMathParaPr>
                     <m:oMath xmlns:m="http://schemas.openxmlformats.org/officeDocument/2006/math">
                       <m:r>
-                        <a:rPr lang="en-US" b="0" i="1" smtClean="0">
+                        <a:rPr lang="en-US" sz="1400" b="0" i="1" smtClean="0">
                           <a:latin typeface="Cambria Math" panose="02040503050406030204" pitchFamily="18" charset="0"/>
                         </a:rPr>
                         <m:t>     </m:t>
                       </m:r>
                       <m:r>
-                        <a:rPr lang="ru-RU" i="1" smtClean="0">
+                        <a:rPr lang="ru-RU" sz="1400" i="1" smtClean="0">
                           <a:latin typeface="Cambria Math" panose="02040503050406030204" pitchFamily="18" charset="0"/>
                         </a:rPr>
                         <m:t>𝐹</m:t>
                       </m:r>
                       <m:r>
-                        <a:rPr lang="ru-RU" i="0">
+                        <a:rPr lang="ru-RU" sz="1400" i="0">
                           <a:latin typeface="Cambria Math" panose="02040503050406030204" pitchFamily="18" charset="0"/>
                         </a:rPr>
                         <m:t>=</m:t>
                       </m:r>
                       <m:r>
-                        <a:rPr lang="ru-RU" i="1">
+                        <a:rPr lang="ru-RU" sz="1400" i="1">
                           <a:latin typeface="Cambria Math" panose="02040503050406030204" pitchFamily="18" charset="0"/>
                         </a:rPr>
                         <m:t>𝐶</m:t>
                       </m:r>
                       <m:r>
-                        <a:rPr lang="ru-RU" i="0">
+                        <a:rPr lang="ru-RU" sz="1400" i="0">
                           <a:latin typeface="Cambria Math" panose="02040503050406030204" pitchFamily="18" charset="0"/>
                         </a:rPr>
                         <m:t> </m:t>
@@ -12105,20 +12599,20 @@
                       <m:f>
                         <m:fPr>
                           <m:ctrlPr>
-                            <a:rPr lang="ru-RU" i="1">
+                            <a:rPr lang="ru-RU" sz="1400" i="1">
                               <a:latin typeface="Cambria Math" panose="02040503050406030204" pitchFamily="18" charset="0"/>
                             </a:rPr>
                           </m:ctrlPr>
                         </m:fPr>
                         <m:num>
                           <m:r>
-                            <a:rPr lang="ru-RU" i="1">
+                            <a:rPr lang="ru-RU" sz="1400" i="1">
                               <a:latin typeface="Cambria Math" panose="02040503050406030204" pitchFamily="18" charset="0"/>
                             </a:rPr>
                             <m:t>𝜌</m:t>
                           </m:r>
                           <m:r>
-                            <a:rPr lang="ru-RU" i="0">
+                            <a:rPr lang="ru-RU" sz="1400" i="0">
                               <a:latin typeface="Cambria Math" panose="02040503050406030204" pitchFamily="18" charset="0"/>
                             </a:rPr>
                             <m:t> </m:t>
@@ -12126,14 +12620,14 @@
                           <m:sSup>
                             <m:sSupPr>
                               <m:ctrlPr>
-                                <a:rPr lang="ru-RU" i="1">
+                                <a:rPr lang="ru-RU" sz="1400" i="1">
                                   <a:latin typeface="Cambria Math" panose="02040503050406030204" pitchFamily="18" charset="0"/>
                                 </a:rPr>
                               </m:ctrlPr>
                             </m:sSupPr>
                             <m:e>
                               <m:r>
-                                <a:rPr lang="ru-RU" i="1">
+                                <a:rPr lang="ru-RU" sz="1400" i="1">
                                   <a:latin typeface="Cambria Math" panose="02040503050406030204" pitchFamily="18" charset="0"/>
                                 </a:rPr>
                                 <m:t>𝑣</m:t>
@@ -12141,7 +12635,7 @@
                             </m:e>
                             <m:sup>
                               <m:r>
-                                <a:rPr lang="ru-RU" i="0">
+                                <a:rPr lang="ru-RU" sz="1400" i="0">
                                   <a:latin typeface="Cambria Math" panose="02040503050406030204" pitchFamily="18" charset="0"/>
                                 </a:rPr>
                                 <m:t>2</m:t>
@@ -12151,7 +12645,7 @@
                         </m:num>
                         <m:den>
                           <m:r>
-                            <a:rPr lang="ru-RU" i="0">
+                            <a:rPr lang="ru-RU" sz="1400" i="0">
                               <a:latin typeface="Cambria Math" panose="02040503050406030204" pitchFamily="18" charset="0"/>
                             </a:rPr>
                             <m:t>2</m:t>
@@ -12159,37 +12653,37 @@
                         </m:den>
                       </m:f>
                       <m:r>
-                        <a:rPr lang="ru-RU" i="0">
+                        <a:rPr lang="ru-RU" sz="1400" i="0">
                           <a:latin typeface="Cambria Math" panose="02040503050406030204" pitchFamily="18" charset="0"/>
                         </a:rPr>
                         <m:t> </m:t>
                       </m:r>
                       <m:r>
-                        <a:rPr lang="ru-RU" i="1">
+                        <a:rPr lang="ru-RU" sz="1400" i="1">
                           <a:latin typeface="Cambria Math" panose="02040503050406030204" pitchFamily="18" charset="0"/>
                         </a:rPr>
                         <m:t>𝑆</m:t>
                       </m:r>
                       <m:r>
-                        <a:rPr lang="ru-RU" i="0">
+                        <a:rPr lang="ru-RU" sz="1400" i="0">
                           <a:latin typeface="Cambria Math" panose="02040503050406030204" pitchFamily="18" charset="0"/>
                         </a:rPr>
                         <m:t> </m:t>
                       </m:r>
                       <m:r>
-                        <a:rPr lang="en-US" b="0" i="0" smtClean="0">
+                        <a:rPr lang="en-US" sz="1400" b="0" i="0" smtClean="0">
                           <a:latin typeface="Cambria Math" panose="02040503050406030204" pitchFamily="18" charset="0"/>
                         </a:rPr>
                         <m:t>     (</m:t>
                       </m:r>
                       <m:r>
-                        <a:rPr lang="ru-RU" b="0" i="0" smtClean="0">
+                        <a:rPr lang="ru-RU" sz="1400" b="0" i="0" smtClean="0">
                           <a:latin typeface="Cambria Math" panose="02040503050406030204" pitchFamily="18" charset="0"/>
                         </a:rPr>
                         <m:t>4</m:t>
                       </m:r>
                       <m:r>
-                        <a:rPr lang="en-US" b="0" i="0" smtClean="0">
+                        <a:rPr lang="en-US" sz="1400" b="0" i="0" smtClean="0">
                           <a:latin typeface="Cambria Math" panose="02040503050406030204" pitchFamily="18" charset="0"/>
                         </a:rPr>
                         <m:t>)</m:t>
@@ -12197,7 +12691,7 @@
                     </m:oMath>
                   </m:oMathPara>
                 </a14:m>
-                <a:endParaRPr lang="ru-RU" dirty="0"/>
+                <a:endParaRPr lang="ru-RU" sz="1400" dirty="0"/>
               </a:p>
             </p:txBody>
           </p:sp>
@@ -12213,8 +12707,8 @@
             </p:nvSpPr>
             <p:spPr>
               <a:xfrm>
-                <a:off x="6186104" y="1745399"/>
-                <a:ext cx="2401719" cy="646331"/>
+                <a:off x="6173239" y="1391715"/>
+                <a:ext cx="2401719" cy="523157"/>
               </a:xfrm>
               <a:prstGeom prst="rect">
                 <a:avLst/>
@@ -12222,7 +12716,7 @@
               <a:blipFill rotWithShape="0">
                 <a:blip r:embed="rId8"/>
                 <a:stretch>
-                  <a:fillRect/>
+                  <a:fillRect b="-1163"/>
                 </a:stretch>
               </a:blipFill>
             </p:spPr>
@@ -12251,8 +12745,8 @@
             </p:nvSpPr>
             <p:spPr>
               <a:xfrm>
-                <a:off x="6173240" y="2520740"/>
-                <a:ext cx="2401718" cy="390748"/>
+                <a:off x="6022823" y="1973510"/>
+                <a:ext cx="2401718" cy="324384"/>
               </a:xfrm>
               <a:prstGeom prst="rect">
                 <a:avLst/>
@@ -12274,20 +12768,20 @@
                       <m:sSub>
                         <m:sSubPr>
                           <m:ctrlPr>
-                            <a:rPr lang="ru-RU" i="1" smtClean="0">
+                            <a:rPr lang="ru-RU" sz="1400" i="1" smtClean="0">
                               <a:latin typeface="Cambria Math" panose="02040503050406030204" pitchFamily="18" charset="0"/>
                             </a:rPr>
                           </m:ctrlPr>
                         </m:sSubPr>
                         <m:e>
                           <m:r>
-                            <a:rPr lang="en-US" b="0" i="1" smtClean="0">
+                            <a:rPr lang="en-US" sz="1400" b="0" i="1" smtClean="0">
                               <a:latin typeface="Cambria Math" panose="02040503050406030204" pitchFamily="18" charset="0"/>
                             </a:rPr>
                             <m:t>     </m:t>
                           </m:r>
                           <m:r>
-                            <a:rPr lang="ru-RU" i="1">
+                            <a:rPr lang="ru-RU" sz="1400" i="1">
                               <a:latin typeface="Cambria Math" panose="02040503050406030204" pitchFamily="18" charset="0"/>
                             </a:rPr>
                             <m:t>𝐹</m:t>
@@ -12295,7 +12789,7 @@
                         </m:e>
                         <m:sub>
                           <m:r>
-                            <a:rPr lang="ru-RU" i="1">
+                            <a:rPr lang="ru-RU" sz="1400" i="1">
                               <a:latin typeface="Cambria Math" panose="02040503050406030204" pitchFamily="18" charset="0"/>
                             </a:rPr>
                             <m:t>𝑝</m:t>
@@ -12303,19 +12797,19 @@
                         </m:sub>
                       </m:sSub>
                       <m:r>
-                        <a:rPr lang="ru-RU" i="0">
+                        <a:rPr lang="ru-RU" sz="1400" i="0">
                           <a:latin typeface="Cambria Math" panose="02040503050406030204" pitchFamily="18" charset="0"/>
                         </a:rPr>
                         <m:t>=</m:t>
                       </m:r>
                       <m:r>
-                        <a:rPr lang="ru-RU" i="1">
+                        <a:rPr lang="ru-RU" sz="1400" i="1">
                           <a:latin typeface="Cambria Math" panose="02040503050406030204" pitchFamily="18" charset="0"/>
                         </a:rPr>
                         <m:t>𝐹</m:t>
                       </m:r>
                       <m:r>
-                        <a:rPr lang="ru-RU" i="0">
+                        <a:rPr lang="ru-RU" sz="1400" i="0">
                           <a:latin typeface="Cambria Math" panose="02040503050406030204" pitchFamily="18" charset="0"/>
                         </a:rPr>
                         <m:t>∙</m:t>
@@ -12323,7 +12817,7 @@
                       <m:func>
                         <m:funcPr>
                           <m:ctrlPr>
-                            <a:rPr lang="ru-RU" i="1">
+                            <a:rPr lang="ru-RU" sz="1400" i="1">
                               <a:latin typeface="Cambria Math" panose="02040503050406030204" pitchFamily="18" charset="0"/>
                             </a:rPr>
                           </m:ctrlPr>
@@ -12333,7 +12827,7 @@
                             <m:rPr>
                               <m:sty m:val="p"/>
                             </m:rPr>
-                            <a:rPr lang="ru-RU" i="0">
+                            <a:rPr lang="ru-RU" sz="1400" i="0">
                               <a:latin typeface="Cambria Math" panose="02040503050406030204" pitchFamily="18" charset="0"/>
                             </a:rPr>
                             <m:t>cos</m:t>
@@ -12341,7 +12835,7 @@
                         </m:fName>
                         <m:e>
                           <m:r>
-                            <a:rPr lang="ru-RU" i="1">
+                            <a:rPr lang="ru-RU" sz="1400" i="1">
                               <a:latin typeface="Cambria Math" panose="02040503050406030204" pitchFamily="18" charset="0"/>
                             </a:rPr>
                             <m:t>𝛾</m:t>
@@ -12349,19 +12843,19 @@
                         </m:e>
                       </m:func>
                       <m:r>
-                        <a:rPr lang="en-US" b="0" i="0" smtClean="0">
+                        <a:rPr lang="en-US" sz="1400" b="0" i="0" smtClean="0">
                           <a:latin typeface="Cambria Math" panose="02040503050406030204" pitchFamily="18" charset="0"/>
                         </a:rPr>
                         <m:t>       (</m:t>
                       </m:r>
                       <m:r>
-                        <a:rPr lang="ru-RU" b="0" i="0" smtClean="0">
+                        <a:rPr lang="ru-RU" sz="1400" b="0" i="0" smtClean="0">
                           <a:latin typeface="Cambria Math" panose="02040503050406030204" pitchFamily="18" charset="0"/>
                         </a:rPr>
                         <m:t>5</m:t>
                       </m:r>
                       <m:r>
-                        <a:rPr lang="en-US" b="0" i="0" smtClean="0">
+                        <a:rPr lang="en-US" sz="1400" b="0" i="0" smtClean="0">
                           <a:latin typeface="Cambria Math" panose="02040503050406030204" pitchFamily="18" charset="0"/>
                         </a:rPr>
                         <m:t>)</m:t>
@@ -12369,7 +12863,7 @@
                     </m:oMath>
                   </m:oMathPara>
                 </a14:m>
-                <a:endParaRPr lang="ru-RU" dirty="0"/>
+                <a:endParaRPr lang="ru-RU" sz="1400" dirty="0"/>
               </a:p>
             </p:txBody>
           </p:sp>
@@ -12385,8 +12879,8 @@
             </p:nvSpPr>
             <p:spPr>
               <a:xfrm>
-                <a:off x="6173240" y="2520740"/>
-                <a:ext cx="2401718" cy="390748"/>
+                <a:off x="6022823" y="1973510"/>
+                <a:ext cx="2401718" cy="324384"/>
               </a:xfrm>
               <a:prstGeom prst="rect">
                 <a:avLst/>
@@ -12394,7 +12888,7 @@
               <a:blipFill rotWithShape="0">
                 <a:blip r:embed="rId9"/>
                 <a:stretch>
-                  <a:fillRect r="-761" b="-7813"/>
+                  <a:fillRect b="-3774"/>
                 </a:stretch>
               </a:blipFill>
             </p:spPr>
@@ -12476,8 +12970,8 @@
           </a:p>
         </p:txBody>
       </p:sp>
-      <mc:AlternateContent xmlns:mc="http://schemas.openxmlformats.org/markup-compatibility/2006" xmlns:a14="http://schemas.microsoft.com/office/drawing/2010/main">
-        <mc:Choice Requires="a14">
+      <mc:AlternateContent xmlns:mc="http://schemas.openxmlformats.org/markup-compatibility/2006">
+        <mc:Choice xmlns:a14="http://schemas.microsoft.com/office/drawing/2010/main" Requires="a14">
           <p:graphicFrame>
             <p:nvGraphicFramePr>
               <p:cNvPr id="13" name="Таблица 12"/>
@@ -12487,14 +12981,14 @@
               <p:nvPr>
                 <p:extLst>
                   <p:ext uri="{D42A27DB-BD31-4B8C-83A1-F6EECF244321}">
-                    <p14:modId xmlns:p14="http://schemas.microsoft.com/office/powerpoint/2010/main" val="2767626068"/>
+                    <p14:modId xmlns:p14="http://schemas.microsoft.com/office/powerpoint/2010/main" val="1493185847"/>
                   </p:ext>
                 </p:extLst>
               </p:nvPr>
             </p:nvGraphicFramePr>
             <p:xfrm>
-              <a:off x="3949038" y="3970459"/>
-              <a:ext cx="5036438" cy="2556539"/>
+              <a:off x="3635897" y="3056157"/>
+              <a:ext cx="4995735" cy="1948888"/>
             </p:xfrm>
             <a:graphic>
               <a:graphicData uri="http://schemas.openxmlformats.org/drawingml/2006/table">
@@ -12503,15 +12997,15 @@
                     <a:tableStyleId>{5C22544A-7EE6-4342-B048-85BDC9FD1C3A}</a:tableStyleId>
                   </a:tblPr>
                   <a:tblGrid>
-                    <a:gridCol w="5036438">
+                    <a:gridCol w="4995735">
                       <a:extLst>
                         <a:ext uri="{9D8B030D-6E8A-4147-A177-3AD203B41FA5}">
-                          <a16:colId xmlns:a16="http://schemas.microsoft.com/office/drawing/2014/main" xmlns="" val="20000"/>
+                          <a16:colId xmlns="" xmlns:a16="http://schemas.microsoft.com/office/drawing/2014/main" val="20000"/>
                         </a:ext>
                       </a:extLst>
                     </a:gridCol>
                   </a:tblGrid>
-                  <a:tr h="442464">
+                  <a:tr h="217290">
                     <a:tc>
                       <a:txBody>
                         <a:bodyPr/>
@@ -12519,14 +13013,14 @@
                         <a:p>
                           <a:pPr algn="ctr"/>
                           <a:r>
-                            <a:rPr lang="ru-RU" dirty="0" smtClean="0">
+                            <a:rPr lang="ru-RU" sz="1200" dirty="0" smtClean="0">
                               <a:solidFill>
                                 <a:sysClr val="windowText" lastClr="000000"/>
                               </a:solidFill>
                             </a:rPr>
                             <a:t>Параметры </a:t>
                           </a:r>
-                          <a:endParaRPr lang="ru-RU" dirty="0">
+                          <a:endParaRPr lang="ru-RU" sz="1200" dirty="0">
                             <a:solidFill>
                               <a:sysClr val="windowText" lastClr="000000"/>
                             </a:solidFill>
@@ -12579,11 +13073,11 @@
                     </a:tc>
                     <a:extLst>
                       <a:ext uri="{0D108BD9-81ED-4DB2-BD59-A6C34878D82A}">
-                        <a16:rowId xmlns:a16="http://schemas.microsoft.com/office/drawing/2014/main" xmlns="" val="10000"/>
+                        <a16:rowId xmlns="" xmlns:a16="http://schemas.microsoft.com/office/drawing/2014/main" val="10000"/>
                       </a:ext>
                     </a:extLst>
                   </a:tr>
-                  <a:tr h="2114075">
+                  <a:tr h="1674568">
                     <a:tc>
                       <a:txBody>
                         <a:bodyPr/>
@@ -12592,7 +13086,7 @@
                           <a14:m>
                             <m:oMath xmlns:m="http://schemas.openxmlformats.org/officeDocument/2006/math">
                               <m:r>
-                                <a:rPr lang="ru-RU" i="1" smtClean="0">
+                                <a:rPr lang="ru-RU" sz="1400" i="1" smtClean="0">
                                   <a:latin typeface="Cambria Math" panose="02040503050406030204" pitchFamily="18" charset="0"/>
                                 </a:rPr>
                                 <m:t>𝑛</m:t>
@@ -12600,20 +13094,20 @@
                             </m:oMath>
                           </a14:m>
                           <a:r>
-                            <a:rPr lang="ru-RU" i="1" dirty="0" smtClean="0">
+                            <a:rPr lang="ru-RU" sz="1400" i="1" dirty="0" smtClean="0">
                               <a:latin typeface="Cambria Math" panose="02040503050406030204" pitchFamily="18" charset="0"/>
                             </a:rPr>
                             <a:t> </a:t>
                           </a:r>
                           <a:r>
-                            <a:rPr lang="en-US" dirty="0" smtClean="0"/>
+                            <a:rPr lang="en-US" sz="1400" dirty="0" smtClean="0"/>
                             <a:t>–</a:t>
                           </a:r>
                           <a:r>
-                            <a:rPr lang="ru-RU" dirty="0" smtClean="0"/>
+                            <a:rPr lang="ru-RU" sz="1400" dirty="0" smtClean="0"/>
                             <a:t> текущая итерация моделирования</a:t>
                           </a:r>
-                          <a:endParaRPr lang="ru-RU" i="1" dirty="0" smtClean="0">
+                          <a:endParaRPr lang="ru-RU" sz="1400" i="1" dirty="0" smtClean="0">
                             <a:latin typeface="Cambria Math" panose="02040503050406030204" pitchFamily="18" charset="0"/>
                           </a:endParaRPr>
                         </a:p>
@@ -12621,7 +13115,7 @@
                           <a14:m>
                             <m:oMath xmlns:m="http://schemas.openxmlformats.org/officeDocument/2006/math">
                               <m:r>
-                                <a:rPr lang="ru-RU" i="1" smtClean="0">
+                                <a:rPr lang="ru-RU" sz="1400" i="1" smtClean="0">
                                   <a:latin typeface="Cambria Math" panose="02040503050406030204" pitchFamily="18" charset="0"/>
                                 </a:rPr>
                                 <m:t>𝜌</m:t>
@@ -12629,27 +13123,27 @@
                             </m:oMath>
                           </a14:m>
                           <a:r>
-                            <a:rPr lang="en-US" dirty="0" smtClean="0"/>
+                            <a:rPr lang="en-US" sz="1400" dirty="0" smtClean="0"/>
                             <a:t> – </a:t>
                           </a:r>
                           <a:r>
-                            <a:rPr lang="ru-RU" dirty="0" smtClean="0"/>
+                            <a:rPr lang="ru-RU" sz="1400" dirty="0" smtClean="0"/>
                             <a:t>плотность</a:t>
                           </a:r>
                           <a:r>
-                            <a:rPr lang="ru-RU" baseline="0" dirty="0" smtClean="0"/>
+                            <a:rPr lang="ru-RU" sz="1400" baseline="0" dirty="0" smtClean="0"/>
                             <a:t>  </a:t>
                           </a:r>
                           <a:r>
-                            <a:rPr lang="en-US" dirty="0" smtClean="0"/>
+                            <a:rPr lang="en-US" sz="1400" dirty="0" smtClean="0"/>
                             <a:t>– </a:t>
                           </a:r>
                           <a:r>
-                            <a:rPr lang="ru-RU" baseline="0" dirty="0" smtClean="0"/>
+                            <a:rPr lang="ru-RU" sz="1400" baseline="0" dirty="0" smtClean="0"/>
                             <a:t> 1500 </a:t>
                           </a:r>
                           <a:r>
-                            <a:rPr lang="ru-RU" sz="1800" kern="1200" dirty="0" smtClean="0">
+                            <a:rPr lang="ru-RU" sz="1400" kern="1200" dirty="0" smtClean="0">
                               <a:solidFill>
                                 <a:schemeClr val="dk1"/>
                               </a:solidFill>
@@ -12661,7 +13155,7 @@
                             <a:t>кг/м</a:t>
                           </a:r>
                           <a:r>
-                            <a:rPr lang="ru-RU" sz="1800" kern="1200" baseline="30000" dirty="0" smtClean="0">
+                            <a:rPr lang="ru-RU" sz="1400" kern="1200" baseline="30000" dirty="0" smtClean="0">
                               <a:solidFill>
                                 <a:schemeClr val="dk1"/>
                               </a:solidFill>
@@ -12677,7 +13171,7 @@
                           <a14:m>
                             <m:oMath xmlns:m="http://schemas.openxmlformats.org/officeDocument/2006/math">
                               <m:r>
-                                <a:rPr lang="ru-RU" i="1" smtClean="0">
+                                <a:rPr lang="ru-RU" sz="1400" i="1" smtClean="0">
                                   <a:latin typeface="Cambria Math" panose="02040503050406030204" pitchFamily="18" charset="0"/>
                                 </a:rPr>
                                 <m:t>𝑣</m:t>
@@ -12685,11 +13179,11 @@
                             </m:oMath>
                           </a14:m>
                           <a:r>
-                            <a:rPr lang="ru-RU" dirty="0" smtClean="0"/>
+                            <a:rPr lang="ru-RU" sz="1400" dirty="0" smtClean="0"/>
                             <a:t> – скорость движения иглы</a:t>
                           </a:r>
                           <a:r>
-                            <a:rPr lang="ru-RU" baseline="0" dirty="0" smtClean="0"/>
+                            <a:rPr lang="ru-RU" sz="1400" baseline="0" dirty="0" smtClean="0"/>
                             <a:t>  - от 3 до 30 мм/с</a:t>
                           </a:r>
                         </a:p>
@@ -12697,7 +13191,7 @@
                           <a14:m>
                             <m:oMath xmlns:m="http://schemas.openxmlformats.org/officeDocument/2006/math">
                               <m:r>
-                                <a:rPr lang="ru-RU" sz="1800" i="1" kern="1200" smtClean="0">
+                                <a:rPr lang="ru-RU" sz="1400" i="1" kern="1200" smtClean="0">
                                   <a:solidFill>
                                     <a:schemeClr val="dk1"/>
                                   </a:solidFill>
@@ -12709,7 +13203,7 @@
                                 <m:t>𝑆</m:t>
                               </m:r>
                               <m:r>
-                                <a:rPr lang="ru-RU" sz="1800" i="1" kern="1200" smtClean="0">
+                                <a:rPr lang="ru-RU" sz="1400" i="1" kern="1200" smtClean="0">
                                   <a:solidFill>
                                     <a:schemeClr val="dk1"/>
                                   </a:solidFill>
@@ -12723,7 +13217,7 @@
                               <m:sSup>
                                 <m:sSupPr>
                                   <m:ctrlPr>
-                                    <a:rPr lang="ru-RU" sz="1800" i="1" kern="1200">
+                                    <a:rPr lang="ru-RU" sz="1400" i="1" kern="1200">
                                       <a:solidFill>
                                         <a:schemeClr val="dk1"/>
                                       </a:solidFill>
@@ -12736,7 +13230,7 @@
                                 </m:sSupPr>
                                 <m:e>
                                   <m:r>
-                                    <a:rPr lang="ru-RU" sz="1800" i="1" kern="1200">
+                                    <a:rPr lang="ru-RU" sz="1400" i="1" kern="1200">
                                       <a:solidFill>
                                         <a:schemeClr val="dk1"/>
                                       </a:solidFill>
@@ -12750,7 +13244,7 @@
                                 </m:e>
                                 <m:sup>
                                   <m:r>
-                                    <a:rPr lang="ru-RU" sz="1800" i="1" kern="1200">
+                                    <a:rPr lang="ru-RU" sz="1400" i="1" kern="1200">
                                       <a:solidFill>
                                         <a:schemeClr val="dk1"/>
                                       </a:solidFill>
@@ -12766,7 +13260,7 @@
                             </m:oMath>
                           </a14:m>
                           <a:r>
-                            <a:rPr lang="ru-RU" sz="1800" kern="1200" dirty="0">
+                            <a:rPr lang="ru-RU" sz="1400" kern="1200" dirty="0">
                               <a:solidFill>
                                 <a:schemeClr val="dk1"/>
                               </a:solidFill>
@@ -12780,7 +13274,7 @@
                           <a14:m>
                             <m:oMath xmlns:m="http://schemas.openxmlformats.org/officeDocument/2006/math">
                               <m:r>
-                                <a:rPr lang="ru-RU" sz="1800" i="1" kern="1200">
+                                <a:rPr lang="ru-RU" sz="1400" i="1" kern="1200">
                                   <a:solidFill>
                                     <a:schemeClr val="dk1"/>
                                   </a:solidFill>
@@ -12792,7 +13286,7 @@
                                 <m:t>𝑉</m:t>
                               </m:r>
                               <m:r>
-                                <a:rPr lang="ru-RU" sz="1800" i="1" kern="1200">
+                                <a:rPr lang="ru-RU" sz="1400" i="1" kern="1200">
                                   <a:solidFill>
                                     <a:schemeClr val="dk1"/>
                                   </a:solidFill>
@@ -12806,7 +13300,7 @@
                             </m:oMath>
                           </a14:m>
                           <a:r>
-                            <a:rPr lang="ru-RU" sz="1800" kern="1200" dirty="0">
+                            <a:rPr lang="ru-RU" sz="1400" kern="1200" dirty="0">
                               <a:solidFill>
                                 <a:schemeClr val="dk1"/>
                               </a:solidFill>
@@ -12818,7 +13312,7 @@
                             <a:t>объем </a:t>
                           </a:r>
                           <a:r>
-                            <a:rPr lang="ru-RU" sz="1800" kern="1200" dirty="0" smtClean="0">
+                            <a:rPr lang="ru-RU" sz="1400" kern="1200" dirty="0" smtClean="0">
                               <a:solidFill>
                                 <a:schemeClr val="dk1"/>
                               </a:solidFill>
@@ -12834,7 +13328,7 @@
                           <a14:m>
                             <m:oMath xmlns:m="http://schemas.openxmlformats.org/officeDocument/2006/math">
                               <m:r>
-                                <a:rPr lang="ru-RU" i="1" smtClean="0">
+                                <a:rPr lang="ru-RU" sz="1400" i="1" smtClean="0">
                                   <a:latin typeface="Cambria Math" panose="02040503050406030204" pitchFamily="18" charset="0"/>
                                 </a:rPr>
                                 <m:t>𝑙</m:t>
@@ -12842,15 +13336,15 @@
                             </m:oMath>
                           </a14:m>
                           <a:r>
-                            <a:rPr lang="ru-RU" dirty="0" smtClean="0"/>
+                            <a:rPr lang="ru-RU" sz="1400" dirty="0" smtClean="0"/>
                             <a:t> – длина иглы от 0 до 100 мм – изменяется с</a:t>
                           </a:r>
                           <a:r>
-                            <a:rPr lang="ru-RU" baseline="0" dirty="0" smtClean="0"/>
+                            <a:rPr lang="ru-RU" sz="1400" baseline="0" dirty="0" smtClean="0"/>
                             <a:t> определённым шагом времени</a:t>
                           </a:r>
                           <a:r>
-                            <a:rPr lang="ru-RU" dirty="0" smtClean="0"/>
+                            <a:rPr lang="ru-RU" sz="1400" dirty="0" smtClean="0"/>
                             <a:t> </a:t>
                           </a:r>
                         </a:p>
@@ -12858,7 +13352,7 @@
                           <a14:m>
                             <m:oMath xmlns:m="http://schemas.openxmlformats.org/officeDocument/2006/math">
                               <m:r>
-                                <a:rPr lang="ru-RU" i="1" smtClean="0">
+                                <a:rPr lang="ru-RU" sz="1400" i="1" smtClean="0">
                                   <a:latin typeface="Cambria Math" panose="02040503050406030204" pitchFamily="18" charset="0"/>
                                 </a:rPr>
                                 <m:t>𝐸</m:t>
@@ -12866,15 +13360,15 @@
                             </m:oMath>
                           </a14:m>
                           <a:r>
-                            <a:rPr lang="ru-RU" dirty="0" smtClean="0"/>
+                            <a:rPr lang="ru-RU" sz="1400" dirty="0" smtClean="0"/>
                             <a:t> – модуль Юнга</a:t>
                           </a:r>
                           <a:r>
-                            <a:rPr lang="ru-RU" baseline="0" dirty="0" smtClean="0"/>
+                            <a:rPr lang="ru-RU" sz="1400" baseline="0" dirty="0" smtClean="0"/>
                             <a:t> - </a:t>
                           </a:r>
                           <a:r>
-                            <a:rPr lang="ru-RU" sz="1800" kern="1200" dirty="0" smtClean="0">
+                            <a:rPr lang="ru-RU" sz="1400" kern="1200" dirty="0" smtClean="0">
                               <a:solidFill>
                                 <a:schemeClr val="dk1"/>
                               </a:solidFill>
@@ -12886,7 +13380,7 @@
                             <a:t>2.0·10</a:t>
                           </a:r>
                           <a:r>
-                            <a:rPr lang="ru-RU" sz="1800" kern="1200" baseline="30000" dirty="0" smtClean="0">
+                            <a:rPr lang="ru-RU" sz="1400" kern="1200" baseline="30000" dirty="0" smtClean="0">
                               <a:solidFill>
                                 <a:schemeClr val="dk1"/>
                               </a:solidFill>
@@ -12898,7 +13392,7 @@
                             <a:t>11  </a:t>
                           </a:r>
                           <a:r>
-                            <a:rPr lang="ru-RU" sz="1800" kern="1200" dirty="0" smtClean="0">
+                            <a:rPr lang="ru-RU" sz="1400" kern="1200" dirty="0" smtClean="0">
                               <a:solidFill>
                                 <a:schemeClr val="dk1"/>
                               </a:solidFill>
@@ -12910,7 +13404,7 @@
                             <a:t>н/м</a:t>
                           </a:r>
                           <a:r>
-                            <a:rPr lang="ru-RU" sz="1800" kern="1200" baseline="30000" dirty="0" smtClean="0">
+                            <a:rPr lang="ru-RU" sz="1400" kern="1200" baseline="30000" dirty="0" smtClean="0">
                               <a:solidFill>
                                 <a:schemeClr val="dk1"/>
                               </a:solidFill>
@@ -12965,7 +13459,7 @@
                     </a:tc>
                     <a:extLst>
                       <a:ext uri="{0D108BD9-81ED-4DB2-BD59-A6C34878D82A}">
-                        <a16:rowId xmlns:a16="http://schemas.microsoft.com/office/drawing/2014/main" xmlns="" val="10001"/>
+                        <a16:rowId xmlns="" xmlns:a16="http://schemas.microsoft.com/office/drawing/2014/main" val="10001"/>
                       </a:ext>
                     </a:extLst>
                   </a:tr>
@@ -12974,24 +13468,24 @@
             </a:graphic>
           </p:graphicFrame>
         </mc:Choice>
-        <mc:Fallback xmlns="">
+        <mc:Fallback>
           <p:graphicFrame>
             <p:nvGraphicFramePr>
-              <p:cNvPr id="16" name="Таблица 15"/>
+              <p:cNvPr id="13" name="Таблица 12"/>
               <p:cNvGraphicFramePr>
                 <a:graphicFrameLocks noGrp="1"/>
               </p:cNvGraphicFramePr>
               <p:nvPr>
                 <p:extLst>
                   <p:ext uri="{D42A27DB-BD31-4B8C-83A1-F6EECF244321}">
-                    <p14:modId xmlns:p14="http://schemas.microsoft.com/office/powerpoint/2010/main" val="1094168305"/>
+                    <p14:modId xmlns:p14="http://schemas.microsoft.com/office/powerpoint/2010/main" val="1493185847"/>
                   </p:ext>
                 </p:extLst>
               </p:nvPr>
             </p:nvGraphicFramePr>
             <p:xfrm>
-              <a:off x="3949038" y="3970459"/>
-              <a:ext cx="5036438" cy="2556539"/>
+              <a:off x="3635897" y="3056157"/>
+              <a:ext cx="4995735" cy="1948888"/>
             </p:xfrm>
             <a:graphic>
               <a:graphicData uri="http://schemas.openxmlformats.org/drawingml/2006/table">
@@ -13000,15 +13494,15 @@
                     <a:tableStyleId>{5C22544A-7EE6-4342-B048-85BDC9FD1C3A}</a:tableStyleId>
                   </a:tblPr>
                   <a:tblGrid>
-                    <a:gridCol w="5036438">
+                    <a:gridCol w="4995735">
                       <a:extLst>
                         <a:ext uri="{9D8B030D-6E8A-4147-A177-3AD203B41FA5}">
-                          <a16:colId xmlns:a16="http://schemas.microsoft.com/office/drawing/2014/main" xmlns:a14="http://schemas.microsoft.com/office/drawing/2010/main" xmlns="" val="20000"/>
+                          <a16:colId xmlns="" xmlns:a16="http://schemas.microsoft.com/office/drawing/2014/main" xmlns:a14="http://schemas.microsoft.com/office/drawing/2010/main" val="20000"/>
                         </a:ext>
                       </a:extLst>
                     </a:gridCol>
                   </a:tblGrid>
-                  <a:tr h="442464">
+                  <a:tr h="274320">
                     <a:tc>
                       <a:txBody>
                         <a:bodyPr/>
@@ -13016,14 +13510,14 @@
                         <a:p>
                           <a:pPr algn="ctr"/>
                           <a:r>
-                            <a:rPr lang="ru-RU" dirty="0" smtClean="0">
+                            <a:rPr lang="ru-RU" sz="1200" dirty="0" smtClean="0">
                               <a:solidFill>
                                 <a:sysClr val="windowText" lastClr="000000"/>
                               </a:solidFill>
                             </a:rPr>
                             <a:t>Параметры </a:t>
                           </a:r>
-                          <a:endParaRPr lang="ru-RU" dirty="0">
+                          <a:endParaRPr lang="ru-RU" sz="1200" dirty="0">
                             <a:solidFill>
                               <a:sysClr val="windowText" lastClr="000000"/>
                             </a:solidFill>
@@ -13076,11 +13570,11 @@
                     </a:tc>
                     <a:extLst>
                       <a:ext uri="{0D108BD9-81ED-4DB2-BD59-A6C34878D82A}">
-                        <a16:rowId xmlns:a16="http://schemas.microsoft.com/office/drawing/2014/main" xmlns:a14="http://schemas.microsoft.com/office/drawing/2010/main" xmlns="" val="10000"/>
+                        <a16:rowId xmlns="" xmlns:a16="http://schemas.microsoft.com/office/drawing/2014/main" xmlns:a14="http://schemas.microsoft.com/office/drawing/2010/main" val="10000"/>
                       </a:ext>
                     </a:extLst>
                   </a:tr>
-                  <a:tr h="2114075">
+                  <a:tr h="1674568">
                     <a:tc>
                       <a:txBody>
                         <a:bodyPr/>
@@ -13129,14 +13623,14 @@
                         <a:blipFill rotWithShape="0">
                           <a:blip r:embed="rId10"/>
                           <a:stretch>
-                            <a:fillRect l="-121" t="-22478" r="-363" b="-576"/>
+                            <a:fillRect l="-122" t="-16667" r="-366" b="-725"/>
                           </a:stretch>
                         </a:blipFill>
                       </a:tcPr>
                     </a:tc>
                     <a:extLst>
                       <a:ext uri="{0D108BD9-81ED-4DB2-BD59-A6C34878D82A}">
-                        <a16:rowId xmlns:a16="http://schemas.microsoft.com/office/drawing/2014/main" xmlns:a14="http://schemas.microsoft.com/office/drawing/2010/main" xmlns="" val="10001"/>
+                        <a16:rowId xmlns="" xmlns:a16="http://schemas.microsoft.com/office/drawing/2014/main" xmlns:a14="http://schemas.microsoft.com/office/drawing/2010/main" val="10001"/>
                       </a:ext>
                     </a:extLst>
                   </a:tr>
@@ -13155,20 +13649,20 @@
           <p:nvPr>
             <p:extLst>
               <p:ext uri="{D42A27DB-BD31-4B8C-83A1-F6EECF244321}">
-                <p14:modId xmlns:p14="http://schemas.microsoft.com/office/powerpoint/2010/main" val="1700641644"/>
+                <p14:modId xmlns:p14="http://schemas.microsoft.com/office/powerpoint/2010/main" val="814167227"/>
               </p:ext>
             </p:extLst>
           </p:nvPr>
         </p:nvGraphicFramePr>
         <p:xfrm>
-          <a:off x="2267744" y="1600439"/>
+          <a:off x="2619317" y="1256176"/>
           <a:ext cx="575935" cy="794233"/>
         </p:xfrm>
         <a:graphic>
           <a:graphicData uri="http://schemas.openxmlformats.org/presentationml/2006/ole">
             <mc:AlternateContent xmlns:mc="http://schemas.openxmlformats.org/markup-compatibility/2006">
               <mc:Choice xmlns:v="urn:schemas-microsoft-com:vml" Requires="v">
-                <p:oleObj spid="_x0000_s2053" r:id="rId11" imgW="666627" imgH="914400" progId="">
+                <p:oleObj spid="_x0000_s2065" r:id="rId11" imgW="666627" imgH="914400" progId="">
                   <p:embed/>
                 </p:oleObj>
               </mc:Choice>
@@ -13198,7 +13692,7 @@
                     </p:blipFill>
                     <p:spPr bwMode="auto">
                       <a:xfrm>
-                        <a:off x="2267744" y="1600439"/>
+                        <a:off x="2619317" y="1256176"/>
                         <a:ext cx="575935" cy="794233"/>
                       </a:xfrm>
                       <a:prstGeom prst="rect">
@@ -13231,14 +13725,14 @@
           <p:nvPr>
             <p:extLst>
               <p:ext uri="{D42A27DB-BD31-4B8C-83A1-F6EECF244321}">
-                <p14:modId xmlns:p14="http://schemas.microsoft.com/office/powerpoint/2010/main" val="2667667348"/>
+                <p14:modId xmlns:p14="http://schemas.microsoft.com/office/powerpoint/2010/main" val="2562111250"/>
               </p:ext>
             </p:extLst>
           </p:nvPr>
         </p:nvGraphicFramePr>
         <p:xfrm>
-          <a:off x="41768" y="4525478"/>
-          <a:ext cx="3744416" cy="2001520"/>
+          <a:off x="539552" y="3291830"/>
+          <a:ext cx="3075806" cy="1719796"/>
         </p:xfrm>
         <a:graphic>
           <a:graphicData uri="http://schemas.openxmlformats.org/drawingml/2006/table">
@@ -13247,22 +13741,22 @@
                 <a:tableStyleId>{5C22544A-7EE6-4342-B048-85BDC9FD1C3A}</a:tableStyleId>
               </a:tblPr>
               <a:tblGrid>
-                <a:gridCol w="1440160">
+                <a:gridCol w="1738499">
                   <a:extLst>
                     <a:ext uri="{9D8B030D-6E8A-4147-A177-3AD203B41FA5}">
-                      <a16:colId xmlns:a16="http://schemas.microsoft.com/office/drawing/2014/main" xmlns="" val="20000"/>
+                      <a16:colId xmlns="" xmlns:a16="http://schemas.microsoft.com/office/drawing/2014/main" val="20000"/>
                     </a:ext>
                   </a:extLst>
                 </a:gridCol>
-                <a:gridCol w="2304256">
+                <a:gridCol w="1337307">
                   <a:extLst>
                     <a:ext uri="{9D8B030D-6E8A-4147-A177-3AD203B41FA5}">
-                      <a16:colId xmlns:a16="http://schemas.microsoft.com/office/drawing/2014/main" xmlns="" val="20001"/>
+                      <a16:colId xmlns="" xmlns:a16="http://schemas.microsoft.com/office/drawing/2014/main" val="20001"/>
                     </a:ext>
                   </a:extLst>
                 </a:gridCol>
               </a:tblGrid>
-              <a:tr h="370840">
+              <a:tr h="376626">
                 <a:tc>
                   <a:txBody>
                     <a:bodyPr/>
@@ -13270,7 +13764,7 @@
                     <a:p>
                       <a:pPr algn="ctr"/>
                       <a:r>
-                        <a:rPr lang="ru-RU" sz="1400" dirty="0" smtClean="0">
+                        <a:rPr lang="ru-RU" sz="1100" dirty="0" smtClean="0">
                           <a:solidFill>
                             <a:sysClr val="windowText" lastClr="000000"/>
                           </a:solidFill>
@@ -13278,14 +13772,14 @@
                         <a:t>Линейная скорость,</a:t>
                       </a:r>
                       <a:r>
-                        <a:rPr lang="ru-RU" sz="1400" baseline="0" dirty="0" smtClean="0">
+                        <a:rPr lang="ru-RU" sz="1100" baseline="0" dirty="0" smtClean="0">
                           <a:solidFill>
                             <a:sysClr val="windowText" lastClr="000000"/>
                           </a:solidFill>
                         </a:rPr>
                         <a:t> мм/с</a:t>
                       </a:r>
-                      <a:endParaRPr lang="ru-RU" sz="1400" dirty="0">
+                      <a:endParaRPr lang="ru-RU" sz="1100" dirty="0">
                         <a:solidFill>
                           <a:sysClr val="windowText" lastClr="000000"/>
                         </a:solidFill>
@@ -13343,7 +13837,7 @@
                     <a:p>
                       <a:pPr algn="ctr"/>
                       <a:r>
-                        <a:rPr lang="ru-RU" sz="1400" dirty="0" smtClean="0">
+                        <a:rPr lang="ru-RU" sz="1100" dirty="0" smtClean="0">
                           <a:solidFill>
                             <a:sysClr val="windowText" lastClr="000000"/>
                           </a:solidFill>
@@ -13351,14 +13845,14 @@
                         <a:t>Шаг времени, с</a:t>
                       </a:r>
                       <a:r>
-                        <a:rPr lang="ru-RU" sz="1400" baseline="0" dirty="0" smtClean="0">
+                        <a:rPr lang="ru-RU" sz="1100" baseline="0" dirty="0" smtClean="0">
                           <a:solidFill>
                             <a:sysClr val="windowText" lastClr="000000"/>
                           </a:solidFill>
                         </a:rPr>
                         <a:t> </a:t>
                       </a:r>
-                      <a:endParaRPr lang="ru-RU" sz="1400" dirty="0">
+                      <a:endParaRPr lang="ru-RU" sz="1100" dirty="0">
                         <a:solidFill>
                           <a:sysClr val="windowText" lastClr="000000"/>
                         </a:solidFill>
@@ -13411,11 +13905,11 @@
                 </a:tc>
                 <a:extLst>
                   <a:ext uri="{0D108BD9-81ED-4DB2-BD59-A6C34878D82A}">
-                    <a16:rowId xmlns:a16="http://schemas.microsoft.com/office/drawing/2014/main" xmlns="" val="10000"/>
+                    <a16:rowId xmlns="" xmlns:a16="http://schemas.microsoft.com/office/drawing/2014/main" val="10000"/>
                   </a:ext>
                 </a:extLst>
               </a:tr>
-              <a:tr h="370840">
+              <a:tr h="323269">
                 <a:tc>
                   <a:txBody>
                     <a:bodyPr/>
@@ -13423,10 +13917,10 @@
                     <a:p>
                       <a:pPr algn="ctr"/>
                       <a:r>
-                        <a:rPr lang="ru-RU" sz="1600" dirty="0" smtClean="0"/>
+                        <a:rPr lang="ru-RU" sz="1100" dirty="0" smtClean="0"/>
                         <a:t>3</a:t>
                       </a:r>
-                      <a:endParaRPr lang="ru-RU" sz="1600" dirty="0"/>
+                      <a:endParaRPr lang="ru-RU" sz="1100" dirty="0"/>
                     </a:p>
                   </a:txBody>
                   <a:tcPr>
@@ -13492,7 +13986,7 @@
                         <a:defRPr/>
                       </a:pPr>
                       <a:r>
-                        <a:rPr lang="ru-RU" sz="1600" dirty="0" smtClean="0">
+                        <a:rPr lang="ru-RU" sz="1100" dirty="0" smtClean="0">
                           <a:solidFill>
                             <a:sysClr val="windowText" lastClr="000000"/>
                           </a:solidFill>
@@ -13501,7 +13995,7 @@
                         <a:t>3,33·10</a:t>
                       </a:r>
                       <a:r>
-                        <a:rPr lang="ru-RU" sz="1600" baseline="30000" dirty="0" smtClean="0">
+                        <a:rPr lang="ru-RU" sz="1100" baseline="30000" dirty="0" smtClean="0">
                           <a:solidFill>
                             <a:sysClr val="windowText" lastClr="000000"/>
                           </a:solidFill>
@@ -13509,7 +14003,7 @@
                         </a:rPr>
                         <a:t>-6</a:t>
                       </a:r>
-                      <a:endParaRPr lang="ru-RU" sz="1600" dirty="0" smtClean="0">
+                      <a:endParaRPr lang="ru-RU" sz="1100" dirty="0" smtClean="0">
                         <a:solidFill>
                           <a:sysClr val="windowText" lastClr="000000"/>
                         </a:solidFill>
@@ -13562,11 +14056,11 @@
                 </a:tc>
                 <a:extLst>
                   <a:ext uri="{0D108BD9-81ED-4DB2-BD59-A6C34878D82A}">
-                    <a16:rowId xmlns:a16="http://schemas.microsoft.com/office/drawing/2014/main" xmlns="" val="10001"/>
+                    <a16:rowId xmlns="" xmlns:a16="http://schemas.microsoft.com/office/drawing/2014/main" val="10001"/>
                   </a:ext>
                 </a:extLst>
               </a:tr>
-              <a:tr h="370840">
+              <a:tr h="323269">
                 <a:tc>
                   <a:txBody>
                     <a:bodyPr/>
@@ -13590,7 +14084,7 @@
                         <a:defRPr/>
                       </a:pPr>
                       <a:r>
-                        <a:rPr lang="ru-RU" sz="1600" b="0" dirty="0" smtClean="0">
+                        <a:rPr lang="ru-RU" sz="1100" b="0" dirty="0" smtClean="0">
                           <a:solidFill>
                             <a:sysClr val="windowText" lastClr="000000"/>
                           </a:solidFill>
@@ -13598,7 +14092,7 @@
                         </a:rPr>
                         <a:t>15</a:t>
                       </a:r>
-                      <a:endParaRPr lang="ru-RU" sz="1600" b="0" dirty="0" smtClean="0">
+                      <a:endParaRPr lang="ru-RU" sz="1100" b="0" dirty="0" smtClean="0">
                         <a:solidFill>
                           <a:sysClr val="windowText" lastClr="000000"/>
                         </a:solidFill>
@@ -13672,7 +14166,7 @@
                         <a:defRPr/>
                       </a:pPr>
                       <a:r>
-                        <a:rPr lang="ru-RU" sz="1600" dirty="0" smtClean="0">
+                        <a:rPr lang="ru-RU" sz="1100" dirty="0" smtClean="0">
                           <a:solidFill>
                             <a:sysClr val="windowText" lastClr="000000"/>
                           </a:solidFill>
@@ -13681,7 +14175,7 @@
                         <a:t>6,67·10</a:t>
                       </a:r>
                       <a:r>
-                        <a:rPr lang="ru-RU" sz="1600" baseline="30000" dirty="0" smtClean="0">
+                        <a:rPr lang="ru-RU" sz="1100" baseline="30000" dirty="0" smtClean="0">
                           <a:solidFill>
                             <a:sysClr val="windowText" lastClr="000000"/>
                           </a:solidFill>
@@ -13689,7 +14183,7 @@
                         </a:rPr>
                         <a:t>-7</a:t>
                       </a:r>
-                      <a:endParaRPr lang="ru-RU" sz="1600" dirty="0" smtClean="0">
+                      <a:endParaRPr lang="ru-RU" sz="1100" dirty="0" smtClean="0">
                         <a:solidFill>
                           <a:sysClr val="windowText" lastClr="000000"/>
                         </a:solidFill>
@@ -13742,11 +14236,11 @@
                 </a:tc>
                 <a:extLst>
                   <a:ext uri="{0D108BD9-81ED-4DB2-BD59-A6C34878D82A}">
-                    <a16:rowId xmlns:a16="http://schemas.microsoft.com/office/drawing/2014/main" xmlns="" val="10002"/>
+                    <a16:rowId xmlns="" xmlns:a16="http://schemas.microsoft.com/office/drawing/2014/main" val="10002"/>
                   </a:ext>
                 </a:extLst>
               </a:tr>
-              <a:tr h="370840">
+              <a:tr h="323269">
                 <a:tc>
                   <a:txBody>
                     <a:bodyPr/>
@@ -13770,7 +14264,7 @@
                         <a:defRPr/>
                       </a:pPr>
                       <a:r>
-                        <a:rPr lang="ru-RU" sz="1600" b="0" dirty="0" smtClean="0">
+                        <a:rPr lang="ru-RU" sz="1100" b="0" dirty="0" smtClean="0">
                           <a:solidFill>
                             <a:sysClr val="windowText" lastClr="000000"/>
                           </a:solidFill>
@@ -13778,7 +14272,7 @@
                         </a:rPr>
                         <a:t>24</a:t>
                       </a:r>
-                      <a:endParaRPr lang="ru-RU" sz="1600" b="0" dirty="0" smtClean="0">
+                      <a:endParaRPr lang="ru-RU" sz="1100" b="0" dirty="0" smtClean="0">
                         <a:solidFill>
                           <a:sysClr val="windowText" lastClr="000000"/>
                         </a:solidFill>
@@ -13852,7 +14346,7 @@
                         <a:defRPr/>
                       </a:pPr>
                       <a:r>
-                        <a:rPr lang="ru-RU" sz="1600" dirty="0" smtClean="0">
+                        <a:rPr lang="ru-RU" sz="1100" dirty="0" smtClean="0">
                           <a:solidFill>
                             <a:sysClr val="windowText" lastClr="000000"/>
                           </a:solidFill>
@@ -13861,7 +14355,7 @@
                         <a:t>4,17·10</a:t>
                       </a:r>
                       <a:r>
-                        <a:rPr lang="ru-RU" sz="1600" baseline="30000" dirty="0" smtClean="0">
+                        <a:rPr lang="ru-RU" sz="1100" baseline="30000" dirty="0" smtClean="0">
                           <a:solidFill>
                             <a:sysClr val="windowText" lastClr="000000"/>
                           </a:solidFill>
@@ -13869,7 +14363,7 @@
                         </a:rPr>
                         <a:t>-7</a:t>
                       </a:r>
-                      <a:endParaRPr lang="ru-RU" sz="1600" dirty="0" smtClean="0">
+                      <a:endParaRPr lang="ru-RU" sz="1100" dirty="0" smtClean="0">
                         <a:solidFill>
                           <a:sysClr val="windowText" lastClr="000000"/>
                         </a:solidFill>
@@ -13922,11 +14416,11 @@
                 </a:tc>
                 <a:extLst>
                   <a:ext uri="{0D108BD9-81ED-4DB2-BD59-A6C34878D82A}">
-                    <a16:rowId xmlns:a16="http://schemas.microsoft.com/office/drawing/2014/main" xmlns="" val="10003"/>
+                    <a16:rowId xmlns="" xmlns:a16="http://schemas.microsoft.com/office/drawing/2014/main" val="10003"/>
                   </a:ext>
                 </a:extLst>
               </a:tr>
-              <a:tr h="370840">
+              <a:tr h="323269">
                 <a:tc>
                   <a:txBody>
                     <a:bodyPr/>
@@ -13950,7 +14444,7 @@
                         <a:defRPr/>
                       </a:pPr>
                       <a:r>
-                        <a:rPr lang="ru-RU" sz="1600" b="0" dirty="0" smtClean="0">
+                        <a:rPr lang="ru-RU" sz="1100" b="0" dirty="0" smtClean="0">
                           <a:solidFill>
                             <a:sysClr val="windowText" lastClr="000000"/>
                           </a:solidFill>
@@ -13958,7 +14452,7 @@
                         </a:rPr>
                         <a:t>30</a:t>
                       </a:r>
-                      <a:endParaRPr lang="ru-RU" sz="1600" b="0" dirty="0" smtClean="0">
+                      <a:endParaRPr lang="ru-RU" sz="1100" b="0" dirty="0" smtClean="0">
                         <a:solidFill>
                           <a:sysClr val="windowText" lastClr="000000"/>
                         </a:solidFill>
@@ -14032,7 +14526,7 @@
                         <a:defRPr/>
                       </a:pPr>
                       <a:r>
-                        <a:rPr lang="ru-RU" sz="1600" dirty="0" smtClean="0">
+                        <a:rPr lang="ru-RU" sz="1100" dirty="0" smtClean="0">
                           <a:solidFill>
                             <a:sysClr val="windowText" lastClr="000000"/>
                           </a:solidFill>
@@ -14041,7 +14535,7 @@
                         <a:t>3,34·10</a:t>
                       </a:r>
                       <a:r>
-                        <a:rPr lang="ru-RU" sz="1600" baseline="30000" dirty="0" smtClean="0">
+                        <a:rPr lang="ru-RU" sz="1100" baseline="30000" dirty="0" smtClean="0">
                           <a:solidFill>
                             <a:sysClr val="windowText" lastClr="000000"/>
                           </a:solidFill>
@@ -14049,7 +14543,7 @@
                         </a:rPr>
                         <a:t>-7</a:t>
                       </a:r>
-                      <a:endParaRPr lang="ru-RU" sz="1600" dirty="0" smtClean="0">
+                      <a:endParaRPr lang="ru-RU" sz="1100" dirty="0" smtClean="0">
                         <a:solidFill>
                           <a:sysClr val="windowText" lastClr="000000"/>
                         </a:solidFill>
@@ -14102,7 +14596,7 @@
                 </a:tc>
                 <a:extLst>
                   <a:ext uri="{0D108BD9-81ED-4DB2-BD59-A6C34878D82A}">
-                    <a16:rowId xmlns:a16="http://schemas.microsoft.com/office/drawing/2014/main" xmlns="" val="10004"/>
+                    <a16:rowId xmlns="" xmlns:a16="http://schemas.microsoft.com/office/drawing/2014/main" val="10004"/>
                   </a:ext>
                 </a:extLst>
               </a:tr>
@@ -14183,8 +14677,8 @@
             </p:nvSpPr>
             <p:spPr>
               <a:xfrm>
-                <a:off x="3632744" y="2999508"/>
-                <a:ext cx="2506199" cy="869020"/>
+                <a:off x="4287733" y="2297894"/>
+                <a:ext cx="1735090" cy="610167"/>
               </a:xfrm>
               <a:prstGeom prst="rect">
                 <a:avLst/>
@@ -14206,14 +14700,14 @@
                       <m:sSub>
                         <m:sSubPr>
                           <m:ctrlPr>
-                            <a:rPr lang="ru-RU" i="1" smtClean="0">
+                            <a:rPr lang="ru-RU" sz="1200" i="1" smtClean="0">
                               <a:latin typeface="Cambria Math" panose="02040503050406030204" pitchFamily="18" charset="0"/>
                             </a:rPr>
                           </m:ctrlPr>
                         </m:sSubPr>
                         <m:e>
                           <m:r>
-                            <a:rPr lang="ru-RU" i="1">
+                            <a:rPr lang="ru-RU" sz="1200" i="1">
                               <a:latin typeface="Cambria Math" panose="02040503050406030204" pitchFamily="18" charset="0"/>
                             </a:rPr>
                             <m:t>𝑦</m:t>
@@ -14221,13 +14715,13 @@
                         </m:e>
                         <m:sub>
                           <m:r>
-                            <a:rPr lang="ru-RU" i="1">
+                            <a:rPr lang="ru-RU" sz="1200" i="1">
                               <a:latin typeface="Cambria Math" panose="02040503050406030204" pitchFamily="18" charset="0"/>
                             </a:rPr>
                             <m:t>𝑎𝑙𝑙</m:t>
                           </m:r>
                           <m:r>
-                            <a:rPr lang="ru-RU" i="0">
+                            <a:rPr lang="ru-RU" sz="1200" i="0">
                               <a:latin typeface="Cambria Math" panose="02040503050406030204" pitchFamily="18" charset="0"/>
                             </a:rPr>
                             <m:t> </m:t>
@@ -14235,7 +14729,7 @@
                         </m:sub>
                       </m:sSub>
                       <m:r>
-                        <a:rPr lang="ru-RU" i="0">
+                        <a:rPr lang="ru-RU" sz="1200" i="0">
                           <a:latin typeface="Cambria Math" panose="02040503050406030204" pitchFamily="18" charset="0"/>
                         </a:rPr>
                         <m:t>= </m:t>
@@ -14245,14 +14739,14 @@
                           <m:chr m:val="∑"/>
                           <m:limLoc m:val="undOvr"/>
                           <m:ctrlPr>
-                            <a:rPr lang="ru-RU" i="1">
+                            <a:rPr lang="ru-RU" sz="1200" i="1">
                               <a:latin typeface="Cambria Math" panose="02040503050406030204" pitchFamily="18" charset="0"/>
                             </a:rPr>
                           </m:ctrlPr>
                         </m:naryPr>
                         <m:sub>
                           <m:r>
-                            <a:rPr lang="ru-RU" i="0">
+                            <a:rPr lang="ru-RU" sz="1200" i="0">
                               <a:latin typeface="Cambria Math" panose="02040503050406030204" pitchFamily="18" charset="0"/>
                             </a:rPr>
                             <m:t>1</m:t>
@@ -14260,13 +14754,13 @@
                         </m:sub>
                         <m:sup>
                           <m:r>
-                            <a:rPr lang="ru-RU" i="1">
+                            <a:rPr lang="ru-RU" sz="1200" i="1">
                               <a:latin typeface="Cambria Math" panose="02040503050406030204" pitchFamily="18" charset="0"/>
                             </a:rPr>
                             <m:t>𝑛</m:t>
                           </m:r>
                           <m:r>
-                            <a:rPr lang="ru-RU" i="0">
+                            <a:rPr lang="ru-RU" sz="1200" i="0">
                               <a:latin typeface="Cambria Math" panose="02040503050406030204" pitchFamily="18" charset="0"/>
                             </a:rPr>
                             <m:t>−1</m:t>
@@ -14276,14 +14770,14 @@
                           <m:sSub>
                             <m:sSubPr>
                               <m:ctrlPr>
-                                <a:rPr lang="ru-RU" i="1">
+                                <a:rPr lang="ru-RU" sz="1200" i="1">
                                   <a:latin typeface="Cambria Math" panose="02040503050406030204" pitchFamily="18" charset="0"/>
                                 </a:rPr>
                               </m:ctrlPr>
                             </m:sSubPr>
                             <m:e>
                               <m:r>
-                                <a:rPr lang="ru-RU" i="1">
+                                <a:rPr lang="ru-RU" sz="1200" i="1">
                                   <a:latin typeface="Cambria Math" panose="02040503050406030204" pitchFamily="18" charset="0"/>
                                 </a:rPr>
                                 <m:t>𝑦</m:t>
@@ -14291,13 +14785,13 @@
                             </m:e>
                             <m:sub>
                               <m:r>
-                                <a:rPr lang="ru-RU" i="1">
+                                <a:rPr lang="ru-RU" sz="1200" i="1">
                                   <a:latin typeface="Cambria Math" panose="02040503050406030204" pitchFamily="18" charset="0"/>
                                 </a:rPr>
                                 <m:t>𝑛</m:t>
                               </m:r>
                               <m:r>
-                                <a:rPr lang="ru-RU" i="0">
+                                <a:rPr lang="ru-RU" sz="1200" i="0">
                                   <a:latin typeface="Cambria Math" panose="02040503050406030204" pitchFamily="18" charset="0"/>
                                 </a:rPr>
                                 <m:t> </m:t>
@@ -14307,7 +14801,7 @@
                         </m:e>
                       </m:nary>
                       <m:r>
-                        <a:rPr lang="ru-RU" i="0">
+                        <a:rPr lang="ru-RU" sz="1200" i="0">
                           <a:latin typeface="Cambria Math" panose="02040503050406030204" pitchFamily="18" charset="0"/>
                         </a:rPr>
                         <m:t>+</m:t>
@@ -14315,14 +14809,14 @@
                       <m:sSub>
                         <m:sSubPr>
                           <m:ctrlPr>
-                            <a:rPr lang="ru-RU" i="1">
+                            <a:rPr lang="ru-RU" sz="1200" i="1">
                               <a:latin typeface="Cambria Math" panose="02040503050406030204" pitchFamily="18" charset="0"/>
                             </a:rPr>
                           </m:ctrlPr>
                         </m:sSubPr>
                         <m:e>
                           <m:r>
-                            <a:rPr lang="ru-RU" i="1">
+                            <a:rPr lang="ru-RU" sz="1200" i="1">
                               <a:latin typeface="Cambria Math" panose="02040503050406030204" pitchFamily="18" charset="0"/>
                             </a:rPr>
                             <m:t>𝑦</m:t>
@@ -14330,7 +14824,7 @@
                         </m:e>
                         <m:sub>
                           <m:r>
-                            <a:rPr lang="ru-RU" i="1">
+                            <a:rPr lang="ru-RU" sz="1200" i="1">
                               <a:latin typeface="Cambria Math" panose="02040503050406030204" pitchFamily="18" charset="0"/>
                             </a:rPr>
                             <m:t>𝑛</m:t>
@@ -14338,13 +14832,13 @@
                         </m:sub>
                       </m:sSub>
                       <m:r>
-                        <a:rPr lang="ru-RU" i="0">
+                        <a:rPr lang="ru-RU" sz="1200" i="0">
                           <a:latin typeface="Cambria Math" panose="02040503050406030204" pitchFamily="18" charset="0"/>
                         </a:rPr>
                         <m:t> </m:t>
                       </m:r>
                       <m:r>
-                        <a:rPr lang="ru-RU" b="0" i="0" smtClean="0">
+                        <a:rPr lang="ru-RU" sz="1200" b="0" i="0" smtClean="0">
                           <a:latin typeface="Cambria Math" panose="02040503050406030204" pitchFamily="18" charset="0"/>
                         </a:rPr>
                         <m:t>(3)</m:t>
@@ -14352,7 +14846,7 @@
                     </m:oMath>
                   </m:oMathPara>
                 </a14:m>
-                <a:endParaRPr lang="ru-RU" dirty="0"/>
+                <a:endParaRPr lang="ru-RU" sz="1200" dirty="0"/>
               </a:p>
             </p:txBody>
           </p:sp>
@@ -14368,8 +14862,8 @@
             </p:nvSpPr>
             <p:spPr>
               <a:xfrm>
-                <a:off x="3632744" y="2999508"/>
-                <a:ext cx="2506199" cy="869020"/>
+                <a:off x="4287733" y="2297894"/>
+                <a:ext cx="1735090" cy="610167"/>
               </a:xfrm>
               <a:prstGeom prst="rect">
                 <a:avLst/>
@@ -14472,7 +14966,23 @@
                   <a:srgbClr val="003399"/>
                 </a:solidFill>
               </a:rPr>
-              <a:t>Общая постановка задачи</a:t>
+              <a:t>Результаты </a:t>
+            </a:r>
+            <a:r>
+              <a:rPr lang="ru-RU" sz="2000" b="1" dirty="0" smtClean="0">
+                <a:solidFill>
+                  <a:srgbClr val="003399"/>
+                </a:solidFill>
+              </a:rPr>
+              <a:t>моделирования </a:t>
+            </a:r>
+            <a:r>
+              <a:rPr lang="ru-RU" sz="2000" b="1" dirty="0">
+                <a:solidFill>
+                  <a:srgbClr val="003399"/>
+                </a:solidFill>
+              </a:rPr>
+              <a:t>при разной плотности материла</a:t>
             </a:r>
             <a:endParaRPr lang="ru-RU" sz="2000" b="1" dirty="0">
               <a:solidFill>
@@ -14510,11 +15020,71 @@
                   <a:srgbClr val="003399"/>
                 </a:solidFill>
               </a:rPr>
-              <a:t>7</a:t>
-            </a:r>
+              <a:t>9</a:t>
+            </a:r>
+            <a:endParaRPr lang="ru-RU" sz="2000" b="1" dirty="0" smtClean="0">
+              <a:solidFill>
+                <a:srgbClr val="003399"/>
+              </a:solidFill>
+            </a:endParaRPr>
           </a:p>
         </p:txBody>
       </p:sp>
+      <p:sp>
+        <p:nvSpPr>
+          <p:cNvPr id="4" name="Прямоугольник 3"/>
+          <p:cNvSpPr/>
+          <p:nvPr/>
+        </p:nvSpPr>
+        <p:spPr>
+          <a:xfrm>
+            <a:off x="539552" y="987574"/>
+            <a:ext cx="3888432" cy="369332"/>
+          </a:xfrm>
+          <a:prstGeom prst="rect">
+            <a:avLst/>
+          </a:prstGeom>
+        </p:spPr>
+        <p:txBody>
+          <a:bodyPr wrap="square">
+            <a:spAutoFit/>
+          </a:bodyPr>
+          <a:lstStyle/>
+          <a:p>
+            <a:r>
+              <a:rPr lang="ru-RU" dirty="0" smtClean="0"/>
+              <a:t>Угол острия 45 градусов</a:t>
+            </a:r>
+            <a:endParaRPr lang="ru-RU" baseline="30000" dirty="0">
+              <a:solidFill>
+                <a:schemeClr val="dk1"/>
+              </a:solidFill>
+            </a:endParaRPr>
+          </a:p>
+        </p:txBody>
+      </p:sp>
+      <p:graphicFrame>
+        <p:nvGraphicFramePr>
+          <p:cNvPr id="6" name="Диаграмма 5"/>
+          <p:cNvGraphicFramePr/>
+          <p:nvPr>
+            <p:extLst>
+              <p:ext uri="{D42A27DB-BD31-4B8C-83A1-F6EECF244321}">
+                <p14:modId xmlns:p14="http://schemas.microsoft.com/office/powerpoint/2010/main" val="3797821655"/>
+              </p:ext>
+            </p:extLst>
+          </p:nvPr>
+        </p:nvGraphicFramePr>
+        <p:xfrm>
+          <a:off x="1331640" y="1491630"/>
+          <a:ext cx="6624736" cy="3449538"/>
+        </p:xfrm>
+        <a:graphic>
+          <a:graphicData uri="http://schemas.openxmlformats.org/drawingml/2006/chart">
+            <c:chart xmlns:c="http://schemas.openxmlformats.org/drawingml/2006/chart" xmlns:r="http://schemas.openxmlformats.org/officeDocument/2006/relationships" r:id="rId3"/>
+          </a:graphicData>
+        </a:graphic>
+      </p:graphicFrame>
     </p:spTree>
     <p:extLst>
       <p:ext uri="{BB962C8B-B14F-4D97-AF65-F5344CB8AC3E}">

--- a/Dissertacia/MyWork/DocWork/Дружинин_НТС_Май_ЦНИИ_РТК.pptx
+++ b/Dissertacia/MyWork/DocWork/Дружинин_НТС_Май_ЦНИИ_РТК.pptx
@@ -587,11 +587,11 @@
           <c:showPercent val="0"/>
           <c:showBubbleSize val="0"/>
         </c:dLbls>
-        <c:axId val="302432784"/>
-        <c:axId val="302433176"/>
+        <c:axId val="129081592"/>
+        <c:axId val="129081200"/>
       </c:scatterChart>
       <c:valAx>
-        <c:axId val="302432784"/>
+        <c:axId val="129081592"/>
         <c:scaling>
           <c:orientation val="minMax"/>
         </c:scaling>
@@ -651,7 +651,6 @@
               </a:p>
             </c:rich>
           </c:tx>
-          <c:layout/>
           <c:overlay val="0"/>
           <c:spPr>
             <a:noFill/>
@@ -698,12 +697,12 @@
             <a:endParaRPr lang="ru-RU"/>
           </a:p>
         </c:txPr>
-        <c:crossAx val="302433176"/>
+        <c:crossAx val="129081200"/>
         <c:crosses val="autoZero"/>
         <c:crossBetween val="midCat"/>
       </c:valAx>
       <c:valAx>
-        <c:axId val="302433176"/>
+        <c:axId val="129081200"/>
         <c:scaling>
           <c:orientation val="minMax"/>
           <c:max val="4"/>
@@ -768,7 +767,6 @@
               </a:p>
             </c:rich>
           </c:tx>
-          <c:layout/>
           <c:overlay val="0"/>
           <c:spPr>
             <a:noFill/>
@@ -815,7 +813,7 @@
             <a:endParaRPr lang="ru-RU"/>
           </a:p>
         </c:txPr>
-        <c:crossAx val="302432784"/>
+        <c:crossAx val="129081592"/>
         <c:crosses val="autoZero"/>
         <c:crossBetween val="midCat"/>
       </c:valAx>
@@ -829,7 +827,6 @@
     </c:plotArea>
     <c:legend>
       <c:legendPos val="b"/>
-      <c:layout/>
       <c:overlay val="0"/>
       <c:spPr>
         <a:noFill/>
@@ -939,7 +936,6 @@
           </a:p>
         </c:rich>
       </c:tx>
-      <c:layout/>
       <c:overlay val="0"/>
       <c:spPr>
         <a:noFill/>
@@ -1308,11 +1304,11 @@
           <c:showPercent val="0"/>
           <c:showBubbleSize val="0"/>
         </c:dLbls>
-        <c:axId val="216935352"/>
-        <c:axId val="450383872"/>
+        <c:axId val="175174296"/>
+        <c:axId val="175174688"/>
       </c:scatterChart>
       <c:valAx>
-        <c:axId val="216935352"/>
+        <c:axId val="175174296"/>
         <c:scaling>
           <c:orientation val="minMax"/>
         </c:scaling>
@@ -1373,7 +1369,6 @@
               </a:p>
             </c:rich>
           </c:tx>
-          <c:layout/>
           <c:overlay val="0"/>
           <c:spPr>
             <a:noFill/>
@@ -1420,12 +1415,12 @@
             <a:endParaRPr lang="ru-RU"/>
           </a:p>
         </c:txPr>
-        <c:crossAx val="450383872"/>
+        <c:crossAx val="175174688"/>
         <c:crosses val="autoZero"/>
         <c:crossBetween val="midCat"/>
       </c:valAx>
       <c:valAx>
-        <c:axId val="450383872"/>
+        <c:axId val="175174688"/>
         <c:scaling>
           <c:orientation val="minMax"/>
         </c:scaling>
@@ -1494,7 +1489,6 @@
               </a:p>
             </c:rich>
           </c:tx>
-          <c:layout/>
           <c:overlay val="0"/>
           <c:spPr>
             <a:noFill/>
@@ -1541,7 +1535,7 @@
             <a:endParaRPr lang="ru-RU"/>
           </a:p>
         </c:txPr>
-        <c:crossAx val="216935352"/>
+        <c:crossAx val="175174296"/>
         <c:crosses val="autoZero"/>
         <c:crossBetween val="midCat"/>
       </c:valAx>
@@ -1555,7 +1549,6 @@
     </c:plotArea>
     <c:legend>
       <c:legendPos val="b"/>
-      <c:layout/>
       <c:overlay val="0"/>
       <c:spPr>
         <a:noFill/>
@@ -1870,11 +1863,11 @@
           <c:showPercent val="0"/>
           <c:showBubbleSize val="0"/>
         </c:dLbls>
-        <c:axId val="410347424"/>
-        <c:axId val="410347816"/>
+        <c:axId val="175175472"/>
+        <c:axId val="175175864"/>
       </c:scatterChart>
       <c:valAx>
-        <c:axId val="410347424"/>
+        <c:axId val="175175472"/>
         <c:scaling>
           <c:orientation val="minMax"/>
         </c:scaling>
@@ -1935,7 +1928,6 @@
               </a:p>
             </c:rich>
           </c:tx>
-          <c:layout/>
           <c:overlay val="0"/>
           <c:spPr>
             <a:noFill/>
@@ -1982,12 +1974,12 @@
             <a:endParaRPr lang="ru-RU"/>
           </a:p>
         </c:txPr>
-        <c:crossAx val="410347816"/>
+        <c:crossAx val="175175864"/>
         <c:crosses val="autoZero"/>
         <c:crossBetween val="midCat"/>
       </c:valAx>
       <c:valAx>
-        <c:axId val="410347816"/>
+        <c:axId val="175175864"/>
         <c:scaling>
           <c:orientation val="minMax"/>
         </c:scaling>
@@ -2056,7 +2048,6 @@
               </a:p>
             </c:rich>
           </c:tx>
-          <c:layout/>
           <c:overlay val="0"/>
           <c:spPr>
             <a:noFill/>
@@ -2103,7 +2094,7 @@
             <a:endParaRPr lang="ru-RU"/>
           </a:p>
         </c:txPr>
-        <c:crossAx val="410347424"/>
+        <c:crossAx val="175175472"/>
         <c:crosses val="autoZero"/>
         <c:crossBetween val="midCat"/>
       </c:valAx>
@@ -2117,7 +2108,6 @@
     </c:plotArea>
     <c:legend>
       <c:legendPos val="b"/>
-      <c:layout/>
       <c:overlay val="0"/>
       <c:spPr>
         <a:noFill/>
@@ -2256,7 +2246,7 @@
           <a:p>
             <a:fld id="{ACB6BEAC-2F39-4C46-AD57-FBC90A5A3359}" type="datetimeFigureOut">
               <a:rPr lang="ru-RU" smtClean="0"/>
-              <a:t>15.05.2018</a:t>
+              <a:t>19.05.2018</a:t>
             </a:fld>
             <a:endParaRPr lang="ru-RU"/>
           </a:p>
@@ -3863,7 +3853,7 @@
           <a:p>
             <a:fld id="{BB160368-00B8-4017-863A-6ABC361B8C22}" type="datetime1">
               <a:rPr lang="ru-RU" smtClean="0"/>
-              <a:t>15.05.2018</a:t>
+              <a:t>19.05.2018</a:t>
             </a:fld>
             <a:endParaRPr lang="ru-RU"/>
           </a:p>
@@ -3980,7 +3970,7 @@
           <a:p>
             <a:fld id="{8646E41A-D213-4A1F-A319-B8CDF0038E0C}" type="datetime1">
               <a:rPr lang="ru-RU" smtClean="0"/>
-              <a:t>15.05.2018</a:t>
+              <a:t>19.05.2018</a:t>
             </a:fld>
             <a:endParaRPr lang="ru-RU"/>
           </a:p>
@@ -4224,7 +4214,7 @@
           <a:p>
             <a:fld id="{0EF4FBCC-1D47-4103-A4CF-04153C48D428}" type="datetime1">
               <a:rPr lang="ru-RU" smtClean="0"/>
-              <a:t>15.05.2018</a:t>
+              <a:t>19.05.2018</a:t>
             </a:fld>
             <a:endParaRPr lang="ru-RU"/>
           </a:p>
@@ -4468,7 +4458,7 @@
           <a:p>
             <a:fld id="{778188C1-89F8-4F33-9222-94C9FFAFC368}" type="datetime1">
               <a:rPr lang="ru-RU" smtClean="0"/>
-              <a:t>15.05.2018</a:t>
+              <a:t>19.05.2018</a:t>
             </a:fld>
             <a:endParaRPr lang="ru-RU"/>
           </a:p>
@@ -4705,7 +4695,7 @@
           <a:p>
             <a:fld id="{C0EFEFCC-B0E1-4F30-AEE7-11053420714B}" type="datetime1">
               <a:rPr lang="ru-RU" smtClean="0"/>
-              <a:t>15.05.2018</a:t>
+              <a:t>19.05.2018</a:t>
             </a:fld>
             <a:endParaRPr lang="ru-RU"/>
           </a:p>
@@ -4900,7 +4890,7 @@
           <a:p>
             <a:fld id="{D2A654E7-EB1F-4D6A-9946-28F93AB8D68F}" type="datetime1">
               <a:rPr lang="ru-RU" smtClean="0"/>
-              <a:t>15.05.2018</a:t>
+              <a:t>19.05.2018</a:t>
             </a:fld>
             <a:endParaRPr lang="ru-RU"/>
           </a:p>
@@ -6296,7 +6286,21 @@
                 </a:effectLst>
                 <a:latin typeface="Arial" charset="0"/>
               </a:rPr>
-              <a:t>Модель описывающая отклонение инъекционной иглы при движении в тканях человека</a:t>
+              <a:t>Модель, </a:t>
+            </a:r>
+            <a:r>
+              <a:rPr lang="ru-RU" sz="2800" b="1" i="1" dirty="0" smtClean="0">
+                <a:solidFill>
+                  <a:srgbClr val="A50021"/>
+                </a:solidFill>
+                <a:effectLst>
+                  <a:outerShdw blurRad="38100" dist="38100" dir="2700000" algn="tl">
+                    <a:srgbClr val="000000"/>
+                  </a:outerShdw>
+                </a:effectLst>
+                <a:latin typeface="Arial" charset="0"/>
+              </a:rPr>
+              <a:t>описывающая отклонение инъекционной иглы при движении в тканях человека</a:t>
             </a:r>
             <a:endParaRPr lang="ru-RU" sz="2800" b="1" i="1" dirty="0">
               <a:solidFill>
@@ -6723,11 +6727,6 @@
               </a:rPr>
               <a:t>при разном угле острия</a:t>
             </a:r>
-            <a:endParaRPr lang="ru-RU" sz="2000" b="1" dirty="0">
-              <a:solidFill>
-                <a:srgbClr val="003399"/>
-              </a:solidFill>
-            </a:endParaRPr>
           </a:p>
         </p:txBody>
       </p:sp>
@@ -6761,11 +6760,6 @@
               </a:rPr>
               <a:t>10</a:t>
             </a:r>
-            <a:endParaRPr lang="ru-RU" sz="2000" b="1" dirty="0" smtClean="0">
-              <a:solidFill>
-                <a:srgbClr val="003399"/>
-              </a:solidFill>
-            </a:endParaRPr>
           </a:p>
         </p:txBody>
       </p:sp>
@@ -6925,11 +6919,6 @@
               </a:rPr>
               <a:t>Эксперимент</a:t>
             </a:r>
-            <a:endParaRPr lang="ru-RU" sz="2000" b="1" dirty="0">
-              <a:solidFill>
-                <a:srgbClr val="003399"/>
-              </a:solidFill>
-            </a:endParaRPr>
           </a:p>
         </p:txBody>
       </p:sp>
@@ -6963,11 +6952,6 @@
               </a:rPr>
               <a:t>11</a:t>
             </a:r>
-            <a:endParaRPr lang="ru-RU" sz="2000" b="1" dirty="0" smtClean="0">
-              <a:solidFill>
-                <a:srgbClr val="003399"/>
-              </a:solidFill>
-            </a:endParaRPr>
           </a:p>
         </p:txBody>
       </p:sp>
@@ -7228,11 +7212,6 @@
               </a:rPr>
               <a:t>с экспериментом</a:t>
             </a:r>
-            <a:endParaRPr lang="ru-RU" sz="2000" b="1" dirty="0">
-              <a:solidFill>
-                <a:srgbClr val="003399"/>
-              </a:solidFill>
-            </a:endParaRPr>
           </a:p>
         </p:txBody>
       </p:sp>
@@ -7266,11 +7245,6 @@
               </a:rPr>
               <a:t>12 </a:t>
             </a:r>
-            <a:endParaRPr lang="ru-RU" sz="2000" b="1" dirty="0" smtClean="0">
-              <a:solidFill>
-                <a:srgbClr val="003399"/>
-              </a:solidFill>
-            </a:endParaRPr>
           </a:p>
         </p:txBody>
       </p:sp>
@@ -7464,11 +7438,6 @@
               </a:rPr>
               <a:t>Выводы</a:t>
             </a:r>
-            <a:endParaRPr lang="ru-RU" sz="2000" b="1" dirty="0">
-              <a:solidFill>
-                <a:srgbClr val="003399"/>
-              </a:solidFill>
-            </a:endParaRPr>
           </a:p>
         </p:txBody>
       </p:sp>
@@ -7502,11 +7471,6 @@
               </a:rPr>
               <a:t>12 </a:t>
             </a:r>
-            <a:endParaRPr lang="ru-RU" sz="2000" b="1" dirty="0" smtClean="0">
-              <a:solidFill>
-                <a:srgbClr val="003399"/>
-              </a:solidFill>
-            </a:endParaRPr>
           </a:p>
         </p:txBody>
       </p:sp>
@@ -11502,12 +11466,12 @@
           <a:graphicData uri="http://schemas.openxmlformats.org/presentationml/2006/ole">
             <mc:AlternateContent xmlns:mc="http://schemas.openxmlformats.org/markup-compatibility/2006">
               <mc:Choice xmlns:v="urn:schemas-microsoft-com:vml" Requires="v">
-                <p:oleObj spid="_x0000_s1034" name="Visio" r:id="rId5" imgW="1514399" imgH="2266950" progId="Visio.Drawing.15">
+                <p:oleObj spid="_x0000_s1035" name="Visio" r:id="rId6" imgW="1514399" imgH="2266950" progId="Visio.Drawing.15">
                   <p:embed/>
                 </p:oleObj>
               </mc:Choice>
               <mc:Fallback>
-                <p:oleObj name="Visio" r:id="rId5" imgW="1514399" imgH="2266950" progId="Visio.Drawing.15">
+                <p:oleObj name="Visio" r:id="rId6" imgW="1514399" imgH="2266950" progId="Visio.Drawing.15">
                   <p:embed/>
                   <p:pic>
                     <p:nvPicPr>
@@ -11518,7 +11482,7 @@
                       <p:nvPr/>
                     </p:nvPicPr>
                     <p:blipFill>
-                      <a:blip r:embed="rId6">
+                      <a:blip r:embed="rId7">
                         <a:extLst>
                           <a:ext uri="{28A0092B-C50C-407E-A947-70E740481C1C}">
                             <a14:useLocalDpi xmlns:a14="http://schemas.microsoft.com/office/drawing/2010/main" val="0"/>
@@ -11766,12 +11730,12 @@
           <a:graphicData uri="http://schemas.openxmlformats.org/presentationml/2006/ole">
             <mc:AlternateContent xmlns:mc="http://schemas.openxmlformats.org/markup-compatibility/2006">
               <mc:Choice xmlns:v="urn:schemas-microsoft-com:vml" Requires="v">
-                <p:oleObj spid="_x0000_s2064" name="Visio" r:id="rId4" imgW="1514399" imgH="2219498" progId="Visio.Drawing.15">
+                <p:oleObj spid="_x0000_s2066" name="Visio" r:id="rId5" imgW="1514399" imgH="2219498" progId="Visio.Drawing.15">
                   <p:embed/>
                 </p:oleObj>
               </mc:Choice>
               <mc:Fallback>
-                <p:oleObj name="Visio" r:id="rId4" imgW="1514399" imgH="2219498" progId="Visio.Drawing.15">
+                <p:oleObj name="Visio" r:id="rId5" imgW="1514399" imgH="2219498" progId="Visio.Drawing.15">
                   <p:embed/>
                   <p:pic>
                     <p:nvPicPr>
@@ -11782,7 +11746,7 @@
                       <p:nvPr/>
                     </p:nvPicPr>
                     <p:blipFill>
-                      <a:blip r:embed="rId5">
+                      <a:blip r:embed="rId6">
                         <a:extLst>
                           <a:ext uri="{28A0092B-C50C-407E-A947-70E740481C1C}">
                             <a14:useLocalDpi xmlns:a14="http://schemas.microsoft.com/office/drawing/2010/main" val="0"/>
@@ -11871,14 +11835,14 @@
                 <a:gridCol w="2502413">
                   <a:extLst>
                     <a:ext uri="{9D8B030D-6E8A-4147-A177-3AD203B41FA5}">
-                      <a16:colId xmlns="" xmlns:a16="http://schemas.microsoft.com/office/drawing/2014/main" val="20000"/>
+                      <a16:colId xmlns:a16="http://schemas.microsoft.com/office/drawing/2014/main" xmlns="" val="20000"/>
                     </a:ext>
                   </a:extLst>
                 </a:gridCol>
                 <a:gridCol w="2498200">
                   <a:extLst>
                     <a:ext uri="{9D8B030D-6E8A-4147-A177-3AD203B41FA5}">
-                      <a16:colId xmlns="" xmlns:a16="http://schemas.microsoft.com/office/drawing/2014/main" val="20001"/>
+                      <a16:colId xmlns:a16="http://schemas.microsoft.com/office/drawing/2014/main" xmlns="" val="20001"/>
                     </a:ext>
                   </a:extLst>
                 </a:gridCol>
@@ -12008,7 +11972,7 @@
                 </a:tc>
                 <a:extLst>
                   <a:ext uri="{0D108BD9-81ED-4DB2-BD59-A6C34878D82A}">
-                    <a16:rowId xmlns="" xmlns:a16="http://schemas.microsoft.com/office/drawing/2014/main" val="10000"/>
+                    <a16:rowId xmlns:a16="http://schemas.microsoft.com/office/drawing/2014/main" xmlns="" val="10000"/>
                   </a:ext>
                 </a:extLst>
               </a:tr>
@@ -12115,7 +12079,7 @@
                 </a:tc>
                 <a:extLst>
                   <a:ext uri="{0D108BD9-81ED-4DB2-BD59-A6C34878D82A}">
-                    <a16:rowId xmlns="" xmlns:a16="http://schemas.microsoft.com/office/drawing/2014/main" val="10001"/>
+                    <a16:rowId xmlns:a16="http://schemas.microsoft.com/office/drawing/2014/main" xmlns="" val="10001"/>
                   </a:ext>
                 </a:extLst>
               </a:tr>
@@ -12123,8 +12087,8 @@
           </a:graphicData>
         </a:graphic>
       </p:graphicFrame>
-      <mc:AlternateContent xmlns:mc="http://schemas.openxmlformats.org/markup-compatibility/2006">
-        <mc:Choice xmlns:a14="http://schemas.microsoft.com/office/drawing/2010/main" Requires="a14">
+      <mc:AlternateContent xmlns:mc="http://schemas.openxmlformats.org/markup-compatibility/2006" xmlns:a14="http://schemas.microsoft.com/office/drawing/2010/main">
+        <mc:Choice Requires="a14">
           <p:sp>
             <p:nvSpPr>
               <p:cNvPr id="8" name="Прямоугольник 7"/>
@@ -12303,7 +12267,7 @@
             </p:txBody>
           </p:sp>
         </mc:Choice>
-        <mc:Fallback>
+        <mc:Fallback xmlns="">
           <p:sp>
             <p:nvSpPr>
               <p:cNvPr id="8" name="Прямоугольник 7"/>
@@ -12321,7 +12285,7 @@
                 <a:avLst/>
               </a:prstGeom>
               <a:blipFill rotWithShape="0">
-                <a:blip r:embed="rId6"/>
+                <a:blip r:embed="rId7"/>
                 <a:stretch>
                   <a:fillRect b="-1235"/>
                 </a:stretch>
@@ -12342,8 +12306,8 @@
           </p:sp>
         </mc:Fallback>
       </mc:AlternateContent>
-      <mc:AlternateContent xmlns:mc="http://schemas.openxmlformats.org/markup-compatibility/2006">
-        <mc:Choice xmlns:a14="http://schemas.microsoft.com/office/drawing/2010/main" Requires="a14">
+      <mc:AlternateContent xmlns:mc="http://schemas.openxmlformats.org/markup-compatibility/2006" xmlns:a14="http://schemas.microsoft.com/office/drawing/2010/main">
+        <mc:Choice Requires="a14">
           <p:sp>
             <p:nvSpPr>
               <p:cNvPr id="9" name="Прямоугольник 8"/>
@@ -12497,7 +12461,7 @@
             </p:txBody>
           </p:sp>
         </mc:Choice>
-        <mc:Fallback>
+        <mc:Fallback xmlns="">
           <p:sp>
             <p:nvSpPr>
               <p:cNvPr id="9" name="Прямоугольник 8"/>
@@ -12515,7 +12479,7 @@
                 <a:avLst/>
               </a:prstGeom>
               <a:blipFill rotWithShape="0">
-                <a:blip r:embed="rId7"/>
+                <a:blip r:embed="rId8"/>
                 <a:stretch>
                   <a:fillRect/>
                 </a:stretch>
@@ -12536,8 +12500,8 @@
           </p:sp>
         </mc:Fallback>
       </mc:AlternateContent>
-      <mc:AlternateContent xmlns:mc="http://schemas.openxmlformats.org/markup-compatibility/2006">
-        <mc:Choice xmlns:a14="http://schemas.microsoft.com/office/drawing/2010/main" Requires="a14">
+      <mc:AlternateContent xmlns:mc="http://schemas.openxmlformats.org/markup-compatibility/2006" xmlns:a14="http://schemas.microsoft.com/office/drawing/2010/main">
+        <mc:Choice Requires="a14">
           <p:sp>
             <p:nvSpPr>
               <p:cNvPr id="10" name="Прямоугольник 9"/>
@@ -12696,7 +12660,7 @@
             </p:txBody>
           </p:sp>
         </mc:Choice>
-        <mc:Fallback>
+        <mc:Fallback xmlns="">
           <p:sp>
             <p:nvSpPr>
               <p:cNvPr id="10" name="Прямоугольник 9"/>
@@ -12714,7 +12678,7 @@
                 <a:avLst/>
               </a:prstGeom>
               <a:blipFill rotWithShape="0">
-                <a:blip r:embed="rId8"/>
+                <a:blip r:embed="rId9"/>
                 <a:stretch>
                   <a:fillRect b="-1163"/>
                 </a:stretch>
@@ -12735,8 +12699,8 @@
           </p:sp>
         </mc:Fallback>
       </mc:AlternateContent>
-      <mc:AlternateContent xmlns:mc="http://schemas.openxmlformats.org/markup-compatibility/2006">
-        <mc:Choice xmlns:a14="http://schemas.microsoft.com/office/drawing/2010/main" Requires="a14">
+      <mc:AlternateContent xmlns:mc="http://schemas.openxmlformats.org/markup-compatibility/2006" xmlns:a14="http://schemas.microsoft.com/office/drawing/2010/main">
+        <mc:Choice Requires="a14">
           <p:sp>
             <p:nvSpPr>
               <p:cNvPr id="11" name="Прямоугольник 10"/>
@@ -12868,7 +12832,7 @@
             </p:txBody>
           </p:sp>
         </mc:Choice>
-        <mc:Fallback>
+        <mc:Fallback xmlns="">
           <p:sp>
             <p:nvSpPr>
               <p:cNvPr id="11" name="Прямоугольник 10"/>
@@ -12886,7 +12850,7 @@
                 <a:avLst/>
               </a:prstGeom>
               <a:blipFill rotWithShape="0">
-                <a:blip r:embed="rId9"/>
+                <a:blip r:embed="rId10"/>
                 <a:stretch>
                   <a:fillRect b="-3774"/>
                 </a:stretch>
@@ -12970,8 +12934,8 @@
           </a:p>
         </p:txBody>
       </p:sp>
-      <mc:AlternateContent xmlns:mc="http://schemas.openxmlformats.org/markup-compatibility/2006">
-        <mc:Choice xmlns:a14="http://schemas.microsoft.com/office/drawing/2010/main" Requires="a14">
+      <mc:AlternateContent xmlns:mc="http://schemas.openxmlformats.org/markup-compatibility/2006" xmlns:a14="http://schemas.microsoft.com/office/drawing/2010/main">
+        <mc:Choice Requires="a14">
           <p:graphicFrame>
             <p:nvGraphicFramePr>
               <p:cNvPr id="13" name="Таблица 12"/>
@@ -13000,7 +12964,7 @@
                     <a:gridCol w="4995735">
                       <a:extLst>
                         <a:ext uri="{9D8B030D-6E8A-4147-A177-3AD203B41FA5}">
-                          <a16:colId xmlns="" xmlns:a16="http://schemas.microsoft.com/office/drawing/2014/main" val="20000"/>
+                          <a16:colId xmlns:a16="http://schemas.microsoft.com/office/drawing/2014/main" xmlns="" val="20000"/>
                         </a:ext>
                       </a:extLst>
                     </a:gridCol>
@@ -13073,7 +13037,7 @@
                     </a:tc>
                     <a:extLst>
                       <a:ext uri="{0D108BD9-81ED-4DB2-BD59-A6C34878D82A}">
-                        <a16:rowId xmlns="" xmlns:a16="http://schemas.microsoft.com/office/drawing/2014/main" val="10000"/>
+                        <a16:rowId xmlns:a16="http://schemas.microsoft.com/office/drawing/2014/main" xmlns="" val="10000"/>
                       </a:ext>
                     </a:extLst>
                   </a:tr>
@@ -13459,7 +13423,7 @@
                     </a:tc>
                     <a:extLst>
                       <a:ext uri="{0D108BD9-81ED-4DB2-BD59-A6C34878D82A}">
-                        <a16:rowId xmlns="" xmlns:a16="http://schemas.microsoft.com/office/drawing/2014/main" val="10001"/>
+                        <a16:rowId xmlns:a16="http://schemas.microsoft.com/office/drawing/2014/main" xmlns="" val="10001"/>
                       </a:ext>
                     </a:extLst>
                   </a:tr>
@@ -13468,7 +13432,7 @@
             </a:graphic>
           </p:graphicFrame>
         </mc:Choice>
-        <mc:Fallback>
+        <mc:Fallback xmlns="">
           <p:graphicFrame>
             <p:nvGraphicFramePr>
               <p:cNvPr id="13" name="Таблица 12"/>
@@ -13621,7 +13585,7 @@
                           <a:tailEnd type="none" w="med" len="med"/>
                         </a:lnB>
                         <a:blipFill rotWithShape="0">
-                          <a:blip r:embed="rId10"/>
+                          <a:blip r:embed="rId11"/>
                           <a:stretch>
                             <a:fillRect l="-122" t="-16667" r="-366" b="-725"/>
                           </a:stretch>
@@ -13662,12 +13626,12 @@
           <a:graphicData uri="http://schemas.openxmlformats.org/presentationml/2006/ole">
             <mc:AlternateContent xmlns:mc="http://schemas.openxmlformats.org/markup-compatibility/2006">
               <mc:Choice xmlns:v="urn:schemas-microsoft-com:vml" Requires="v">
-                <p:oleObj spid="_x0000_s2065" r:id="rId11" imgW="666627" imgH="914400" progId="">
+                <p:oleObj spid="_x0000_s2067" r:id="rId13" imgW="666627" imgH="914400" progId="">
                   <p:embed/>
                 </p:oleObj>
               </mc:Choice>
               <mc:Fallback>
-                <p:oleObj r:id="rId11" imgW="666627" imgH="914400" progId="">
+                <p:oleObj r:id="rId13" imgW="666627" imgH="914400" progId="">
                   <p:embed/>
                   <p:pic>
                     <p:nvPicPr>
@@ -13678,7 +13642,7 @@
                       <p:nvPr/>
                     </p:nvPicPr>
                     <p:blipFill>
-                      <a:blip r:embed="rId12">
+                      <a:blip r:embed="rId14">
                         <a:extLst>
                           <a:ext uri="{28A0092B-C50C-407E-A947-70E740481C1C}">
                             <a14:useLocalDpi xmlns:a14="http://schemas.microsoft.com/office/drawing/2010/main" val="0"/>
@@ -13744,14 +13708,14 @@
                 <a:gridCol w="1738499">
                   <a:extLst>
                     <a:ext uri="{9D8B030D-6E8A-4147-A177-3AD203B41FA5}">
-                      <a16:colId xmlns="" xmlns:a16="http://schemas.microsoft.com/office/drawing/2014/main" val="20000"/>
+                      <a16:colId xmlns:a16="http://schemas.microsoft.com/office/drawing/2014/main" xmlns="" val="20000"/>
                     </a:ext>
                   </a:extLst>
                 </a:gridCol>
                 <a:gridCol w="1337307">
                   <a:extLst>
                     <a:ext uri="{9D8B030D-6E8A-4147-A177-3AD203B41FA5}">
-                      <a16:colId xmlns="" xmlns:a16="http://schemas.microsoft.com/office/drawing/2014/main" val="20001"/>
+                      <a16:colId xmlns:a16="http://schemas.microsoft.com/office/drawing/2014/main" xmlns="" val="20001"/>
                     </a:ext>
                   </a:extLst>
                 </a:gridCol>
@@ -13905,7 +13869,7 @@
                 </a:tc>
                 <a:extLst>
                   <a:ext uri="{0D108BD9-81ED-4DB2-BD59-A6C34878D82A}">
-                    <a16:rowId xmlns="" xmlns:a16="http://schemas.microsoft.com/office/drawing/2014/main" val="10000"/>
+                    <a16:rowId xmlns:a16="http://schemas.microsoft.com/office/drawing/2014/main" xmlns="" val="10000"/>
                   </a:ext>
                 </a:extLst>
               </a:tr>
@@ -14056,7 +14020,7 @@
                 </a:tc>
                 <a:extLst>
                   <a:ext uri="{0D108BD9-81ED-4DB2-BD59-A6C34878D82A}">
-                    <a16:rowId xmlns="" xmlns:a16="http://schemas.microsoft.com/office/drawing/2014/main" val="10001"/>
+                    <a16:rowId xmlns:a16="http://schemas.microsoft.com/office/drawing/2014/main" xmlns="" val="10001"/>
                   </a:ext>
                 </a:extLst>
               </a:tr>
@@ -14236,7 +14200,7 @@
                 </a:tc>
                 <a:extLst>
                   <a:ext uri="{0D108BD9-81ED-4DB2-BD59-A6C34878D82A}">
-                    <a16:rowId xmlns="" xmlns:a16="http://schemas.microsoft.com/office/drawing/2014/main" val="10002"/>
+                    <a16:rowId xmlns:a16="http://schemas.microsoft.com/office/drawing/2014/main" xmlns="" val="10002"/>
                   </a:ext>
                 </a:extLst>
               </a:tr>
@@ -14416,7 +14380,7 @@
                 </a:tc>
                 <a:extLst>
                   <a:ext uri="{0D108BD9-81ED-4DB2-BD59-A6C34878D82A}">
-                    <a16:rowId xmlns="" xmlns:a16="http://schemas.microsoft.com/office/drawing/2014/main" val="10003"/>
+                    <a16:rowId xmlns:a16="http://schemas.microsoft.com/office/drawing/2014/main" xmlns="" val="10003"/>
                   </a:ext>
                 </a:extLst>
               </a:tr>
@@ -14596,7 +14560,7 @@
                 </a:tc>
                 <a:extLst>
                   <a:ext uri="{0D108BD9-81ED-4DB2-BD59-A6C34878D82A}">
-                    <a16:rowId xmlns="" xmlns:a16="http://schemas.microsoft.com/office/drawing/2014/main" val="10004"/>
+                    <a16:rowId xmlns:a16="http://schemas.microsoft.com/office/drawing/2014/main" xmlns="" val="10004"/>
                   </a:ext>
                 </a:extLst>
               </a:tr>
@@ -14667,8 +14631,8 @@
           </a:p>
         </p:txBody>
       </p:sp>
-      <mc:AlternateContent xmlns:mc="http://schemas.openxmlformats.org/markup-compatibility/2006">
-        <mc:Choice xmlns:a14="http://schemas.microsoft.com/office/drawing/2010/main" Requires="a14">
+      <mc:AlternateContent xmlns:mc="http://schemas.openxmlformats.org/markup-compatibility/2006" xmlns:a14="http://schemas.microsoft.com/office/drawing/2010/main">
+        <mc:Choice Requires="a14">
           <p:sp>
             <p:nvSpPr>
               <p:cNvPr id="18" name="Прямоугольник 17"/>
@@ -14851,7 +14815,7 @@
             </p:txBody>
           </p:sp>
         </mc:Choice>
-        <mc:Fallback>
+        <mc:Fallback xmlns="">
           <p:sp>
             <p:nvSpPr>
               <p:cNvPr id="18" name="Прямоугольник 17"/>
@@ -14869,7 +14833,7 @@
                 <a:avLst/>
               </a:prstGeom>
               <a:blipFill rotWithShape="0">
-                <a:blip r:embed="rId13"/>
+                <a:blip r:embed="rId15"/>
                 <a:stretch>
                   <a:fillRect/>
                 </a:stretch>
@@ -14984,11 +14948,6 @@
               </a:rPr>
               <a:t>при разной плотности материла</a:t>
             </a:r>
-            <a:endParaRPr lang="ru-RU" sz="2000" b="1" dirty="0">
-              <a:solidFill>
-                <a:srgbClr val="003399"/>
-              </a:solidFill>
-            </a:endParaRPr>
           </a:p>
         </p:txBody>
       </p:sp>
@@ -15022,11 +14981,6 @@
               </a:rPr>
               <a:t>9</a:t>
             </a:r>
-            <a:endParaRPr lang="ru-RU" sz="2000" b="1" dirty="0" smtClean="0">
-              <a:solidFill>
-                <a:srgbClr val="003399"/>
-              </a:solidFill>
-            </a:endParaRPr>
           </a:p>
         </p:txBody>
       </p:sp>

--- a/Dissertacia/MyWork/DocWork/Дружинин_НТС_Май_ЦНИИ_РТК.pptx
+++ b/Dissertacia/MyWork/DocWork/Дружинин_НТС_Май_ЦНИИ_РТК.pptx
@@ -5,7 +5,7 @@
     <p:sldMasterId id="2147483648" r:id="rId1"/>
   </p:sldMasterIdLst>
   <p:notesMasterIdLst>
-    <p:notesMasterId r:id="rId16"/>
+    <p:notesMasterId r:id="rId15"/>
   </p:notesMasterIdLst>
   <p:sldIdLst>
     <p:sldId id="256" r:id="rId2"/>
@@ -18,10 +18,9 @@
     <p:sldId id="305" r:id="rId9"/>
     <p:sldId id="306" r:id="rId10"/>
     <p:sldId id="307" r:id="rId11"/>
-    <p:sldId id="309" r:id="rId12"/>
-    <p:sldId id="308" r:id="rId13"/>
-    <p:sldId id="310" r:id="rId14"/>
-    <p:sldId id="292" r:id="rId15"/>
+    <p:sldId id="308" r:id="rId12"/>
+    <p:sldId id="310" r:id="rId13"/>
+    <p:sldId id="292" r:id="rId14"/>
   </p:sldIdLst>
   <p:sldSz cx="9144000" cy="5143500" type="screen16x9"/>
   <p:notesSz cx="6735763" cy="9866313"/>
@@ -587,11 +586,11 @@
           <c:showPercent val="0"/>
           <c:showBubbleSize val="0"/>
         </c:dLbls>
-        <c:axId val="129081592"/>
-        <c:axId val="129081200"/>
+        <c:axId val="239689056"/>
+        <c:axId val="240074088"/>
       </c:scatterChart>
       <c:valAx>
-        <c:axId val="129081592"/>
+        <c:axId val="239689056"/>
         <c:scaling>
           <c:orientation val="minMax"/>
         </c:scaling>
@@ -697,12 +696,12 @@
             <a:endParaRPr lang="ru-RU"/>
           </a:p>
         </c:txPr>
-        <c:crossAx val="129081200"/>
+        <c:crossAx val="240074088"/>
         <c:crosses val="autoZero"/>
         <c:crossBetween val="midCat"/>
       </c:valAx>
       <c:valAx>
-        <c:axId val="129081200"/>
+        <c:axId val="240074088"/>
         <c:scaling>
           <c:orientation val="minMax"/>
           <c:max val="4"/>
@@ -813,7 +812,7 @@
             <a:endParaRPr lang="ru-RU"/>
           </a:p>
         </c:txPr>
-        <c:crossAx val="129081592"/>
+        <c:crossAx val="239689056"/>
         <c:crosses val="autoZero"/>
         <c:crossBetween val="midCat"/>
       </c:valAx>
@@ -1304,11 +1303,11 @@
           <c:showPercent val="0"/>
           <c:showBubbleSize val="0"/>
         </c:dLbls>
-        <c:axId val="175174296"/>
-        <c:axId val="175174688"/>
+        <c:axId val="239843312"/>
+        <c:axId val="239844720"/>
       </c:scatterChart>
       <c:valAx>
-        <c:axId val="175174296"/>
+        <c:axId val="239843312"/>
         <c:scaling>
           <c:orientation val="minMax"/>
         </c:scaling>
@@ -1415,12 +1414,12 @@
             <a:endParaRPr lang="ru-RU"/>
           </a:p>
         </c:txPr>
-        <c:crossAx val="175174688"/>
+        <c:crossAx val="239844720"/>
         <c:crosses val="autoZero"/>
         <c:crossBetween val="midCat"/>
       </c:valAx>
       <c:valAx>
-        <c:axId val="175174688"/>
+        <c:axId val="239844720"/>
         <c:scaling>
           <c:orientation val="minMax"/>
         </c:scaling>
@@ -1535,7 +1534,7 @@
             <a:endParaRPr lang="ru-RU"/>
           </a:p>
         </c:txPr>
-        <c:crossAx val="175174296"/>
+        <c:crossAx val="239843312"/>
         <c:crosses val="autoZero"/>
         <c:crossBetween val="midCat"/>
       </c:valAx>
@@ -1863,11 +1862,11 @@
           <c:showPercent val="0"/>
           <c:showBubbleSize val="0"/>
         </c:dLbls>
-        <c:axId val="175175472"/>
-        <c:axId val="175175864"/>
+        <c:axId val="239987152"/>
+        <c:axId val="239987536"/>
       </c:scatterChart>
       <c:valAx>
-        <c:axId val="175175472"/>
+        <c:axId val="239987152"/>
         <c:scaling>
           <c:orientation val="minMax"/>
         </c:scaling>
@@ -1974,12 +1973,12 @@
             <a:endParaRPr lang="ru-RU"/>
           </a:p>
         </c:txPr>
-        <c:crossAx val="175175864"/>
+        <c:crossAx val="239987536"/>
         <c:crosses val="autoZero"/>
         <c:crossBetween val="midCat"/>
       </c:valAx>
       <c:valAx>
-        <c:axId val="175175864"/>
+        <c:axId val="239987536"/>
         <c:scaling>
           <c:orientation val="minMax"/>
         </c:scaling>
@@ -2094,7 +2093,7 @@
             <a:endParaRPr lang="ru-RU"/>
           </a:p>
         </c:txPr>
-        <c:crossAx val="175175472"/>
+        <c:crossAx val="239987152"/>
         <c:crosses val="autoZero"/>
         <c:crossBetween val="midCat"/>
       </c:valAx>
@@ -2246,7 +2245,7 @@
           <a:p>
             <a:fld id="{ACB6BEAC-2F39-4C46-AD57-FBC90A5A3359}" type="datetimeFigureOut">
               <a:rPr lang="ru-RU" smtClean="0"/>
-              <a:t>19.05.2018</a:t>
+              <a:t>29.05.2018</a:t>
             </a:fld>
             <a:endParaRPr lang="ru-RU"/>
           </a:p>
@@ -2663,7 +2662,7 @@
           <a:p>
             <a:fld id="{6647DF27-0468-4656-931E-5B03ECC249DB}" type="slidenum">
               <a:rPr lang="ru-RU" smtClean="0"/>
-              <a:t>11</a:t>
+              <a:t>10</a:t>
             </a:fld>
             <a:endParaRPr lang="ru-RU"/>
           </a:p>
@@ -2672,7 +2671,7 @@
     </p:spTree>
     <p:extLst>
       <p:ext uri="{BB962C8B-B14F-4D97-AF65-F5344CB8AC3E}">
-        <p14:creationId xmlns:p14="http://schemas.microsoft.com/office/powerpoint/2010/main" val="360241041"/>
+        <p14:creationId xmlns:p14="http://schemas.microsoft.com/office/powerpoint/2010/main" val="4192140742"/>
       </p:ext>
     </p:extLst>
   </p:cSld>
@@ -2747,7 +2746,7 @@
           <a:p>
             <a:fld id="{6647DF27-0468-4656-931E-5B03ECC249DB}" type="slidenum">
               <a:rPr lang="ru-RU" smtClean="0"/>
-              <a:t>12</a:t>
+              <a:t>11</a:t>
             </a:fld>
             <a:endParaRPr lang="ru-RU"/>
           </a:p>
@@ -2831,7 +2830,7 @@
           <a:p>
             <a:fld id="{6647DF27-0468-4656-931E-5B03ECC249DB}" type="slidenum">
               <a:rPr lang="ru-RU" smtClean="0"/>
-              <a:t>13</a:t>
+              <a:t>12</a:t>
             </a:fld>
             <a:endParaRPr lang="ru-RU"/>
           </a:p>
@@ -2978,7 +2977,82 @@
           <a:bodyPr/>
           <a:lstStyle/>
           <a:p>
-            <a:endParaRPr lang="ru-RU"/>
+            <a:r>
+              <a:rPr lang="ru-RU" dirty="0" smtClean="0"/>
+              <a:t>Здесь </a:t>
+            </a:r>
+            <a:r>
+              <a:rPr lang="en-US" dirty="0" smtClean="0"/>
+              <a:t>T,N</a:t>
+            </a:r>
+            <a:r>
+              <a:rPr lang="ru-RU" dirty="0" smtClean="0"/>
+              <a:t>– тангенциальная и перерезывающая силы;</a:t>
+            </a:r>
+            <a:r>
+              <a:rPr lang="en-US" dirty="0" smtClean="0"/>
+              <a:t> M</a:t>
+            </a:r>
+            <a:r>
+              <a:rPr lang="ru-RU" dirty="0" smtClean="0"/>
+              <a:t> – изгибающий момент; </a:t>
+            </a:r>
+            <a:r>
+              <a:rPr lang="en-US" dirty="0" err="1" smtClean="0"/>
+              <a:t>Pt</a:t>
+            </a:r>
+            <a:r>
+              <a:rPr lang="en-US" dirty="0" smtClean="0"/>
+              <a:t> </a:t>
+            </a:r>
+            <a:r>
+              <a:rPr lang="ru-RU" dirty="0" smtClean="0"/>
+              <a:t>и </a:t>
+            </a:r>
+            <a:r>
+              <a:rPr lang="en-US" dirty="0" err="1" smtClean="0"/>
+              <a:t>Pn</a:t>
+            </a:r>
+            <a:r>
+              <a:rPr lang="ru-RU" dirty="0" smtClean="0"/>
+              <a:t>– тангенциальная и нормальная компоненты распределенной нагрузки; </a:t>
+            </a:r>
+            <a:r>
+              <a:rPr lang="en-US" dirty="0" smtClean="0"/>
+              <a:t>A </a:t>
+            </a:r>
+            <a:r>
+              <a:rPr lang="ru-RU" dirty="0" smtClean="0"/>
+              <a:t>– параметр Ламе; </a:t>
+            </a:r>
+            <a:r>
+              <a:rPr lang="en-US" dirty="0" smtClean="0"/>
+              <a:t>R(a)</a:t>
+            </a:r>
+            <a:r>
+              <a:rPr lang="ru-RU" dirty="0" smtClean="0"/>
+              <a:t> – радиус  кривизны стержня.</a:t>
+            </a:r>
+            <a:endParaRPr lang="en-US" dirty="0" smtClean="0"/>
+          </a:p>
+          <a:p>
+            <a:r>
+              <a:rPr lang="en-US" dirty="0" smtClean="0"/>
+              <a:t>B</a:t>
+            </a:r>
+            <a:r>
+              <a:rPr lang="ru-RU" dirty="0" smtClean="0"/>
+              <a:t> и </a:t>
+            </a:r>
+            <a:r>
+              <a:rPr lang="en-US" dirty="0" smtClean="0"/>
+              <a:t>G </a:t>
+            </a:r>
+            <a:r>
+              <a:rPr lang="ru-RU" dirty="0" smtClean="0"/>
+              <a:t>– жесткости на растяжение и изгиб</a:t>
+            </a:r>
+            <a:endParaRPr lang="ru-RU" dirty="0"/>
           </a:p>
         </p:txBody>
       </p:sp>
@@ -2999,7 +3073,7 @@
           <a:p>
             <a:fld id="{6647DF27-0468-4656-931E-5B03ECC249DB}" type="slidenum">
               <a:rPr lang="ru-RU" smtClean="0"/>
-              <a:t>4</a:t>
+              <a:t>3</a:t>
             </a:fld>
             <a:endParaRPr lang="ru-RU"/>
           </a:p>
@@ -3008,7 +3082,7 @@
     </p:spTree>
     <p:extLst>
       <p:ext uri="{BB962C8B-B14F-4D97-AF65-F5344CB8AC3E}">
-        <p14:creationId xmlns:p14="http://schemas.microsoft.com/office/powerpoint/2010/main" val="1117936417"/>
+        <p14:creationId xmlns:p14="http://schemas.microsoft.com/office/powerpoint/2010/main" val="1683657877"/>
       </p:ext>
     </p:extLst>
   </p:cSld>
@@ -3083,7 +3157,7 @@
           <a:p>
             <a:fld id="{6647DF27-0468-4656-931E-5B03ECC249DB}" type="slidenum">
               <a:rPr lang="ru-RU" smtClean="0"/>
-              <a:t>5</a:t>
+              <a:t>4</a:t>
             </a:fld>
             <a:endParaRPr lang="ru-RU"/>
           </a:p>
@@ -3092,7 +3166,7 @@
     </p:spTree>
     <p:extLst>
       <p:ext uri="{BB962C8B-B14F-4D97-AF65-F5344CB8AC3E}">
-        <p14:creationId xmlns:p14="http://schemas.microsoft.com/office/powerpoint/2010/main" val="3392073952"/>
+        <p14:creationId xmlns:p14="http://schemas.microsoft.com/office/powerpoint/2010/main" val="1117936417"/>
       </p:ext>
     </p:extLst>
   </p:cSld>
@@ -3167,7 +3241,7 @@
           <a:p>
             <a:fld id="{6647DF27-0468-4656-931E-5B03ECC249DB}" type="slidenum">
               <a:rPr lang="ru-RU" smtClean="0"/>
-              <a:t>6</a:t>
+              <a:t>5</a:t>
             </a:fld>
             <a:endParaRPr lang="ru-RU"/>
           </a:p>
@@ -3176,7 +3250,7 @@
     </p:spTree>
     <p:extLst>
       <p:ext uri="{BB962C8B-B14F-4D97-AF65-F5344CB8AC3E}">
-        <p14:creationId xmlns:p14="http://schemas.microsoft.com/office/powerpoint/2010/main" val="1681157677"/>
+        <p14:creationId xmlns:p14="http://schemas.microsoft.com/office/powerpoint/2010/main" val="3392073952"/>
       </p:ext>
     </p:extLst>
   </p:cSld>
@@ -3251,7 +3325,7 @@
           <a:p>
             <a:fld id="{6647DF27-0468-4656-931E-5B03ECC249DB}" type="slidenum">
               <a:rPr lang="ru-RU" smtClean="0"/>
-              <a:t>7</a:t>
+              <a:t>6</a:t>
             </a:fld>
             <a:endParaRPr lang="ru-RU"/>
           </a:p>
@@ -3260,7 +3334,7 @@
     </p:spTree>
     <p:extLst>
       <p:ext uri="{BB962C8B-B14F-4D97-AF65-F5344CB8AC3E}">
-        <p14:creationId xmlns:p14="http://schemas.microsoft.com/office/powerpoint/2010/main" val="3092531021"/>
+        <p14:creationId xmlns:p14="http://schemas.microsoft.com/office/powerpoint/2010/main" val="1681157677"/>
       </p:ext>
     </p:extLst>
   </p:cSld>
@@ -3335,7 +3409,7 @@
           <a:p>
             <a:fld id="{6647DF27-0468-4656-931E-5B03ECC249DB}" type="slidenum">
               <a:rPr lang="ru-RU" smtClean="0"/>
-              <a:t>8</a:t>
+              <a:t>7</a:t>
             </a:fld>
             <a:endParaRPr lang="ru-RU"/>
           </a:p>
@@ -3344,7 +3418,7 @@
     </p:spTree>
     <p:extLst>
       <p:ext uri="{BB962C8B-B14F-4D97-AF65-F5344CB8AC3E}">
-        <p14:creationId xmlns:p14="http://schemas.microsoft.com/office/powerpoint/2010/main" val="2110620262"/>
+        <p14:creationId xmlns:p14="http://schemas.microsoft.com/office/powerpoint/2010/main" val="3092531021"/>
       </p:ext>
     </p:extLst>
   </p:cSld>
@@ -3419,7 +3493,7 @@
           <a:p>
             <a:fld id="{6647DF27-0468-4656-931E-5B03ECC249DB}" type="slidenum">
               <a:rPr lang="ru-RU" smtClean="0"/>
-              <a:t>9</a:t>
+              <a:t>8</a:t>
             </a:fld>
             <a:endParaRPr lang="ru-RU"/>
           </a:p>
@@ -3428,7 +3502,7 @@
     </p:spTree>
     <p:extLst>
       <p:ext uri="{BB962C8B-B14F-4D97-AF65-F5344CB8AC3E}">
-        <p14:creationId xmlns:p14="http://schemas.microsoft.com/office/powerpoint/2010/main" val="3528809789"/>
+        <p14:creationId xmlns:p14="http://schemas.microsoft.com/office/powerpoint/2010/main" val="2110620262"/>
       </p:ext>
     </p:extLst>
   </p:cSld>
@@ -3503,7 +3577,7 @@
           <a:p>
             <a:fld id="{6647DF27-0468-4656-931E-5B03ECC249DB}" type="slidenum">
               <a:rPr lang="ru-RU" smtClean="0"/>
-              <a:t>10</a:t>
+              <a:t>9</a:t>
             </a:fld>
             <a:endParaRPr lang="ru-RU"/>
           </a:p>
@@ -3512,7 +3586,7 @@
     </p:spTree>
     <p:extLst>
       <p:ext uri="{BB962C8B-B14F-4D97-AF65-F5344CB8AC3E}">
-        <p14:creationId xmlns:p14="http://schemas.microsoft.com/office/powerpoint/2010/main" val="4192140742"/>
+        <p14:creationId xmlns:p14="http://schemas.microsoft.com/office/powerpoint/2010/main" val="3528809789"/>
       </p:ext>
     </p:extLst>
   </p:cSld>
@@ -3853,7 +3927,7 @@
           <a:p>
             <a:fld id="{BB160368-00B8-4017-863A-6ABC361B8C22}" type="datetime1">
               <a:rPr lang="ru-RU" smtClean="0"/>
-              <a:t>19.05.2018</a:t>
+              <a:t>29.05.2018</a:t>
             </a:fld>
             <a:endParaRPr lang="ru-RU"/>
           </a:p>
@@ -3970,7 +4044,7 @@
           <a:p>
             <a:fld id="{8646E41A-D213-4A1F-A319-B8CDF0038E0C}" type="datetime1">
               <a:rPr lang="ru-RU" smtClean="0"/>
-              <a:t>19.05.2018</a:t>
+              <a:t>29.05.2018</a:t>
             </a:fld>
             <a:endParaRPr lang="ru-RU"/>
           </a:p>
@@ -4214,7 +4288,7 @@
           <a:p>
             <a:fld id="{0EF4FBCC-1D47-4103-A4CF-04153C48D428}" type="datetime1">
               <a:rPr lang="ru-RU" smtClean="0"/>
-              <a:t>19.05.2018</a:t>
+              <a:t>29.05.2018</a:t>
             </a:fld>
             <a:endParaRPr lang="ru-RU"/>
           </a:p>
@@ -4458,7 +4532,7 @@
           <a:p>
             <a:fld id="{778188C1-89F8-4F33-9222-94C9FFAFC368}" type="datetime1">
               <a:rPr lang="ru-RU" smtClean="0"/>
-              <a:t>19.05.2018</a:t>
+              <a:t>29.05.2018</a:t>
             </a:fld>
             <a:endParaRPr lang="ru-RU"/>
           </a:p>
@@ -4695,7 +4769,7 @@
           <a:p>
             <a:fld id="{C0EFEFCC-B0E1-4F30-AEE7-11053420714B}" type="datetime1">
               <a:rPr lang="ru-RU" smtClean="0"/>
-              <a:t>19.05.2018</a:t>
+              <a:t>29.05.2018</a:t>
             </a:fld>
             <a:endParaRPr lang="ru-RU"/>
           </a:p>
@@ -4890,7 +4964,7 @@
           <a:p>
             <a:fld id="{D2A654E7-EB1F-4D6A-9946-28F93AB8D68F}" type="datetime1">
               <a:rPr lang="ru-RU" smtClean="0"/>
-              <a:t>19.05.2018</a:t>
+              <a:t>29.05.2018</a:t>
             </a:fld>
             <a:endParaRPr lang="ru-RU"/>
           </a:p>
@@ -6219,7 +6293,7 @@
         </p:nvSpPr>
         <p:spPr bwMode="auto">
           <a:xfrm>
-            <a:off x="214370" y="1223855"/>
+            <a:off x="161577" y="915566"/>
             <a:ext cx="6570663" cy="1988237"/>
           </a:xfrm>
           <a:prstGeom prst="rect">
@@ -6286,21 +6360,7 @@
                 </a:effectLst>
                 <a:latin typeface="Arial" charset="0"/>
               </a:rPr>
-              <a:t>Модель, </a:t>
-            </a:r>
-            <a:r>
-              <a:rPr lang="ru-RU" sz="2800" b="1" i="1" dirty="0" smtClean="0">
-                <a:solidFill>
-                  <a:srgbClr val="A50021"/>
-                </a:solidFill>
-                <a:effectLst>
-                  <a:outerShdw blurRad="38100" dist="38100" dir="2700000" algn="tl">
-                    <a:srgbClr val="000000"/>
-                  </a:outerShdw>
-                </a:effectLst>
-                <a:latin typeface="Arial" charset="0"/>
-              </a:rPr>
-              <a:t>описывающая отклонение инъекционной иглы при движении в тканях человека</a:t>
+              <a:t>Модель, описывающая отклонение инъекционной иглы при движении в тканях человека</a:t>
             </a:r>
             <a:endParaRPr lang="ru-RU" sz="2800" b="1" i="1" dirty="0">
               <a:solidFill>
@@ -6917,7 +6977,23 @@
                   <a:srgbClr val="003399"/>
                 </a:solidFill>
               </a:rPr>
-              <a:t>Эксперимент</a:t>
+              <a:t>Результаты </a:t>
+            </a:r>
+            <a:r>
+              <a:rPr lang="ru-RU" sz="2000" b="1" dirty="0" smtClean="0">
+                <a:solidFill>
+                  <a:srgbClr val="003399"/>
+                </a:solidFill>
+              </a:rPr>
+              <a:t>моделирования сравнение </a:t>
+            </a:r>
+            <a:r>
+              <a:rPr lang="ru-RU" sz="2000" b="1" dirty="0">
+                <a:solidFill>
+                  <a:srgbClr val="003399"/>
+                </a:solidFill>
+              </a:rPr>
+              <a:t>с экспериментом</a:t>
             </a:r>
           </a:p>
         </p:txBody>
@@ -6950,153 +7026,46 @@
                   <a:srgbClr val="003399"/>
                 </a:solidFill>
               </a:rPr>
-              <a:t>11</a:t>
+              <a:t>12 </a:t>
             </a:r>
           </a:p>
         </p:txBody>
       </p:sp>
-      <p:pic>
-        <p:nvPicPr>
-          <p:cNvPr id="6" name="Рисунок 5"/>
-          <p:cNvPicPr/>
-          <p:nvPr/>
-        </p:nvPicPr>
-        <p:blipFill>
-          <a:blip r:embed="rId3" cstate="print"/>
-          <a:stretch>
-            <a:fillRect/>
-          </a:stretch>
-        </p:blipFill>
-        <p:spPr>
-          <a:xfrm>
-            <a:off x="4131640" y="915566"/>
-            <a:ext cx="4499992" cy="2746906"/>
-          </a:xfrm>
-          <a:prstGeom prst="rect">
-            <a:avLst/>
-          </a:prstGeom>
-        </p:spPr>
-      </p:pic>
-      <p:pic>
-        <p:nvPicPr>
-          <p:cNvPr id="7" name="Рисунок 6"/>
-          <p:cNvPicPr/>
-          <p:nvPr/>
-        </p:nvPicPr>
-        <p:blipFill>
-          <a:blip r:embed="rId4" cstate="print"/>
-          <a:stretch>
-            <a:fillRect/>
-          </a:stretch>
-        </p:blipFill>
-        <p:spPr>
-          <a:xfrm>
-            <a:off x="467544" y="915566"/>
-            <a:ext cx="3600400" cy="2307730"/>
-          </a:xfrm>
-          <a:prstGeom prst="rect">
-            <a:avLst/>
-          </a:prstGeom>
-        </p:spPr>
-      </p:pic>
-      <p:pic>
-        <p:nvPicPr>
-          <p:cNvPr id="8" name="Рисунок 7"/>
-          <p:cNvPicPr/>
-          <p:nvPr/>
-        </p:nvPicPr>
-        <p:blipFill>
-          <a:blip r:embed="rId5" cstate="print"/>
-          <a:stretch>
-            <a:fillRect/>
-          </a:stretch>
-        </p:blipFill>
-        <p:spPr>
-          <a:xfrm>
-            <a:off x="459232" y="3223296"/>
-            <a:ext cx="3672408" cy="1726596"/>
-          </a:xfrm>
-          <a:prstGeom prst="rect">
-            <a:avLst/>
-          </a:prstGeom>
-        </p:spPr>
-      </p:pic>
       <p:sp>
         <p:nvSpPr>
-          <p:cNvPr id="2" name="Прямоугольник 1"/>
+          <p:cNvPr id="3" name="Прямоугольник 2"/>
           <p:cNvSpPr/>
           <p:nvPr/>
         </p:nvSpPr>
         <p:spPr>
           <a:xfrm>
-            <a:off x="3995936" y="3611064"/>
-            <a:ext cx="4572000" cy="1338828"/>
+            <a:off x="467544" y="987574"/>
+            <a:ext cx="3663567" cy="369332"/>
           </a:xfrm>
           <a:prstGeom prst="rect">
             <a:avLst/>
           </a:prstGeom>
         </p:spPr>
         <p:txBody>
-          <a:bodyPr>
+          <a:bodyPr wrap="none">
             <a:spAutoFit/>
           </a:bodyPr>
           <a:lstStyle/>
           <a:p>
-            <a:pPr indent="450215" algn="ctr">
-              <a:lnSpc>
-                <a:spcPct val="150000"/>
-              </a:lnSpc>
-              <a:spcAft>
-                <a:spcPts val="0"/>
-              </a:spcAft>
-            </a:pPr>
-            <a:r>
-              <a:rPr lang="ru-RU" dirty="0">
-                <a:ea typeface="Calibri" panose="020F0502020204030204" pitchFamily="34" charset="0"/>
-                <a:cs typeface="Times New Roman" panose="02020603050405020304" pitchFamily="18" charset="0"/>
-              </a:rPr>
-              <a:t>УПИ – устройство перемещения игл</a:t>
-            </a:r>
-          </a:p>
-          <a:p>
-            <a:pPr indent="450215" algn="ctr">
-              <a:lnSpc>
-                <a:spcPct val="150000"/>
-              </a:lnSpc>
-              <a:spcAft>
-                <a:spcPts val="0"/>
-              </a:spcAft>
-            </a:pPr>
-            <a:r>
-              <a:rPr lang="ru-RU" dirty="0">
-                <a:ea typeface="Calibri" panose="020F0502020204030204" pitchFamily="34" charset="0"/>
-                <a:cs typeface="Times New Roman" panose="02020603050405020304" pitchFamily="18" charset="0"/>
-              </a:rPr>
-              <a:t>Угол острия иглы  - 45 градусов</a:t>
-            </a:r>
-          </a:p>
-          <a:p>
-            <a:pPr indent="450215" algn="ctr">
-              <a:lnSpc>
-                <a:spcPct val="150000"/>
-              </a:lnSpc>
-              <a:spcAft>
-                <a:spcPts val="0"/>
-              </a:spcAft>
-            </a:pPr>
-            <a:r>
-              <a:rPr lang="ru-RU" dirty="0">
-                <a:ea typeface="Calibri" panose="020F0502020204030204" pitchFamily="34" charset="0"/>
-                <a:cs typeface="Times New Roman" panose="02020603050405020304" pitchFamily="18" charset="0"/>
-              </a:rPr>
-              <a:t>Плотность материала </a:t>
-            </a:r>
-            <a:r>
-              <a:rPr lang="ru-RU" dirty="0"/>
-              <a:t>1500 </a:t>
-            </a:r>
-            <a:r>
-              <a:rPr lang="ru-RU" dirty="0">
+            <a:r>
+              <a:rPr lang="ru-RU" dirty="0" smtClean="0"/>
+              <a:t>Плотность материала  </a:t>
+            </a:r>
+            <a:r>
+              <a:rPr lang="en-US" dirty="0" smtClean="0"/>
+              <a:t>– </a:t>
+            </a:r>
+            <a:r>
+              <a:rPr lang="ru-RU" dirty="0" smtClean="0"/>
+              <a:t> 1500 </a:t>
+            </a:r>
+            <a:r>
+              <a:rPr lang="ru-RU" dirty="0" smtClean="0">
                 <a:solidFill>
                   <a:schemeClr val="dk1"/>
                 </a:solidFill>
@@ -7104,24 +7073,80 @@
               <a:t>кг/м</a:t>
             </a:r>
             <a:r>
-              <a:rPr lang="ru-RU" baseline="30000" dirty="0">
+              <a:rPr lang="ru-RU" baseline="30000" dirty="0" smtClean="0">
                 <a:solidFill>
                   <a:schemeClr val="dk1"/>
                 </a:solidFill>
               </a:rPr>
               <a:t>3</a:t>
             </a:r>
-            <a:endParaRPr lang="ru-RU" dirty="0">
-              <a:ea typeface="Calibri" panose="020F0502020204030204" pitchFamily="34" charset="0"/>
-              <a:cs typeface="Times New Roman" panose="02020603050405020304" pitchFamily="18" charset="0"/>
+            <a:endParaRPr lang="ru-RU" baseline="30000" dirty="0">
+              <a:solidFill>
+                <a:schemeClr val="dk1"/>
+              </a:solidFill>
             </a:endParaRPr>
           </a:p>
         </p:txBody>
       </p:sp>
+      <p:sp>
+        <p:nvSpPr>
+          <p:cNvPr id="4" name="Прямоугольник 3"/>
+          <p:cNvSpPr/>
+          <p:nvPr/>
+        </p:nvSpPr>
+        <p:spPr>
+          <a:xfrm>
+            <a:off x="5940152" y="987574"/>
+            <a:ext cx="2541017" cy="369332"/>
+          </a:xfrm>
+          <a:prstGeom prst="rect">
+            <a:avLst/>
+          </a:prstGeom>
+        </p:spPr>
+        <p:txBody>
+          <a:bodyPr wrap="none">
+            <a:spAutoFit/>
+          </a:bodyPr>
+          <a:lstStyle/>
+          <a:p>
+            <a:r>
+              <a:rPr lang="ru-RU" dirty="0"/>
+              <a:t>Угол острия 45 градусов</a:t>
+            </a:r>
+            <a:endParaRPr lang="ru-RU" baseline="30000" dirty="0">
+              <a:solidFill>
+                <a:schemeClr val="dk1"/>
+              </a:solidFill>
+            </a:endParaRPr>
+          </a:p>
+        </p:txBody>
+      </p:sp>
+      <p:graphicFrame>
+        <p:nvGraphicFramePr>
+          <p:cNvPr id="7" name="Диаграмма 6"/>
+          <p:cNvGraphicFramePr/>
+          <p:nvPr>
+            <p:extLst>
+              <p:ext uri="{D42A27DB-BD31-4B8C-83A1-F6EECF244321}">
+                <p14:modId xmlns:p14="http://schemas.microsoft.com/office/powerpoint/2010/main" val="3772329946"/>
+              </p:ext>
+            </p:extLst>
+          </p:nvPr>
+        </p:nvGraphicFramePr>
+        <p:xfrm>
+          <a:off x="827584" y="1275606"/>
+          <a:ext cx="7246168" cy="3737570"/>
+        </p:xfrm>
+        <a:graphic>
+          <a:graphicData uri="http://schemas.openxmlformats.org/drawingml/2006/chart">
+            <c:chart xmlns:c="http://schemas.openxmlformats.org/drawingml/2006/chart" xmlns:r="http://schemas.openxmlformats.org/officeDocument/2006/relationships" r:id="rId3"/>
+          </a:graphicData>
+        </a:graphic>
+      </p:graphicFrame>
     </p:spTree>
     <p:extLst>
       <p:ext uri="{BB962C8B-B14F-4D97-AF65-F5344CB8AC3E}">
-        <p14:creationId xmlns:p14="http://schemas.microsoft.com/office/powerpoint/2010/main" val="122468464"/>
+        <p14:creationId xmlns:p14="http://schemas.microsoft.com/office/powerpoint/2010/main" val="3535406333"/>
       </p:ext>
     </p:extLst>
   </p:cSld>
@@ -7194,248 +7219,6 @@
                   <a:srgbClr val="003399"/>
                 </a:solidFill>
               </a:rPr>
-              <a:t>Результаты </a:t>
-            </a:r>
-            <a:r>
-              <a:rPr lang="ru-RU" sz="2000" b="1" dirty="0" smtClean="0">
-                <a:solidFill>
-                  <a:srgbClr val="003399"/>
-                </a:solidFill>
-              </a:rPr>
-              <a:t>моделирования сравнение </a:t>
-            </a:r>
-            <a:r>
-              <a:rPr lang="ru-RU" sz="2000" b="1" dirty="0">
-                <a:solidFill>
-                  <a:srgbClr val="003399"/>
-                </a:solidFill>
-              </a:rPr>
-              <a:t>с экспериментом</a:t>
-            </a:r>
-          </a:p>
-        </p:txBody>
-      </p:sp>
-      <p:sp>
-        <p:nvSpPr>
-          <p:cNvPr id="15" name="TextBox 14"/>
-          <p:cNvSpPr txBox="1"/>
-          <p:nvPr/>
-        </p:nvSpPr>
-        <p:spPr>
-          <a:xfrm>
-            <a:off x="8631632" y="312678"/>
-            <a:ext cx="512368" cy="400110"/>
-          </a:xfrm>
-          <a:prstGeom prst="rect">
-            <a:avLst/>
-          </a:prstGeom>
-          <a:noFill/>
-        </p:spPr>
-        <p:txBody>
-          <a:bodyPr wrap="square" rtlCol="0">
-            <a:spAutoFit/>
-          </a:bodyPr>
-          <a:lstStyle/>
-          <a:p>
-            <a:r>
-              <a:rPr lang="ru-RU" sz="2000" b="1" dirty="0" smtClean="0">
-                <a:solidFill>
-                  <a:srgbClr val="003399"/>
-                </a:solidFill>
-              </a:rPr>
-              <a:t>12 </a:t>
-            </a:r>
-          </a:p>
-        </p:txBody>
-      </p:sp>
-      <p:sp>
-        <p:nvSpPr>
-          <p:cNvPr id="3" name="Прямоугольник 2"/>
-          <p:cNvSpPr/>
-          <p:nvPr/>
-        </p:nvSpPr>
-        <p:spPr>
-          <a:xfrm>
-            <a:off x="467544" y="987574"/>
-            <a:ext cx="3663567" cy="369332"/>
-          </a:xfrm>
-          <a:prstGeom prst="rect">
-            <a:avLst/>
-          </a:prstGeom>
-        </p:spPr>
-        <p:txBody>
-          <a:bodyPr wrap="none">
-            <a:spAutoFit/>
-          </a:bodyPr>
-          <a:lstStyle/>
-          <a:p>
-            <a:r>
-              <a:rPr lang="ru-RU" smtClean="0"/>
-              <a:t>Плотность материала  </a:t>
-            </a:r>
-            <a:r>
-              <a:rPr lang="en-US" smtClean="0"/>
-              <a:t>– </a:t>
-            </a:r>
-            <a:r>
-              <a:rPr lang="ru-RU" smtClean="0"/>
-              <a:t> 1500 </a:t>
-            </a:r>
-            <a:r>
-              <a:rPr lang="ru-RU" smtClean="0">
-                <a:solidFill>
-                  <a:schemeClr val="dk1"/>
-                </a:solidFill>
-              </a:rPr>
-              <a:t>кг/м</a:t>
-            </a:r>
-            <a:r>
-              <a:rPr lang="ru-RU" baseline="30000" smtClean="0">
-                <a:solidFill>
-                  <a:schemeClr val="dk1"/>
-                </a:solidFill>
-              </a:rPr>
-              <a:t>3</a:t>
-            </a:r>
-            <a:endParaRPr lang="ru-RU" baseline="30000" dirty="0">
-              <a:solidFill>
-                <a:schemeClr val="dk1"/>
-              </a:solidFill>
-            </a:endParaRPr>
-          </a:p>
-        </p:txBody>
-      </p:sp>
-      <p:sp>
-        <p:nvSpPr>
-          <p:cNvPr id="4" name="Прямоугольник 3"/>
-          <p:cNvSpPr/>
-          <p:nvPr/>
-        </p:nvSpPr>
-        <p:spPr>
-          <a:xfrm>
-            <a:off x="5940152" y="987574"/>
-            <a:ext cx="2541017" cy="369332"/>
-          </a:xfrm>
-          <a:prstGeom prst="rect">
-            <a:avLst/>
-          </a:prstGeom>
-        </p:spPr>
-        <p:txBody>
-          <a:bodyPr wrap="none">
-            <a:spAutoFit/>
-          </a:bodyPr>
-          <a:lstStyle/>
-          <a:p>
-            <a:r>
-              <a:rPr lang="ru-RU" dirty="0"/>
-              <a:t>Угол острия 45 градусов</a:t>
-            </a:r>
-            <a:endParaRPr lang="ru-RU" baseline="30000" dirty="0">
-              <a:solidFill>
-                <a:schemeClr val="dk1"/>
-              </a:solidFill>
-            </a:endParaRPr>
-          </a:p>
-        </p:txBody>
-      </p:sp>
-      <p:graphicFrame>
-        <p:nvGraphicFramePr>
-          <p:cNvPr id="7" name="Диаграмма 6"/>
-          <p:cNvGraphicFramePr/>
-          <p:nvPr>
-            <p:extLst>
-              <p:ext uri="{D42A27DB-BD31-4B8C-83A1-F6EECF244321}">
-                <p14:modId xmlns:p14="http://schemas.microsoft.com/office/powerpoint/2010/main" val="3772329946"/>
-              </p:ext>
-            </p:extLst>
-          </p:nvPr>
-        </p:nvGraphicFramePr>
-        <p:xfrm>
-          <a:off x="827584" y="1275606"/>
-          <a:ext cx="7246168" cy="3737570"/>
-        </p:xfrm>
-        <a:graphic>
-          <a:graphicData uri="http://schemas.openxmlformats.org/drawingml/2006/chart">
-            <c:chart xmlns:c="http://schemas.openxmlformats.org/drawingml/2006/chart" xmlns:r="http://schemas.openxmlformats.org/officeDocument/2006/relationships" r:id="rId3"/>
-          </a:graphicData>
-        </a:graphic>
-      </p:graphicFrame>
-    </p:spTree>
-    <p:extLst>
-      <p:ext uri="{BB962C8B-B14F-4D97-AF65-F5344CB8AC3E}">
-        <p14:creationId xmlns:p14="http://schemas.microsoft.com/office/powerpoint/2010/main" val="3535406333"/>
-      </p:ext>
-    </p:extLst>
-  </p:cSld>
-  <p:clrMapOvr>
-    <a:masterClrMapping/>
-  </p:clrMapOvr>
-  <p:transition spd="slow">
-    <p:pull/>
-  </p:transition>
-  <p:timing>
-    <p:tnLst>
-      <p:par>
-        <p:cTn id="1" dur="indefinite" restart="never" nodeType="tmRoot"/>
-      </p:par>
-    </p:tnLst>
-  </p:timing>
-</p:sld>
-</file>
-
-<file path=ppt/slides/slide13.xml><?xml version="1.0" encoding="utf-8"?>
-<p:sld xmlns:a="http://schemas.openxmlformats.org/drawingml/2006/main" xmlns:r="http://schemas.openxmlformats.org/officeDocument/2006/relationships" xmlns:p="http://schemas.openxmlformats.org/presentationml/2006/main">
-  <p:cSld>
-    <p:spTree>
-      <p:nvGrpSpPr>
-        <p:cNvPr id="1" name=""/>
-        <p:cNvGrpSpPr/>
-        <p:nvPr/>
-      </p:nvGrpSpPr>
-      <p:grpSpPr>
-        <a:xfrm>
-          <a:off x="0" y="0"/>
-          <a:ext cx="0" cy="0"/>
-          <a:chOff x="0" y="0"/>
-          <a:chExt cx="0" cy="0"/>
-        </a:xfrm>
-      </p:grpSpPr>
-      <p:sp>
-        <p:nvSpPr>
-          <p:cNvPr id="5" name="Rectangle 6"/>
-          <p:cNvSpPr>
-            <a:spLocks noChangeArrowheads="1"/>
-          </p:cNvSpPr>
-          <p:nvPr/>
-        </p:nvSpPr>
-        <p:spPr bwMode="auto">
-          <a:xfrm>
-            <a:off x="748458" y="312738"/>
-            <a:ext cx="8274772" cy="400110"/>
-          </a:xfrm>
-          <a:prstGeom prst="rect">
-            <a:avLst/>
-          </a:prstGeom>
-          <a:noFill/>
-          <a:ln w="9525">
-            <a:noFill/>
-            <a:miter lim="800000"/>
-            <a:headEnd/>
-            <a:tailEnd/>
-          </a:ln>
-        </p:spPr>
-        <p:txBody>
-          <a:bodyPr wrap="square">
-            <a:spAutoFit/>
-          </a:bodyPr>
-          <a:lstStyle/>
-          <a:p>
-            <a:r>
-              <a:rPr lang="ru-RU" sz="2000" b="1" dirty="0">
-                <a:solidFill>
-                  <a:srgbClr val="003399"/>
-                </a:solidFill>
-              </a:rPr>
               <a:t>Выводы</a:t>
             </a:r>
           </a:p>
@@ -7562,7 +7345,7 @@
 </p:sld>
 </file>
 
-<file path=ppt/slides/slide14.xml><?xml version="1.0" encoding="utf-8"?>
+<file path=ppt/slides/slide13.xml><?xml version="1.0" encoding="utf-8"?>
 <p:sld xmlns:a="http://schemas.openxmlformats.org/drawingml/2006/main" xmlns:r="http://schemas.openxmlformats.org/officeDocument/2006/relationships" xmlns:p="http://schemas.openxmlformats.org/presentationml/2006/main">
   <p:cSld>
     <p:spTree>
@@ -8957,92 +8740,6 @@
           </a:p>
         </p:txBody>
       </p:sp>
-      <p:pic>
-        <p:nvPicPr>
-          <p:cNvPr id="12" name="Объект 4"/>
-          <p:cNvPicPr>
-            <a:picLocks noChangeAspect="1"/>
-          </p:cNvPicPr>
-          <p:nvPr/>
-        </p:nvPicPr>
-        <p:blipFill>
-          <a:blip r:embed="rId3" cstate="print">
-            <a:extLst>
-              <a:ext uri="{28A0092B-C50C-407E-A947-70E740481C1C}">
-                <a14:useLocalDpi xmlns:a14="http://schemas.microsoft.com/office/drawing/2010/main" val="0"/>
-              </a:ext>
-            </a:extLst>
-          </a:blip>
-          <a:stretch>
-            <a:fillRect/>
-          </a:stretch>
-        </p:blipFill>
-        <p:spPr>
-          <a:xfrm>
-            <a:off x="4627966" y="1059582"/>
-            <a:ext cx="3979568" cy="1944216"/>
-          </a:xfrm>
-          <a:prstGeom prst="roundRect">
-            <a:avLst>
-              <a:gd name="adj" fmla="val 8594"/>
-            </a:avLst>
-          </a:prstGeom>
-          <a:solidFill>
-            <a:srgbClr val="FFFFFF">
-              <a:shade val="85000"/>
-            </a:srgbClr>
-          </a:solidFill>
-          <a:ln>
-            <a:noFill/>
-          </a:ln>
-          <a:effectLst>
-            <a:reflection blurRad="12700" stA="38000" endPos="28000" dist="5000" dir="5400000" sy="-100000" algn="bl" rotWithShape="0"/>
-          </a:effectLst>
-        </p:spPr>
-      </p:pic>
-      <p:pic>
-        <p:nvPicPr>
-          <p:cNvPr id="13" name="Рисунок 12"/>
-          <p:cNvPicPr>
-            <a:picLocks noChangeAspect="1"/>
-          </p:cNvPicPr>
-          <p:nvPr/>
-        </p:nvPicPr>
-        <p:blipFill>
-          <a:blip r:embed="rId4" cstate="print">
-            <a:extLst>
-              <a:ext uri="{28A0092B-C50C-407E-A947-70E740481C1C}">
-                <a14:useLocalDpi xmlns:a14="http://schemas.microsoft.com/office/drawing/2010/main" val="0"/>
-              </a:ext>
-            </a:extLst>
-          </a:blip>
-          <a:stretch>
-            <a:fillRect/>
-          </a:stretch>
-        </p:blipFill>
-        <p:spPr>
-          <a:xfrm>
-            <a:off x="539552" y="2499742"/>
-            <a:ext cx="3672408" cy="2448272"/>
-          </a:xfrm>
-          <a:prstGeom prst="roundRect">
-            <a:avLst>
-              <a:gd name="adj" fmla="val 8594"/>
-            </a:avLst>
-          </a:prstGeom>
-          <a:solidFill>
-            <a:srgbClr val="FFFFFF">
-              <a:shade val="85000"/>
-            </a:srgbClr>
-          </a:solidFill>
-          <a:ln>
-            <a:noFill/>
-          </a:ln>
-          <a:effectLst>
-            <a:reflection blurRad="12700" stA="38000" endPos="28000" dist="5000" dir="5400000" sy="-100000" algn="bl" rotWithShape="0"/>
-          </a:effectLst>
-        </p:spPr>
-      </p:pic>
       <p:sp>
         <p:nvSpPr>
           <p:cNvPr id="14" name="TextBox 13"/>
@@ -9073,6 +8770,257 @@
               </a:rPr>
               <a:t>2</a:t>
             </a:r>
+            <a:endParaRPr lang="ru-RU" dirty="0"/>
+          </a:p>
+        </p:txBody>
+      </p:sp>
+      <p:sp>
+        <p:nvSpPr>
+          <p:cNvPr id="6" name="Текст 3"/>
+          <p:cNvSpPr>
+            <a:spLocks noGrp="1"/>
+          </p:cNvSpPr>
+          <p:nvPr>
+            <p:ph type="body" sz="half" idx="2"/>
+          </p:nvPr>
+        </p:nvSpPr>
+        <p:spPr>
+          <a:xfrm>
+            <a:off x="539750" y="915988"/>
+            <a:ext cx="7920038" cy="3743325"/>
+          </a:xfrm>
+        </p:spPr>
+        <p:txBody>
+          <a:bodyPr/>
+          <a:lstStyle/>
+          <a:p>
+            <a:pPr algn="just" fontAlgn="auto">
+              <a:spcAft>
+                <a:spcPts val="0"/>
+              </a:spcAft>
+              <a:defRPr/>
+            </a:pPr>
+            <a:r>
+              <a:rPr lang="ru-RU" sz="1400" b="1" dirty="0" smtClean="0">
+                <a:latin typeface="Arial" charset="0"/>
+                <a:cs typeface="Arial" charset="0"/>
+              </a:rPr>
+              <a:t>ПНИЭР по теме: </a:t>
+            </a:r>
+            <a:r>
+              <a:rPr lang="ru-RU" sz="1400" dirty="0" smtClean="0">
+                <a:latin typeface="Arial" charset="0"/>
+                <a:cs typeface="Arial" charset="0"/>
+              </a:rPr>
+              <a:t>исследование </a:t>
+            </a:r>
+            <a:r>
+              <a:rPr lang="ru-RU" sz="1400" dirty="0">
+                <a:latin typeface="Arial" charset="0"/>
+                <a:cs typeface="Arial" charset="0"/>
+              </a:rPr>
+              <a:t>принципов построения и создания робототехнических </a:t>
+            </a:r>
+            <a:r>
+              <a:rPr lang="ru-RU" sz="1400" dirty="0" smtClean="0">
+                <a:latin typeface="Arial" charset="0"/>
+                <a:cs typeface="Arial" charset="0"/>
+              </a:rPr>
+              <a:t>средств </a:t>
+            </a:r>
+            <a:r>
+              <a:rPr lang="ru-RU" sz="1400" dirty="0">
+                <a:latin typeface="Arial" charset="0"/>
+                <a:cs typeface="Arial" charset="0"/>
+              </a:rPr>
+              <a:t>доставки радионуклидных микроисточников в опухолевую </a:t>
+            </a:r>
+            <a:r>
+              <a:rPr lang="ru-RU" sz="1400" dirty="0" smtClean="0">
+                <a:latin typeface="Arial" charset="0"/>
+                <a:cs typeface="Arial" charset="0"/>
+              </a:rPr>
+              <a:t>область </a:t>
+            </a:r>
+            <a:r>
+              <a:rPr lang="ru-RU" sz="1400" dirty="0">
+                <a:latin typeface="Arial" charset="0"/>
+                <a:cs typeface="Arial" charset="0"/>
+              </a:rPr>
+              <a:t>при </a:t>
+            </a:r>
+            <a:r>
+              <a:rPr lang="ru-RU" sz="1400" dirty="0" smtClean="0">
+                <a:latin typeface="Arial" charset="0"/>
+                <a:cs typeface="Arial" charset="0"/>
+              </a:rPr>
+              <a:t>операциях брахитерапии.</a:t>
+            </a:r>
+          </a:p>
+          <a:p>
+            <a:pPr algn="just" fontAlgn="auto">
+              <a:spcAft>
+                <a:spcPts val="0"/>
+              </a:spcAft>
+              <a:defRPr/>
+            </a:pPr>
+            <a:r>
+              <a:rPr lang="ru-RU" sz="1400" b="1" dirty="0">
+                <a:latin typeface="Arial" charset="0"/>
+                <a:cs typeface="Arial" charset="0"/>
+              </a:rPr>
+              <a:t>Срок реализации проекта: </a:t>
+            </a:r>
+            <a:r>
+              <a:rPr lang="ru-RU" sz="1400" dirty="0" smtClean="0">
+                <a:latin typeface="Arial" charset="0"/>
+                <a:cs typeface="Arial" charset="0"/>
+              </a:rPr>
+              <a:t>17.06.2014-31.12.2016</a:t>
+            </a:r>
+          </a:p>
+          <a:p>
+            <a:pPr algn="just" fontAlgn="auto">
+              <a:spcAft>
+                <a:spcPts val="0"/>
+              </a:spcAft>
+              <a:defRPr/>
+            </a:pPr>
+            <a:r>
+              <a:rPr lang="ru-RU" sz="1400" b="1" dirty="0" smtClean="0">
+                <a:latin typeface="Arial" charset="0"/>
+                <a:cs typeface="Arial" charset="0"/>
+              </a:rPr>
+              <a:t>Основные задачи проекта: </a:t>
+            </a:r>
+            <a:endParaRPr lang="ru-RU" sz="1400" b="1" dirty="0">
+              <a:latin typeface="Arial" charset="0"/>
+              <a:cs typeface="Arial" charset="0"/>
+            </a:endParaRPr>
+          </a:p>
+          <a:p>
+            <a:pPr marL="285750" indent="-285750" algn="just" fontAlgn="auto">
+              <a:spcAft>
+                <a:spcPts val="0"/>
+              </a:spcAft>
+              <a:buFontTx/>
+              <a:buChar char="-"/>
+              <a:defRPr/>
+            </a:pPr>
+            <a:r>
+              <a:rPr lang="ru-RU" sz="1400" dirty="0" smtClean="0">
+                <a:latin typeface="Arial" charset="0"/>
+                <a:cs typeface="Arial" charset="0"/>
+              </a:rPr>
+              <a:t>Разработка подходов к созданию роботизированной системы для проведения манипуляций по введению радионуклидных микроисточников в опухолевую область с минимальной травматичностью для пациента.</a:t>
+            </a:r>
+          </a:p>
+          <a:p>
+            <a:pPr marL="285750" indent="-285750" algn="just" fontAlgn="auto">
+              <a:spcAft>
+                <a:spcPts val="0"/>
+              </a:spcAft>
+              <a:buFontTx/>
+              <a:buChar char="-"/>
+              <a:defRPr/>
+            </a:pPr>
+            <a:r>
+              <a:rPr lang="ru-RU" sz="1400" b="1" dirty="0" smtClean="0">
+                <a:latin typeface="Arial" charset="0"/>
+                <a:cs typeface="Arial" charset="0"/>
+              </a:rPr>
+              <a:t>Разработка математической модели движения кончика иглы в теле пациента по линейной и криволинейной траекториям.</a:t>
+            </a:r>
+          </a:p>
+          <a:p>
+            <a:pPr marL="285750" indent="-285750" algn="just" fontAlgn="auto">
+              <a:spcAft>
+                <a:spcPts val="0"/>
+              </a:spcAft>
+              <a:buFontTx/>
+              <a:buChar char="-"/>
+              <a:defRPr/>
+            </a:pPr>
+            <a:r>
+              <a:rPr lang="ru-RU" sz="1400" dirty="0" smtClean="0">
+                <a:latin typeface="Arial" charset="0"/>
+                <a:cs typeface="Arial" charset="0"/>
+              </a:rPr>
+              <a:t>Разработка алгоритмов функционирования макета роботизированной системы.</a:t>
+            </a:r>
+          </a:p>
+          <a:p>
+            <a:pPr marL="285750" indent="-285750" algn="just" fontAlgn="auto">
+              <a:spcAft>
+                <a:spcPts val="0"/>
+              </a:spcAft>
+              <a:buFontTx/>
+              <a:buChar char="-"/>
+              <a:defRPr/>
+            </a:pPr>
+            <a:r>
+              <a:rPr lang="ru-RU" sz="1400" dirty="0" smtClean="0">
+                <a:latin typeface="Arial" charset="0"/>
+                <a:cs typeface="Arial" charset="0"/>
+              </a:rPr>
+              <a:t>Изготовление макета роботизированной системы.</a:t>
+            </a:r>
+          </a:p>
+          <a:p>
+            <a:pPr marL="285750" indent="-285750" algn="just" fontAlgn="auto">
+              <a:spcAft>
+                <a:spcPts val="0"/>
+              </a:spcAft>
+              <a:buFontTx/>
+              <a:buChar char="-"/>
+              <a:defRPr/>
+            </a:pPr>
+            <a:r>
+              <a:rPr lang="ru-RU" sz="1400" b="1" dirty="0" smtClean="0">
+                <a:latin typeface="Arial" charset="0"/>
+                <a:cs typeface="Arial" charset="0"/>
+              </a:rPr>
+              <a:t>Проведение экспериментальных исследований по перемещению иглы по линейной криволинейной траекториям.</a:t>
+            </a:r>
+          </a:p>
+          <a:p>
+            <a:pPr marL="285750" indent="-285750" algn="just" fontAlgn="auto">
+              <a:spcAft>
+                <a:spcPts val="0"/>
+              </a:spcAft>
+              <a:buFontTx/>
+              <a:buChar char="-"/>
+              <a:defRPr/>
+            </a:pPr>
+            <a:r>
+              <a:rPr lang="ru-RU" sz="1400" dirty="0" smtClean="0">
+                <a:latin typeface="Arial" charset="0"/>
+                <a:cs typeface="Arial" charset="0"/>
+              </a:rPr>
+              <a:t>Разработка проекта ТЗ на ОКР</a:t>
+            </a:r>
+          </a:p>
+          <a:p>
+            <a:pPr marL="285750" indent="-285750" algn="just" fontAlgn="auto">
+              <a:spcAft>
+                <a:spcPts val="0"/>
+              </a:spcAft>
+              <a:buFontTx/>
+              <a:buChar char="-"/>
+              <a:defRPr/>
+            </a:pPr>
+            <a:endParaRPr lang="ru-RU" sz="1400" dirty="0" smtClean="0">
+              <a:latin typeface="Arial" charset="0"/>
+              <a:cs typeface="Arial" charset="0"/>
+            </a:endParaRPr>
+          </a:p>
+          <a:p>
+            <a:pPr fontAlgn="auto">
+              <a:spcAft>
+                <a:spcPts val="0"/>
+              </a:spcAft>
+              <a:defRPr/>
+            </a:pPr>
             <a:endParaRPr lang="ru-RU" dirty="0"/>
           </a:p>
         </p:txBody>
@@ -9153,7 +9101,7 @@
                   <a:srgbClr val="003399"/>
                 </a:solidFill>
               </a:rPr>
-              <a:t>Проводимая операция</a:t>
+              <a:t>Результаты мат. моделирования и экспериментальных исследований</a:t>
             </a:r>
             <a:endParaRPr lang="ru-RU" sz="2000" b="1" dirty="0">
               <a:solidFill>
@@ -9163,82 +9111,6 @@
           </a:p>
         </p:txBody>
       </p:sp>
-      <p:sp>
-        <p:nvSpPr>
-          <p:cNvPr id="6" name="TextBox 5"/>
-          <p:cNvSpPr txBox="1"/>
-          <p:nvPr/>
-        </p:nvSpPr>
-        <p:spPr>
-          <a:xfrm>
-            <a:off x="611764" y="3507854"/>
-            <a:ext cx="4248472" cy="1200329"/>
-          </a:xfrm>
-          <a:prstGeom prst="rect">
-            <a:avLst/>
-          </a:prstGeom>
-          <a:noFill/>
-        </p:spPr>
-        <p:txBody>
-          <a:bodyPr wrap="square" rtlCol="0">
-            <a:spAutoFit/>
-          </a:bodyPr>
-          <a:lstStyle/>
-          <a:p>
-            <a:r>
-              <a:rPr lang="ru-RU" dirty="0" smtClean="0"/>
-              <a:t>Из-за несимметричности кончика иглы, при ее движении в тканях человека она будет отклоняться от  прямолинейного движения</a:t>
-            </a:r>
-            <a:endParaRPr lang="ru-RU" dirty="0"/>
-          </a:p>
-        </p:txBody>
-      </p:sp>
-      <p:pic>
-        <p:nvPicPr>
-          <p:cNvPr id="7" name="Объект 8"/>
-          <p:cNvPicPr>
-            <a:picLocks noChangeAspect="1"/>
-          </p:cNvPicPr>
-          <p:nvPr/>
-        </p:nvPicPr>
-        <p:blipFill>
-          <a:blip r:embed="rId2"/>
-          <a:stretch>
-            <a:fillRect/>
-          </a:stretch>
-        </p:blipFill>
-        <p:spPr>
-          <a:xfrm>
-            <a:off x="1115616" y="913946"/>
-            <a:ext cx="6706360" cy="2464817"/>
-          </a:xfrm>
-          <a:prstGeom prst="rect">
-            <a:avLst/>
-          </a:prstGeom>
-        </p:spPr>
-      </p:pic>
-      <p:pic>
-        <p:nvPicPr>
-          <p:cNvPr id="9" name="Рисунок 8"/>
-          <p:cNvPicPr/>
-          <p:nvPr/>
-        </p:nvPicPr>
-        <p:blipFill>
-          <a:blip r:embed="rId3" cstate="print"/>
-          <a:stretch>
-            <a:fillRect/>
-          </a:stretch>
-        </p:blipFill>
-        <p:spPr>
-          <a:xfrm>
-            <a:off x="5724128" y="3507854"/>
-            <a:ext cx="2097848" cy="1440160"/>
-          </a:xfrm>
-          <a:prstGeom prst="rect">
-            <a:avLst/>
-          </a:prstGeom>
-        </p:spPr>
-      </p:pic>
       <p:sp>
         <p:nvSpPr>
           <p:cNvPr id="10" name="TextBox 9"/>
@@ -9273,6 +9145,288 @@
           </a:p>
         </p:txBody>
       </p:sp>
+      <p:pic>
+        <p:nvPicPr>
+          <p:cNvPr id="8" name="Рисунок 7"/>
+          <p:cNvPicPr/>
+          <p:nvPr/>
+        </p:nvPicPr>
+        <p:blipFill>
+          <a:blip r:embed="rId3" cstate="print">
+            <a:extLst>
+              <a:ext uri="{28A0092B-C50C-407E-A947-70E740481C1C}">
+                <a14:useLocalDpi xmlns:a14="http://schemas.microsoft.com/office/drawing/2010/main" val="0"/>
+              </a:ext>
+            </a:extLst>
+          </a:blip>
+          <a:stretch>
+            <a:fillRect/>
+          </a:stretch>
+        </p:blipFill>
+        <p:spPr>
+          <a:xfrm>
+            <a:off x="5485074" y="2842108"/>
+            <a:ext cx="3146558" cy="1440160"/>
+          </a:xfrm>
+          <a:prstGeom prst="rect">
+            <a:avLst/>
+          </a:prstGeom>
+        </p:spPr>
+      </p:pic>
+      <p:pic>
+        <p:nvPicPr>
+          <p:cNvPr id="11" name="Рисунок 10"/>
+          <p:cNvPicPr/>
+          <p:nvPr/>
+        </p:nvPicPr>
+        <p:blipFill>
+          <a:blip r:embed="rId4" cstate="print"/>
+          <a:stretch>
+            <a:fillRect/>
+          </a:stretch>
+        </p:blipFill>
+        <p:spPr>
+          <a:xfrm>
+            <a:off x="5509693" y="911198"/>
+            <a:ext cx="3146558" cy="1732560"/>
+          </a:xfrm>
+          <a:prstGeom prst="rect">
+            <a:avLst/>
+          </a:prstGeom>
+        </p:spPr>
+      </p:pic>
+      <p:pic>
+        <p:nvPicPr>
+          <p:cNvPr id="3074" name="Picture 2"/>
+          <p:cNvPicPr>
+            <a:picLocks noChangeAspect="1" noChangeArrowheads="1"/>
+          </p:cNvPicPr>
+          <p:nvPr/>
+        </p:nvPicPr>
+        <p:blipFill>
+          <a:blip r:embed="rId5">
+            <a:extLst>
+              <a:ext uri="{28A0092B-C50C-407E-A947-70E740481C1C}">
+                <a14:useLocalDpi xmlns:a14="http://schemas.microsoft.com/office/drawing/2010/main" val="0"/>
+              </a:ext>
+            </a:extLst>
+          </a:blip>
+          <a:srcRect/>
+          <a:stretch>
+            <a:fillRect/>
+          </a:stretch>
+        </p:blipFill>
+        <p:spPr bwMode="auto">
+          <a:xfrm>
+            <a:off x="467544" y="911198"/>
+            <a:ext cx="2829491" cy="1728192"/>
+          </a:xfrm>
+          <a:prstGeom prst="rect">
+            <a:avLst/>
+          </a:prstGeom>
+          <a:noFill/>
+          <a:ln>
+            <a:noFill/>
+          </a:ln>
+          <a:effectLst/>
+          <a:extLst>
+            <a:ext uri="{909E8E84-426E-40DD-AFC4-6F175D3DCCD1}">
+              <a14:hiddenFill xmlns:a14="http://schemas.microsoft.com/office/drawing/2010/main">
+                <a:solidFill>
+                  <a:schemeClr val="accent1"/>
+                </a:solidFill>
+              </a14:hiddenFill>
+            </a:ext>
+            <a:ext uri="{91240B29-F687-4F45-9708-019B960494DF}">
+              <a14:hiddenLine xmlns:a14="http://schemas.microsoft.com/office/drawing/2010/main" w="9525">
+                <a:solidFill>
+                  <a:schemeClr val="tx1"/>
+                </a:solidFill>
+                <a:miter lim="800000"/>
+                <a:headEnd/>
+                <a:tailEnd/>
+              </a14:hiddenLine>
+            </a:ext>
+            <a:ext uri="{AF507438-7753-43E0-B8FC-AC1667EBCBE1}">
+              <a14:hiddenEffects xmlns:a14="http://schemas.microsoft.com/office/drawing/2010/main">
+                <a:effectLst>
+                  <a:outerShdw dist="35921" dir="2700000" algn="ctr" rotWithShape="0">
+                    <a:schemeClr val="bg2"/>
+                  </a:outerShdw>
+                </a:effectLst>
+              </a14:hiddenEffects>
+            </a:ext>
+          </a:extLst>
+        </p:spPr>
+      </p:pic>
+      <p:pic>
+        <p:nvPicPr>
+          <p:cNvPr id="3" name="Рисунок 2"/>
+          <p:cNvPicPr>
+            <a:picLocks noChangeAspect="1"/>
+          </p:cNvPicPr>
+          <p:nvPr/>
+        </p:nvPicPr>
+        <p:blipFill>
+          <a:blip r:embed="rId6"/>
+          <a:stretch>
+            <a:fillRect/>
+          </a:stretch>
+        </p:blipFill>
+        <p:spPr>
+          <a:xfrm>
+            <a:off x="467544" y="2787774"/>
+            <a:ext cx="3477910" cy="471910"/>
+          </a:xfrm>
+          <a:prstGeom prst="rect">
+            <a:avLst/>
+          </a:prstGeom>
+        </p:spPr>
+      </p:pic>
+      <p:pic>
+        <p:nvPicPr>
+          <p:cNvPr id="4" name="Рисунок 3"/>
+          <p:cNvPicPr>
+            <a:picLocks noChangeAspect="1"/>
+          </p:cNvPicPr>
+          <p:nvPr/>
+        </p:nvPicPr>
+        <p:blipFill>
+          <a:blip r:embed="rId7"/>
+          <a:stretch>
+            <a:fillRect/>
+          </a:stretch>
+        </p:blipFill>
+        <p:spPr>
+          <a:xfrm>
+            <a:off x="1115616" y="3259684"/>
+            <a:ext cx="1945285" cy="218845"/>
+          </a:xfrm>
+          <a:prstGeom prst="rect">
+            <a:avLst/>
+          </a:prstGeom>
+        </p:spPr>
+      </p:pic>
+      <p:pic>
+        <p:nvPicPr>
+          <p:cNvPr id="6" name="Рисунок 5"/>
+          <p:cNvPicPr>
+            <a:picLocks noChangeAspect="1"/>
+          </p:cNvPicPr>
+          <p:nvPr/>
+        </p:nvPicPr>
+        <p:blipFill>
+          <a:blip r:embed="rId8"/>
+          <a:stretch>
+            <a:fillRect/>
+          </a:stretch>
+        </p:blipFill>
+        <p:spPr>
+          <a:xfrm>
+            <a:off x="1279774" y="3475881"/>
+            <a:ext cx="1616968" cy="468921"/>
+          </a:xfrm>
+          <a:prstGeom prst="rect">
+            <a:avLst/>
+          </a:prstGeom>
+        </p:spPr>
+      </p:pic>
+      <p:pic>
+        <p:nvPicPr>
+          <p:cNvPr id="7" name="Рисунок 6"/>
+          <p:cNvPicPr>
+            <a:picLocks noChangeAspect="1"/>
+          </p:cNvPicPr>
+          <p:nvPr/>
+        </p:nvPicPr>
+        <p:blipFill>
+          <a:blip r:embed="rId9"/>
+          <a:stretch>
+            <a:fillRect/>
+          </a:stretch>
+        </p:blipFill>
+        <p:spPr>
+          <a:xfrm>
+            <a:off x="1270201" y="3878355"/>
+            <a:ext cx="1790700" cy="419100"/>
+          </a:xfrm>
+          <a:prstGeom prst="rect">
+            <a:avLst/>
+          </a:prstGeom>
+        </p:spPr>
+      </p:pic>
+      <p:pic>
+        <p:nvPicPr>
+          <p:cNvPr id="9" name="Рисунок 8"/>
+          <p:cNvPicPr>
+            <a:picLocks noChangeAspect="1"/>
+          </p:cNvPicPr>
+          <p:nvPr/>
+        </p:nvPicPr>
+        <p:blipFill>
+          <a:blip r:embed="rId10"/>
+          <a:stretch>
+            <a:fillRect/>
+          </a:stretch>
+        </p:blipFill>
+        <p:spPr>
+          <a:xfrm>
+            <a:off x="839661" y="4265285"/>
+            <a:ext cx="2733675" cy="314325"/>
+          </a:xfrm>
+          <a:prstGeom prst="rect">
+            <a:avLst/>
+          </a:prstGeom>
+        </p:spPr>
+      </p:pic>
+      <p:pic>
+        <p:nvPicPr>
+          <p:cNvPr id="12" name="Рисунок 11"/>
+          <p:cNvPicPr>
+            <a:picLocks noChangeAspect="1"/>
+          </p:cNvPicPr>
+          <p:nvPr/>
+        </p:nvPicPr>
+        <p:blipFill>
+          <a:blip r:embed="rId11"/>
+          <a:stretch>
+            <a:fillRect/>
+          </a:stretch>
+        </p:blipFill>
+        <p:spPr>
+          <a:xfrm>
+            <a:off x="732817" y="4500561"/>
+            <a:ext cx="2822777" cy="399532"/>
+          </a:xfrm>
+          <a:prstGeom prst="rect">
+            <a:avLst/>
+          </a:prstGeom>
+        </p:spPr>
+      </p:pic>
+      <p:pic>
+        <p:nvPicPr>
+          <p:cNvPr id="13" name="Рисунок 12"/>
+          <p:cNvPicPr>
+            <a:picLocks noChangeAspect="1"/>
+          </p:cNvPicPr>
+          <p:nvPr/>
+        </p:nvPicPr>
+        <p:blipFill>
+          <a:blip r:embed="rId12"/>
+          <a:stretch>
+            <a:fillRect/>
+          </a:stretch>
+        </p:blipFill>
+        <p:spPr>
+          <a:xfrm>
+            <a:off x="3269189" y="3322986"/>
+            <a:ext cx="1313707" cy="514361"/>
+          </a:xfrm>
+          <a:prstGeom prst="rect">
+            <a:avLst/>
+          </a:prstGeom>
+        </p:spPr>
+      </p:pic>
     </p:spTree>
     <p:extLst>
       <p:ext uri="{BB962C8B-B14F-4D97-AF65-F5344CB8AC3E}">
@@ -11466,12 +11620,12 @@
           <a:graphicData uri="http://schemas.openxmlformats.org/presentationml/2006/ole">
             <mc:AlternateContent xmlns:mc="http://schemas.openxmlformats.org/markup-compatibility/2006">
               <mc:Choice xmlns:v="urn:schemas-microsoft-com:vml" Requires="v">
-                <p:oleObj spid="_x0000_s1035" name="Visio" r:id="rId6" imgW="1514399" imgH="2266950" progId="Visio.Drawing.15">
+                <p:oleObj spid="_x0000_s1044" name="Visio" r:id="rId5" imgW="1514399" imgH="2266950" progId="Visio.Drawing.15">
                   <p:embed/>
                 </p:oleObj>
               </mc:Choice>
               <mc:Fallback>
-                <p:oleObj name="Visio" r:id="rId6" imgW="1514399" imgH="2266950" progId="Visio.Drawing.15">
+                <p:oleObj name="Visio" r:id="rId5" imgW="1514399" imgH="2266950" progId="Visio.Drawing.15">
                   <p:embed/>
                   <p:pic>
                     <p:nvPicPr>
@@ -11482,7 +11636,7 @@
                       <p:nvPr/>
                     </p:nvPicPr>
                     <p:blipFill>
-                      <a:blip r:embed="rId7">
+                      <a:blip r:embed="rId6">
                         <a:extLst>
                           <a:ext uri="{28A0092B-C50C-407E-A947-70E740481C1C}">
                             <a14:useLocalDpi xmlns:a14="http://schemas.microsoft.com/office/drawing/2010/main" val="0"/>
@@ -11730,12 +11884,12 @@
           <a:graphicData uri="http://schemas.openxmlformats.org/presentationml/2006/ole">
             <mc:AlternateContent xmlns:mc="http://schemas.openxmlformats.org/markup-compatibility/2006">
               <mc:Choice xmlns:v="urn:schemas-microsoft-com:vml" Requires="v">
-                <p:oleObj spid="_x0000_s2066" name="Visio" r:id="rId5" imgW="1514399" imgH="2219498" progId="Visio.Drawing.15">
+                <p:oleObj spid="_x0000_s2084" name="Visio" r:id="rId4" imgW="1514399" imgH="2219498" progId="Visio.Drawing.15">
                   <p:embed/>
                 </p:oleObj>
               </mc:Choice>
               <mc:Fallback>
-                <p:oleObj name="Visio" r:id="rId5" imgW="1514399" imgH="2219498" progId="Visio.Drawing.15">
+                <p:oleObj name="Visio" r:id="rId4" imgW="1514399" imgH="2219498" progId="Visio.Drawing.15">
                   <p:embed/>
                   <p:pic>
                     <p:nvPicPr>
@@ -11746,7 +11900,7 @@
                       <p:nvPr/>
                     </p:nvPicPr>
                     <p:blipFill>
-                      <a:blip r:embed="rId6">
+                      <a:blip r:embed="rId5">
                         <a:extLst>
                           <a:ext uri="{28A0092B-C50C-407E-A947-70E740481C1C}">
                             <a14:useLocalDpi xmlns:a14="http://schemas.microsoft.com/office/drawing/2010/main" val="0"/>
@@ -11835,14 +11989,14 @@
                 <a:gridCol w="2502413">
                   <a:extLst>
                     <a:ext uri="{9D8B030D-6E8A-4147-A177-3AD203B41FA5}">
-                      <a16:colId xmlns:a16="http://schemas.microsoft.com/office/drawing/2014/main" xmlns="" val="20000"/>
+                      <a16:colId xmlns="" xmlns:a16="http://schemas.microsoft.com/office/drawing/2014/main" val="20000"/>
                     </a:ext>
                   </a:extLst>
                 </a:gridCol>
                 <a:gridCol w="2498200">
                   <a:extLst>
                     <a:ext uri="{9D8B030D-6E8A-4147-A177-3AD203B41FA5}">
-                      <a16:colId xmlns:a16="http://schemas.microsoft.com/office/drawing/2014/main" xmlns="" val="20001"/>
+                      <a16:colId xmlns="" xmlns:a16="http://schemas.microsoft.com/office/drawing/2014/main" val="20001"/>
                     </a:ext>
                   </a:extLst>
                 </a:gridCol>
@@ -11972,7 +12126,7 @@
                 </a:tc>
                 <a:extLst>
                   <a:ext uri="{0D108BD9-81ED-4DB2-BD59-A6C34878D82A}">
-                    <a16:rowId xmlns:a16="http://schemas.microsoft.com/office/drawing/2014/main" xmlns="" val="10000"/>
+                    <a16:rowId xmlns="" xmlns:a16="http://schemas.microsoft.com/office/drawing/2014/main" val="10000"/>
                   </a:ext>
                 </a:extLst>
               </a:tr>
@@ -12079,7 +12233,7 @@
                 </a:tc>
                 <a:extLst>
                   <a:ext uri="{0D108BD9-81ED-4DB2-BD59-A6C34878D82A}">
-                    <a16:rowId xmlns:a16="http://schemas.microsoft.com/office/drawing/2014/main" xmlns="" val="10001"/>
+                    <a16:rowId xmlns="" xmlns:a16="http://schemas.microsoft.com/office/drawing/2014/main" val="10001"/>
                   </a:ext>
                 </a:extLst>
               </a:tr>
@@ -12964,7 +13118,7 @@
                     <a:gridCol w="4995735">
                       <a:extLst>
                         <a:ext uri="{9D8B030D-6E8A-4147-A177-3AD203B41FA5}">
-                          <a16:colId xmlns:a16="http://schemas.microsoft.com/office/drawing/2014/main" xmlns="" val="20000"/>
+                          <a16:colId xmlns="" xmlns:a16="http://schemas.microsoft.com/office/drawing/2014/main" val="20000"/>
                         </a:ext>
                       </a:extLst>
                     </a:gridCol>
@@ -13037,7 +13191,7 @@
                     </a:tc>
                     <a:extLst>
                       <a:ext uri="{0D108BD9-81ED-4DB2-BD59-A6C34878D82A}">
-                        <a16:rowId xmlns:a16="http://schemas.microsoft.com/office/drawing/2014/main" xmlns="" val="10000"/>
+                        <a16:rowId xmlns="" xmlns:a16="http://schemas.microsoft.com/office/drawing/2014/main" val="10000"/>
                       </a:ext>
                     </a:extLst>
                   </a:tr>
@@ -13423,7 +13577,7 @@
                     </a:tc>
                     <a:extLst>
                       <a:ext uri="{0D108BD9-81ED-4DB2-BD59-A6C34878D82A}">
-                        <a16:rowId xmlns:a16="http://schemas.microsoft.com/office/drawing/2014/main" xmlns="" val="10001"/>
+                        <a16:rowId xmlns="" xmlns:a16="http://schemas.microsoft.com/office/drawing/2014/main" val="10001"/>
                       </a:ext>
                     </a:extLst>
                   </a:tr>
@@ -13626,12 +13780,12 @@
           <a:graphicData uri="http://schemas.openxmlformats.org/presentationml/2006/ole">
             <mc:AlternateContent xmlns:mc="http://schemas.openxmlformats.org/markup-compatibility/2006">
               <mc:Choice xmlns:v="urn:schemas-microsoft-com:vml" Requires="v">
-                <p:oleObj spid="_x0000_s2067" r:id="rId13" imgW="666627" imgH="914400" progId="">
+                <p:oleObj spid="_x0000_s2085" r:id="rId12" imgW="666627" imgH="914400" progId="">
                   <p:embed/>
                 </p:oleObj>
               </mc:Choice>
               <mc:Fallback>
-                <p:oleObj r:id="rId13" imgW="666627" imgH="914400" progId="">
+                <p:oleObj r:id="rId12" imgW="666627" imgH="914400" progId="">
                   <p:embed/>
                   <p:pic>
                     <p:nvPicPr>
@@ -13642,7 +13796,7 @@
                       <p:nvPr/>
                     </p:nvPicPr>
                     <p:blipFill>
-                      <a:blip r:embed="rId14">
+                      <a:blip r:embed="rId13">
                         <a:extLst>
                           <a:ext uri="{28A0092B-C50C-407E-A947-70E740481C1C}">
                             <a14:useLocalDpi xmlns:a14="http://schemas.microsoft.com/office/drawing/2010/main" val="0"/>
@@ -13708,14 +13862,14 @@
                 <a:gridCol w="1738499">
                   <a:extLst>
                     <a:ext uri="{9D8B030D-6E8A-4147-A177-3AD203B41FA5}">
-                      <a16:colId xmlns:a16="http://schemas.microsoft.com/office/drawing/2014/main" xmlns="" val="20000"/>
+                      <a16:colId xmlns="" xmlns:a16="http://schemas.microsoft.com/office/drawing/2014/main" val="20000"/>
                     </a:ext>
                   </a:extLst>
                 </a:gridCol>
                 <a:gridCol w="1337307">
                   <a:extLst>
                     <a:ext uri="{9D8B030D-6E8A-4147-A177-3AD203B41FA5}">
-                      <a16:colId xmlns:a16="http://schemas.microsoft.com/office/drawing/2014/main" xmlns="" val="20001"/>
+                      <a16:colId xmlns="" xmlns:a16="http://schemas.microsoft.com/office/drawing/2014/main" val="20001"/>
                     </a:ext>
                   </a:extLst>
                 </a:gridCol>
@@ -13869,7 +14023,7 @@
                 </a:tc>
                 <a:extLst>
                   <a:ext uri="{0D108BD9-81ED-4DB2-BD59-A6C34878D82A}">
-                    <a16:rowId xmlns:a16="http://schemas.microsoft.com/office/drawing/2014/main" xmlns="" val="10000"/>
+                    <a16:rowId xmlns="" xmlns:a16="http://schemas.microsoft.com/office/drawing/2014/main" val="10000"/>
                   </a:ext>
                 </a:extLst>
               </a:tr>
@@ -14020,7 +14174,7 @@
                 </a:tc>
                 <a:extLst>
                   <a:ext uri="{0D108BD9-81ED-4DB2-BD59-A6C34878D82A}">
-                    <a16:rowId xmlns:a16="http://schemas.microsoft.com/office/drawing/2014/main" xmlns="" val="10001"/>
+                    <a16:rowId xmlns="" xmlns:a16="http://schemas.microsoft.com/office/drawing/2014/main" val="10001"/>
                   </a:ext>
                 </a:extLst>
               </a:tr>
@@ -14200,7 +14354,7 @@
                 </a:tc>
                 <a:extLst>
                   <a:ext uri="{0D108BD9-81ED-4DB2-BD59-A6C34878D82A}">
-                    <a16:rowId xmlns:a16="http://schemas.microsoft.com/office/drawing/2014/main" xmlns="" val="10002"/>
+                    <a16:rowId xmlns="" xmlns:a16="http://schemas.microsoft.com/office/drawing/2014/main" val="10002"/>
                   </a:ext>
                 </a:extLst>
               </a:tr>
@@ -14380,7 +14534,7 @@
                 </a:tc>
                 <a:extLst>
                   <a:ext uri="{0D108BD9-81ED-4DB2-BD59-A6C34878D82A}">
-                    <a16:rowId xmlns:a16="http://schemas.microsoft.com/office/drawing/2014/main" xmlns="" val="10003"/>
+                    <a16:rowId xmlns="" xmlns:a16="http://schemas.microsoft.com/office/drawing/2014/main" val="10003"/>
                   </a:ext>
                 </a:extLst>
               </a:tr>
@@ -14560,7 +14714,7 @@
                 </a:tc>
                 <a:extLst>
                   <a:ext uri="{0D108BD9-81ED-4DB2-BD59-A6C34878D82A}">
-                    <a16:rowId xmlns:a16="http://schemas.microsoft.com/office/drawing/2014/main" xmlns="" val="10004"/>
+                    <a16:rowId xmlns="" xmlns:a16="http://schemas.microsoft.com/office/drawing/2014/main" val="10004"/>
                   </a:ext>
                 </a:extLst>
               </a:tr>

--- a/Dissertacia/MyWork/DocWork/Дружинин_НТС_Май_ЦНИИ_РТК.pptx
+++ b/Dissertacia/MyWork/DocWork/Дружинин_НТС_Май_ЦНИИ_РТК.pptx
@@ -586,11 +586,11 @@
           <c:showPercent val="0"/>
           <c:showBubbleSize val="0"/>
         </c:dLbls>
-        <c:axId val="239689056"/>
-        <c:axId val="240074088"/>
+        <c:axId val="240647672"/>
+        <c:axId val="199353728"/>
       </c:scatterChart>
       <c:valAx>
-        <c:axId val="239689056"/>
+        <c:axId val="240647672"/>
         <c:scaling>
           <c:orientation val="minMax"/>
         </c:scaling>
@@ -650,6 +650,7 @@
               </a:p>
             </c:rich>
           </c:tx>
+          <c:layout/>
           <c:overlay val="0"/>
           <c:spPr>
             <a:noFill/>
@@ -696,12 +697,12 @@
             <a:endParaRPr lang="ru-RU"/>
           </a:p>
         </c:txPr>
-        <c:crossAx val="240074088"/>
+        <c:crossAx val="199353728"/>
         <c:crosses val="autoZero"/>
         <c:crossBetween val="midCat"/>
       </c:valAx>
       <c:valAx>
-        <c:axId val="240074088"/>
+        <c:axId val="199353728"/>
         <c:scaling>
           <c:orientation val="minMax"/>
           <c:max val="4"/>
@@ -766,6 +767,7 @@
               </a:p>
             </c:rich>
           </c:tx>
+          <c:layout/>
           <c:overlay val="0"/>
           <c:spPr>
             <a:noFill/>
@@ -812,7 +814,7 @@
             <a:endParaRPr lang="ru-RU"/>
           </a:p>
         </c:txPr>
-        <c:crossAx val="239689056"/>
+        <c:crossAx val="240647672"/>
         <c:crosses val="autoZero"/>
         <c:crossBetween val="midCat"/>
       </c:valAx>
@@ -826,6 +828,7 @@
     </c:plotArea>
     <c:legend>
       <c:legendPos val="b"/>
+      <c:layout/>
       <c:overlay val="0"/>
       <c:spPr>
         <a:noFill/>
@@ -935,6 +938,7 @@
           </a:p>
         </c:rich>
       </c:tx>
+      <c:layout/>
       <c:overlay val="0"/>
       <c:spPr>
         <a:noFill/>
@@ -1303,11 +1307,11 @@
           <c:showPercent val="0"/>
           <c:showBubbleSize val="0"/>
         </c:dLbls>
-        <c:axId val="239843312"/>
-        <c:axId val="239844720"/>
+        <c:axId val="240297592"/>
+        <c:axId val="240406416"/>
       </c:scatterChart>
       <c:valAx>
-        <c:axId val="239843312"/>
+        <c:axId val="240297592"/>
         <c:scaling>
           <c:orientation val="minMax"/>
         </c:scaling>
@@ -1368,6 +1372,7 @@
               </a:p>
             </c:rich>
           </c:tx>
+          <c:layout/>
           <c:overlay val="0"/>
           <c:spPr>
             <a:noFill/>
@@ -1414,12 +1419,12 @@
             <a:endParaRPr lang="ru-RU"/>
           </a:p>
         </c:txPr>
-        <c:crossAx val="239844720"/>
+        <c:crossAx val="240406416"/>
         <c:crosses val="autoZero"/>
         <c:crossBetween val="midCat"/>
       </c:valAx>
       <c:valAx>
-        <c:axId val="239844720"/>
+        <c:axId val="240406416"/>
         <c:scaling>
           <c:orientation val="minMax"/>
         </c:scaling>
@@ -1488,6 +1493,7 @@
               </a:p>
             </c:rich>
           </c:tx>
+          <c:layout/>
           <c:overlay val="0"/>
           <c:spPr>
             <a:noFill/>
@@ -1534,7 +1540,7 @@
             <a:endParaRPr lang="ru-RU"/>
           </a:p>
         </c:txPr>
-        <c:crossAx val="239843312"/>
+        <c:crossAx val="240297592"/>
         <c:crosses val="autoZero"/>
         <c:crossBetween val="midCat"/>
       </c:valAx>
@@ -1548,6 +1554,7 @@
     </c:plotArea>
     <c:legend>
       <c:legendPos val="b"/>
+      <c:layout/>
       <c:overlay val="0"/>
       <c:spPr>
         <a:noFill/>
@@ -1862,11 +1869,11 @@
           <c:showPercent val="0"/>
           <c:showBubbleSize val="0"/>
         </c:dLbls>
-        <c:axId val="239987152"/>
-        <c:axId val="239987536"/>
+        <c:axId val="240557640"/>
+        <c:axId val="240558024"/>
       </c:scatterChart>
       <c:valAx>
-        <c:axId val="239987152"/>
+        <c:axId val="240557640"/>
         <c:scaling>
           <c:orientation val="minMax"/>
         </c:scaling>
@@ -1927,6 +1934,7 @@
               </a:p>
             </c:rich>
           </c:tx>
+          <c:layout/>
           <c:overlay val="0"/>
           <c:spPr>
             <a:noFill/>
@@ -1973,12 +1981,12 @@
             <a:endParaRPr lang="ru-RU"/>
           </a:p>
         </c:txPr>
-        <c:crossAx val="239987536"/>
+        <c:crossAx val="240558024"/>
         <c:crosses val="autoZero"/>
         <c:crossBetween val="midCat"/>
       </c:valAx>
       <c:valAx>
-        <c:axId val="239987536"/>
+        <c:axId val="240558024"/>
         <c:scaling>
           <c:orientation val="minMax"/>
         </c:scaling>
@@ -2047,6 +2055,7 @@
               </a:p>
             </c:rich>
           </c:tx>
+          <c:layout/>
           <c:overlay val="0"/>
           <c:spPr>
             <a:noFill/>
@@ -2093,7 +2102,7 @@
             <a:endParaRPr lang="ru-RU"/>
           </a:p>
         </c:txPr>
-        <c:crossAx val="239987152"/>
+        <c:crossAx val="240557640"/>
         <c:crosses val="autoZero"/>
         <c:crossBetween val="midCat"/>
       </c:valAx>
@@ -2107,6 +2116,7 @@
     </c:plotArea>
     <c:legend>
       <c:legendPos val="b"/>
+      <c:layout/>
       <c:overlay val="0"/>
       <c:spPr>
         <a:noFill/>
@@ -9275,8 +9285,8 @@
         </p:blipFill>
         <p:spPr>
           <a:xfrm>
-            <a:off x="467544" y="2787774"/>
-            <a:ext cx="3477910" cy="471910"/>
+            <a:off x="471827" y="2707396"/>
+            <a:ext cx="4008599" cy="543918"/>
           </a:xfrm>
           <a:prstGeom prst="rect">
             <a:avLst/>
@@ -11620,7 +11630,7 @@
           <a:graphicData uri="http://schemas.openxmlformats.org/presentationml/2006/ole">
             <mc:AlternateContent xmlns:mc="http://schemas.openxmlformats.org/markup-compatibility/2006">
               <mc:Choice xmlns:v="urn:schemas-microsoft-com:vml" Requires="v">
-                <p:oleObj spid="_x0000_s1044" name="Visio" r:id="rId5" imgW="1514399" imgH="2266950" progId="Visio.Drawing.15">
+                <p:oleObj spid="_x0000_s1047" name="Visio" r:id="rId5" imgW="1514399" imgH="2266950" progId="Visio.Drawing.15">
                   <p:embed/>
                 </p:oleObj>
               </mc:Choice>
@@ -11738,6 +11748,163 @@
           </a:p>
         </p:txBody>
       </p:sp>
+      <mc:AlternateContent xmlns:mc="http://schemas.openxmlformats.org/markup-compatibility/2006">
+        <mc:Choice xmlns:a14="http://schemas.microsoft.com/office/drawing/2010/main" Requires="a14">
+          <p:sp>
+            <p:nvSpPr>
+              <p:cNvPr id="9" name="Прямоугольник 8"/>
+              <p:cNvSpPr/>
+              <p:nvPr/>
+            </p:nvSpPr>
+            <p:spPr>
+              <a:xfrm>
+                <a:off x="3167844" y="3147814"/>
+                <a:ext cx="1900777" cy="506421"/>
+              </a:xfrm>
+              <a:prstGeom prst="rect">
+                <a:avLst/>
+              </a:prstGeom>
+            </p:spPr>
+            <p:txBody>
+              <a:bodyPr wrap="none">
+                <a:spAutoFit/>
+              </a:bodyPr>
+              <a:lstStyle/>
+              <a:p>
+                <a:pPr/>
+                <a14:m>
+                  <m:oMathPara xmlns:m="http://schemas.openxmlformats.org/officeDocument/2006/math">
+                    <m:oMathParaPr>
+                      <m:jc m:val="centerGroup"/>
+                    </m:oMathParaPr>
+                    <m:oMath xmlns:m="http://schemas.openxmlformats.org/officeDocument/2006/math">
+                      <m:sSub>
+                        <m:sSubPr>
+                          <m:ctrlPr>
+                            <a:rPr lang="en-US" sz="2400" i="1">
+                              <a:latin typeface="Cambria Math" panose="02040503050406030204" pitchFamily="18" charset="0"/>
+                            </a:rPr>
+                          </m:ctrlPr>
+                        </m:sSubPr>
+                        <m:e>
+                          <m:acc>
+                            <m:accPr>
+                              <m:chr m:val="⃗"/>
+                              <m:ctrlPr>
+                                <a:rPr lang="en-US" sz="2400" i="1">
+                                  <a:latin typeface="Cambria Math" panose="02040503050406030204" pitchFamily="18" charset="0"/>
+                                </a:rPr>
+                              </m:ctrlPr>
+                            </m:accPr>
+                            <m:e>
+                              <m:r>
+                                <a:rPr lang="en-US" sz="2400" i="1">
+                                  <a:latin typeface="Cambria Math" panose="02040503050406030204" pitchFamily="18" charset="0"/>
+                                </a:rPr>
+                                <m:t>𝐹</m:t>
+                              </m:r>
+                            </m:e>
+                          </m:acc>
+                        </m:e>
+                        <m:sub>
+                          <m:r>
+                            <a:rPr lang="en-US" sz="2400" i="1">
+                              <a:latin typeface="Cambria Math" panose="02040503050406030204" pitchFamily="18" charset="0"/>
+                            </a:rPr>
+                            <m:t>𝑛𝑒𝑒𝑑𝑙𝑒</m:t>
+                          </m:r>
+                        </m:sub>
+                      </m:sSub>
+                      <m:r>
+                        <a:rPr lang="en-US" sz="2400" i="1">
+                          <a:latin typeface="Cambria Math" panose="02040503050406030204" pitchFamily="18" charset="0"/>
+                        </a:rPr>
+                        <m:t>= </m:t>
+                      </m:r>
+                      <m:sSub>
+                        <m:sSubPr>
+                          <m:ctrlPr>
+                            <a:rPr lang="en-US" sz="2400" i="1">
+                              <a:latin typeface="Cambria Math" panose="02040503050406030204" pitchFamily="18" charset="0"/>
+                            </a:rPr>
+                          </m:ctrlPr>
+                        </m:sSubPr>
+                        <m:e>
+                          <m:acc>
+                            <m:accPr>
+                              <m:chr m:val="⃗"/>
+                              <m:ctrlPr>
+                                <a:rPr lang="en-US" sz="2400" i="1">
+                                  <a:latin typeface="Cambria Math" panose="02040503050406030204" pitchFamily="18" charset="0"/>
+                                </a:rPr>
+                              </m:ctrlPr>
+                            </m:accPr>
+                            <m:e>
+                              <m:r>
+                                <a:rPr lang="en-US" sz="2400" i="1">
+                                  <a:latin typeface="Cambria Math" panose="02040503050406030204" pitchFamily="18" charset="0"/>
+                                </a:rPr>
+                                <m:t>𝐹</m:t>
+                              </m:r>
+                            </m:e>
+                          </m:acc>
+                        </m:e>
+                        <m:sub>
+                          <m:r>
+                            <a:rPr lang="en-US" sz="2400" i="1">
+                              <a:latin typeface="Cambria Math" panose="02040503050406030204" pitchFamily="18" charset="0"/>
+                            </a:rPr>
+                            <m:t>𝑡</m:t>
+                          </m:r>
+                        </m:sub>
+                      </m:sSub>
+                    </m:oMath>
+                  </m:oMathPara>
+                </a14:m>
+                <a:endParaRPr lang="ru-RU" sz="2400" dirty="0"/>
+              </a:p>
+            </p:txBody>
+          </p:sp>
+        </mc:Choice>
+        <mc:Fallback>
+          <p:sp>
+            <p:nvSpPr>
+              <p:cNvPr id="9" name="Прямоугольник 8"/>
+              <p:cNvSpPr>
+                <a:spLocks noRot="1" noChangeAspect="1" noMove="1" noResize="1" noEditPoints="1" noAdjustHandles="1" noChangeArrowheads="1" noChangeShapeType="1" noTextEdit="1"/>
+              </p:cNvSpPr>
+              <p:nvPr/>
+            </p:nvSpPr>
+            <p:spPr>
+              <a:xfrm>
+                <a:off x="3167844" y="3147814"/>
+                <a:ext cx="1900777" cy="506421"/>
+              </a:xfrm>
+              <a:prstGeom prst="rect">
+                <a:avLst/>
+              </a:prstGeom>
+              <a:blipFill rotWithShape="0">
+                <a:blip r:embed="rId7"/>
+                <a:stretch>
+                  <a:fillRect/>
+                </a:stretch>
+              </a:blipFill>
+            </p:spPr>
+            <p:txBody>
+              <a:bodyPr/>
+              <a:lstStyle/>
+              <a:p>
+                <a:r>
+                  <a:rPr lang="ru-RU">
+                    <a:noFill/>
+                  </a:rPr>
+                  <a:t> </a:t>
+                </a:r>
+              </a:p>
+            </p:txBody>
+          </p:sp>
+        </mc:Fallback>
+      </mc:AlternateContent>
     </p:spTree>
     <p:extLst>
       <p:ext uri="{BB962C8B-B14F-4D97-AF65-F5344CB8AC3E}">
@@ -11884,7 +12051,7 @@
           <a:graphicData uri="http://schemas.openxmlformats.org/presentationml/2006/ole">
             <mc:AlternateContent xmlns:mc="http://schemas.openxmlformats.org/markup-compatibility/2006">
               <mc:Choice xmlns:v="urn:schemas-microsoft-com:vml" Requires="v">
-                <p:oleObj spid="_x0000_s2084" name="Visio" r:id="rId4" imgW="1514399" imgH="2219498" progId="Visio.Drawing.15">
+                <p:oleObj spid="_x0000_s2090" name="Visio" r:id="rId4" imgW="1514399" imgH="2219498" progId="Visio.Drawing.15">
                   <p:embed/>
                 </p:oleObj>
               </mc:Choice>
@@ -11989,14 +12156,14 @@
                 <a:gridCol w="2502413">
                   <a:extLst>
                     <a:ext uri="{9D8B030D-6E8A-4147-A177-3AD203B41FA5}">
-                      <a16:colId xmlns="" xmlns:a16="http://schemas.microsoft.com/office/drawing/2014/main" val="20000"/>
+                      <a16:colId xmlns:a16="http://schemas.microsoft.com/office/drawing/2014/main" xmlns="" val="20000"/>
                     </a:ext>
                   </a:extLst>
                 </a:gridCol>
                 <a:gridCol w="2498200">
                   <a:extLst>
                     <a:ext uri="{9D8B030D-6E8A-4147-A177-3AD203B41FA5}">
-                      <a16:colId xmlns="" xmlns:a16="http://schemas.microsoft.com/office/drawing/2014/main" val="20001"/>
+                      <a16:colId xmlns:a16="http://schemas.microsoft.com/office/drawing/2014/main" xmlns="" val="20001"/>
                     </a:ext>
                   </a:extLst>
                 </a:gridCol>
@@ -12126,7 +12293,7 @@
                 </a:tc>
                 <a:extLst>
                   <a:ext uri="{0D108BD9-81ED-4DB2-BD59-A6C34878D82A}">
-                    <a16:rowId xmlns="" xmlns:a16="http://schemas.microsoft.com/office/drawing/2014/main" val="10000"/>
+                    <a16:rowId xmlns:a16="http://schemas.microsoft.com/office/drawing/2014/main" xmlns="" val="10000"/>
                   </a:ext>
                 </a:extLst>
               </a:tr>
@@ -12233,7 +12400,7 @@
                 </a:tc>
                 <a:extLst>
                   <a:ext uri="{0D108BD9-81ED-4DB2-BD59-A6C34878D82A}">
-                    <a16:rowId xmlns="" xmlns:a16="http://schemas.microsoft.com/office/drawing/2014/main" val="10001"/>
+                    <a16:rowId xmlns:a16="http://schemas.microsoft.com/office/drawing/2014/main" xmlns="" val="10001"/>
                   </a:ext>
                 </a:extLst>
               </a:tr>
@@ -13118,7 +13285,7 @@
                     <a:gridCol w="4995735">
                       <a:extLst>
                         <a:ext uri="{9D8B030D-6E8A-4147-A177-3AD203B41FA5}">
-                          <a16:colId xmlns="" xmlns:a16="http://schemas.microsoft.com/office/drawing/2014/main" val="20000"/>
+                          <a16:colId xmlns:a16="http://schemas.microsoft.com/office/drawing/2014/main" xmlns="" val="20000"/>
                         </a:ext>
                       </a:extLst>
                     </a:gridCol>
@@ -13191,7 +13358,7 @@
                     </a:tc>
                     <a:extLst>
                       <a:ext uri="{0D108BD9-81ED-4DB2-BD59-A6C34878D82A}">
-                        <a16:rowId xmlns="" xmlns:a16="http://schemas.microsoft.com/office/drawing/2014/main" val="10000"/>
+                        <a16:rowId xmlns:a16="http://schemas.microsoft.com/office/drawing/2014/main" xmlns="" val="10000"/>
                       </a:ext>
                     </a:extLst>
                   </a:tr>
@@ -13577,7 +13744,7 @@
                     </a:tc>
                     <a:extLst>
                       <a:ext uri="{0D108BD9-81ED-4DB2-BD59-A6C34878D82A}">
-                        <a16:rowId xmlns="" xmlns:a16="http://schemas.microsoft.com/office/drawing/2014/main" val="10001"/>
+                        <a16:rowId xmlns:a16="http://schemas.microsoft.com/office/drawing/2014/main" xmlns="" val="10001"/>
                       </a:ext>
                     </a:extLst>
                   </a:tr>
@@ -13780,7 +13947,7 @@
           <a:graphicData uri="http://schemas.openxmlformats.org/presentationml/2006/ole">
             <mc:AlternateContent xmlns:mc="http://schemas.openxmlformats.org/markup-compatibility/2006">
               <mc:Choice xmlns:v="urn:schemas-microsoft-com:vml" Requires="v">
-                <p:oleObj spid="_x0000_s2085" r:id="rId12" imgW="666627" imgH="914400" progId="">
+                <p:oleObj spid="_x0000_s2091" r:id="rId12" imgW="666627" imgH="914400" progId="">
                   <p:embed/>
                 </p:oleObj>
               </mc:Choice>
@@ -13862,14 +14029,14 @@
                 <a:gridCol w="1738499">
                   <a:extLst>
                     <a:ext uri="{9D8B030D-6E8A-4147-A177-3AD203B41FA5}">
-                      <a16:colId xmlns="" xmlns:a16="http://schemas.microsoft.com/office/drawing/2014/main" val="20000"/>
+                      <a16:colId xmlns:a16="http://schemas.microsoft.com/office/drawing/2014/main" xmlns="" val="20000"/>
                     </a:ext>
                   </a:extLst>
                 </a:gridCol>
                 <a:gridCol w="1337307">
                   <a:extLst>
                     <a:ext uri="{9D8B030D-6E8A-4147-A177-3AD203B41FA5}">
-                      <a16:colId xmlns="" xmlns:a16="http://schemas.microsoft.com/office/drawing/2014/main" val="20001"/>
+                      <a16:colId xmlns:a16="http://schemas.microsoft.com/office/drawing/2014/main" xmlns="" val="20001"/>
                     </a:ext>
                   </a:extLst>
                 </a:gridCol>
@@ -14023,7 +14190,7 @@
                 </a:tc>
                 <a:extLst>
                   <a:ext uri="{0D108BD9-81ED-4DB2-BD59-A6C34878D82A}">
-                    <a16:rowId xmlns="" xmlns:a16="http://schemas.microsoft.com/office/drawing/2014/main" val="10000"/>
+                    <a16:rowId xmlns:a16="http://schemas.microsoft.com/office/drawing/2014/main" xmlns="" val="10000"/>
                   </a:ext>
                 </a:extLst>
               </a:tr>
@@ -14174,7 +14341,7 @@
                 </a:tc>
                 <a:extLst>
                   <a:ext uri="{0D108BD9-81ED-4DB2-BD59-A6C34878D82A}">
-                    <a16:rowId xmlns="" xmlns:a16="http://schemas.microsoft.com/office/drawing/2014/main" val="10001"/>
+                    <a16:rowId xmlns:a16="http://schemas.microsoft.com/office/drawing/2014/main" xmlns="" val="10001"/>
                   </a:ext>
                 </a:extLst>
               </a:tr>
@@ -14354,7 +14521,7 @@
                 </a:tc>
                 <a:extLst>
                   <a:ext uri="{0D108BD9-81ED-4DB2-BD59-A6C34878D82A}">
-                    <a16:rowId xmlns="" xmlns:a16="http://schemas.microsoft.com/office/drawing/2014/main" val="10002"/>
+                    <a16:rowId xmlns:a16="http://schemas.microsoft.com/office/drawing/2014/main" xmlns="" val="10002"/>
                   </a:ext>
                 </a:extLst>
               </a:tr>
@@ -14534,7 +14701,7 @@
                 </a:tc>
                 <a:extLst>
                   <a:ext uri="{0D108BD9-81ED-4DB2-BD59-A6C34878D82A}">
-                    <a16:rowId xmlns="" xmlns:a16="http://schemas.microsoft.com/office/drawing/2014/main" val="10003"/>
+                    <a16:rowId xmlns:a16="http://schemas.microsoft.com/office/drawing/2014/main" xmlns="" val="10003"/>
                   </a:ext>
                 </a:extLst>
               </a:tr>
@@ -14714,7 +14881,7 @@
                 </a:tc>
                 <a:extLst>
                   <a:ext uri="{0D108BD9-81ED-4DB2-BD59-A6C34878D82A}">
-                    <a16:rowId xmlns="" xmlns:a16="http://schemas.microsoft.com/office/drawing/2014/main" val="10004"/>
+                    <a16:rowId xmlns:a16="http://schemas.microsoft.com/office/drawing/2014/main" xmlns="" val="10004"/>
                   </a:ext>
                 </a:extLst>
               </a:tr>

--- a/Dissertacia/MyWork/DocWork/Дружинин_НТС_Май_ЦНИИ_РТК.pptx
+++ b/Dissertacia/MyWork/DocWork/Дружинин_НТС_Май_ЦНИИ_РТК.pptx
@@ -586,11 +586,11 @@
           <c:showPercent val="0"/>
           <c:showBubbleSize val="0"/>
         </c:dLbls>
-        <c:axId val="240647672"/>
-        <c:axId val="199353728"/>
+        <c:axId val="245754920"/>
+        <c:axId val="245445824"/>
       </c:scatterChart>
       <c:valAx>
-        <c:axId val="240647672"/>
+        <c:axId val="245754920"/>
         <c:scaling>
           <c:orientation val="minMax"/>
         </c:scaling>
@@ -650,7 +650,6 @@
               </a:p>
             </c:rich>
           </c:tx>
-          <c:layout/>
           <c:overlay val="0"/>
           <c:spPr>
             <a:noFill/>
@@ -697,12 +696,12 @@
             <a:endParaRPr lang="ru-RU"/>
           </a:p>
         </c:txPr>
-        <c:crossAx val="199353728"/>
+        <c:crossAx val="245445824"/>
         <c:crosses val="autoZero"/>
         <c:crossBetween val="midCat"/>
       </c:valAx>
       <c:valAx>
-        <c:axId val="199353728"/>
+        <c:axId val="245445824"/>
         <c:scaling>
           <c:orientation val="minMax"/>
           <c:max val="4"/>
@@ -767,7 +766,6 @@
               </a:p>
             </c:rich>
           </c:tx>
-          <c:layout/>
           <c:overlay val="0"/>
           <c:spPr>
             <a:noFill/>
@@ -814,7 +812,7 @@
             <a:endParaRPr lang="ru-RU"/>
           </a:p>
         </c:txPr>
-        <c:crossAx val="240647672"/>
+        <c:crossAx val="245754920"/>
         <c:crosses val="autoZero"/>
         <c:crossBetween val="midCat"/>
       </c:valAx>
@@ -828,7 +826,6 @@
     </c:plotArea>
     <c:legend>
       <c:legendPos val="b"/>
-      <c:layout/>
       <c:overlay val="0"/>
       <c:spPr>
         <a:noFill/>
@@ -938,7 +935,6 @@
           </a:p>
         </c:rich>
       </c:tx>
-      <c:layout/>
       <c:overlay val="0"/>
       <c:spPr>
         <a:noFill/>
@@ -1307,11 +1303,11 @@
           <c:showPercent val="0"/>
           <c:showBubbleSize val="0"/>
         </c:dLbls>
-        <c:axId val="240297592"/>
-        <c:axId val="240406416"/>
+        <c:axId val="245386120"/>
+        <c:axId val="245507016"/>
       </c:scatterChart>
       <c:valAx>
-        <c:axId val="240297592"/>
+        <c:axId val="245386120"/>
         <c:scaling>
           <c:orientation val="minMax"/>
         </c:scaling>
@@ -1372,7 +1368,6 @@
               </a:p>
             </c:rich>
           </c:tx>
-          <c:layout/>
           <c:overlay val="0"/>
           <c:spPr>
             <a:noFill/>
@@ -1419,12 +1414,12 @@
             <a:endParaRPr lang="ru-RU"/>
           </a:p>
         </c:txPr>
-        <c:crossAx val="240406416"/>
+        <c:crossAx val="245507016"/>
         <c:crosses val="autoZero"/>
         <c:crossBetween val="midCat"/>
       </c:valAx>
       <c:valAx>
-        <c:axId val="240406416"/>
+        <c:axId val="245507016"/>
         <c:scaling>
           <c:orientation val="minMax"/>
         </c:scaling>
@@ -1493,7 +1488,6 @@
               </a:p>
             </c:rich>
           </c:tx>
-          <c:layout/>
           <c:overlay val="0"/>
           <c:spPr>
             <a:noFill/>
@@ -1540,7 +1534,7 @@
             <a:endParaRPr lang="ru-RU"/>
           </a:p>
         </c:txPr>
-        <c:crossAx val="240297592"/>
+        <c:crossAx val="245386120"/>
         <c:crosses val="autoZero"/>
         <c:crossBetween val="midCat"/>
       </c:valAx>
@@ -1554,7 +1548,6 @@
     </c:plotArea>
     <c:legend>
       <c:legendPos val="b"/>
-      <c:layout/>
       <c:overlay val="0"/>
       <c:spPr>
         <a:noFill/>
@@ -1869,11 +1862,11 @@
           <c:showPercent val="0"/>
           <c:showBubbleSize val="0"/>
         </c:dLbls>
-        <c:axId val="240557640"/>
-        <c:axId val="240558024"/>
+        <c:axId val="245690760"/>
+        <c:axId val="245691144"/>
       </c:scatterChart>
       <c:valAx>
-        <c:axId val="240557640"/>
+        <c:axId val="245690760"/>
         <c:scaling>
           <c:orientation val="minMax"/>
         </c:scaling>
@@ -1934,7 +1927,6 @@
               </a:p>
             </c:rich>
           </c:tx>
-          <c:layout/>
           <c:overlay val="0"/>
           <c:spPr>
             <a:noFill/>
@@ -1981,12 +1973,12 @@
             <a:endParaRPr lang="ru-RU"/>
           </a:p>
         </c:txPr>
-        <c:crossAx val="240558024"/>
+        <c:crossAx val="245691144"/>
         <c:crosses val="autoZero"/>
         <c:crossBetween val="midCat"/>
       </c:valAx>
       <c:valAx>
-        <c:axId val="240558024"/>
+        <c:axId val="245691144"/>
         <c:scaling>
           <c:orientation val="minMax"/>
         </c:scaling>
@@ -2055,7 +2047,6 @@
               </a:p>
             </c:rich>
           </c:tx>
-          <c:layout/>
           <c:overlay val="0"/>
           <c:spPr>
             <a:noFill/>
@@ -2102,7 +2093,7 @@
             <a:endParaRPr lang="ru-RU"/>
           </a:p>
         </c:txPr>
-        <c:crossAx val="240557640"/>
+        <c:crossAx val="245690760"/>
         <c:crosses val="autoZero"/>
         <c:crossBetween val="midCat"/>
       </c:valAx>
@@ -2116,7 +2107,6 @@
     </c:plotArea>
     <c:legend>
       <c:legendPos val="b"/>
-      <c:layout/>
       <c:overlay val="0"/>
       <c:spPr>
         <a:noFill/>
@@ -11630,12 +11620,12 @@
           <a:graphicData uri="http://schemas.openxmlformats.org/presentationml/2006/ole">
             <mc:AlternateContent xmlns:mc="http://schemas.openxmlformats.org/markup-compatibility/2006">
               <mc:Choice xmlns:v="urn:schemas-microsoft-com:vml" Requires="v">
-                <p:oleObj spid="_x0000_s1047" name="Visio" r:id="rId5" imgW="1514399" imgH="2266950" progId="Visio.Drawing.15">
+                <p:oleObj spid="_x0000_s1048" name="Visio" r:id="rId6" imgW="1514399" imgH="2266950" progId="Visio.Drawing.15">
                   <p:embed/>
                 </p:oleObj>
               </mc:Choice>
               <mc:Fallback>
-                <p:oleObj name="Visio" r:id="rId5" imgW="1514399" imgH="2266950" progId="Visio.Drawing.15">
+                <p:oleObj name="Visio" r:id="rId6" imgW="1514399" imgH="2266950" progId="Visio.Drawing.15">
                   <p:embed/>
                   <p:pic>
                     <p:nvPicPr>
@@ -11646,7 +11636,7 @@
                       <p:nvPr/>
                     </p:nvPicPr>
                     <p:blipFill>
-                      <a:blip r:embed="rId6">
+                      <a:blip r:embed="rId7">
                         <a:extLst>
                           <a:ext uri="{28A0092B-C50C-407E-A947-70E740481C1C}">
                             <a14:useLocalDpi xmlns:a14="http://schemas.microsoft.com/office/drawing/2010/main" val="0"/>
@@ -11748,8 +11738,8 @@
           </a:p>
         </p:txBody>
       </p:sp>
-      <mc:AlternateContent xmlns:mc="http://schemas.openxmlformats.org/markup-compatibility/2006">
-        <mc:Choice xmlns:a14="http://schemas.microsoft.com/office/drawing/2010/main" Requires="a14">
+      <mc:AlternateContent xmlns:mc="http://schemas.openxmlformats.org/markup-compatibility/2006" xmlns:a14="http://schemas.microsoft.com/office/drawing/2010/main">
+        <mc:Choice Requires="a14">
           <p:sp>
             <p:nvSpPr>
               <p:cNvPr id="9" name="Прямоугольник 8"/>
@@ -11866,7 +11856,7 @@
             </p:txBody>
           </p:sp>
         </mc:Choice>
-        <mc:Fallback>
+        <mc:Fallback xmlns="">
           <p:sp>
             <p:nvSpPr>
               <p:cNvPr id="9" name="Прямоугольник 8"/>
@@ -11884,7 +11874,7 @@
                 <a:avLst/>
               </a:prstGeom>
               <a:blipFill rotWithShape="0">
-                <a:blip r:embed="rId7"/>
+                <a:blip r:embed="rId8"/>
                 <a:stretch>
                   <a:fillRect/>
                 </a:stretch>
@@ -12051,12 +12041,12 @@
           <a:graphicData uri="http://schemas.openxmlformats.org/presentationml/2006/ole">
             <mc:AlternateContent xmlns:mc="http://schemas.openxmlformats.org/markup-compatibility/2006">
               <mc:Choice xmlns:v="urn:schemas-microsoft-com:vml" Requires="v">
-                <p:oleObj spid="_x0000_s2090" name="Visio" r:id="rId4" imgW="1514399" imgH="2219498" progId="Visio.Drawing.15">
+                <p:oleObj spid="_x0000_s2092" name="Visio" r:id="rId5" imgW="1514399" imgH="2219498" progId="Visio.Drawing.15">
                   <p:embed/>
                 </p:oleObj>
               </mc:Choice>
               <mc:Fallback>
-                <p:oleObj name="Visio" r:id="rId4" imgW="1514399" imgH="2219498" progId="Visio.Drawing.15">
+                <p:oleObj name="Visio" r:id="rId5" imgW="1514399" imgH="2219498" progId="Visio.Drawing.15">
                   <p:embed/>
                   <p:pic>
                     <p:nvPicPr>
@@ -12067,7 +12057,7 @@
                       <p:nvPr/>
                     </p:nvPicPr>
                     <p:blipFill>
-                      <a:blip r:embed="rId5">
+                      <a:blip r:embed="rId6">
                         <a:extLst>
                           <a:ext uri="{28A0092B-C50C-407E-A947-70E740481C1C}">
                             <a14:useLocalDpi xmlns:a14="http://schemas.microsoft.com/office/drawing/2010/main" val="0"/>
@@ -12156,14 +12146,14 @@
                 <a:gridCol w="2502413">
                   <a:extLst>
                     <a:ext uri="{9D8B030D-6E8A-4147-A177-3AD203B41FA5}">
-                      <a16:colId xmlns:a16="http://schemas.microsoft.com/office/drawing/2014/main" xmlns="" val="20000"/>
+                      <a16:colId xmlns="" xmlns:a16="http://schemas.microsoft.com/office/drawing/2014/main" val="20000"/>
                     </a:ext>
                   </a:extLst>
                 </a:gridCol>
                 <a:gridCol w="2498200">
                   <a:extLst>
                     <a:ext uri="{9D8B030D-6E8A-4147-A177-3AD203B41FA5}">
-                      <a16:colId xmlns:a16="http://schemas.microsoft.com/office/drawing/2014/main" xmlns="" val="20001"/>
+                      <a16:colId xmlns="" xmlns:a16="http://schemas.microsoft.com/office/drawing/2014/main" val="20001"/>
                     </a:ext>
                   </a:extLst>
                 </a:gridCol>
@@ -12293,7 +12283,7 @@
                 </a:tc>
                 <a:extLst>
                   <a:ext uri="{0D108BD9-81ED-4DB2-BD59-A6C34878D82A}">
-                    <a16:rowId xmlns:a16="http://schemas.microsoft.com/office/drawing/2014/main" xmlns="" val="10000"/>
+                    <a16:rowId xmlns="" xmlns:a16="http://schemas.microsoft.com/office/drawing/2014/main" val="10000"/>
                   </a:ext>
                 </a:extLst>
               </a:tr>
@@ -12400,7 +12390,7 @@
                 </a:tc>
                 <a:extLst>
                   <a:ext uri="{0D108BD9-81ED-4DB2-BD59-A6C34878D82A}">
-                    <a16:rowId xmlns:a16="http://schemas.microsoft.com/office/drawing/2014/main" xmlns="" val="10001"/>
+                    <a16:rowId xmlns="" xmlns:a16="http://schemas.microsoft.com/office/drawing/2014/main" val="10001"/>
                   </a:ext>
                 </a:extLst>
               </a:tr>
@@ -13285,7 +13275,7 @@
                     <a:gridCol w="4995735">
                       <a:extLst>
                         <a:ext uri="{9D8B030D-6E8A-4147-A177-3AD203B41FA5}">
-                          <a16:colId xmlns:a16="http://schemas.microsoft.com/office/drawing/2014/main" xmlns="" val="20000"/>
+                          <a16:colId xmlns="" xmlns:a16="http://schemas.microsoft.com/office/drawing/2014/main" val="20000"/>
                         </a:ext>
                       </a:extLst>
                     </a:gridCol>
@@ -13358,7 +13348,7 @@
                     </a:tc>
                     <a:extLst>
                       <a:ext uri="{0D108BD9-81ED-4DB2-BD59-A6C34878D82A}">
-                        <a16:rowId xmlns:a16="http://schemas.microsoft.com/office/drawing/2014/main" xmlns="" val="10000"/>
+                        <a16:rowId xmlns="" xmlns:a16="http://schemas.microsoft.com/office/drawing/2014/main" val="10000"/>
                       </a:ext>
                     </a:extLst>
                   </a:tr>
@@ -13744,7 +13734,7 @@
                     </a:tc>
                     <a:extLst>
                       <a:ext uri="{0D108BD9-81ED-4DB2-BD59-A6C34878D82A}">
-                        <a16:rowId xmlns:a16="http://schemas.microsoft.com/office/drawing/2014/main" xmlns="" val="10001"/>
+                        <a16:rowId xmlns="" xmlns:a16="http://schemas.microsoft.com/office/drawing/2014/main" val="10001"/>
                       </a:ext>
                     </a:extLst>
                   </a:tr>
@@ -13947,12 +13937,12 @@
           <a:graphicData uri="http://schemas.openxmlformats.org/presentationml/2006/ole">
             <mc:AlternateContent xmlns:mc="http://schemas.openxmlformats.org/markup-compatibility/2006">
               <mc:Choice xmlns:v="urn:schemas-microsoft-com:vml" Requires="v">
-                <p:oleObj spid="_x0000_s2091" r:id="rId12" imgW="666627" imgH="914400" progId="">
+                <p:oleObj spid="_x0000_s2093" r:id="rId13" imgW="666627" imgH="914400" progId="">
                   <p:embed/>
                 </p:oleObj>
               </mc:Choice>
               <mc:Fallback>
-                <p:oleObj r:id="rId12" imgW="666627" imgH="914400" progId="">
+                <p:oleObj r:id="rId13" imgW="666627" imgH="914400" progId="">
                   <p:embed/>
                   <p:pic>
                     <p:nvPicPr>
@@ -13963,7 +13953,7 @@
                       <p:nvPr/>
                     </p:nvPicPr>
                     <p:blipFill>
-                      <a:blip r:embed="rId13">
+                      <a:blip r:embed="rId14">
                         <a:extLst>
                           <a:ext uri="{28A0092B-C50C-407E-A947-70E740481C1C}">
                             <a14:useLocalDpi xmlns:a14="http://schemas.microsoft.com/office/drawing/2010/main" val="0"/>
@@ -14029,14 +14019,14 @@
                 <a:gridCol w="1738499">
                   <a:extLst>
                     <a:ext uri="{9D8B030D-6E8A-4147-A177-3AD203B41FA5}">
-                      <a16:colId xmlns:a16="http://schemas.microsoft.com/office/drawing/2014/main" xmlns="" val="20000"/>
+                      <a16:colId xmlns="" xmlns:a16="http://schemas.microsoft.com/office/drawing/2014/main" val="20000"/>
                     </a:ext>
                   </a:extLst>
                 </a:gridCol>
                 <a:gridCol w="1337307">
                   <a:extLst>
                     <a:ext uri="{9D8B030D-6E8A-4147-A177-3AD203B41FA5}">
-                      <a16:colId xmlns:a16="http://schemas.microsoft.com/office/drawing/2014/main" xmlns="" val="20001"/>
+                      <a16:colId xmlns="" xmlns:a16="http://schemas.microsoft.com/office/drawing/2014/main" val="20001"/>
                     </a:ext>
                   </a:extLst>
                 </a:gridCol>
@@ -14190,7 +14180,7 @@
                 </a:tc>
                 <a:extLst>
                   <a:ext uri="{0D108BD9-81ED-4DB2-BD59-A6C34878D82A}">
-                    <a16:rowId xmlns:a16="http://schemas.microsoft.com/office/drawing/2014/main" xmlns="" val="10000"/>
+                    <a16:rowId xmlns="" xmlns:a16="http://schemas.microsoft.com/office/drawing/2014/main" val="10000"/>
                   </a:ext>
                 </a:extLst>
               </a:tr>
@@ -14341,7 +14331,7 @@
                 </a:tc>
                 <a:extLst>
                   <a:ext uri="{0D108BD9-81ED-4DB2-BD59-A6C34878D82A}">
-                    <a16:rowId xmlns:a16="http://schemas.microsoft.com/office/drawing/2014/main" xmlns="" val="10001"/>
+                    <a16:rowId xmlns="" xmlns:a16="http://schemas.microsoft.com/office/drawing/2014/main" val="10001"/>
                   </a:ext>
                 </a:extLst>
               </a:tr>
@@ -14521,7 +14511,7 @@
                 </a:tc>
                 <a:extLst>
                   <a:ext uri="{0D108BD9-81ED-4DB2-BD59-A6C34878D82A}">
-                    <a16:rowId xmlns:a16="http://schemas.microsoft.com/office/drawing/2014/main" xmlns="" val="10002"/>
+                    <a16:rowId xmlns="" xmlns:a16="http://schemas.microsoft.com/office/drawing/2014/main" val="10002"/>
                   </a:ext>
                 </a:extLst>
               </a:tr>
@@ -14701,7 +14691,7 @@
                 </a:tc>
                 <a:extLst>
                   <a:ext uri="{0D108BD9-81ED-4DB2-BD59-A6C34878D82A}">
-                    <a16:rowId xmlns:a16="http://schemas.microsoft.com/office/drawing/2014/main" xmlns="" val="10003"/>
+                    <a16:rowId xmlns="" xmlns:a16="http://schemas.microsoft.com/office/drawing/2014/main" val="10003"/>
                   </a:ext>
                 </a:extLst>
               </a:tr>
@@ -14881,7 +14871,7 @@
                 </a:tc>
                 <a:extLst>
                   <a:ext uri="{0D108BD9-81ED-4DB2-BD59-A6C34878D82A}">
-                    <a16:rowId xmlns:a16="http://schemas.microsoft.com/office/drawing/2014/main" xmlns="" val="10004"/>
+                    <a16:rowId xmlns="" xmlns:a16="http://schemas.microsoft.com/office/drawing/2014/main" val="10004"/>
                   </a:ext>
                 </a:extLst>
               </a:tr>

--- a/Dissertacia/MyWork/DocWork/Дружинин_НТС_Май_ЦНИИ_РТК.pptx
+++ b/Dissertacia/MyWork/DocWork/Дружинин_НТС_Май_ЦНИИ_РТК.pptx
@@ -586,11 +586,11 @@
           <c:showPercent val="0"/>
           <c:showBubbleSize val="0"/>
         </c:dLbls>
-        <c:axId val="245754920"/>
-        <c:axId val="245445824"/>
+        <c:axId val="156785360"/>
+        <c:axId val="156779376"/>
       </c:scatterChart>
       <c:valAx>
-        <c:axId val="245754920"/>
+        <c:axId val="156785360"/>
         <c:scaling>
           <c:orientation val="minMax"/>
         </c:scaling>
@@ -650,6 +650,7 @@
               </a:p>
             </c:rich>
           </c:tx>
+          <c:layout/>
           <c:overlay val="0"/>
           <c:spPr>
             <a:noFill/>
@@ -696,12 +697,12 @@
             <a:endParaRPr lang="ru-RU"/>
           </a:p>
         </c:txPr>
-        <c:crossAx val="245445824"/>
+        <c:crossAx val="156779376"/>
         <c:crosses val="autoZero"/>
         <c:crossBetween val="midCat"/>
       </c:valAx>
       <c:valAx>
-        <c:axId val="245445824"/>
+        <c:axId val="156779376"/>
         <c:scaling>
           <c:orientation val="minMax"/>
           <c:max val="4"/>
@@ -766,6 +767,7 @@
               </a:p>
             </c:rich>
           </c:tx>
+          <c:layout/>
           <c:overlay val="0"/>
           <c:spPr>
             <a:noFill/>
@@ -812,7 +814,7 @@
             <a:endParaRPr lang="ru-RU"/>
           </a:p>
         </c:txPr>
-        <c:crossAx val="245754920"/>
+        <c:crossAx val="156785360"/>
         <c:crosses val="autoZero"/>
         <c:crossBetween val="midCat"/>
       </c:valAx>
@@ -826,6 +828,7 @@
     </c:plotArea>
     <c:legend>
       <c:legendPos val="b"/>
+      <c:layout/>
       <c:overlay val="0"/>
       <c:spPr>
         <a:noFill/>
@@ -1303,11 +1306,11 @@
           <c:showPercent val="0"/>
           <c:showBubbleSize val="0"/>
         </c:dLbls>
-        <c:axId val="245386120"/>
-        <c:axId val="245507016"/>
+        <c:axId val="156779920"/>
+        <c:axId val="156781552"/>
       </c:scatterChart>
       <c:valAx>
-        <c:axId val="245386120"/>
+        <c:axId val="156779920"/>
         <c:scaling>
           <c:orientation val="minMax"/>
         </c:scaling>
@@ -1414,12 +1417,12 @@
             <a:endParaRPr lang="ru-RU"/>
           </a:p>
         </c:txPr>
-        <c:crossAx val="245507016"/>
+        <c:crossAx val="156781552"/>
         <c:crosses val="autoZero"/>
         <c:crossBetween val="midCat"/>
       </c:valAx>
       <c:valAx>
-        <c:axId val="245507016"/>
+        <c:axId val="156781552"/>
         <c:scaling>
           <c:orientation val="minMax"/>
         </c:scaling>
@@ -1534,7 +1537,7 @@
             <a:endParaRPr lang="ru-RU"/>
           </a:p>
         </c:txPr>
-        <c:crossAx val="245386120"/>
+        <c:crossAx val="156779920"/>
         <c:crosses val="autoZero"/>
         <c:crossBetween val="midCat"/>
       </c:valAx>
@@ -1862,11 +1865,11 @@
           <c:showPercent val="0"/>
           <c:showBubbleSize val="0"/>
         </c:dLbls>
-        <c:axId val="245690760"/>
-        <c:axId val="245691144"/>
+        <c:axId val="156791344"/>
+        <c:axId val="156789168"/>
       </c:scatterChart>
       <c:valAx>
-        <c:axId val="245690760"/>
+        <c:axId val="156791344"/>
         <c:scaling>
           <c:orientation val="minMax"/>
         </c:scaling>
@@ -1973,12 +1976,12 @@
             <a:endParaRPr lang="ru-RU"/>
           </a:p>
         </c:txPr>
-        <c:crossAx val="245691144"/>
+        <c:crossAx val="156789168"/>
         <c:crosses val="autoZero"/>
         <c:crossBetween val="midCat"/>
       </c:valAx>
       <c:valAx>
-        <c:axId val="245691144"/>
+        <c:axId val="156789168"/>
         <c:scaling>
           <c:orientation val="minMax"/>
         </c:scaling>
@@ -2093,7 +2096,7 @@
             <a:endParaRPr lang="ru-RU"/>
           </a:p>
         </c:txPr>
-        <c:crossAx val="245690760"/>
+        <c:crossAx val="156791344"/>
         <c:crosses val="autoZero"/>
         <c:crossBetween val="midCat"/>
       </c:valAx>
@@ -6985,7 +6988,7 @@
                   <a:srgbClr val="003399"/>
                 </a:solidFill>
               </a:rPr>
-              <a:t>моделирования сравнение </a:t>
+              <a:t>моделирования и сравнение </a:t>
             </a:r>
             <a:r>
               <a:rPr lang="ru-RU" sz="2000" b="1" dirty="0">
@@ -8730,13 +8733,18 @@
           <a:lstStyle/>
           <a:p>
             <a:r>
-              <a:rPr lang="ru-RU" sz="2000" b="1" dirty="0">
+              <a:rPr lang="ru-RU" sz="2000" b="1" dirty="0" smtClean="0">
                 <a:solidFill>
                   <a:srgbClr val="003399"/>
                 </a:solidFill>
               </a:rPr>
-              <a:t>Робототехника в современной медицине</a:t>
-            </a:r>
+              <a:t>Введение</a:t>
+            </a:r>
+            <a:endParaRPr lang="ru-RU" sz="2000" b="1" dirty="0">
+              <a:solidFill>
+                <a:srgbClr val="003399"/>
+              </a:solidFill>
+            </a:endParaRPr>
           </a:p>
         </p:txBody>
       </p:sp>
@@ -8854,7 +8862,7 @@
                 <a:latin typeface="Arial" charset="0"/>
                 <a:cs typeface="Arial" charset="0"/>
               </a:rPr>
-              <a:t>операциях брахитерапии.</a:t>
+              <a:t>операциях брахитерапии. (14.575.21.0035)</a:t>
             </a:r>
           </a:p>
           <a:p>
@@ -9075,8 +9083,8 @@
         </p:nvSpPr>
         <p:spPr bwMode="auto">
           <a:xfrm>
-            <a:off x="748458" y="312738"/>
-            <a:ext cx="8274772" cy="400110"/>
+            <a:off x="748458" y="51470"/>
+            <a:ext cx="8274772" cy="707886"/>
           </a:xfrm>
           <a:prstGeom prst="rect">
             <a:avLst/>
@@ -9101,7 +9109,7 @@
                   <a:srgbClr val="003399"/>
                 </a:solidFill>
               </a:rPr>
-              <a:t>Результаты мат. моделирования и экспериментальных исследований</a:t>
+              <a:t>Результаты мат. моделирования и экспериментальных исследований выполненных в рамках ПНИЭР</a:t>
             </a:r>
             <a:endParaRPr lang="ru-RU" sz="2000" b="1" dirty="0">
               <a:solidFill>
@@ -9165,8 +9173,8 @@
         </p:blipFill>
         <p:spPr>
           <a:xfrm>
-            <a:off x="5485074" y="2842108"/>
-            <a:ext cx="3146558" cy="1440160"/>
+            <a:off x="1403648" y="3701415"/>
+            <a:ext cx="2321432" cy="1152825"/>
           </a:xfrm>
           <a:prstGeom prst="rect">
             <a:avLst/>
@@ -9187,246 +9195,363 @@
         </p:blipFill>
         <p:spPr>
           <a:xfrm>
-            <a:off x="5509693" y="911198"/>
-            <a:ext cx="3146558" cy="1732560"/>
+            <a:off x="1348816" y="2499742"/>
+            <a:ext cx="2376264" cy="1182201"/>
           </a:xfrm>
           <a:prstGeom prst="rect">
             <a:avLst/>
           </a:prstGeom>
         </p:spPr>
       </p:pic>
-      <p:pic>
-        <p:nvPicPr>
-          <p:cNvPr id="3074" name="Picture 2"/>
-          <p:cNvPicPr>
-            <a:picLocks noChangeAspect="1" noChangeArrowheads="1"/>
-          </p:cNvPicPr>
+      <p:grpSp>
+        <p:nvGrpSpPr>
+          <p:cNvPr id="15" name="Группа 14"/>
+          <p:cNvGrpSpPr/>
           <p:nvPr/>
-        </p:nvPicPr>
-        <p:blipFill>
-          <a:blip r:embed="rId5">
+        </p:nvGrpSpPr>
+        <p:grpSpPr>
+          <a:xfrm>
+            <a:off x="5004048" y="959423"/>
+            <a:ext cx="3600400" cy="3916583"/>
+            <a:chOff x="5076056" y="911198"/>
+            <a:chExt cx="3600400" cy="3916583"/>
+          </a:xfrm>
+        </p:grpSpPr>
+        <p:sp>
+          <p:nvSpPr>
+            <p:cNvPr id="14" name="Прямоугольник 13"/>
+            <p:cNvSpPr/>
+            <p:nvPr/>
+          </p:nvSpPr>
+          <p:spPr>
+            <a:xfrm>
+              <a:off x="5076056" y="911198"/>
+              <a:ext cx="3600400" cy="3028704"/>
+            </a:xfrm>
+            <a:prstGeom prst="rect">
+              <a:avLst/>
+            </a:prstGeom>
+            <a:solidFill>
+              <a:schemeClr val="bg1"/>
+            </a:solidFill>
+            <a:ln>
+              <a:solidFill>
+                <a:schemeClr val="bg1"/>
+              </a:solidFill>
+            </a:ln>
+          </p:spPr>
+          <p:style>
+            <a:lnRef idx="2">
+              <a:schemeClr val="accent1">
+                <a:shade val="50000"/>
+              </a:schemeClr>
+            </a:lnRef>
+            <a:fillRef idx="1">
+              <a:schemeClr val="accent1"/>
+            </a:fillRef>
+            <a:effectRef idx="0">
+              <a:schemeClr val="accent1"/>
+            </a:effectRef>
+            <a:fontRef idx="minor">
+              <a:schemeClr val="lt1"/>
+            </a:fontRef>
+          </p:style>
+          <p:txBody>
+            <a:bodyPr rtlCol="0" anchor="ctr"/>
+            <a:lstStyle/>
+            <a:p>
+              <a:pPr algn="ctr"/>
+              <a:endParaRPr lang="ru-RU"/>
+            </a:p>
+          </p:txBody>
+        </p:sp>
+        <p:pic>
+          <p:nvPicPr>
+            <p:cNvPr id="3074" name="Picture 2"/>
+            <p:cNvPicPr>
+              <a:picLocks noChangeAspect="1" noChangeArrowheads="1"/>
+            </p:cNvPicPr>
+            <p:nvPr/>
+          </p:nvPicPr>
+          <p:blipFill>
+            <a:blip r:embed="rId5">
+              <a:extLst>
+                <a:ext uri="{28A0092B-C50C-407E-A947-70E740481C1C}">
+                  <a14:useLocalDpi xmlns:a14="http://schemas.microsoft.com/office/drawing/2010/main" val="0"/>
+                </a:ext>
+              </a:extLst>
+            </a:blip>
+            <a:srcRect/>
+            <a:stretch>
+              <a:fillRect/>
+            </a:stretch>
+          </p:blipFill>
+          <p:spPr bwMode="auto">
+            <a:xfrm>
+              <a:off x="5076056" y="3507854"/>
+              <a:ext cx="2904255" cy="1319927"/>
+            </a:xfrm>
+            <a:prstGeom prst="rect">
+              <a:avLst/>
+            </a:prstGeom>
+            <a:noFill/>
+            <a:ln>
+              <a:noFill/>
+            </a:ln>
+            <a:effectLst/>
             <a:extLst>
-              <a:ext uri="{28A0092B-C50C-407E-A947-70E740481C1C}">
-                <a14:useLocalDpi xmlns:a14="http://schemas.microsoft.com/office/drawing/2010/main" val="0"/>
+              <a:ext uri="{909E8E84-426E-40DD-AFC4-6F175D3DCCD1}">
+                <a14:hiddenFill xmlns:a14="http://schemas.microsoft.com/office/drawing/2010/main">
+                  <a:solidFill>
+                    <a:schemeClr val="accent1"/>
+                  </a:solidFill>
+                </a14:hiddenFill>
+              </a:ext>
+              <a:ext uri="{91240B29-F687-4F45-9708-019B960494DF}">
+                <a14:hiddenLine xmlns:a14="http://schemas.microsoft.com/office/drawing/2010/main" w="9525">
+                  <a:solidFill>
+                    <a:schemeClr val="tx1"/>
+                  </a:solidFill>
+                  <a:miter lim="800000"/>
+                  <a:headEnd/>
+                  <a:tailEnd/>
+                </a14:hiddenLine>
+              </a:ext>
+              <a:ext uri="{AF507438-7753-43E0-B8FC-AC1667EBCBE1}">
+                <a14:hiddenEffects xmlns:a14="http://schemas.microsoft.com/office/drawing/2010/main">
+                  <a:effectLst>
+                    <a:outerShdw dist="35921" dir="2700000" algn="ctr" rotWithShape="0">
+                      <a:schemeClr val="bg2"/>
+                    </a:outerShdw>
+                  </a:effectLst>
+                </a14:hiddenEffects>
               </a:ext>
             </a:extLst>
-          </a:blip>
-          <a:srcRect/>
-          <a:stretch>
-            <a:fillRect/>
-          </a:stretch>
-        </p:blipFill>
-        <p:spPr bwMode="auto">
+          </p:spPr>
+        </p:pic>
+        <p:pic>
+          <p:nvPicPr>
+            <p:cNvPr id="3" name="Рисунок 2"/>
+            <p:cNvPicPr>
+              <a:picLocks noChangeAspect="1"/>
+            </p:cNvPicPr>
+            <p:nvPr/>
+          </p:nvPicPr>
+          <p:blipFill>
+            <a:blip r:embed="rId6"/>
+            <a:stretch>
+              <a:fillRect/>
+            </a:stretch>
+          </p:blipFill>
+          <p:spPr>
+            <a:xfrm>
+              <a:off x="5090530" y="912940"/>
+              <a:ext cx="3585925" cy="471910"/>
+            </a:xfrm>
+            <a:prstGeom prst="rect">
+              <a:avLst/>
+            </a:prstGeom>
+          </p:spPr>
+        </p:pic>
+        <p:pic>
+          <p:nvPicPr>
+            <p:cNvPr id="4" name="Рисунок 3"/>
+            <p:cNvPicPr>
+              <a:picLocks noChangeAspect="1"/>
+            </p:cNvPicPr>
+            <p:nvPr/>
+          </p:nvPicPr>
+          <p:blipFill>
+            <a:blip r:embed="rId7"/>
+            <a:stretch>
+              <a:fillRect/>
+            </a:stretch>
+          </p:blipFill>
+          <p:spPr>
+            <a:xfrm>
+              <a:off x="5076056" y="1402014"/>
+              <a:ext cx="1945285" cy="218845"/>
+            </a:xfrm>
+            <a:prstGeom prst="rect">
+              <a:avLst/>
+            </a:prstGeom>
+          </p:spPr>
+        </p:pic>
+        <p:pic>
+          <p:nvPicPr>
+            <p:cNvPr id="6" name="Рисунок 5"/>
+            <p:cNvPicPr>
+              <a:picLocks noChangeAspect="1"/>
+            </p:cNvPicPr>
+            <p:nvPr/>
+          </p:nvPicPr>
+          <p:blipFill>
+            <a:blip r:embed="rId8"/>
+            <a:stretch>
+              <a:fillRect/>
+            </a:stretch>
+          </p:blipFill>
+          <p:spPr>
+            <a:xfrm>
+              <a:off x="5404373" y="1603695"/>
+              <a:ext cx="1616968" cy="468921"/>
+            </a:xfrm>
+            <a:prstGeom prst="rect">
+              <a:avLst/>
+            </a:prstGeom>
+          </p:spPr>
+        </p:pic>
+        <p:pic>
+          <p:nvPicPr>
+            <p:cNvPr id="7" name="Рисунок 6"/>
+            <p:cNvPicPr>
+              <a:picLocks noChangeAspect="1"/>
+            </p:cNvPicPr>
+            <p:nvPr/>
+          </p:nvPicPr>
+          <p:blipFill>
+            <a:blip r:embed="rId9"/>
+            <a:stretch>
+              <a:fillRect/>
+            </a:stretch>
+          </p:blipFill>
+          <p:spPr>
+            <a:xfrm>
+              <a:off x="5348411" y="2576660"/>
+              <a:ext cx="1400573" cy="327794"/>
+            </a:xfrm>
+            <a:prstGeom prst="rect">
+              <a:avLst/>
+            </a:prstGeom>
+          </p:spPr>
+        </p:pic>
+        <p:pic>
+          <p:nvPicPr>
+            <p:cNvPr id="9" name="Рисунок 8"/>
+            <p:cNvPicPr>
+              <a:picLocks noChangeAspect="1"/>
+            </p:cNvPicPr>
+            <p:nvPr/>
+          </p:nvPicPr>
+          <p:blipFill>
+            <a:blip r:embed="rId10"/>
+            <a:stretch>
+              <a:fillRect/>
+            </a:stretch>
+          </p:blipFill>
+          <p:spPr>
+            <a:xfrm>
+              <a:off x="5435261" y="2921910"/>
+              <a:ext cx="2120767" cy="243851"/>
+            </a:xfrm>
+            <a:prstGeom prst="rect">
+              <a:avLst/>
+            </a:prstGeom>
+          </p:spPr>
+        </p:pic>
+        <p:pic>
+          <p:nvPicPr>
+            <p:cNvPr id="12" name="Рисунок 11"/>
+            <p:cNvPicPr>
+              <a:picLocks noChangeAspect="1"/>
+            </p:cNvPicPr>
+            <p:nvPr/>
+          </p:nvPicPr>
+          <p:blipFill>
+            <a:blip r:embed="rId11"/>
+            <a:stretch>
+              <a:fillRect/>
+            </a:stretch>
+          </p:blipFill>
+          <p:spPr>
+            <a:xfrm>
+              <a:off x="5292080" y="3165761"/>
+              <a:ext cx="2377824" cy="336554"/>
+            </a:xfrm>
+            <a:prstGeom prst="rect">
+              <a:avLst/>
+            </a:prstGeom>
+          </p:spPr>
+        </p:pic>
+        <p:pic>
+          <p:nvPicPr>
+            <p:cNvPr id="13" name="Рисунок 12"/>
+            <p:cNvPicPr>
+              <a:picLocks noChangeAspect="1"/>
+            </p:cNvPicPr>
+            <p:nvPr/>
+          </p:nvPicPr>
+          <p:blipFill>
+            <a:blip r:embed="rId12"/>
+            <a:stretch>
+              <a:fillRect/>
+            </a:stretch>
+          </p:blipFill>
+          <p:spPr>
+            <a:xfrm>
+              <a:off x="5404373" y="2071086"/>
+              <a:ext cx="1313707" cy="514361"/>
+            </a:xfrm>
+            <a:prstGeom prst="rect">
+              <a:avLst/>
+            </a:prstGeom>
+          </p:spPr>
+        </p:pic>
+      </p:grpSp>
+      <p:sp>
+        <p:nvSpPr>
+          <p:cNvPr id="2" name="TextBox 1"/>
+          <p:cNvSpPr txBox="1"/>
+          <p:nvPr/>
+        </p:nvSpPr>
+        <p:spPr>
           <a:xfrm>
             <a:off x="467544" y="911198"/>
-            <a:ext cx="2829491" cy="1728192"/>
+            <a:ext cx="4608512" cy="1477328"/>
           </a:xfrm>
           <a:prstGeom prst="rect">
             <a:avLst/>
           </a:prstGeom>
           <a:noFill/>
-          <a:ln>
-            <a:noFill/>
-          </a:ln>
-          <a:effectLst/>
-          <a:extLst>
-            <a:ext uri="{909E8E84-426E-40DD-AFC4-6F175D3DCCD1}">
-              <a14:hiddenFill xmlns:a14="http://schemas.microsoft.com/office/drawing/2010/main">
-                <a:solidFill>
-                  <a:schemeClr val="accent1"/>
-                </a:solidFill>
-              </a14:hiddenFill>
-            </a:ext>
-            <a:ext uri="{91240B29-F687-4F45-9708-019B960494DF}">
-              <a14:hiddenLine xmlns:a14="http://schemas.microsoft.com/office/drawing/2010/main" w="9525">
-                <a:solidFill>
-                  <a:schemeClr val="tx1"/>
-                </a:solidFill>
-                <a:miter lim="800000"/>
-                <a:headEnd/>
-                <a:tailEnd/>
-              </a14:hiddenLine>
-            </a:ext>
-            <a:ext uri="{AF507438-7753-43E0-B8FC-AC1667EBCBE1}">
-              <a14:hiddenEffects xmlns:a14="http://schemas.microsoft.com/office/drawing/2010/main">
-                <a:effectLst>
-                  <a:outerShdw dist="35921" dir="2700000" algn="ctr" rotWithShape="0">
-                    <a:schemeClr val="bg2"/>
-                  </a:outerShdw>
-                </a:effectLst>
-              </a14:hiddenEffects>
-            </a:ext>
-          </a:extLst>
         </p:spPr>
-      </p:pic>
-      <p:pic>
-        <p:nvPicPr>
-          <p:cNvPr id="3" name="Рисунок 2"/>
-          <p:cNvPicPr>
-            <a:picLocks noChangeAspect="1"/>
-          </p:cNvPicPr>
-          <p:nvPr/>
-        </p:nvPicPr>
-        <p:blipFill>
-          <a:blip r:embed="rId6"/>
-          <a:stretch>
-            <a:fillRect/>
-          </a:stretch>
-        </p:blipFill>
-        <p:spPr>
-          <a:xfrm>
-            <a:off x="471827" y="2707396"/>
-            <a:ext cx="4008599" cy="543918"/>
-          </a:xfrm>
-          <a:prstGeom prst="rect">
-            <a:avLst/>
-          </a:prstGeom>
-        </p:spPr>
-      </p:pic>
-      <p:pic>
-        <p:nvPicPr>
-          <p:cNvPr id="4" name="Рисунок 3"/>
-          <p:cNvPicPr>
-            <a:picLocks noChangeAspect="1"/>
-          </p:cNvPicPr>
-          <p:nvPr/>
-        </p:nvPicPr>
-        <p:blipFill>
-          <a:blip r:embed="rId7"/>
-          <a:stretch>
-            <a:fillRect/>
-          </a:stretch>
-        </p:blipFill>
-        <p:spPr>
-          <a:xfrm>
-            <a:off x="1115616" y="3259684"/>
-            <a:ext cx="1945285" cy="218845"/>
-          </a:xfrm>
-          <a:prstGeom prst="rect">
-            <a:avLst/>
-          </a:prstGeom>
-        </p:spPr>
-      </p:pic>
-      <p:pic>
-        <p:nvPicPr>
-          <p:cNvPr id="6" name="Рисунок 5"/>
-          <p:cNvPicPr>
-            <a:picLocks noChangeAspect="1"/>
-          </p:cNvPicPr>
-          <p:nvPr/>
-        </p:nvPicPr>
-        <p:blipFill>
-          <a:blip r:embed="rId8"/>
-          <a:stretch>
-            <a:fillRect/>
-          </a:stretch>
-        </p:blipFill>
-        <p:spPr>
-          <a:xfrm>
-            <a:off x="1279774" y="3475881"/>
-            <a:ext cx="1616968" cy="468921"/>
-          </a:xfrm>
-          <a:prstGeom prst="rect">
-            <a:avLst/>
-          </a:prstGeom>
-        </p:spPr>
-      </p:pic>
-      <p:pic>
-        <p:nvPicPr>
-          <p:cNvPr id="7" name="Рисунок 6"/>
-          <p:cNvPicPr>
-            <a:picLocks noChangeAspect="1"/>
-          </p:cNvPicPr>
-          <p:nvPr/>
-        </p:nvPicPr>
-        <p:blipFill>
-          <a:blip r:embed="rId9"/>
-          <a:stretch>
-            <a:fillRect/>
-          </a:stretch>
-        </p:blipFill>
-        <p:spPr>
-          <a:xfrm>
-            <a:off x="1270201" y="3878355"/>
-            <a:ext cx="1790700" cy="419100"/>
-          </a:xfrm>
-          <a:prstGeom prst="rect">
-            <a:avLst/>
-          </a:prstGeom>
-        </p:spPr>
-      </p:pic>
-      <p:pic>
-        <p:nvPicPr>
-          <p:cNvPr id="9" name="Рисунок 8"/>
-          <p:cNvPicPr>
-            <a:picLocks noChangeAspect="1"/>
-          </p:cNvPicPr>
-          <p:nvPr/>
-        </p:nvPicPr>
-        <p:blipFill>
-          <a:blip r:embed="rId10"/>
-          <a:stretch>
-            <a:fillRect/>
-          </a:stretch>
-        </p:blipFill>
-        <p:spPr>
-          <a:xfrm>
-            <a:off x="839661" y="4265285"/>
-            <a:ext cx="2733675" cy="314325"/>
-          </a:xfrm>
-          <a:prstGeom prst="rect">
-            <a:avLst/>
-          </a:prstGeom>
-        </p:spPr>
-      </p:pic>
-      <p:pic>
-        <p:nvPicPr>
-          <p:cNvPr id="12" name="Рисунок 11"/>
-          <p:cNvPicPr>
-            <a:picLocks noChangeAspect="1"/>
-          </p:cNvPicPr>
-          <p:nvPr/>
-        </p:nvPicPr>
-        <p:blipFill>
-          <a:blip r:embed="rId11"/>
-          <a:stretch>
-            <a:fillRect/>
-          </a:stretch>
-        </p:blipFill>
-        <p:spPr>
-          <a:xfrm>
-            <a:off x="732817" y="4500561"/>
-            <a:ext cx="2822777" cy="399532"/>
-          </a:xfrm>
-          <a:prstGeom prst="rect">
-            <a:avLst/>
-          </a:prstGeom>
-        </p:spPr>
-      </p:pic>
-      <p:pic>
-        <p:nvPicPr>
-          <p:cNvPr id="13" name="Рисунок 12"/>
-          <p:cNvPicPr>
-            <a:picLocks noChangeAspect="1"/>
-          </p:cNvPicPr>
-          <p:nvPr/>
-        </p:nvPicPr>
-        <p:blipFill>
-          <a:blip r:embed="rId12"/>
-          <a:stretch>
-            <a:fillRect/>
-          </a:stretch>
-        </p:blipFill>
-        <p:spPr>
-          <a:xfrm>
-            <a:off x="3269189" y="3322986"/>
-            <a:ext cx="1313707" cy="514361"/>
-          </a:xfrm>
-          <a:prstGeom prst="rect">
-            <a:avLst/>
-          </a:prstGeom>
-        </p:spPr>
-      </p:pic>
+        <p:txBody>
+          <a:bodyPr wrap="square" rtlCol="0">
+            <a:spAutoFit/>
+          </a:bodyPr>
+          <a:lstStyle/>
+          <a:p>
+            <a:pPr marL="285750" indent="-285750">
+              <a:buFont typeface="Arial" pitchFamily="34" charset="0"/>
+              <a:buChar char="•"/>
+            </a:pPr>
+            <a:r>
+              <a:rPr lang="ru-RU" dirty="0" smtClean="0"/>
+              <a:t>Разработана мат. модель.</a:t>
+            </a:r>
+          </a:p>
+          <a:p>
+            <a:pPr marL="285750" indent="-285750">
+              <a:buFont typeface="Arial" pitchFamily="34" charset="0"/>
+              <a:buChar char="•"/>
+            </a:pPr>
+            <a:r>
+              <a:rPr lang="ru-RU" dirty="0" smtClean="0"/>
+              <a:t>Проведены численные расчёты.</a:t>
+            </a:r>
+          </a:p>
+          <a:p>
+            <a:pPr marL="285750" indent="-285750">
+              <a:buFont typeface="Arial" pitchFamily="34" charset="0"/>
+              <a:buChar char="•"/>
+            </a:pPr>
+            <a:r>
+              <a:rPr lang="ru-RU" dirty="0" smtClean="0"/>
+              <a:t>Проведены экспериментальные исследования по реализации криволинейных траекторий.</a:t>
+            </a:r>
+            <a:endParaRPr lang="ru-RU" dirty="0"/>
+          </a:p>
+        </p:txBody>
+      </p:sp>
     </p:spTree>
     <p:extLst>
       <p:ext uri="{BB962C8B-B14F-4D97-AF65-F5344CB8AC3E}">
@@ -9503,8 +9628,21 @@
                   <a:srgbClr val="003399"/>
                 </a:solidFill>
               </a:rPr>
-              <a:t>Цель управления</a:t>
-            </a:r>
+              <a:t>Цель </a:t>
+            </a:r>
+            <a:r>
+              <a:rPr lang="ru-RU" sz="2000" b="1" dirty="0" smtClean="0">
+                <a:solidFill>
+                  <a:srgbClr val="003399"/>
+                </a:solidFill>
+              </a:rPr>
+              <a:t>работы</a:t>
+            </a:r>
+            <a:endParaRPr lang="ru-RU" sz="2000" b="1" dirty="0">
+              <a:solidFill>
+                <a:srgbClr val="003399"/>
+              </a:solidFill>
+            </a:endParaRPr>
           </a:p>
         </p:txBody>
       </p:sp>
@@ -9524,8 +9662,8 @@
         </p:blipFill>
         <p:spPr>
           <a:xfrm>
-            <a:off x="1371468" y="987574"/>
-            <a:ext cx="6450508" cy="1963198"/>
+            <a:off x="1209870" y="1975786"/>
+            <a:ext cx="4496676" cy="1368554"/>
           </a:xfrm>
           <a:prstGeom prst="rect">
             <a:avLst/>
@@ -9548,7 +9686,7 @@
         </p:blipFill>
         <p:spPr>
           <a:xfrm>
-            <a:off x="1206318" y="3225498"/>
+            <a:off x="1206318" y="3421622"/>
             <a:ext cx="3679526" cy="775344"/>
           </a:xfrm>
           <a:prstGeom prst="rect">
@@ -9566,7 +9704,7 @@
         </p:nvSpPr>
         <p:spPr>
           <a:xfrm>
-            <a:off x="5245884" y="3225498"/>
+            <a:off x="5245884" y="3421622"/>
             <a:ext cx="2808312" cy="792088"/>
           </a:xfrm>
           <a:prstGeom prst="rect">
@@ -9753,7 +9891,7 @@
         </p:blipFill>
         <p:spPr>
           <a:xfrm>
-            <a:off x="1209870" y="4017586"/>
+            <a:off x="1209870" y="4213710"/>
             <a:ext cx="3675974" cy="734304"/>
           </a:xfrm>
           <a:prstGeom prst="rect">
@@ -9771,7 +9909,7 @@
         </p:nvSpPr>
         <p:spPr>
           <a:xfrm>
-            <a:off x="5227807" y="4026289"/>
+            <a:off x="5227807" y="4222413"/>
             <a:ext cx="3052029" cy="725601"/>
           </a:xfrm>
           <a:prstGeom prst="rect">
@@ -9972,6 +10110,41 @@
               </a:rPr>
               <a:t>4</a:t>
             </a:r>
+          </a:p>
+        </p:txBody>
+      </p:sp>
+      <p:sp>
+        <p:nvSpPr>
+          <p:cNvPr id="4" name="TextBox 3"/>
+          <p:cNvSpPr txBox="1"/>
+          <p:nvPr/>
+        </p:nvSpPr>
+        <p:spPr>
+          <a:xfrm>
+            <a:off x="581264" y="987574"/>
+            <a:ext cx="8050368" cy="923330"/>
+          </a:xfrm>
+          <a:prstGeom prst="rect">
+            <a:avLst/>
+          </a:prstGeom>
+          <a:noFill/>
+        </p:spPr>
+        <p:txBody>
+          <a:bodyPr wrap="square" rtlCol="0">
+            <a:spAutoFit/>
+          </a:bodyPr>
+          <a:lstStyle/>
+          <a:p>
+            <a:pPr algn="just"/>
+            <a:r>
+              <a:rPr lang="ru-RU" b="1" dirty="0" smtClean="0"/>
+              <a:t>Цель: </a:t>
+            </a:r>
+            <a:r>
+              <a:rPr lang="ru-RU" dirty="0" smtClean="0"/>
+              <a:t>расчёт и прогнозирование отклонения иглы от прямолинейного движения при перемещении иглы в мягких тканях пациента в режиме реального времени.</a:t>
+            </a:r>
+            <a:endParaRPr lang="ru-RU" dirty="0"/>
           </a:p>
         </p:txBody>
       </p:sp>
@@ -11620,12 +11793,12 @@
           <a:graphicData uri="http://schemas.openxmlformats.org/presentationml/2006/ole">
             <mc:AlternateContent xmlns:mc="http://schemas.openxmlformats.org/markup-compatibility/2006">
               <mc:Choice xmlns:v="urn:schemas-microsoft-com:vml" Requires="v">
-                <p:oleObj spid="_x0000_s1048" name="Visio" r:id="rId6" imgW="1514399" imgH="2266950" progId="Visio.Drawing.15">
+                <p:oleObj spid="_x0000_s1050" name="Visio" r:id="rId5" imgW="1514399" imgH="2266950" progId="Visio.Drawing.15">
                   <p:embed/>
                 </p:oleObj>
               </mc:Choice>
               <mc:Fallback>
-                <p:oleObj name="Visio" r:id="rId6" imgW="1514399" imgH="2266950" progId="Visio.Drawing.15">
+                <p:oleObj name="Visio" r:id="rId5" imgW="1514399" imgH="2266950" progId="Visio.Drawing.15">
                   <p:embed/>
                   <p:pic>
                     <p:nvPicPr>
@@ -11636,7 +11809,7 @@
                       <p:nvPr/>
                     </p:nvPicPr>
                     <p:blipFill>
-                      <a:blip r:embed="rId7">
+                      <a:blip r:embed="rId6">
                         <a:extLst>
                           <a:ext uri="{28A0092B-C50C-407E-A947-70E740481C1C}">
                             <a14:useLocalDpi xmlns:a14="http://schemas.microsoft.com/office/drawing/2010/main" val="0"/>
@@ -11738,163 +11911,6 @@
           </a:p>
         </p:txBody>
       </p:sp>
-      <mc:AlternateContent xmlns:mc="http://schemas.openxmlformats.org/markup-compatibility/2006" xmlns:a14="http://schemas.microsoft.com/office/drawing/2010/main">
-        <mc:Choice Requires="a14">
-          <p:sp>
-            <p:nvSpPr>
-              <p:cNvPr id="9" name="Прямоугольник 8"/>
-              <p:cNvSpPr/>
-              <p:nvPr/>
-            </p:nvSpPr>
-            <p:spPr>
-              <a:xfrm>
-                <a:off x="3167844" y="3147814"/>
-                <a:ext cx="1900777" cy="506421"/>
-              </a:xfrm>
-              <a:prstGeom prst="rect">
-                <a:avLst/>
-              </a:prstGeom>
-            </p:spPr>
-            <p:txBody>
-              <a:bodyPr wrap="none">
-                <a:spAutoFit/>
-              </a:bodyPr>
-              <a:lstStyle/>
-              <a:p>
-                <a:pPr/>
-                <a14:m>
-                  <m:oMathPara xmlns:m="http://schemas.openxmlformats.org/officeDocument/2006/math">
-                    <m:oMathParaPr>
-                      <m:jc m:val="centerGroup"/>
-                    </m:oMathParaPr>
-                    <m:oMath xmlns:m="http://schemas.openxmlformats.org/officeDocument/2006/math">
-                      <m:sSub>
-                        <m:sSubPr>
-                          <m:ctrlPr>
-                            <a:rPr lang="en-US" sz="2400" i="1">
-                              <a:latin typeface="Cambria Math" panose="02040503050406030204" pitchFamily="18" charset="0"/>
-                            </a:rPr>
-                          </m:ctrlPr>
-                        </m:sSubPr>
-                        <m:e>
-                          <m:acc>
-                            <m:accPr>
-                              <m:chr m:val="⃗"/>
-                              <m:ctrlPr>
-                                <a:rPr lang="en-US" sz="2400" i="1">
-                                  <a:latin typeface="Cambria Math" panose="02040503050406030204" pitchFamily="18" charset="0"/>
-                                </a:rPr>
-                              </m:ctrlPr>
-                            </m:accPr>
-                            <m:e>
-                              <m:r>
-                                <a:rPr lang="en-US" sz="2400" i="1">
-                                  <a:latin typeface="Cambria Math" panose="02040503050406030204" pitchFamily="18" charset="0"/>
-                                </a:rPr>
-                                <m:t>𝐹</m:t>
-                              </m:r>
-                            </m:e>
-                          </m:acc>
-                        </m:e>
-                        <m:sub>
-                          <m:r>
-                            <a:rPr lang="en-US" sz="2400" i="1">
-                              <a:latin typeface="Cambria Math" panose="02040503050406030204" pitchFamily="18" charset="0"/>
-                            </a:rPr>
-                            <m:t>𝑛𝑒𝑒𝑑𝑙𝑒</m:t>
-                          </m:r>
-                        </m:sub>
-                      </m:sSub>
-                      <m:r>
-                        <a:rPr lang="en-US" sz="2400" i="1">
-                          <a:latin typeface="Cambria Math" panose="02040503050406030204" pitchFamily="18" charset="0"/>
-                        </a:rPr>
-                        <m:t>= </m:t>
-                      </m:r>
-                      <m:sSub>
-                        <m:sSubPr>
-                          <m:ctrlPr>
-                            <a:rPr lang="en-US" sz="2400" i="1">
-                              <a:latin typeface="Cambria Math" panose="02040503050406030204" pitchFamily="18" charset="0"/>
-                            </a:rPr>
-                          </m:ctrlPr>
-                        </m:sSubPr>
-                        <m:e>
-                          <m:acc>
-                            <m:accPr>
-                              <m:chr m:val="⃗"/>
-                              <m:ctrlPr>
-                                <a:rPr lang="en-US" sz="2400" i="1">
-                                  <a:latin typeface="Cambria Math" panose="02040503050406030204" pitchFamily="18" charset="0"/>
-                                </a:rPr>
-                              </m:ctrlPr>
-                            </m:accPr>
-                            <m:e>
-                              <m:r>
-                                <a:rPr lang="en-US" sz="2400" i="1">
-                                  <a:latin typeface="Cambria Math" panose="02040503050406030204" pitchFamily="18" charset="0"/>
-                                </a:rPr>
-                                <m:t>𝐹</m:t>
-                              </m:r>
-                            </m:e>
-                          </m:acc>
-                        </m:e>
-                        <m:sub>
-                          <m:r>
-                            <a:rPr lang="en-US" sz="2400" i="1">
-                              <a:latin typeface="Cambria Math" panose="02040503050406030204" pitchFamily="18" charset="0"/>
-                            </a:rPr>
-                            <m:t>𝑡</m:t>
-                          </m:r>
-                        </m:sub>
-                      </m:sSub>
-                    </m:oMath>
-                  </m:oMathPara>
-                </a14:m>
-                <a:endParaRPr lang="ru-RU" sz="2400" dirty="0"/>
-              </a:p>
-            </p:txBody>
-          </p:sp>
-        </mc:Choice>
-        <mc:Fallback xmlns="">
-          <p:sp>
-            <p:nvSpPr>
-              <p:cNvPr id="9" name="Прямоугольник 8"/>
-              <p:cNvSpPr>
-                <a:spLocks noRot="1" noChangeAspect="1" noMove="1" noResize="1" noEditPoints="1" noAdjustHandles="1" noChangeArrowheads="1" noChangeShapeType="1" noTextEdit="1"/>
-              </p:cNvSpPr>
-              <p:nvPr/>
-            </p:nvSpPr>
-            <p:spPr>
-              <a:xfrm>
-                <a:off x="3167844" y="3147814"/>
-                <a:ext cx="1900777" cy="506421"/>
-              </a:xfrm>
-              <a:prstGeom prst="rect">
-                <a:avLst/>
-              </a:prstGeom>
-              <a:blipFill rotWithShape="0">
-                <a:blip r:embed="rId8"/>
-                <a:stretch>
-                  <a:fillRect/>
-                </a:stretch>
-              </a:blipFill>
-            </p:spPr>
-            <p:txBody>
-              <a:bodyPr/>
-              <a:lstStyle/>
-              <a:p>
-                <a:r>
-                  <a:rPr lang="ru-RU">
-                    <a:noFill/>
-                  </a:rPr>
-                  <a:t> </a:t>
-                </a:r>
-              </a:p>
-            </p:txBody>
-          </p:sp>
-        </mc:Fallback>
-      </mc:AlternateContent>
     </p:spTree>
     <p:extLst>
       <p:ext uri="{BB962C8B-B14F-4D97-AF65-F5344CB8AC3E}">
@@ -12041,12 +12057,12 @@
           <a:graphicData uri="http://schemas.openxmlformats.org/presentationml/2006/ole">
             <mc:AlternateContent xmlns:mc="http://schemas.openxmlformats.org/markup-compatibility/2006">
               <mc:Choice xmlns:v="urn:schemas-microsoft-com:vml" Requires="v">
-                <p:oleObj spid="_x0000_s2092" name="Visio" r:id="rId5" imgW="1514399" imgH="2219498" progId="Visio.Drawing.15">
+                <p:oleObj spid="_x0000_s2096" name="Visio" r:id="rId4" imgW="1514399" imgH="2219498" progId="Visio.Drawing.15">
                   <p:embed/>
                 </p:oleObj>
               </mc:Choice>
               <mc:Fallback>
-                <p:oleObj name="Visio" r:id="rId5" imgW="1514399" imgH="2219498" progId="Visio.Drawing.15">
+                <p:oleObj name="Visio" r:id="rId4" imgW="1514399" imgH="2219498" progId="Visio.Drawing.15">
                   <p:embed/>
                   <p:pic>
                     <p:nvPicPr>
@@ -12057,7 +12073,7 @@
                       <p:nvPr/>
                     </p:nvPicPr>
                     <p:blipFill>
-                      <a:blip r:embed="rId6">
+                      <a:blip r:embed="rId5">
                         <a:extLst>
                           <a:ext uri="{28A0092B-C50C-407E-A947-70E740481C1C}">
                             <a14:useLocalDpi xmlns:a14="http://schemas.microsoft.com/office/drawing/2010/main" val="0"/>
@@ -13937,12 +13953,12 @@
           <a:graphicData uri="http://schemas.openxmlformats.org/presentationml/2006/ole">
             <mc:AlternateContent xmlns:mc="http://schemas.openxmlformats.org/markup-compatibility/2006">
               <mc:Choice xmlns:v="urn:schemas-microsoft-com:vml" Requires="v">
-                <p:oleObj spid="_x0000_s2093" r:id="rId13" imgW="666627" imgH="914400" progId="">
+                <p:oleObj spid="_x0000_s2097" r:id="rId12" imgW="666627" imgH="914400" progId="">
                   <p:embed/>
                 </p:oleObj>
               </mc:Choice>
               <mc:Fallback>
-                <p:oleObj r:id="rId13" imgW="666627" imgH="914400" progId="">
+                <p:oleObj r:id="rId12" imgW="666627" imgH="914400" progId="">
                   <p:embed/>
                   <p:pic>
                     <p:nvPicPr>
@@ -13953,7 +13969,7 @@
                       <p:nvPr/>
                     </p:nvPicPr>
                     <p:blipFill>
-                      <a:blip r:embed="rId14">
+                      <a:blip r:embed="rId13">
                         <a:extLst>
                           <a:ext uri="{28A0092B-C50C-407E-A947-70E740481C1C}">
                             <a14:useLocalDpi xmlns:a14="http://schemas.microsoft.com/office/drawing/2010/main" val="0"/>

--- a/Dissertacia/MyWork/DocWork/Дружинин_НТС_Май_ЦНИИ_РТК.pptx
+++ b/Dissertacia/MyWork/DocWork/Дружинин_НТС_Май_ЦНИИ_РТК.pptx
@@ -938,6 +938,7 @@
           </a:p>
         </c:rich>
       </c:tx>
+      <c:layout/>
       <c:overlay val="0"/>
       <c:spPr>
         <a:noFill/>
@@ -1371,6 +1372,7 @@
               </a:p>
             </c:rich>
           </c:tx>
+          <c:layout/>
           <c:overlay val="0"/>
           <c:spPr>
             <a:noFill/>
@@ -1491,6 +1493,7 @@
               </a:p>
             </c:rich>
           </c:tx>
+          <c:layout/>
           <c:overlay val="0"/>
           <c:spPr>
             <a:noFill/>
@@ -1551,6 +1554,7 @@
     </c:plotArea>
     <c:legend>
       <c:legendPos val="b"/>
+      <c:layout/>
       <c:overlay val="0"/>
       <c:spPr>
         <a:noFill/>
@@ -1930,6 +1934,7 @@
               </a:p>
             </c:rich>
           </c:tx>
+          <c:layout/>
           <c:overlay val="0"/>
           <c:spPr>
             <a:noFill/>
@@ -2050,6 +2055,7 @@
               </a:p>
             </c:rich>
           </c:tx>
+          <c:layout/>
           <c:overlay val="0"/>
           <c:spPr>
             <a:noFill/>
@@ -2110,6 +2116,7 @@
     </c:plotArea>
     <c:legend>
       <c:legendPos val="b"/>
+      <c:layout/>
       <c:overlay val="0"/>
       <c:spPr>
         <a:noFill/>
@@ -11793,7 +11800,7 @@
           <a:graphicData uri="http://schemas.openxmlformats.org/presentationml/2006/ole">
             <mc:AlternateContent xmlns:mc="http://schemas.openxmlformats.org/markup-compatibility/2006">
               <mc:Choice xmlns:v="urn:schemas-microsoft-com:vml" Requires="v">
-                <p:oleObj spid="_x0000_s1050" name="Visio" r:id="rId5" imgW="1514399" imgH="2266950" progId="Visio.Drawing.15">
+                <p:oleObj spid="_x0000_s1051" name="Visio" r:id="rId5" imgW="1514399" imgH="2266950" progId="Visio.Drawing.15">
                   <p:embed/>
                 </p:oleObj>
               </mc:Choice>
@@ -12057,7 +12064,7 @@
           <a:graphicData uri="http://schemas.openxmlformats.org/presentationml/2006/ole">
             <mc:AlternateContent xmlns:mc="http://schemas.openxmlformats.org/markup-compatibility/2006">
               <mc:Choice xmlns:v="urn:schemas-microsoft-com:vml" Requires="v">
-                <p:oleObj spid="_x0000_s2096" name="Visio" r:id="rId4" imgW="1514399" imgH="2219498" progId="Visio.Drawing.15">
+                <p:oleObj spid="_x0000_s2098" name="Visio" r:id="rId4" imgW="1514399" imgH="2219498" progId="Visio.Drawing.15">
                   <p:embed/>
                 </p:oleObj>
               </mc:Choice>
@@ -13953,7 +13960,7 @@
           <a:graphicData uri="http://schemas.openxmlformats.org/presentationml/2006/ole">
             <mc:AlternateContent xmlns:mc="http://schemas.openxmlformats.org/markup-compatibility/2006">
               <mc:Choice xmlns:v="urn:schemas-microsoft-com:vml" Requires="v">
-                <p:oleObj spid="_x0000_s2097" r:id="rId12" imgW="666627" imgH="914400" progId="">
+                <p:oleObj spid="_x0000_s2099" r:id="rId12" imgW="666627" imgH="914400" progId="">
                   <p:embed/>
                 </p:oleObj>
               </mc:Choice>
